--- a/talks/2025-01-26-0930.pptx
+++ b/talks/2025-01-26-0930.pptx
@@ -77,6 +77,7 @@
     <p:sldId id="323" r:id="rId72"/>
     <p:sldId id="324" r:id="rId73"/>
     <p:sldId id="325" r:id="rId74"/>
+    <p:sldId id="326" r:id="rId75"/>
   </p:sldIdLst>
   <p:sldSz cx="9144000" cy="6858000"/>
   <p:notesSz cx="7559675" cy="10691813"/>
@@ -134,7 +135,7 @@
         <p:txBody>
           <a:bodyPr/>
           <a:p>
-            <a:fld id="{B25C9B5C-59B5-43AE-AC73-72B57BEBB47D}" type="slidenum">
+            <a:fld id="{74D8B861-A921-4762-BD3A-13F34F164332}" type="slidenum">
               <a:t>&lt;#&gt;</a:t>
             </a:fld>
           </a:p>
@@ -322,7 +323,7 @@
         <p:txBody>
           <a:bodyPr/>
           <a:p>
-            <a:fld id="{893EF1EF-9E45-4FFA-B805-C96CB1BE9B1A}" type="slidenum">
+            <a:fld id="{AD5E85AD-F53A-4FE3-92F4-10B1C0F13790}" type="slidenum">
               <a:t>&lt;#&gt;</a:t>
             </a:fld>
           </a:p>
@@ -578,7 +579,7 @@
         <p:txBody>
           <a:bodyPr/>
           <a:p>
-            <a:fld id="{5C049204-CFB0-49F3-AD0A-4F75F02F7268}" type="slidenum">
+            <a:fld id="{333CFC1A-D81E-457A-B229-F33F3C0A65F8}" type="slidenum">
               <a:t>&lt;#&gt;</a:t>
             </a:fld>
           </a:p>
@@ -902,7 +903,7 @@
         <p:txBody>
           <a:bodyPr/>
           <a:p>
-            <a:fld id="{9B7A6439-ACA0-4DFC-A517-31A6B9B194C5}" type="slidenum">
+            <a:fld id="{78FEFC43-4CBF-4336-AA62-3D96732F16AB}" type="slidenum">
               <a:t>&lt;#&gt;</a:t>
             </a:fld>
           </a:p>
@@ -985,7 +986,7 @@
         <p:txBody>
           <a:bodyPr/>
           <a:p>
-            <a:fld id="{45BE947E-78DA-40B4-9264-98846A92E721}" type="slidenum">
+            <a:fld id="{FB6B8785-F5B0-4BEF-A233-F9AC91CA668A}" type="slidenum">
               <a:t>&lt;#&gt;</a:t>
             </a:fld>
           </a:p>
@@ -1142,7 +1143,7 @@
         <p:txBody>
           <a:bodyPr/>
           <a:p>
-            <a:fld id="{3F980B59-5113-4DC1-8C39-6267DAFA694E}" type="slidenum">
+            <a:fld id="{81F8AE1B-53FB-435F-AA94-8A7C14B4BCCA}" type="slidenum">
               <a:t>&lt;#&gt;</a:t>
             </a:fld>
           </a:p>
@@ -1296,7 +1297,7 @@
         <p:txBody>
           <a:bodyPr/>
           <a:p>
-            <a:fld id="{31E03F98-2299-41B2-BCF1-61331A6A60EE}" type="slidenum">
+            <a:fld id="{4FB2DD96-2C43-4151-8450-3A399B2C8D29}" type="slidenum">
               <a:t>&lt;#&gt;</a:t>
             </a:fld>
           </a:p>
@@ -1484,7 +1485,7 @@
         <p:txBody>
           <a:bodyPr/>
           <a:p>
-            <a:fld id="{9ACAD2D8-A247-487D-A172-789F7E096B98}" type="slidenum">
+            <a:fld id="{9D06D152-388F-4792-BF2C-1CE2731A9AAA}" type="slidenum">
               <a:t>&lt;#&gt;</a:t>
             </a:fld>
           </a:p>
@@ -1604,7 +1605,7 @@
         <p:txBody>
           <a:bodyPr/>
           <a:p>
-            <a:fld id="{68CBF36C-73CE-4B93-BB5A-49D7591EDE96}" type="slidenum">
+            <a:fld id="{C7B859C4-DCB2-4F37-9637-05A1A43DE53A}" type="slidenum">
               <a:t>&lt;#&gt;</a:t>
             </a:fld>
           </a:p>
@@ -1724,7 +1725,7 @@
         <p:txBody>
           <a:bodyPr/>
           <a:p>
-            <a:fld id="{B75DB333-64B3-4DBA-9B8E-693C929E19FA}" type="slidenum">
+            <a:fld id="{4E9B6092-62BD-49C0-BDFB-72709EC32A34}" type="slidenum">
               <a:t>&lt;#&gt;</a:t>
             </a:fld>
           </a:p>
@@ -1946,7 +1947,7 @@
         <p:txBody>
           <a:bodyPr/>
           <a:p>
-            <a:fld id="{D8873297-40FA-4CB8-979A-986FF04EBA1B}" type="slidenum">
+            <a:fld id="{9942D553-FF81-4A21-A22E-FC4FFEFEAA38}" type="slidenum">
               <a:t>&lt;#&gt;</a:t>
             </a:fld>
           </a:p>
@@ -2103,7 +2104,7 @@
         <p:txBody>
           <a:bodyPr/>
           <a:p>
-            <a:fld id="{D1FA06B9-CADE-40B3-8363-73F5D3B67706}" type="slidenum">
+            <a:fld id="{483ABCBA-1E2B-4115-A4E6-CDBB4BBAA836}" type="slidenum">
               <a:t>&lt;#&gt;</a:t>
             </a:fld>
           </a:p>
@@ -2325,7 +2326,7 @@
         <p:txBody>
           <a:bodyPr/>
           <a:p>
-            <a:fld id="{A7C26A3F-46D1-441A-90B7-18FCDE836078}" type="slidenum">
+            <a:fld id="{5E9AC1AA-462D-43D8-9F63-E2B973E257C0}" type="slidenum">
               <a:t>&lt;#&gt;</a:t>
             </a:fld>
           </a:p>
@@ -2547,7 +2548,7 @@
         <p:txBody>
           <a:bodyPr/>
           <a:p>
-            <a:fld id="{350B74D8-3A78-43D1-B36E-FE8760D46235}" type="slidenum">
+            <a:fld id="{77FA43DC-5C68-4EFF-94EE-AE42C026AE4F}" type="slidenum">
               <a:t>&lt;#&gt;</a:t>
             </a:fld>
           </a:p>
@@ -2735,7 +2736,7 @@
         <p:txBody>
           <a:bodyPr/>
           <a:p>
-            <a:fld id="{37B7E3B0-F069-4A07-AB3A-26093184AB8F}" type="slidenum">
+            <a:fld id="{32495BBD-3A5E-4E83-8662-F8FD646BF488}" type="slidenum">
               <a:t>&lt;#&gt;</a:t>
             </a:fld>
           </a:p>
@@ -2991,7 +2992,7 @@
         <p:txBody>
           <a:bodyPr/>
           <a:p>
-            <a:fld id="{25B43D40-1335-469B-9508-C381E4377896}" type="slidenum">
+            <a:fld id="{1A64B00E-EA1D-46B2-8259-07E711D54D58}" type="slidenum">
               <a:t>&lt;#&gt;</a:t>
             </a:fld>
           </a:p>
@@ -3315,7 +3316,7 @@
         <p:txBody>
           <a:bodyPr/>
           <a:p>
-            <a:fld id="{D19EC654-C3E3-4396-B40C-2F9C2E7FC7C5}" type="slidenum">
+            <a:fld id="{56053BE8-A965-4A6A-9785-BF583DA067FC}" type="slidenum">
               <a:t>&lt;#&gt;</a:t>
             </a:fld>
           </a:p>
@@ -3398,7 +3399,7 @@
         <p:txBody>
           <a:bodyPr/>
           <a:p>
-            <a:fld id="{51867EFB-E0A2-4801-AD4C-962C5AC94699}" type="slidenum">
+            <a:fld id="{520289FE-34E8-4B54-A3FA-20DCB99A37EB}" type="slidenum">
               <a:t>&lt;#&gt;</a:t>
             </a:fld>
           </a:p>
@@ -3555,7 +3556,7 @@
         <p:txBody>
           <a:bodyPr/>
           <a:p>
-            <a:fld id="{A107E752-59A1-490D-A78B-BE84BA2A16EB}" type="slidenum">
+            <a:fld id="{1DB141ED-D44A-43DF-B2BE-A3BC695754E1}" type="slidenum">
               <a:t>&lt;#&gt;</a:t>
             </a:fld>
           </a:p>
@@ -3709,7 +3710,7 @@
         <p:txBody>
           <a:bodyPr/>
           <a:p>
-            <a:fld id="{9961FE2D-6F38-47FA-8877-E873AF2CD6D6}" type="slidenum">
+            <a:fld id="{A6BE2FC5-EAB5-46CC-BF7C-404150752CE0}" type="slidenum">
               <a:t>&lt;#&gt;</a:t>
             </a:fld>
           </a:p>
@@ -3897,7 +3898,7 @@
         <p:txBody>
           <a:bodyPr/>
           <a:p>
-            <a:fld id="{953318C3-9674-4B38-8F59-BF0765318078}" type="slidenum">
+            <a:fld id="{50F1FDDE-C1A4-472D-91C4-5AD1F8E18B38}" type="slidenum">
               <a:t>&lt;#&gt;</a:t>
             </a:fld>
           </a:p>
@@ -4017,7 +4018,7 @@
         <p:txBody>
           <a:bodyPr/>
           <a:p>
-            <a:fld id="{105F183E-E89C-4A59-9D6B-C4C49B2724F7}" type="slidenum">
+            <a:fld id="{71EA776A-A06B-4CB9-8320-FCB70DD7D7FB}" type="slidenum">
               <a:t>&lt;#&gt;</a:t>
             </a:fld>
           </a:p>
@@ -4171,7 +4172,7 @@
         <p:txBody>
           <a:bodyPr/>
           <a:p>
-            <a:fld id="{722522A8-28E2-47D6-A4E6-3E3AFD5E60B6}" type="slidenum">
+            <a:fld id="{57ADBAFD-7182-4CE0-BD22-1093342F7CF0}" type="slidenum">
               <a:t>&lt;#&gt;</a:t>
             </a:fld>
           </a:p>
@@ -4291,7 +4292,7 @@
         <p:txBody>
           <a:bodyPr/>
           <a:p>
-            <a:fld id="{4B70E6A6-4660-47A7-8A38-0EDB46E8695D}" type="slidenum">
+            <a:fld id="{C3E823F5-23C3-4790-9E28-39A193B9D52E}" type="slidenum">
               <a:t>&lt;#&gt;</a:t>
             </a:fld>
           </a:p>
@@ -4513,7 +4514,7 @@
         <p:txBody>
           <a:bodyPr/>
           <a:p>
-            <a:fld id="{52DA5165-C6F8-431A-9699-D67840E6C784}" type="slidenum">
+            <a:fld id="{13504B64-5E4A-4943-867B-4976E6EC6043}" type="slidenum">
               <a:t>&lt;#&gt;</a:t>
             </a:fld>
           </a:p>
@@ -4735,7 +4736,7 @@
         <p:txBody>
           <a:bodyPr/>
           <a:p>
-            <a:fld id="{6C37535B-BC91-41CA-8EAE-2963ABA7620B}" type="slidenum">
+            <a:fld id="{C9698F22-808B-489E-BF49-E86AADA7450B}" type="slidenum">
               <a:t>&lt;#&gt;</a:t>
             </a:fld>
           </a:p>
@@ -4957,7 +4958,7 @@
         <p:txBody>
           <a:bodyPr/>
           <a:p>
-            <a:fld id="{315E42DB-01B5-4630-8DF7-8CCAA9431711}" type="slidenum">
+            <a:fld id="{3474B18D-E1F2-4CC2-9F8B-086D4390272A}" type="slidenum">
               <a:t>&lt;#&gt;</a:t>
             </a:fld>
           </a:p>
@@ -5145,7 +5146,7 @@
         <p:txBody>
           <a:bodyPr/>
           <a:p>
-            <a:fld id="{752C0769-84A5-4701-8260-5B6F00546E9B}" type="slidenum">
+            <a:fld id="{536D598A-78CC-4CC7-BF73-7B8F6B9BC493}" type="slidenum">
               <a:t>&lt;#&gt;</a:t>
             </a:fld>
           </a:p>
@@ -5401,7 +5402,7 @@
         <p:txBody>
           <a:bodyPr/>
           <a:p>
-            <a:fld id="{6079396A-3CEC-4B54-9ED4-679C4CCBB456}" type="slidenum">
+            <a:fld id="{766C9213-6CFE-4297-95EC-B2C73DDF8179}" type="slidenum">
               <a:t>&lt;#&gt;</a:t>
             </a:fld>
           </a:p>
@@ -5725,7 +5726,7 @@
         <p:txBody>
           <a:bodyPr/>
           <a:p>
-            <a:fld id="{8831BD69-B892-4832-AF87-52A705DA1F4B}" type="slidenum">
+            <a:fld id="{536EB796-9D61-4F47-B498-6ED0BF80F9A5}" type="slidenum">
               <a:t>&lt;#&gt;</a:t>
             </a:fld>
           </a:p>
@@ -5913,7 +5914,7 @@
         <p:txBody>
           <a:bodyPr/>
           <a:p>
-            <a:fld id="{0E33BEE1-2A35-4D21-876F-5625F8607F06}" type="slidenum">
+            <a:fld id="{4709D18E-2446-4152-9232-CCADC4C2DBF2}" type="slidenum">
               <a:t>&lt;#&gt;</a:t>
             </a:fld>
           </a:p>
@@ -6033,7 +6034,7 @@
         <p:txBody>
           <a:bodyPr/>
           <a:p>
-            <a:fld id="{17D5E14E-495B-4BFE-BFA8-4A178C52A630}" type="slidenum">
+            <a:fld id="{C9292A22-B125-4F98-ABE1-78504C377ADE}" type="slidenum">
               <a:t>&lt;#&gt;</a:t>
             </a:fld>
           </a:p>
@@ -6153,7 +6154,7 @@
         <p:txBody>
           <a:bodyPr/>
           <a:p>
-            <a:fld id="{1FF4DE2F-EAEB-4862-BE96-E7E442E7EFFA}" type="slidenum">
+            <a:fld id="{6A979BE4-FD43-4C93-AD8A-DF79540824B9}" type="slidenum">
               <a:t>&lt;#&gt;</a:t>
             </a:fld>
           </a:p>
@@ -6375,7 +6376,7 @@
         <p:txBody>
           <a:bodyPr/>
           <a:p>
-            <a:fld id="{4AEFA314-DCA7-47E7-B94F-C370EF480500}" type="slidenum">
+            <a:fld id="{7144AF45-E1B5-4752-BB3E-2F35B90BEC9A}" type="slidenum">
               <a:t>&lt;#&gt;</a:t>
             </a:fld>
           </a:p>
@@ -6597,7 +6598,7 @@
         <p:txBody>
           <a:bodyPr/>
           <a:p>
-            <a:fld id="{667B0422-977A-439D-AE76-69AC123E4920}" type="slidenum">
+            <a:fld id="{2C5D1322-BEE1-4D2E-BEC7-3D4ABED45C73}" type="slidenum">
               <a:t>&lt;#&gt;</a:t>
             </a:fld>
           </a:p>
@@ -6819,7 +6820,7 @@
         <p:txBody>
           <a:bodyPr/>
           <a:p>
-            <a:fld id="{67CB5AE4-D210-40BF-AA34-D94749C90559}" type="slidenum">
+            <a:fld id="{F180A4C8-FB36-49D1-B911-F375A2A6F647}" type="slidenum">
               <a:t>&lt;#&gt;</a:t>
             </a:fld>
           </a:p>
@@ -6980,7 +6981,7 @@
               </a:lnSpc>
               <a:buNone/>
             </a:pPr>
-            <a:fld id="{15DF855C-5054-401C-81DD-424D12A2ED42}" type="slidenum">
+            <a:fld id="{292398D8-95AE-4070-9B4D-CE8CE48553FC}" type="slidenum">
               <a:rPr b="0" lang="en-US" sz="900" spc="-1" strike="noStrike">
                 <a:solidFill>
                   <a:srgbClr val="8b8b8b"/>
@@ -7417,7 +7418,7 @@
               </a:lnSpc>
               <a:buNone/>
             </a:pPr>
-            <a:fld id="{14F7A9AA-05C1-4970-88E4-1AC36E3B8386}" type="slidenum">
+            <a:fld id="{34E3476E-3257-4F50-956A-59CEE40A0E01}" type="slidenum">
               <a:rPr b="0" lang="en-US" sz="900" spc="-1" strike="noStrike">
                 <a:solidFill>
                   <a:srgbClr val="8b8b8b"/>
@@ -7854,7 +7855,7 @@
               </a:lnSpc>
               <a:buNone/>
             </a:pPr>
-            <a:fld id="{748BB8BC-ADFA-41CE-AF7D-38847673B365}" type="slidenum">
+            <a:fld id="{B4E2E9D8-65AE-4C7E-B2B1-1F3F225D7023}" type="slidenum">
               <a:rPr b="0" lang="en-US" sz="900" spc="-1" strike="noStrike">
                 <a:solidFill>
                   <a:srgbClr val="8b8b8b"/>
@@ -12515,7 +12516,7 @@
                 </a:solidFill>
                 <a:latin typeface="Calibri"/>
               </a:rPr>
-              <a:t>Sticky question</a:t>
+              <a:t>Activity</a:t>
             </a:r>
             <a:endParaRPr b="0" lang="en-GB" sz="4000" spc="-1" strike="noStrike">
               <a:latin typeface="Arial"/>
@@ -12570,142 +12571,14 @@
                 </a:solidFill>
                 <a:latin typeface="Calibri"/>
               </a:rPr>
-              <a:t>What is one of your favourite walks?</a:t>
-            </a:r>
-            <a:endParaRPr b="0" lang="en-GB" sz="4000" spc="-1" strike="noStrike">
-              <a:latin typeface="Arial"/>
-            </a:endParaRPr>
-          </a:p>
-        </p:txBody>
-      </p:sp>
-      <p:sp>
-        <p:nvSpPr>
-          <p:cNvPr id="167" name=""/>
-          <p:cNvSpPr/>
-          <p:nvPr/>
-        </p:nvSpPr>
-        <p:spPr>
-          <a:xfrm>
-            <a:off x="2099880" y="6120000"/>
-            <a:ext cx="6430680" cy="717840"/>
-          </a:xfrm>
-          <a:prstGeom prst="rect">
-            <a:avLst/>
-          </a:prstGeom>
-          <a:noFill/>
-          <a:ln w="0">
-            <a:noFill/>
-          </a:ln>
-        </p:spPr>
-        <p:style>
-          <a:lnRef idx="0"/>
-          <a:fillRef idx="0"/>
-          <a:effectRef idx="0"/>
-          <a:fontRef idx="minor"/>
-        </p:style>
-        <p:txBody>
-          <a:bodyPr lIns="90000" rIns="90000" tIns="45000" bIns="45000" anchor="t">
-            <a:noAutofit/>
-          </a:bodyPr>
-          <a:p>
-            <a:pPr>
-              <a:lnSpc>
-                <a:spcPct val="100000"/>
-              </a:lnSpc>
-              <a:buNone/>
-            </a:pPr>
-            <a:r>
-              <a:rPr b="0" lang="en-GB" sz="1200" spc="-1" strike="noStrike">
-                <a:solidFill>
-                  <a:srgbClr val="ffff00"/>
-                </a:solidFill>
-                <a:latin typeface="Arial"/>
-                <a:ea typeface="DejaVu Sans"/>
-              </a:rPr>
-              <a:t>© Copyright Dominic Dawn Harry and Jacob Paterson </a:t>
-            </a:r>
-            <a:endParaRPr b="0" lang="en-GB" sz="1200" spc="-1" strike="noStrike">
-              <a:latin typeface="Arial"/>
-            </a:endParaRPr>
-          </a:p>
-          <a:p>
-            <a:pPr>
-              <a:lnSpc>
-                <a:spcPct val="100000"/>
-              </a:lnSpc>
-              <a:buNone/>
-            </a:pPr>
-            <a:r>
-              <a:rPr b="0" lang="en-GB" sz="1200" spc="-1" strike="noStrike">
-                <a:solidFill>
-                  <a:srgbClr val="ffff00"/>
-                </a:solidFill>
-                <a:latin typeface="Arial"/>
-                <a:ea typeface="DejaVu Sans"/>
-              </a:rPr>
-              <a:t>and licensed for reuse under this Creative Commons Licence.</a:t>
-            </a:r>
-            <a:endParaRPr b="0" lang="en-GB" sz="1200" spc="-1" strike="noStrike">
-              <a:latin typeface="Arial"/>
-            </a:endParaRPr>
-          </a:p>
-          <a:p>
-            <a:pPr>
-              <a:lnSpc>
-                <a:spcPct val="100000"/>
-              </a:lnSpc>
-              <a:buNone/>
-            </a:pPr>
-            <a:r>
-              <a:rPr b="0" lang="en-GB" sz="1200" spc="-1" strike="noStrike">
-                <a:solidFill>
-                  <a:srgbClr val="ffff00"/>
-                </a:solidFill>
-                <a:latin typeface="Arial"/>
-                <a:ea typeface="DejaVu Sans"/>
-              </a:rPr>
-              <a:t>https://www.geograph.org.uk/photo/122085</a:t>
-            </a:r>
-            <a:endParaRPr b="0" lang="en-GB" sz="1200" spc="-1" strike="noStrike">
-              <a:latin typeface="Arial"/>
-            </a:endParaRPr>
-          </a:p>
-          <a:p>
-            <a:pPr>
-              <a:lnSpc>
-                <a:spcPct val="100000"/>
-              </a:lnSpc>
-              <a:buNone/>
-            </a:pPr>
-            <a:endParaRPr b="0" lang="en-GB" sz="1200" spc="-1" strike="noStrike">
-              <a:latin typeface="Arial"/>
-            </a:endParaRPr>
-          </a:p>
-        </p:txBody>
-      </p:sp>
-      <p:pic>
-        <p:nvPicPr>
-          <p:cNvPr id="168" name="" descr=""/>
-          <p:cNvPicPr/>
-          <p:nvPr/>
-        </p:nvPicPr>
-        <p:blipFill>
-          <a:blip r:embed="rId2"/>
-          <a:stretch/>
-        </p:blipFill>
-        <p:spPr>
-          <a:xfrm>
-            <a:off x="2099880" y="2340000"/>
-            <a:ext cx="4942440" cy="3667680"/>
-          </a:xfrm>
-          <a:prstGeom prst="rect">
-            <a:avLst/>
-          </a:prstGeom>
-          <a:ln w="0">
-            <a:noFill/>
-          </a:ln>
-        </p:spPr>
-      </p:pic>
+              <a:t>We need young people to volunteer to help get Jim to the church on time!</a:t>
+            </a:r>
+            <a:endParaRPr b="0" lang="en-GB" sz="4000" spc="-1" strike="noStrike">
+              <a:latin typeface="Arial"/>
+            </a:endParaRPr>
+          </a:p>
+        </p:txBody>
+      </p:sp>
     </p:spTree>
   </p:cSld>
   <mc:AlternateContent>
@@ -12746,7 +12619,7 @@
       </p:grpSpPr>
       <p:sp>
         <p:nvSpPr>
-          <p:cNvPr id="169" name="PlaceHolder 1"/>
+          <p:cNvPr id="167" name="PlaceHolder 1"/>
           <p:cNvSpPr>
             <a:spLocks noGrp="1"/>
           </p:cNvSpPr>
@@ -12788,24 +12661,79 @@
                 </a:solidFill>
                 <a:latin typeface="Calibri"/>
               </a:rPr>
-              <a:t>Notices: Keep in touch!</a:t>
-            </a:r>
-            <a:endParaRPr b="0" lang="en-GB" sz="4000" spc="-1" strike="noStrike">
-              <a:latin typeface="Arial"/>
-            </a:endParaRPr>
-          </a:p>
-        </p:txBody>
-      </p:sp>
-      <p:sp>
-        <p:nvSpPr>
-          <p:cNvPr id="170" name="PlaceHolder 3"/>
+              <a:t>Sticky question</a:t>
+            </a:r>
+            <a:endParaRPr b="0" lang="en-GB" sz="4000" spc="-1" strike="noStrike">
+              <a:latin typeface="Arial"/>
+            </a:endParaRPr>
+          </a:p>
+        </p:txBody>
+      </p:sp>
+      <p:sp>
+        <p:nvSpPr>
+          <p:cNvPr id="168" name="PlaceHolder 2"/>
+          <p:cNvSpPr>
+            <a:spLocks noGrp="1"/>
+          </p:cNvSpPr>
+          <p:nvPr>
+            <p:ph/>
+          </p:nvPr>
+        </p:nvSpPr>
+        <p:spPr>
+          <a:xfrm>
+            <a:off x="457200" y="1348200"/>
+            <a:ext cx="8221680" cy="989640"/>
+          </a:xfrm>
+          <a:prstGeom prst="rect">
+            <a:avLst/>
+          </a:prstGeom>
+          <a:noFill/>
+          <a:ln w="0">
+            <a:noFill/>
+          </a:ln>
+        </p:spPr>
+        <p:txBody>
+          <a:bodyPr lIns="90000" rIns="90000" tIns="45000" bIns="45000" anchor="t">
+            <a:noAutofit/>
+          </a:bodyPr>
+          <a:p>
+            <a:pPr>
+              <a:lnSpc>
+                <a:spcPct val="100000"/>
+              </a:lnSpc>
+              <a:spcBef>
+                <a:spcPts val="479"/>
+              </a:spcBef>
+              <a:buNone/>
+              <a:tabLst>
+                <a:tab algn="l" pos="0"/>
+              </a:tabLst>
+            </a:pPr>
+            <a:r>
+              <a:rPr b="0" lang="en-US" sz="4000" spc="-1" strike="noStrike">
+                <a:solidFill>
+                  <a:srgbClr val="fff5ce"/>
+                </a:solidFill>
+                <a:latin typeface="Calibri"/>
+              </a:rPr>
+              <a:t>What is one of your favourite walks?</a:t>
+            </a:r>
+            <a:endParaRPr b="0" lang="en-GB" sz="4000" spc="-1" strike="noStrike">
+              <a:latin typeface="Arial"/>
+            </a:endParaRPr>
+          </a:p>
+        </p:txBody>
+      </p:sp>
+      <p:sp>
+        <p:nvSpPr>
+          <p:cNvPr id="169" name=""/>
           <p:cNvSpPr/>
           <p:nvPr/>
         </p:nvSpPr>
         <p:spPr>
           <a:xfrm>
-            <a:off x="457560" y="4860000"/>
-            <a:ext cx="8221680" cy="1289160"/>
+            <a:off x="2099880" y="6120000"/>
+            <a:ext cx="6430680" cy="717840"/>
           </a:xfrm>
           <a:prstGeom prst="rect">
             <a:avLst/>
@@ -12830,41 +12758,72 @@
               <a:lnSpc>
                 <a:spcPct val="100000"/>
               </a:lnSpc>
-              <a:spcBef>
-                <a:spcPts val="479"/>
-              </a:spcBef>
-              <a:buNone/>
-              <a:tabLst>
-                <a:tab algn="l" pos="0"/>
-              </a:tabLst>
-            </a:pPr>
-            <a:br>
-              <a:rPr sz="4000"/>
-            </a:br>
-            <a:r>
-              <a:rPr b="0" lang="en-US" sz="4000" spc="-1" strike="noStrike">
-                <a:solidFill>
-                  <a:srgbClr val="fff5ce"/>
-                </a:solidFill>
-                <a:latin typeface="Calibri"/>
+              <a:buNone/>
+            </a:pPr>
+            <a:r>
+              <a:rPr b="0" lang="en-GB" sz="1200" spc="-1" strike="noStrike">
+                <a:solidFill>
+                  <a:srgbClr val="ffff00"/>
+                </a:solidFill>
+                <a:latin typeface="Arial"/>
                 <a:ea typeface="DejaVu Sans"/>
               </a:rPr>
-              <a:t>Contact</a:t>
-            </a:r>
-            <a:br>
-              <a:rPr sz="4000"/>
-            </a:br>
-            <a:r>
-              <a:rPr b="0" lang="en-US" sz="4000" spc="-1" strike="noStrike">
-                <a:solidFill>
-                  <a:srgbClr val="fff5ce"/>
-                </a:solidFill>
-                <a:latin typeface="Calibri"/>
+              <a:t>© Copyright Dominic Dawn Harry and Jacob Paterson </a:t>
+            </a:r>
+            <a:endParaRPr b="0" lang="en-GB" sz="1200" spc="-1" strike="noStrike">
+              <a:latin typeface="Arial"/>
+            </a:endParaRPr>
+          </a:p>
+          <a:p>
+            <a:pPr>
+              <a:lnSpc>
+                <a:spcPct val="100000"/>
+              </a:lnSpc>
+              <a:buNone/>
+            </a:pPr>
+            <a:r>
+              <a:rPr b="0" lang="en-GB" sz="1200" spc="-1" strike="noStrike">
+                <a:solidFill>
+                  <a:srgbClr val="ffff00"/>
+                </a:solidFill>
+                <a:latin typeface="Arial"/>
                 <a:ea typeface="DejaVu Sans"/>
               </a:rPr>
-              <a:t>jimkendall@holytrinitycoventry.org.uk</a:t>
-            </a:r>
-            <a:endParaRPr b="0" lang="en-GB" sz="4000" spc="-1" strike="noStrike">
+              <a:t>and licensed for reuse under this Creative Commons Licence.</a:t>
+            </a:r>
+            <a:endParaRPr b="0" lang="en-GB" sz="1200" spc="-1" strike="noStrike">
+              <a:latin typeface="Arial"/>
+            </a:endParaRPr>
+          </a:p>
+          <a:p>
+            <a:pPr>
+              <a:lnSpc>
+                <a:spcPct val="100000"/>
+              </a:lnSpc>
+              <a:buNone/>
+            </a:pPr>
+            <a:r>
+              <a:rPr b="0" lang="en-GB" sz="1200" spc="-1" strike="noStrike">
+                <a:solidFill>
+                  <a:srgbClr val="ffff00"/>
+                </a:solidFill>
+                <a:latin typeface="Arial"/>
+                <a:ea typeface="DejaVu Sans"/>
+              </a:rPr>
+              <a:t>https://www.geograph.org.uk/photo/122085</a:t>
+            </a:r>
+            <a:endParaRPr b="0" lang="en-GB" sz="1200" spc="-1" strike="noStrike">
+              <a:latin typeface="Arial"/>
+            </a:endParaRPr>
+          </a:p>
+          <a:p>
+            <a:pPr>
+              <a:lnSpc>
+                <a:spcPct val="100000"/>
+              </a:lnSpc>
+              <a:buNone/>
+            </a:pPr>
+            <a:endParaRPr b="0" lang="en-GB" sz="1200" spc="-1" strike="noStrike">
               <a:latin typeface="Arial"/>
             </a:endParaRPr>
           </a:p>
@@ -12872,7 +12831,7 @@
       </p:sp>
       <p:pic>
         <p:nvPicPr>
-          <p:cNvPr id="171" name="" descr=""/>
+          <p:cNvPr id="170" name="" descr=""/>
           <p:cNvPicPr/>
           <p:nvPr/>
         </p:nvPicPr>
@@ -12882,8 +12841,8 @@
         </p:blipFill>
         <p:spPr>
           <a:xfrm>
-            <a:off x="6300360" y="2880360"/>
-            <a:ext cx="2517840" cy="2517840"/>
+            <a:off x="2099880" y="2340000"/>
+            <a:ext cx="4942440" cy="3667680"/>
           </a:xfrm>
           <a:prstGeom prst="rect">
             <a:avLst/>
@@ -12893,188 +12852,6 @@
           </a:ln>
         </p:spPr>
       </p:pic>
-      <p:sp>
-        <p:nvSpPr>
-          <p:cNvPr id="172" name="PlaceHolder 6"/>
-          <p:cNvSpPr/>
-          <p:nvPr/>
-        </p:nvSpPr>
-        <p:spPr>
-          <a:xfrm>
-            <a:off x="457560" y="1732320"/>
-            <a:ext cx="8220240" cy="3055320"/>
-          </a:xfrm>
-          <a:prstGeom prst="rect">
-            <a:avLst/>
-          </a:prstGeom>
-          <a:noFill/>
-          <a:ln w="0">
-            <a:noFill/>
-          </a:ln>
-        </p:spPr>
-        <p:style>
-          <a:lnRef idx="0"/>
-          <a:fillRef idx="0"/>
-          <a:effectRef idx="0"/>
-          <a:fontRef idx="minor"/>
-        </p:style>
-        <p:txBody>
-          <a:bodyPr lIns="90000" rIns="90000" tIns="45000" bIns="45000" anchor="t">
-            <a:noAutofit/>
-          </a:bodyPr>
-          <a:p>
-            <a:pPr>
-              <a:lnSpc>
-                <a:spcPct val="100000"/>
-              </a:lnSpc>
-              <a:spcBef>
-                <a:spcPts val="479"/>
-              </a:spcBef>
-              <a:buNone/>
-              <a:tabLst>
-                <a:tab algn="l" pos="0"/>
-              </a:tabLst>
-            </a:pPr>
-            <a:r>
-              <a:rPr b="0" lang="en-US" sz="4000" spc="-1" strike="noStrike">
-                <a:solidFill>
-                  <a:srgbClr val="fff5ce"/>
-                </a:solidFill>
-                <a:latin typeface="Calibri"/>
-                <a:ea typeface="DejaVu Sans"/>
-              </a:rPr>
-              <a:t>Our newsletter: find it</a:t>
-            </a:r>
-            <a:endParaRPr b="0" lang="en-GB" sz="4000" spc="-1" strike="noStrike">
-              <a:latin typeface="Arial"/>
-            </a:endParaRPr>
-          </a:p>
-          <a:p>
-            <a:pPr marL="523080" indent="-343080">
-              <a:lnSpc>
-                <a:spcPct val="100000"/>
-              </a:lnSpc>
-              <a:spcBef>
-                <a:spcPts val="479"/>
-              </a:spcBef>
-              <a:buClr>
-                <a:srgbClr val="ffffd7"/>
-              </a:buClr>
-              <a:buFont typeface="Arial"/>
-              <a:buChar char="•"/>
-              <a:tabLst>
-                <a:tab algn="l" pos="0"/>
-              </a:tabLst>
-            </a:pPr>
-            <a:r>
-              <a:rPr b="0" lang="en-US" sz="4000" spc="-1" strike="noStrike">
-                <a:solidFill>
-                  <a:srgbClr val="fff5ce"/>
-                </a:solidFill>
-                <a:latin typeface="Calibri"/>
-                <a:ea typeface="DejaVu Sans"/>
-              </a:rPr>
-              <a:t>on the HTC website</a:t>
-            </a:r>
-            <a:endParaRPr b="0" lang="en-GB" sz="4000" spc="-1" strike="noStrike">
-              <a:latin typeface="Arial"/>
-            </a:endParaRPr>
-          </a:p>
-          <a:p>
-            <a:pPr marL="523080" indent="-343080">
-              <a:lnSpc>
-                <a:spcPct val="100000"/>
-              </a:lnSpc>
-              <a:spcBef>
-                <a:spcPts val="479"/>
-              </a:spcBef>
-              <a:buClr>
-                <a:srgbClr val="ffffd7"/>
-              </a:buClr>
-              <a:buFont typeface="Arial"/>
-              <a:buChar char="•"/>
-              <a:tabLst>
-                <a:tab algn="l" pos="0"/>
-              </a:tabLst>
-            </a:pPr>
-            <a:r>
-              <a:rPr b="0" lang="en-US" sz="4000" spc="-1" strike="noStrike">
-                <a:solidFill>
-                  <a:srgbClr val="fff5ce"/>
-                </a:solidFill>
-                <a:latin typeface="Calibri"/>
-                <a:ea typeface="DejaVu Sans"/>
-              </a:rPr>
-              <a:t>emailed out on request</a:t>
-            </a:r>
-            <a:endParaRPr b="0" lang="en-GB" sz="4000" spc="-1" strike="noStrike">
-              <a:latin typeface="Arial"/>
-            </a:endParaRPr>
-          </a:p>
-          <a:p>
-            <a:pPr marL="523080" indent="-343080">
-              <a:lnSpc>
-                <a:spcPct val="100000"/>
-              </a:lnSpc>
-              <a:spcBef>
-                <a:spcPts val="479"/>
-              </a:spcBef>
-              <a:buClr>
-                <a:srgbClr val="ffffd7"/>
-              </a:buClr>
-              <a:buFont typeface="Arial"/>
-              <a:buChar char="•"/>
-              <a:tabLst>
-                <a:tab algn="l" pos="0"/>
-              </a:tabLst>
-            </a:pPr>
-            <a:r>
-              <a:rPr b="0" lang="en-US" sz="4000" spc="-1" strike="noStrike">
-                <a:solidFill>
-                  <a:srgbClr val="fff5ce"/>
-                </a:solidFill>
-                <a:latin typeface="Calibri"/>
-                <a:ea typeface="DejaVu Sans"/>
-              </a:rPr>
-              <a:t>printed at the back</a:t>
-            </a:r>
-            <a:endParaRPr b="0" lang="en-GB" sz="4000" spc="-1" strike="noStrike">
-              <a:latin typeface="Arial"/>
-            </a:endParaRPr>
-          </a:p>
-          <a:p>
-            <a:pPr marL="523080" indent="-343080">
-              <a:lnSpc>
-                <a:spcPct val="100000"/>
-              </a:lnSpc>
-              <a:spcBef>
-                <a:spcPts val="479"/>
-              </a:spcBef>
-              <a:buClr>
-                <a:srgbClr val="ffffd7"/>
-              </a:buClr>
-              <a:buFont typeface="Arial"/>
-              <a:buChar char="•"/>
-              <a:tabLst>
-                <a:tab algn="l" pos="0"/>
-              </a:tabLst>
-            </a:pPr>
-            <a:r>
-              <a:rPr b="0" lang="en-US" sz="4000" spc="-1" strike="noStrike">
-                <a:solidFill>
-                  <a:srgbClr val="fff5ce"/>
-                </a:solidFill>
-                <a:latin typeface="Calibri"/>
-                <a:ea typeface="DejaVu Sans"/>
-              </a:rPr>
-              <a:t>Some details at QR-code</a:t>
-            </a:r>
-            <a:endParaRPr b="0" lang="en-GB" sz="4000" spc="-1" strike="noStrike">
-              <a:latin typeface="Arial"/>
-            </a:endParaRPr>
-          </a:p>
-        </p:txBody>
-      </p:sp>
     </p:spTree>
   </p:cSld>
   <mc:AlternateContent>
@@ -13115,7 +12892,376 @@
       </p:grpSpPr>
       <p:sp>
         <p:nvSpPr>
-          <p:cNvPr id="173" name="PlaceHolder 1"/>
+          <p:cNvPr id="171" name="PlaceHolder 1"/>
+          <p:cNvSpPr>
+            <a:spLocks noGrp="1"/>
+          </p:cNvSpPr>
+          <p:nvPr>
+            <p:ph type="title"/>
+          </p:nvPr>
+        </p:nvSpPr>
+        <p:spPr>
+          <a:xfrm>
+            <a:off x="457200" y="274320"/>
+            <a:ext cx="8221680" cy="1134720"/>
+          </a:xfrm>
+          <a:prstGeom prst="rect">
+            <a:avLst/>
+          </a:prstGeom>
+          <a:noFill/>
+          <a:ln w="0">
+            <a:noFill/>
+          </a:ln>
+        </p:spPr>
+        <p:txBody>
+          <a:bodyPr lIns="90000" rIns="90000" tIns="45000" bIns="45000" anchor="ctr">
+            <a:noAutofit/>
+          </a:bodyPr>
+          <a:p>
+            <a:pPr algn="ctr">
+              <a:lnSpc>
+                <a:spcPct val="100000"/>
+              </a:lnSpc>
+              <a:buNone/>
+              <a:tabLst>
+                <a:tab algn="l" pos="0"/>
+              </a:tabLst>
+            </a:pPr>
+            <a:r>
+              <a:rPr b="0" lang="en-US" sz="4000" spc="-1" strike="noStrike">
+                <a:solidFill>
+                  <a:srgbClr val="fff5ce"/>
+                </a:solidFill>
+                <a:latin typeface="Calibri"/>
+              </a:rPr>
+              <a:t>Notices: Keep in touch!</a:t>
+            </a:r>
+            <a:endParaRPr b="0" lang="en-GB" sz="4000" spc="-1" strike="noStrike">
+              <a:latin typeface="Arial"/>
+            </a:endParaRPr>
+          </a:p>
+        </p:txBody>
+      </p:sp>
+      <p:sp>
+        <p:nvSpPr>
+          <p:cNvPr id="172" name="PlaceHolder 3"/>
+          <p:cNvSpPr/>
+          <p:nvPr/>
+        </p:nvSpPr>
+        <p:spPr>
+          <a:xfrm>
+            <a:off x="457560" y="4860000"/>
+            <a:ext cx="8221680" cy="1289160"/>
+          </a:xfrm>
+          <a:prstGeom prst="rect">
+            <a:avLst/>
+          </a:prstGeom>
+          <a:noFill/>
+          <a:ln w="0">
+            <a:noFill/>
+          </a:ln>
+        </p:spPr>
+        <p:style>
+          <a:lnRef idx="0"/>
+          <a:fillRef idx="0"/>
+          <a:effectRef idx="0"/>
+          <a:fontRef idx="minor"/>
+        </p:style>
+        <p:txBody>
+          <a:bodyPr lIns="90000" rIns="90000" tIns="45000" bIns="45000" anchor="t">
+            <a:noAutofit/>
+          </a:bodyPr>
+          <a:p>
+            <a:pPr>
+              <a:lnSpc>
+                <a:spcPct val="100000"/>
+              </a:lnSpc>
+              <a:spcBef>
+                <a:spcPts val="479"/>
+              </a:spcBef>
+              <a:buNone/>
+              <a:tabLst>
+                <a:tab algn="l" pos="0"/>
+              </a:tabLst>
+            </a:pPr>
+            <a:br>
+              <a:rPr sz="4000"/>
+            </a:br>
+            <a:r>
+              <a:rPr b="0" lang="en-US" sz="4000" spc="-1" strike="noStrike">
+                <a:solidFill>
+                  <a:srgbClr val="fff5ce"/>
+                </a:solidFill>
+                <a:latin typeface="Calibri"/>
+                <a:ea typeface="DejaVu Sans"/>
+              </a:rPr>
+              <a:t>Contact</a:t>
+            </a:r>
+            <a:br>
+              <a:rPr sz="4000"/>
+            </a:br>
+            <a:r>
+              <a:rPr b="0" lang="en-US" sz="4000" spc="-1" strike="noStrike">
+                <a:solidFill>
+                  <a:srgbClr val="fff5ce"/>
+                </a:solidFill>
+                <a:latin typeface="Calibri"/>
+                <a:ea typeface="DejaVu Sans"/>
+              </a:rPr>
+              <a:t>jimkendall@holytrinitycoventry.org.uk</a:t>
+            </a:r>
+            <a:endParaRPr b="0" lang="en-GB" sz="4000" spc="-1" strike="noStrike">
+              <a:latin typeface="Arial"/>
+            </a:endParaRPr>
+          </a:p>
+        </p:txBody>
+      </p:sp>
+      <p:pic>
+        <p:nvPicPr>
+          <p:cNvPr id="173" name="" descr=""/>
+          <p:cNvPicPr/>
+          <p:nvPr/>
+        </p:nvPicPr>
+        <p:blipFill>
+          <a:blip r:embed="rId2"/>
+          <a:stretch/>
+        </p:blipFill>
+        <p:spPr>
+          <a:xfrm>
+            <a:off x="6300360" y="2880360"/>
+            <a:ext cx="2517840" cy="2517840"/>
+          </a:xfrm>
+          <a:prstGeom prst="rect">
+            <a:avLst/>
+          </a:prstGeom>
+          <a:ln w="0">
+            <a:noFill/>
+          </a:ln>
+        </p:spPr>
+      </p:pic>
+      <p:sp>
+        <p:nvSpPr>
+          <p:cNvPr id="174" name="PlaceHolder 6"/>
+          <p:cNvSpPr/>
+          <p:nvPr/>
+        </p:nvSpPr>
+        <p:spPr>
+          <a:xfrm>
+            <a:off x="457560" y="1732320"/>
+            <a:ext cx="8220240" cy="3055320"/>
+          </a:xfrm>
+          <a:prstGeom prst="rect">
+            <a:avLst/>
+          </a:prstGeom>
+          <a:noFill/>
+          <a:ln w="0">
+            <a:noFill/>
+          </a:ln>
+        </p:spPr>
+        <p:style>
+          <a:lnRef idx="0"/>
+          <a:fillRef idx="0"/>
+          <a:effectRef idx="0"/>
+          <a:fontRef idx="minor"/>
+        </p:style>
+        <p:txBody>
+          <a:bodyPr lIns="90000" rIns="90000" tIns="45000" bIns="45000" anchor="t">
+            <a:noAutofit/>
+          </a:bodyPr>
+          <a:p>
+            <a:pPr>
+              <a:lnSpc>
+                <a:spcPct val="100000"/>
+              </a:lnSpc>
+              <a:spcBef>
+                <a:spcPts val="479"/>
+              </a:spcBef>
+              <a:buNone/>
+              <a:tabLst>
+                <a:tab algn="l" pos="0"/>
+              </a:tabLst>
+            </a:pPr>
+            <a:r>
+              <a:rPr b="0" lang="en-US" sz="4000" spc="-1" strike="noStrike">
+                <a:solidFill>
+                  <a:srgbClr val="fff5ce"/>
+                </a:solidFill>
+                <a:latin typeface="Calibri"/>
+                <a:ea typeface="DejaVu Sans"/>
+              </a:rPr>
+              <a:t>Our newsletter: find it</a:t>
+            </a:r>
+            <a:endParaRPr b="0" lang="en-GB" sz="4000" spc="-1" strike="noStrike">
+              <a:latin typeface="Arial"/>
+            </a:endParaRPr>
+          </a:p>
+          <a:p>
+            <a:pPr marL="523080" indent="-343080">
+              <a:lnSpc>
+                <a:spcPct val="100000"/>
+              </a:lnSpc>
+              <a:spcBef>
+                <a:spcPts val="479"/>
+              </a:spcBef>
+              <a:buClr>
+                <a:srgbClr val="ffffd7"/>
+              </a:buClr>
+              <a:buFont typeface="Arial"/>
+              <a:buChar char="•"/>
+              <a:tabLst>
+                <a:tab algn="l" pos="0"/>
+              </a:tabLst>
+            </a:pPr>
+            <a:r>
+              <a:rPr b="0" lang="en-US" sz="4000" spc="-1" strike="noStrike">
+                <a:solidFill>
+                  <a:srgbClr val="fff5ce"/>
+                </a:solidFill>
+                <a:latin typeface="Calibri"/>
+                <a:ea typeface="DejaVu Sans"/>
+              </a:rPr>
+              <a:t>on the HTC website</a:t>
+            </a:r>
+            <a:endParaRPr b="0" lang="en-GB" sz="4000" spc="-1" strike="noStrike">
+              <a:latin typeface="Arial"/>
+            </a:endParaRPr>
+          </a:p>
+          <a:p>
+            <a:pPr marL="523080" indent="-343080">
+              <a:lnSpc>
+                <a:spcPct val="100000"/>
+              </a:lnSpc>
+              <a:spcBef>
+                <a:spcPts val="479"/>
+              </a:spcBef>
+              <a:buClr>
+                <a:srgbClr val="ffffd7"/>
+              </a:buClr>
+              <a:buFont typeface="Arial"/>
+              <a:buChar char="•"/>
+              <a:tabLst>
+                <a:tab algn="l" pos="0"/>
+              </a:tabLst>
+            </a:pPr>
+            <a:r>
+              <a:rPr b="0" lang="en-US" sz="4000" spc="-1" strike="noStrike">
+                <a:solidFill>
+                  <a:srgbClr val="fff5ce"/>
+                </a:solidFill>
+                <a:latin typeface="Calibri"/>
+                <a:ea typeface="DejaVu Sans"/>
+              </a:rPr>
+              <a:t>emailed out on request</a:t>
+            </a:r>
+            <a:endParaRPr b="0" lang="en-GB" sz="4000" spc="-1" strike="noStrike">
+              <a:latin typeface="Arial"/>
+            </a:endParaRPr>
+          </a:p>
+          <a:p>
+            <a:pPr marL="523080" indent="-343080">
+              <a:lnSpc>
+                <a:spcPct val="100000"/>
+              </a:lnSpc>
+              <a:spcBef>
+                <a:spcPts val="479"/>
+              </a:spcBef>
+              <a:buClr>
+                <a:srgbClr val="ffffd7"/>
+              </a:buClr>
+              <a:buFont typeface="Arial"/>
+              <a:buChar char="•"/>
+              <a:tabLst>
+                <a:tab algn="l" pos="0"/>
+              </a:tabLst>
+            </a:pPr>
+            <a:r>
+              <a:rPr b="0" lang="en-US" sz="4000" spc="-1" strike="noStrike">
+                <a:solidFill>
+                  <a:srgbClr val="fff5ce"/>
+                </a:solidFill>
+                <a:latin typeface="Calibri"/>
+                <a:ea typeface="DejaVu Sans"/>
+              </a:rPr>
+              <a:t>printed at the back</a:t>
+            </a:r>
+            <a:endParaRPr b="0" lang="en-GB" sz="4000" spc="-1" strike="noStrike">
+              <a:latin typeface="Arial"/>
+            </a:endParaRPr>
+          </a:p>
+          <a:p>
+            <a:pPr marL="523080" indent="-343080">
+              <a:lnSpc>
+                <a:spcPct val="100000"/>
+              </a:lnSpc>
+              <a:spcBef>
+                <a:spcPts val="479"/>
+              </a:spcBef>
+              <a:buClr>
+                <a:srgbClr val="ffffd7"/>
+              </a:buClr>
+              <a:buFont typeface="Arial"/>
+              <a:buChar char="•"/>
+              <a:tabLst>
+                <a:tab algn="l" pos="0"/>
+              </a:tabLst>
+            </a:pPr>
+            <a:r>
+              <a:rPr b="0" lang="en-US" sz="4000" spc="-1" strike="noStrike">
+                <a:solidFill>
+                  <a:srgbClr val="fff5ce"/>
+                </a:solidFill>
+                <a:latin typeface="Calibri"/>
+                <a:ea typeface="DejaVu Sans"/>
+              </a:rPr>
+              <a:t>Some details at QR-code</a:t>
+            </a:r>
+            <a:endParaRPr b="0" lang="en-GB" sz="4000" spc="-1" strike="noStrike">
+              <a:latin typeface="Arial"/>
+            </a:endParaRPr>
+          </a:p>
+        </p:txBody>
+      </p:sp>
+    </p:spTree>
+  </p:cSld>
+  <mc:AlternateContent>
+    <mc:Choice Requires="p14">
+      <p:transition spd="slow" p14:dur="2000"/>
+    </mc:Choice>
+    <mc:Fallback>
+      <p:transition spd="slow"/>
+    </mc:Fallback>
+  </mc:AlternateContent>
+</p:sld>
+</file>
+
+<file path=ppt/slides/slide27.xml><?xml version="1.0" encoding="utf-8"?>
+<p:sld xmlns:a="http://schemas.openxmlformats.org/drawingml/2006/main" xmlns:p="http://schemas.openxmlformats.org/presentationml/2006/main" xmlns:r="http://schemas.openxmlformats.org/officeDocument/2006/relationships" xmlns:p14="http://schemas.microsoft.com/office/powerpoint/2010/main" xmlns:p15="http://schemas.microsoft.com/office/powerpoint/2012/main" xmlns:mc="http://schemas.openxmlformats.org/markup-compatibility/2006">
+  <p:cSld>
+    <p:bg>
+      <p:bgPr>
+        <a:blipFill rotWithShape="0">
+          <a:blip r:embed="rId1"/>
+          <a:tile/>
+        </a:blipFill>
+      </p:bgPr>
+    </p:bg>
+    <p:spTree>
+      <p:nvGrpSpPr>
+        <p:cNvPr id="1" name=""/>
+        <p:cNvGrpSpPr/>
+        <p:nvPr/>
+      </p:nvGrpSpPr>
+      <p:grpSpPr>
+        <a:xfrm>
+          <a:off x="0" y="0"/>
+          <a:ext cx="0" cy="0"/>
+          <a:chOff x="0" y="0"/>
+          <a:chExt cx="0" cy="0"/>
+        </a:xfrm>
+      </p:grpSpPr>
+      <p:sp>
+        <p:nvSpPr>
+          <p:cNvPr id="175" name="PlaceHolder 1"/>
           <p:cNvSpPr>
             <a:spLocks noGrp="1"/>
           </p:cNvSpPr>
@@ -13315,7 +13461,7 @@
       </p:sp>
       <p:sp>
         <p:nvSpPr>
-          <p:cNvPr id="174" name=""/>
+          <p:cNvPr id="176" name=""/>
           <p:cNvSpPr/>
           <p:nvPr/>
         </p:nvSpPr>
@@ -13367,7 +13513,7 @@
       </p:sp>
       <p:pic>
         <p:nvPicPr>
-          <p:cNvPr id="175" name="" descr=""/>
+          <p:cNvPr id="177" name="" descr=""/>
           <p:cNvPicPr/>
           <p:nvPr/>
         </p:nvPicPr>
@@ -13401,44 +13547,6 @@
 </p:sld>
 </file>
 
-<file path=ppt/slides/slide27.xml><?xml version="1.0" encoding="utf-8"?>
-<p:sld xmlns:a="http://schemas.openxmlformats.org/drawingml/2006/main" xmlns:p="http://schemas.openxmlformats.org/presentationml/2006/main" xmlns:r="http://schemas.openxmlformats.org/officeDocument/2006/relationships" xmlns:p14="http://schemas.microsoft.com/office/powerpoint/2010/main" xmlns:p15="http://schemas.microsoft.com/office/powerpoint/2012/main" xmlns:mc="http://schemas.openxmlformats.org/markup-compatibility/2006">
-  <p:cSld>
-    <p:bg>
-      <p:bgPr>
-        <a:blipFill rotWithShape="0">
-          <a:blip r:embed="rId1"/>
-          <a:tile/>
-        </a:blipFill>
-      </p:bgPr>
-    </p:bg>
-    <p:spTree>
-      <p:nvGrpSpPr>
-        <p:cNvPr id="1" name=""/>
-        <p:cNvGrpSpPr/>
-        <p:nvPr/>
-      </p:nvGrpSpPr>
-      <p:grpSpPr>
-        <a:xfrm>
-          <a:off x="0" y="0"/>
-          <a:ext cx="0" cy="0"/>
-          <a:chOff x="0" y="0"/>
-          <a:chExt cx="0" cy="0"/>
-        </a:xfrm>
-      </p:grpSpPr>
-    </p:spTree>
-  </p:cSld>
-  <mc:AlternateContent>
-    <mc:Choice Requires="p14">
-      <p:transition spd="slow" p14:dur="2000"/>
-    </mc:Choice>
-    <mc:Fallback>
-      <p:transition spd="slow"/>
-    </mc:Fallback>
-  </mc:AlternateContent>
-</p:sld>
-</file>
-
 <file path=ppt/slides/slide28.xml><?xml version="1.0" encoding="utf-8"?>
 <p:sld xmlns:a="http://schemas.openxmlformats.org/drawingml/2006/main" xmlns:p="http://schemas.openxmlformats.org/presentationml/2006/main" xmlns:r="http://schemas.openxmlformats.org/officeDocument/2006/relationships" xmlns:p14="http://schemas.microsoft.com/office/powerpoint/2010/main" xmlns:p15="http://schemas.microsoft.com/office/powerpoint/2012/main" xmlns:mc="http://schemas.openxmlformats.org/markup-compatibility/2006">
   <p:cSld>
@@ -13464,191 +13572,6 @@
           <a:chExt cx="0" cy="0"/>
         </a:xfrm>
       </p:grpSpPr>
-      <p:sp>
-        <p:nvSpPr>
-          <p:cNvPr id="176" name="PlaceHolder 1"/>
-          <p:cNvSpPr>
-            <a:spLocks noGrp="1"/>
-          </p:cNvSpPr>
-          <p:nvPr>
-            <p:ph type="title"/>
-          </p:nvPr>
-        </p:nvSpPr>
-        <p:spPr>
-          <a:xfrm>
-            <a:off x="457200" y="274320"/>
-            <a:ext cx="8221680" cy="615960"/>
-          </a:xfrm>
-          <a:prstGeom prst="rect">
-            <a:avLst/>
-          </a:prstGeom>
-          <a:noFill/>
-          <a:ln w="0">
-            <a:noFill/>
-          </a:ln>
-        </p:spPr>
-        <p:txBody>
-          <a:bodyPr lIns="90000" rIns="90000" tIns="45000" bIns="45000" anchor="ctr">
-            <a:noAutofit/>
-          </a:bodyPr>
-          <a:p>
-            <a:pPr algn="ctr">
-              <a:lnSpc>
-                <a:spcPct val="100000"/>
-              </a:lnSpc>
-              <a:buNone/>
-              <a:tabLst>
-                <a:tab algn="l" pos="0"/>
-              </a:tabLst>
-            </a:pPr>
-            <a:r>
-              <a:rPr b="0" lang="en-US" sz="4000" spc="-1" strike="noStrike">
-                <a:solidFill>
-                  <a:srgbClr val="fff5ce"/>
-                </a:solidFill>
-                <a:latin typeface="Calibri"/>
-              </a:rPr>
-              <a:t>Creed</a:t>
-            </a:r>
-            <a:endParaRPr b="0" lang="en-GB" sz="4000" spc="-1" strike="noStrike">
-              <a:latin typeface="Arial"/>
-            </a:endParaRPr>
-          </a:p>
-        </p:txBody>
-      </p:sp>
-      <p:sp>
-        <p:nvSpPr>
-          <p:cNvPr id="177" name="PlaceHolder 2"/>
-          <p:cNvSpPr>
-            <a:spLocks noGrp="1"/>
-          </p:cNvSpPr>
-          <p:nvPr>
-            <p:ph/>
-          </p:nvPr>
-        </p:nvSpPr>
-        <p:spPr>
-          <a:xfrm>
-            <a:off x="457200" y="1204200"/>
-            <a:ext cx="8221680" cy="4517640"/>
-          </a:xfrm>
-          <a:prstGeom prst="rect">
-            <a:avLst/>
-          </a:prstGeom>
-          <a:noFill/>
-          <a:ln w="0">
-            <a:noFill/>
-          </a:ln>
-        </p:spPr>
-        <p:txBody>
-          <a:bodyPr lIns="90000" rIns="90000" tIns="45000" bIns="45000" anchor="t">
-            <a:noAutofit/>
-          </a:bodyPr>
-          <a:p>
-            <a:pPr>
-              <a:lnSpc>
-                <a:spcPct val="100000"/>
-              </a:lnSpc>
-              <a:spcBef>
-                <a:spcPts val="479"/>
-              </a:spcBef>
-              <a:buNone/>
-              <a:tabLst>
-                <a:tab algn="l" pos="0"/>
-              </a:tabLst>
-            </a:pPr>
-            <a:r>
-              <a:rPr b="0" lang="en-US" sz="4000" spc="-1" strike="noStrike">
-                <a:solidFill>
-                  <a:srgbClr val="ffe994"/>
-                </a:solidFill>
-                <a:latin typeface="Calibri"/>
-              </a:rPr>
-              <a:t>Do you believe and trust in God the Father,</a:t>
-            </a:r>
-            <a:endParaRPr b="0" lang="en-GB" sz="4000" spc="-1" strike="noStrike">
-              <a:latin typeface="Arial"/>
-            </a:endParaRPr>
-          </a:p>
-          <a:p>
-            <a:pPr>
-              <a:lnSpc>
-                <a:spcPct val="100000"/>
-              </a:lnSpc>
-              <a:spcBef>
-                <a:spcPts val="479"/>
-              </a:spcBef>
-              <a:buNone/>
-              <a:tabLst>
-                <a:tab algn="l" pos="0"/>
-              </a:tabLst>
-            </a:pPr>
-            <a:r>
-              <a:rPr b="0" lang="en-US" sz="4000" spc="-1" strike="noStrike">
-                <a:solidFill>
-                  <a:srgbClr val="ffe994"/>
-                </a:solidFill>
-                <a:latin typeface="Calibri"/>
-              </a:rPr>
-              <a:t>source of all being and life,</a:t>
-            </a:r>
-            <a:endParaRPr b="0" lang="en-GB" sz="4000" spc="-1" strike="noStrike">
-              <a:latin typeface="Arial"/>
-            </a:endParaRPr>
-          </a:p>
-          <a:p>
-            <a:pPr>
-              <a:lnSpc>
-                <a:spcPct val="100000"/>
-              </a:lnSpc>
-              <a:spcBef>
-                <a:spcPts val="479"/>
-              </a:spcBef>
-              <a:buNone/>
-              <a:tabLst>
-                <a:tab algn="l" pos="0"/>
-              </a:tabLst>
-            </a:pPr>
-            <a:r>
-              <a:rPr b="0" lang="en-US" sz="4000" spc="-1" strike="noStrike">
-                <a:solidFill>
-                  <a:srgbClr val="ffe994"/>
-                </a:solidFill>
-                <a:latin typeface="Calibri"/>
-              </a:rPr>
-              <a:t>the one for whom we exist?</a:t>
-            </a:r>
-            <a:endParaRPr b="0" lang="en-GB" sz="4000" spc="-1" strike="noStrike">
-              <a:latin typeface="Arial"/>
-            </a:endParaRPr>
-          </a:p>
-          <a:p>
-            <a:pPr>
-              <a:lnSpc>
-                <a:spcPct val="100000"/>
-              </a:lnSpc>
-              <a:spcBef>
-                <a:spcPts val="479"/>
-              </a:spcBef>
-              <a:buNone/>
-              <a:tabLst>
-                <a:tab algn="l" pos="0"/>
-              </a:tabLst>
-            </a:pPr>
-            <a:r>
-              <a:rPr b="1" lang="en-US" sz="4000" spc="-1" strike="noStrike">
-                <a:solidFill>
-                  <a:srgbClr val="ffbf00"/>
-                </a:solidFill>
-                <a:latin typeface="Calibri"/>
-              </a:rPr>
-              <a:t>We believe and trust in him</a:t>
-            </a:r>
-            <a:endParaRPr b="0" lang="en-GB" sz="4000" spc="-1" strike="noStrike">
-              <a:latin typeface="Arial"/>
-            </a:endParaRPr>
-          </a:p>
-        </p:txBody>
-      </p:sp>
     </p:spTree>
   </p:cSld>
   <mc:AlternateContent>
@@ -13694,12 +13617,64 @@
             <a:spLocks noGrp="1"/>
           </p:cNvSpPr>
           <p:nvPr>
-            <p:ph/>
+            <p:ph type="title"/>
           </p:nvPr>
         </p:nvSpPr>
         <p:spPr>
           <a:xfrm>
-            <a:off x="457200" y="558000"/>
+            <a:off x="457200" y="274320"/>
+            <a:ext cx="8221680" cy="615960"/>
+          </a:xfrm>
+          <a:prstGeom prst="rect">
+            <a:avLst/>
+          </a:prstGeom>
+          <a:noFill/>
+          <a:ln w="0">
+            <a:noFill/>
+          </a:ln>
+        </p:spPr>
+        <p:txBody>
+          <a:bodyPr lIns="90000" rIns="90000" tIns="45000" bIns="45000" anchor="ctr">
+            <a:noAutofit/>
+          </a:bodyPr>
+          <a:p>
+            <a:pPr algn="ctr">
+              <a:lnSpc>
+                <a:spcPct val="100000"/>
+              </a:lnSpc>
+              <a:buNone/>
+              <a:tabLst>
+                <a:tab algn="l" pos="0"/>
+              </a:tabLst>
+            </a:pPr>
+            <a:r>
+              <a:rPr b="0" lang="en-US" sz="4000" spc="-1" strike="noStrike">
+                <a:solidFill>
+                  <a:srgbClr val="fff5ce"/>
+                </a:solidFill>
+                <a:latin typeface="Calibri"/>
+              </a:rPr>
+              <a:t>Creed</a:t>
+            </a:r>
+            <a:endParaRPr b="0" lang="en-GB" sz="4000" spc="-1" strike="noStrike">
+              <a:latin typeface="Arial"/>
+            </a:endParaRPr>
+          </a:p>
+        </p:txBody>
+      </p:sp>
+      <p:sp>
+        <p:nvSpPr>
+          <p:cNvPr id="179" name="PlaceHolder 2"/>
+          <p:cNvSpPr>
+            <a:spLocks noGrp="1"/>
+          </p:cNvSpPr>
+          <p:nvPr>
+            <p:ph/>
+          </p:nvPr>
+        </p:nvSpPr>
+        <p:spPr>
+          <a:xfrm>
+            <a:off x="457200" y="1204200"/>
             <a:ext cx="8221680" cy="4517640"/>
           </a:xfrm>
           <a:prstGeom prst="rect">
@@ -13734,7 +13709,7 @@
                 </a:solidFill>
                 <a:latin typeface="Calibri"/>
               </a:rPr>
-              <a:t>Do you believe and trust in God the Son,</a:t>
+              <a:t>Do you believe and trust in God the Father,</a:t>
             </a:r>
             <a:endParaRPr b="0" lang="en-GB" sz="4000" spc="-1" strike="noStrike">
               <a:latin typeface="Arial"/>
@@ -13760,7 +13735,7 @@
                 </a:solidFill>
                 <a:latin typeface="Calibri"/>
               </a:rPr>
-              <a:t>who took our human nature,</a:t>
+              <a:t>source of all being and life,</a:t>
             </a:r>
             <a:endParaRPr b="0" lang="en-GB" sz="4000" spc="-1" strike="noStrike">
               <a:latin typeface="Arial"/>
@@ -13786,7 +13761,7 @@
                 </a:solidFill>
                 <a:latin typeface="Calibri"/>
               </a:rPr>
-              <a:t>died for us and rose again?</a:t>
+              <a:t>the one for whom we exist?</a:t>
             </a:r>
             <a:endParaRPr b="0" lang="en-GB" sz="4000" spc="-1" strike="noStrike">
               <a:latin typeface="Arial"/>
@@ -13898,7 +13873,7 @@
       </p:grpSpPr>
       <p:sp>
         <p:nvSpPr>
-          <p:cNvPr id="179" name="PlaceHolder 1"/>
+          <p:cNvPr id="180" name="PlaceHolder 1"/>
           <p:cNvSpPr>
             <a:spLocks noGrp="1"/>
           </p:cNvSpPr>
@@ -13908,7 +13883,7 @@
         </p:nvSpPr>
         <p:spPr>
           <a:xfrm>
-            <a:off x="457200" y="306000"/>
+            <a:off x="457200" y="558000"/>
             <a:ext cx="8221680" cy="4517640"/>
           </a:xfrm>
           <a:prstGeom prst="rect">
@@ -13943,7 +13918,7 @@
                 </a:solidFill>
                 <a:latin typeface="Calibri"/>
               </a:rPr>
-              <a:t>Do you believe and trust in God the Holy Spirit,</a:t>
+              <a:t>Do you believe and trust in God the Son,</a:t>
             </a:r>
             <a:endParaRPr b="0" lang="en-GB" sz="4000" spc="-1" strike="noStrike">
               <a:latin typeface="Arial"/>
@@ -13969,7 +13944,7 @@
                 </a:solidFill>
                 <a:latin typeface="Calibri"/>
               </a:rPr>
-              <a:t>who gives life to the people of God</a:t>
+              <a:t>who took our human nature,</a:t>
             </a:r>
             <a:endParaRPr b="0" lang="en-GB" sz="4000" spc="-1" strike="noStrike">
               <a:latin typeface="Arial"/>
@@ -13995,7 +13970,7 @@
                 </a:solidFill>
                 <a:latin typeface="Calibri"/>
               </a:rPr>
-              <a:t>and makes Christ known in the world?</a:t>
+              <a:t>died for us and rose again?</a:t>
             </a:r>
             <a:endParaRPr b="0" lang="en-GB" sz="4000" spc="-1" strike="noStrike">
               <a:latin typeface="Arial"/>
@@ -14022,127 +13997,6 @@
                 <a:latin typeface="Calibri"/>
               </a:rPr>
               <a:t>We believe and trust in him</a:t>
-            </a:r>
-            <a:endParaRPr b="0" lang="en-GB" sz="4000" spc="-1" strike="noStrike">
-              <a:latin typeface="Arial"/>
-            </a:endParaRPr>
-          </a:p>
-          <a:p>
-            <a:pPr>
-              <a:lnSpc>
-                <a:spcPct val="100000"/>
-              </a:lnSpc>
-              <a:spcBef>
-                <a:spcPts val="479"/>
-              </a:spcBef>
-              <a:buNone/>
-              <a:tabLst>
-                <a:tab algn="l" pos="0"/>
-              </a:tabLst>
-            </a:pPr>
-            <a:endParaRPr b="0" lang="en-GB" sz="2000" spc="-1" strike="noStrike">
-              <a:latin typeface="Arial"/>
-            </a:endParaRPr>
-          </a:p>
-          <a:p>
-            <a:pPr>
-              <a:lnSpc>
-                <a:spcPct val="100000"/>
-              </a:lnSpc>
-              <a:spcBef>
-                <a:spcPts val="479"/>
-              </a:spcBef>
-              <a:buNone/>
-              <a:tabLst>
-                <a:tab algn="l" pos="0"/>
-              </a:tabLst>
-            </a:pPr>
-            <a:r>
-              <a:rPr b="0" lang="en-US" sz="4000" spc="-1" strike="noStrike">
-                <a:solidFill>
-                  <a:srgbClr val="ffe994"/>
-                </a:solidFill>
-                <a:latin typeface="Calibri"/>
-              </a:rPr>
-              <a:t>This is the faith of the Church.</a:t>
-            </a:r>
-            <a:endParaRPr b="0" lang="en-GB" sz="4000" spc="-1" strike="noStrike">
-              <a:latin typeface="Arial"/>
-            </a:endParaRPr>
-          </a:p>
-          <a:p>
-            <a:pPr>
-              <a:lnSpc>
-                <a:spcPct val="100000"/>
-              </a:lnSpc>
-              <a:spcBef>
-                <a:spcPts val="479"/>
-              </a:spcBef>
-              <a:buNone/>
-              <a:tabLst>
-                <a:tab algn="l" pos="0"/>
-              </a:tabLst>
-            </a:pPr>
-            <a:r>
-              <a:rPr b="1" lang="en-US" sz="4000" spc="-1" strike="noStrike">
-                <a:solidFill>
-                  <a:srgbClr val="ffe994"/>
-                </a:solidFill>
-                <a:latin typeface="Calibri"/>
-              </a:rPr>
-              <a:t>This is our faith.</a:t>
-            </a:r>
-            <a:endParaRPr b="0" lang="en-GB" sz="4000" spc="-1" strike="noStrike">
-              <a:latin typeface="Arial"/>
-            </a:endParaRPr>
-          </a:p>
-          <a:p>
-            <a:pPr>
-              <a:lnSpc>
-                <a:spcPct val="100000"/>
-              </a:lnSpc>
-              <a:spcBef>
-                <a:spcPts val="479"/>
-              </a:spcBef>
-              <a:buNone/>
-              <a:tabLst>
-                <a:tab algn="l" pos="0"/>
-              </a:tabLst>
-            </a:pPr>
-            <a:r>
-              <a:rPr b="1" lang="en-US" sz="4000" spc="-1" strike="noStrike">
-                <a:solidFill>
-                  <a:srgbClr val="ffe994"/>
-                </a:solidFill>
-                <a:latin typeface="Calibri"/>
-              </a:rPr>
-              <a:t>We believe and trust in one God,</a:t>
-            </a:r>
-            <a:endParaRPr b="0" lang="en-GB" sz="4000" spc="-1" strike="noStrike">
-              <a:latin typeface="Arial"/>
-            </a:endParaRPr>
-          </a:p>
-          <a:p>
-            <a:pPr>
-              <a:lnSpc>
-                <a:spcPct val="100000"/>
-              </a:lnSpc>
-              <a:spcBef>
-                <a:spcPts val="479"/>
-              </a:spcBef>
-              <a:buNone/>
-              <a:tabLst>
-                <a:tab algn="l" pos="0"/>
-              </a:tabLst>
-            </a:pPr>
-            <a:r>
-              <a:rPr b="1" lang="en-US" sz="4000" spc="-1" strike="noStrike">
-                <a:solidFill>
-                  <a:srgbClr val="ffbf00"/>
-                </a:solidFill>
-                <a:latin typeface="Calibri"/>
-              </a:rPr>
-              <a:t>Father, Son and Holy Spirit. Amen</a:t>
             </a:r>
             <a:endParaRPr b="0" lang="en-GB" sz="4000" spc="-1" strike="noStrike">
               <a:latin typeface="Arial"/>
@@ -14188,6 +14042,260 @@
           <a:chExt cx="0" cy="0"/>
         </a:xfrm>
       </p:grpSpPr>
+      <p:sp>
+        <p:nvSpPr>
+          <p:cNvPr id="181" name="PlaceHolder 1"/>
+          <p:cNvSpPr>
+            <a:spLocks noGrp="1"/>
+          </p:cNvSpPr>
+          <p:nvPr>
+            <p:ph/>
+          </p:nvPr>
+        </p:nvSpPr>
+        <p:spPr>
+          <a:xfrm>
+            <a:off x="457200" y="306000"/>
+            <a:ext cx="8221680" cy="4517640"/>
+          </a:xfrm>
+          <a:prstGeom prst="rect">
+            <a:avLst/>
+          </a:prstGeom>
+          <a:noFill/>
+          <a:ln w="0">
+            <a:noFill/>
+          </a:ln>
+        </p:spPr>
+        <p:txBody>
+          <a:bodyPr lIns="90000" rIns="90000" tIns="45000" bIns="45000" anchor="t">
+            <a:noAutofit/>
+          </a:bodyPr>
+          <a:p>
+            <a:pPr>
+              <a:lnSpc>
+                <a:spcPct val="100000"/>
+              </a:lnSpc>
+              <a:spcBef>
+                <a:spcPts val="479"/>
+              </a:spcBef>
+              <a:buNone/>
+              <a:tabLst>
+                <a:tab algn="l" pos="0"/>
+              </a:tabLst>
+            </a:pPr>
+            <a:r>
+              <a:rPr b="0" lang="en-US" sz="4000" spc="-1" strike="noStrike">
+                <a:solidFill>
+                  <a:srgbClr val="ffe994"/>
+                </a:solidFill>
+                <a:latin typeface="Calibri"/>
+              </a:rPr>
+              <a:t>Do you believe and trust in God the Holy Spirit,</a:t>
+            </a:r>
+            <a:endParaRPr b="0" lang="en-GB" sz="4000" spc="-1" strike="noStrike">
+              <a:latin typeface="Arial"/>
+            </a:endParaRPr>
+          </a:p>
+          <a:p>
+            <a:pPr>
+              <a:lnSpc>
+                <a:spcPct val="100000"/>
+              </a:lnSpc>
+              <a:spcBef>
+                <a:spcPts val="479"/>
+              </a:spcBef>
+              <a:buNone/>
+              <a:tabLst>
+                <a:tab algn="l" pos="0"/>
+              </a:tabLst>
+            </a:pPr>
+            <a:r>
+              <a:rPr b="0" lang="en-US" sz="4000" spc="-1" strike="noStrike">
+                <a:solidFill>
+                  <a:srgbClr val="ffe994"/>
+                </a:solidFill>
+                <a:latin typeface="Calibri"/>
+              </a:rPr>
+              <a:t>who gives life to the people of God</a:t>
+            </a:r>
+            <a:endParaRPr b="0" lang="en-GB" sz="4000" spc="-1" strike="noStrike">
+              <a:latin typeface="Arial"/>
+            </a:endParaRPr>
+          </a:p>
+          <a:p>
+            <a:pPr>
+              <a:lnSpc>
+                <a:spcPct val="100000"/>
+              </a:lnSpc>
+              <a:spcBef>
+                <a:spcPts val="479"/>
+              </a:spcBef>
+              <a:buNone/>
+              <a:tabLst>
+                <a:tab algn="l" pos="0"/>
+              </a:tabLst>
+            </a:pPr>
+            <a:r>
+              <a:rPr b="0" lang="en-US" sz="4000" spc="-1" strike="noStrike">
+                <a:solidFill>
+                  <a:srgbClr val="ffe994"/>
+                </a:solidFill>
+                <a:latin typeface="Calibri"/>
+              </a:rPr>
+              <a:t>and makes Christ known in the world?</a:t>
+            </a:r>
+            <a:endParaRPr b="0" lang="en-GB" sz="4000" spc="-1" strike="noStrike">
+              <a:latin typeface="Arial"/>
+            </a:endParaRPr>
+          </a:p>
+          <a:p>
+            <a:pPr>
+              <a:lnSpc>
+                <a:spcPct val="100000"/>
+              </a:lnSpc>
+              <a:spcBef>
+                <a:spcPts val="479"/>
+              </a:spcBef>
+              <a:buNone/>
+              <a:tabLst>
+                <a:tab algn="l" pos="0"/>
+              </a:tabLst>
+            </a:pPr>
+            <a:r>
+              <a:rPr b="1" lang="en-US" sz="4000" spc="-1" strike="noStrike">
+                <a:solidFill>
+                  <a:srgbClr val="ffbf00"/>
+                </a:solidFill>
+                <a:latin typeface="Calibri"/>
+              </a:rPr>
+              <a:t>We believe and trust in him</a:t>
+            </a:r>
+            <a:endParaRPr b="0" lang="en-GB" sz="4000" spc="-1" strike="noStrike">
+              <a:latin typeface="Arial"/>
+            </a:endParaRPr>
+          </a:p>
+          <a:p>
+            <a:pPr>
+              <a:lnSpc>
+                <a:spcPct val="100000"/>
+              </a:lnSpc>
+              <a:spcBef>
+                <a:spcPts val="479"/>
+              </a:spcBef>
+              <a:buNone/>
+              <a:tabLst>
+                <a:tab algn="l" pos="0"/>
+              </a:tabLst>
+            </a:pPr>
+            <a:endParaRPr b="0" lang="en-GB" sz="2000" spc="-1" strike="noStrike">
+              <a:latin typeface="Arial"/>
+            </a:endParaRPr>
+          </a:p>
+          <a:p>
+            <a:pPr>
+              <a:lnSpc>
+                <a:spcPct val="100000"/>
+              </a:lnSpc>
+              <a:spcBef>
+                <a:spcPts val="479"/>
+              </a:spcBef>
+              <a:buNone/>
+              <a:tabLst>
+                <a:tab algn="l" pos="0"/>
+              </a:tabLst>
+            </a:pPr>
+            <a:r>
+              <a:rPr b="0" lang="en-US" sz="4000" spc="-1" strike="noStrike">
+                <a:solidFill>
+                  <a:srgbClr val="ffe994"/>
+                </a:solidFill>
+                <a:latin typeface="Calibri"/>
+              </a:rPr>
+              <a:t>This is the faith of the Church.</a:t>
+            </a:r>
+            <a:endParaRPr b="0" lang="en-GB" sz="4000" spc="-1" strike="noStrike">
+              <a:latin typeface="Arial"/>
+            </a:endParaRPr>
+          </a:p>
+          <a:p>
+            <a:pPr>
+              <a:lnSpc>
+                <a:spcPct val="100000"/>
+              </a:lnSpc>
+              <a:spcBef>
+                <a:spcPts val="479"/>
+              </a:spcBef>
+              <a:buNone/>
+              <a:tabLst>
+                <a:tab algn="l" pos="0"/>
+              </a:tabLst>
+            </a:pPr>
+            <a:r>
+              <a:rPr b="1" lang="en-US" sz="4000" spc="-1" strike="noStrike">
+                <a:solidFill>
+                  <a:srgbClr val="ffe994"/>
+                </a:solidFill>
+                <a:latin typeface="Calibri"/>
+              </a:rPr>
+              <a:t>This is our faith.</a:t>
+            </a:r>
+            <a:endParaRPr b="0" lang="en-GB" sz="4000" spc="-1" strike="noStrike">
+              <a:latin typeface="Arial"/>
+            </a:endParaRPr>
+          </a:p>
+          <a:p>
+            <a:pPr>
+              <a:lnSpc>
+                <a:spcPct val="100000"/>
+              </a:lnSpc>
+              <a:spcBef>
+                <a:spcPts val="479"/>
+              </a:spcBef>
+              <a:buNone/>
+              <a:tabLst>
+                <a:tab algn="l" pos="0"/>
+              </a:tabLst>
+            </a:pPr>
+            <a:r>
+              <a:rPr b="1" lang="en-US" sz="4000" spc="-1" strike="noStrike">
+                <a:solidFill>
+                  <a:srgbClr val="ffe994"/>
+                </a:solidFill>
+                <a:latin typeface="Calibri"/>
+              </a:rPr>
+              <a:t>We believe and trust in one God,</a:t>
+            </a:r>
+            <a:endParaRPr b="0" lang="en-GB" sz="4000" spc="-1" strike="noStrike">
+              <a:latin typeface="Arial"/>
+            </a:endParaRPr>
+          </a:p>
+          <a:p>
+            <a:pPr>
+              <a:lnSpc>
+                <a:spcPct val="100000"/>
+              </a:lnSpc>
+              <a:spcBef>
+                <a:spcPts val="479"/>
+              </a:spcBef>
+              <a:buNone/>
+              <a:tabLst>
+                <a:tab algn="l" pos="0"/>
+              </a:tabLst>
+            </a:pPr>
+            <a:r>
+              <a:rPr b="1" lang="en-US" sz="4000" spc="-1" strike="noStrike">
+                <a:solidFill>
+                  <a:srgbClr val="ffbf00"/>
+                </a:solidFill>
+                <a:latin typeface="Calibri"/>
+              </a:rPr>
+              <a:t>Father, Son and Holy Spirit. Amen</a:t>
+            </a:r>
+            <a:endParaRPr b="0" lang="en-GB" sz="4000" spc="-1" strike="noStrike">
+              <a:latin typeface="Arial"/>
+            </a:endParaRPr>
+          </a:p>
+        </p:txBody>
+      </p:sp>
     </p:spTree>
   </p:cSld>
   <mc:AlternateContent>
@@ -14226,321 +14334,6 @@
           <a:chExt cx="0" cy="0"/>
         </a:xfrm>
       </p:grpSpPr>
-      <p:sp>
-        <p:nvSpPr>
-          <p:cNvPr id="180" name="PlaceHolder 1"/>
-          <p:cNvSpPr>
-            <a:spLocks noGrp="1"/>
-          </p:cNvSpPr>
-          <p:nvPr>
-            <p:ph type="title"/>
-          </p:nvPr>
-        </p:nvSpPr>
-        <p:spPr>
-          <a:xfrm>
-            <a:off x="417960" y="-55080"/>
-            <a:ext cx="8221680" cy="1134720"/>
-          </a:xfrm>
-          <a:prstGeom prst="rect">
-            <a:avLst/>
-          </a:prstGeom>
-          <a:noFill/>
-          <a:ln w="0">
-            <a:noFill/>
-          </a:ln>
-        </p:spPr>
-        <p:txBody>
-          <a:bodyPr lIns="90000" rIns="90000" tIns="45000" bIns="45000" anchor="ctr">
-            <a:noAutofit/>
-          </a:bodyPr>
-          <a:p>
-            <a:pPr algn="ctr">
-              <a:lnSpc>
-                <a:spcPct val="100000"/>
-              </a:lnSpc>
-              <a:buNone/>
-              <a:tabLst>
-                <a:tab algn="l" pos="0"/>
-              </a:tabLst>
-            </a:pPr>
-            <a:r>
-              <a:rPr b="0" lang="en-US" sz="4000" spc="-1" strike="noStrike">
-                <a:solidFill>
-                  <a:srgbClr val="fff5ce"/>
-                </a:solidFill>
-                <a:latin typeface="Calibri"/>
-              </a:rPr>
-              <a:t>Song 3: I Will Offer Up My Life</a:t>
-            </a:r>
-            <a:endParaRPr b="0" lang="en-GB" sz="4000" spc="-1" strike="noStrike">
-              <a:latin typeface="Arial"/>
-            </a:endParaRPr>
-          </a:p>
-        </p:txBody>
-      </p:sp>
-      <p:sp>
-        <p:nvSpPr>
-          <p:cNvPr id="181" name="PlaceHolder 2"/>
-          <p:cNvSpPr>
-            <a:spLocks noGrp="1"/>
-          </p:cNvSpPr>
-          <p:nvPr>
-            <p:ph/>
-          </p:nvPr>
-        </p:nvSpPr>
-        <p:spPr>
-          <a:xfrm>
-            <a:off x="0" y="1080000"/>
-            <a:ext cx="9143640" cy="5399640"/>
-          </a:xfrm>
-          <a:prstGeom prst="rect">
-            <a:avLst/>
-          </a:prstGeom>
-          <a:noFill/>
-          <a:ln w="0">
-            <a:noFill/>
-          </a:ln>
-        </p:spPr>
-        <p:txBody>
-          <a:bodyPr lIns="90000" rIns="90000" tIns="45000" bIns="45000" anchor="t">
-            <a:noAutofit/>
-          </a:bodyPr>
-          <a:p>
-            <a:pPr>
-              <a:lnSpc>
-                <a:spcPct val="100000"/>
-              </a:lnSpc>
-              <a:spcBef>
-                <a:spcPts val="479"/>
-              </a:spcBef>
-              <a:buNone/>
-              <a:tabLst>
-                <a:tab algn="l" pos="0"/>
-              </a:tabLst>
-            </a:pPr>
-            <a:r>
-              <a:rPr b="0" lang="en-US" sz="4000" spc="-1" strike="noStrike">
-                <a:solidFill>
-                  <a:srgbClr val="ffe994"/>
-                </a:solidFill>
-                <a:latin typeface="Calibri"/>
-              </a:rPr>
-              <a:t>I will offer up my life</a:t>
-            </a:r>
-            <a:endParaRPr b="0" lang="en-GB" sz="4000" spc="-1" strike="noStrike">
-              <a:latin typeface="Arial"/>
-            </a:endParaRPr>
-          </a:p>
-          <a:p>
-            <a:pPr>
-              <a:lnSpc>
-                <a:spcPct val="100000"/>
-              </a:lnSpc>
-              <a:spcBef>
-                <a:spcPts val="479"/>
-              </a:spcBef>
-              <a:buNone/>
-              <a:tabLst>
-                <a:tab algn="l" pos="0"/>
-              </a:tabLst>
-            </a:pPr>
-            <a:r>
-              <a:rPr b="0" lang="en-US" sz="4000" spc="-1" strike="noStrike">
-                <a:solidFill>
-                  <a:srgbClr val="ffe994"/>
-                </a:solidFill>
-                <a:latin typeface="Calibri"/>
-              </a:rPr>
-              <a:t>In spirit and truth</a:t>
-            </a:r>
-            <a:endParaRPr b="0" lang="en-GB" sz="4000" spc="-1" strike="noStrike">
-              <a:latin typeface="Arial"/>
-            </a:endParaRPr>
-          </a:p>
-          <a:p>
-            <a:pPr>
-              <a:lnSpc>
-                <a:spcPct val="100000"/>
-              </a:lnSpc>
-              <a:spcBef>
-                <a:spcPts val="479"/>
-              </a:spcBef>
-              <a:buNone/>
-              <a:tabLst>
-                <a:tab algn="l" pos="0"/>
-              </a:tabLst>
-            </a:pPr>
-            <a:r>
-              <a:rPr b="0" lang="en-US" sz="4000" spc="-1" strike="noStrike">
-                <a:solidFill>
-                  <a:srgbClr val="ffe994"/>
-                </a:solidFill>
-                <a:latin typeface="Calibri"/>
-              </a:rPr>
-              <a:t>Pouring out the oil of love</a:t>
-            </a:r>
-            <a:endParaRPr b="0" lang="en-GB" sz="4000" spc="-1" strike="noStrike">
-              <a:latin typeface="Arial"/>
-            </a:endParaRPr>
-          </a:p>
-          <a:p>
-            <a:pPr>
-              <a:lnSpc>
-                <a:spcPct val="100000"/>
-              </a:lnSpc>
-              <a:spcBef>
-                <a:spcPts val="479"/>
-              </a:spcBef>
-              <a:buNone/>
-              <a:tabLst>
-                <a:tab algn="l" pos="0"/>
-              </a:tabLst>
-            </a:pPr>
-            <a:r>
-              <a:rPr b="0" lang="en-US" sz="4000" spc="-1" strike="noStrike">
-                <a:solidFill>
-                  <a:srgbClr val="ffe994"/>
-                </a:solidFill>
-                <a:latin typeface="Calibri"/>
-              </a:rPr>
-              <a:t>As my worship to You</a:t>
-            </a:r>
-            <a:endParaRPr b="0" lang="en-GB" sz="4000" spc="-1" strike="noStrike">
-              <a:latin typeface="Arial"/>
-            </a:endParaRPr>
-          </a:p>
-          <a:p>
-            <a:pPr>
-              <a:lnSpc>
-                <a:spcPct val="100000"/>
-              </a:lnSpc>
-              <a:spcBef>
-                <a:spcPts val="479"/>
-              </a:spcBef>
-              <a:buNone/>
-              <a:tabLst>
-                <a:tab algn="l" pos="0"/>
-              </a:tabLst>
-            </a:pPr>
-            <a:r>
-              <a:rPr b="0" lang="en-US" sz="4000" spc="-1" strike="noStrike">
-                <a:solidFill>
-                  <a:srgbClr val="ffe994"/>
-                </a:solidFill>
-                <a:latin typeface="Calibri"/>
-              </a:rPr>
-              <a:t>In surrender I must give my every part</a:t>
-            </a:r>
-            <a:endParaRPr b="0" lang="en-GB" sz="4000" spc="-1" strike="noStrike">
-              <a:latin typeface="Arial"/>
-            </a:endParaRPr>
-          </a:p>
-          <a:p>
-            <a:pPr>
-              <a:lnSpc>
-                <a:spcPct val="100000"/>
-              </a:lnSpc>
-              <a:spcBef>
-                <a:spcPts val="479"/>
-              </a:spcBef>
-              <a:buNone/>
-              <a:tabLst>
-                <a:tab algn="l" pos="0"/>
-              </a:tabLst>
-            </a:pPr>
-            <a:r>
-              <a:rPr b="0" lang="en-US" sz="4000" spc="-1" strike="noStrike">
-                <a:solidFill>
-                  <a:srgbClr val="ffe994"/>
-                </a:solidFill>
-                <a:latin typeface="Calibri"/>
-              </a:rPr>
-              <a:t>Lord receive the sacrifice</a:t>
-            </a:r>
-            <a:endParaRPr b="0" lang="en-GB" sz="4000" spc="-1" strike="noStrike">
-              <a:latin typeface="Arial"/>
-            </a:endParaRPr>
-          </a:p>
-          <a:p>
-            <a:pPr>
-              <a:lnSpc>
-                <a:spcPct val="100000"/>
-              </a:lnSpc>
-              <a:spcBef>
-                <a:spcPts val="479"/>
-              </a:spcBef>
-              <a:buNone/>
-              <a:tabLst>
-                <a:tab algn="l" pos="0"/>
-              </a:tabLst>
-            </a:pPr>
-            <a:r>
-              <a:rPr b="0" lang="en-US" sz="4000" spc="-1" strike="noStrike">
-                <a:solidFill>
-                  <a:srgbClr val="ffe994"/>
-                </a:solidFill>
-                <a:latin typeface="Calibri"/>
-              </a:rPr>
-              <a:t>Of a broken heart</a:t>
-            </a:r>
-            <a:endParaRPr b="0" lang="en-GB" sz="4000" spc="-1" strike="noStrike">
-              <a:latin typeface="Arial"/>
-            </a:endParaRPr>
-          </a:p>
-        </p:txBody>
-      </p:sp>
-      <p:sp>
-        <p:nvSpPr>
-          <p:cNvPr id="182" name=""/>
-          <p:cNvSpPr/>
-          <p:nvPr/>
-        </p:nvSpPr>
-        <p:spPr>
-          <a:xfrm>
-            <a:off x="8280000" y="6460200"/>
-            <a:ext cx="493200" cy="341640"/>
-          </a:xfrm>
-          <a:prstGeom prst="rect">
-            <a:avLst/>
-          </a:prstGeom>
-          <a:noFill/>
-          <a:ln w="0">
-            <a:noFill/>
-          </a:ln>
-        </p:spPr>
-        <p:style>
-          <a:lnRef idx="0"/>
-          <a:fillRef idx="0"/>
-          <a:effectRef idx="0"/>
-          <a:fontRef idx="minor"/>
-        </p:style>
-        <p:txBody>
-          <a:bodyPr lIns="90000" rIns="90000" tIns="45000" bIns="45000" anchor="t">
-            <a:noAutofit/>
-          </a:bodyPr>
-          <a:p>
-            <a:pPr>
-              <a:lnSpc>
-                <a:spcPct val="100000"/>
-              </a:lnSpc>
-              <a:buNone/>
-            </a:pPr>
-            <a:r>
-              <a:rPr b="0" lang="en-GB" sz="1000" spc="-1" strike="noStrike">
-                <a:solidFill>
-                  <a:srgbClr val="ffffd7"/>
-                </a:solidFill>
-                <a:latin typeface="Arial"/>
-                <a:ea typeface="DejaVu Sans"/>
-              </a:rPr>
-              <a:t>1/4</a:t>
-            </a:r>
-            <a:endParaRPr b="0" lang="en-GB" sz="1000" spc="-1" strike="noStrike">
-              <a:latin typeface="Arial"/>
-            </a:endParaRPr>
-          </a:p>
-        </p:txBody>
-      </p:sp>
     </p:spTree>
   </p:cSld>
   <mc:AlternateContent>
@@ -14581,17 +14374,69 @@
       </p:grpSpPr>
       <p:sp>
         <p:nvSpPr>
-          <p:cNvPr id="183" name="PlaceHolder 1"/>
-          <p:cNvSpPr>
-            <a:spLocks noGrp="1"/>
-          </p:cNvSpPr>
-          <p:nvPr>
-            <p:ph/>
+          <p:cNvPr id="182" name="PlaceHolder 1"/>
+          <p:cNvSpPr>
+            <a:spLocks noGrp="1"/>
+          </p:cNvSpPr>
+          <p:nvPr>
+            <p:ph type="title"/>
           </p:nvPr>
         </p:nvSpPr>
         <p:spPr>
           <a:xfrm>
-            <a:off x="0" y="180000"/>
+            <a:off x="417960" y="-55080"/>
+            <a:ext cx="8221680" cy="1134720"/>
+          </a:xfrm>
+          <a:prstGeom prst="rect">
+            <a:avLst/>
+          </a:prstGeom>
+          <a:noFill/>
+          <a:ln w="0">
+            <a:noFill/>
+          </a:ln>
+        </p:spPr>
+        <p:txBody>
+          <a:bodyPr lIns="90000" rIns="90000" tIns="45000" bIns="45000" anchor="ctr">
+            <a:noAutofit/>
+          </a:bodyPr>
+          <a:p>
+            <a:pPr algn="ctr">
+              <a:lnSpc>
+                <a:spcPct val="100000"/>
+              </a:lnSpc>
+              <a:buNone/>
+              <a:tabLst>
+                <a:tab algn="l" pos="0"/>
+              </a:tabLst>
+            </a:pPr>
+            <a:r>
+              <a:rPr b="0" lang="en-US" sz="4000" spc="-1" strike="noStrike">
+                <a:solidFill>
+                  <a:srgbClr val="fff5ce"/>
+                </a:solidFill>
+                <a:latin typeface="Calibri"/>
+              </a:rPr>
+              <a:t>Song 3: I Will Offer Up My Life</a:t>
+            </a:r>
+            <a:endParaRPr b="0" lang="en-GB" sz="4000" spc="-1" strike="noStrike">
+              <a:latin typeface="Arial"/>
+            </a:endParaRPr>
+          </a:p>
+        </p:txBody>
+      </p:sp>
+      <p:sp>
+        <p:nvSpPr>
+          <p:cNvPr id="183" name="PlaceHolder 2"/>
+          <p:cNvSpPr>
+            <a:spLocks noGrp="1"/>
+          </p:cNvSpPr>
+          <p:nvPr>
+            <p:ph/>
+          </p:nvPr>
+        </p:nvSpPr>
+        <p:spPr>
+          <a:xfrm>
+            <a:off x="0" y="1080000"/>
             <a:ext cx="9143640" cy="5399640"/>
           </a:xfrm>
           <a:prstGeom prst="rect">
@@ -14626,7 +14471,7 @@
                 </a:solidFill>
                 <a:latin typeface="Calibri"/>
               </a:rPr>
-              <a:t>Jesus what can I give what can I bring</a:t>
+              <a:t>I will offer up my life</a:t>
             </a:r>
             <a:endParaRPr b="0" lang="en-GB" sz="4000" spc="-1" strike="noStrike">
               <a:latin typeface="Arial"/>
@@ -14652,7 +14497,7 @@
                 </a:solidFill>
                 <a:latin typeface="Calibri"/>
               </a:rPr>
-              <a:t>To so faithful a friend to so loving a King</a:t>
+              <a:t>In spirit and truth</a:t>
             </a:r>
             <a:endParaRPr b="0" lang="en-GB" sz="4000" spc="-1" strike="noStrike">
               <a:latin typeface="Arial"/>
@@ -14678,7 +14523,7 @@
                 </a:solidFill>
                 <a:latin typeface="Calibri"/>
               </a:rPr>
-              <a:t>Saviour what can be said what can be sung</a:t>
+              <a:t>Pouring out the oil of love</a:t>
             </a:r>
             <a:endParaRPr b="0" lang="en-GB" sz="4000" spc="-1" strike="noStrike">
               <a:latin typeface="Arial"/>
@@ -14704,7 +14549,7 @@
                 </a:solidFill>
                 <a:latin typeface="Calibri"/>
               </a:rPr>
-              <a:t>As a praise of Your name</a:t>
+              <a:t>As my worship to You</a:t>
             </a:r>
             <a:endParaRPr b="0" lang="en-GB" sz="4000" spc="-1" strike="noStrike">
               <a:latin typeface="Arial"/>
@@ -14730,7 +14575,7 @@
                 </a:solidFill>
                 <a:latin typeface="Calibri"/>
               </a:rPr>
-              <a:t>For the things You have done</a:t>
+              <a:t>In surrender I must give my every part</a:t>
             </a:r>
             <a:endParaRPr b="0" lang="en-GB" sz="4000" spc="-1" strike="noStrike">
               <a:latin typeface="Arial"/>
@@ -14756,7 +14601,7 @@
                 </a:solidFill>
                 <a:latin typeface="Calibri"/>
               </a:rPr>
-              <a:t>Oh my words could not tell not even in part</a:t>
+              <a:t>Lord receive the sacrifice</a:t>
             </a:r>
             <a:endParaRPr b="0" lang="en-GB" sz="4000" spc="-1" strike="noStrike">
               <a:latin typeface="Arial"/>
@@ -14782,33 +14627,7 @@
                 </a:solidFill>
                 <a:latin typeface="Calibri"/>
               </a:rPr>
-              <a:t>Of the debt of love that is owed</a:t>
-            </a:r>
-            <a:endParaRPr b="0" lang="en-GB" sz="4000" spc="-1" strike="noStrike">
-              <a:latin typeface="Arial"/>
-            </a:endParaRPr>
-          </a:p>
-          <a:p>
-            <a:pPr>
-              <a:lnSpc>
-                <a:spcPct val="100000"/>
-              </a:lnSpc>
-              <a:spcBef>
-                <a:spcPts val="479"/>
-              </a:spcBef>
-              <a:buNone/>
-              <a:tabLst>
-                <a:tab algn="l" pos="0"/>
-              </a:tabLst>
-            </a:pPr>
-            <a:r>
-              <a:rPr b="0" lang="en-US" sz="4000" spc="-1" strike="noStrike">
-                <a:solidFill>
-                  <a:srgbClr val="ffe994"/>
-                </a:solidFill>
-                <a:latin typeface="Calibri"/>
-              </a:rPr>
-              <a:t>By this thankful heart</a:t>
+              <a:t>Of a broken heart</a:t>
             </a:r>
             <a:endParaRPr b="0" lang="en-GB" sz="4000" spc="-1" strike="noStrike">
               <a:latin typeface="Arial"/>
@@ -14860,7 +14679,7 @@
                 <a:latin typeface="Arial"/>
                 <a:ea typeface="DejaVu Sans"/>
               </a:rPr>
-              <a:t>2/4</a:t>
+              <a:t>1/4</a:t>
             </a:r>
             <a:endParaRPr b="0" lang="en-GB" sz="1000" spc="-1" strike="noStrike">
               <a:latin typeface="Arial"/>
@@ -14953,7 +14772,7 @@
                 </a:solidFill>
                 <a:latin typeface="Calibri"/>
               </a:rPr>
-              <a:t>You deserve my every breath</a:t>
+              <a:t>Jesus what can I give what can I bring</a:t>
             </a:r>
             <a:endParaRPr b="0" lang="en-GB" sz="4000" spc="-1" strike="noStrike">
               <a:latin typeface="Arial"/>
@@ -14979,7 +14798,7 @@
                 </a:solidFill>
                 <a:latin typeface="Calibri"/>
               </a:rPr>
-              <a:t>For You've paid the great cost</a:t>
+              <a:t>To so faithful a friend to so loving a King</a:t>
             </a:r>
             <a:endParaRPr b="0" lang="en-GB" sz="4000" spc="-1" strike="noStrike">
               <a:latin typeface="Arial"/>
@@ -15005,7 +14824,7 @@
                 </a:solidFill>
                 <a:latin typeface="Calibri"/>
               </a:rPr>
-              <a:t>Giving up Your life to death</a:t>
+              <a:t>Saviour what can be said what can be sung</a:t>
             </a:r>
             <a:endParaRPr b="0" lang="en-GB" sz="4000" spc="-1" strike="noStrike">
               <a:latin typeface="Arial"/>
@@ -15031,7 +14850,7 @@
                 </a:solidFill>
                 <a:latin typeface="Calibri"/>
               </a:rPr>
-              <a:t>Even death on a cross</a:t>
+              <a:t>As a praise of Your name</a:t>
             </a:r>
             <a:endParaRPr b="0" lang="en-GB" sz="4000" spc="-1" strike="noStrike">
               <a:latin typeface="Arial"/>
@@ -15057,7 +14876,7 @@
                 </a:solidFill>
                 <a:latin typeface="Calibri"/>
               </a:rPr>
-              <a:t>You took all my shame away</a:t>
+              <a:t>For the things You have done</a:t>
             </a:r>
             <a:endParaRPr b="0" lang="en-GB" sz="4000" spc="-1" strike="noStrike">
               <a:latin typeface="Arial"/>
@@ -15083,7 +14902,7 @@
                 </a:solidFill>
                 <a:latin typeface="Calibri"/>
               </a:rPr>
-              <a:t>There defeated my sin</a:t>
+              <a:t>Oh my words could not tell not even in part</a:t>
             </a:r>
             <a:endParaRPr b="0" lang="en-GB" sz="4000" spc="-1" strike="noStrike">
               <a:latin typeface="Arial"/>
@@ -15109,7 +14928,7 @@
                 </a:solidFill>
                 <a:latin typeface="Calibri"/>
               </a:rPr>
-              <a:t>Opened up the gates of heaven</a:t>
+              <a:t>Of the debt of love that is owed</a:t>
             </a:r>
             <a:endParaRPr b="0" lang="en-GB" sz="4000" spc="-1" strike="noStrike">
               <a:latin typeface="Arial"/>
@@ -15135,7 +14954,7 @@
                 </a:solidFill>
                 <a:latin typeface="Calibri"/>
               </a:rPr>
-              <a:t>And have beckoned me in</a:t>
+              <a:t>By this thankful heart</a:t>
             </a:r>
             <a:endParaRPr b="0" lang="en-GB" sz="4000" spc="-1" strike="noStrike">
               <a:latin typeface="Arial"/>
@@ -15187,7 +15006,7 @@
                 <a:latin typeface="Arial"/>
                 <a:ea typeface="DejaVu Sans"/>
               </a:rPr>
-              <a:t>3/4</a:t>
+              <a:t>2/4</a:t>
             </a:r>
             <a:endParaRPr b="0" lang="en-GB" sz="1000" spc="-1" strike="noStrike">
               <a:latin typeface="Arial"/>
@@ -15280,7 +15099,7 @@
                 </a:solidFill>
                 <a:latin typeface="Calibri"/>
               </a:rPr>
-              <a:t>Jesus what can I give what can I bring</a:t>
+              <a:t>You deserve my every breath</a:t>
             </a:r>
             <a:endParaRPr b="0" lang="en-GB" sz="4000" spc="-1" strike="noStrike">
               <a:latin typeface="Arial"/>
@@ -15306,7 +15125,7 @@
                 </a:solidFill>
                 <a:latin typeface="Calibri"/>
               </a:rPr>
-              <a:t>To so faithful a friend to so loving a King</a:t>
+              <a:t>For You've paid the great cost</a:t>
             </a:r>
             <a:endParaRPr b="0" lang="en-GB" sz="4000" spc="-1" strike="noStrike">
               <a:latin typeface="Arial"/>
@@ -15332,7 +15151,7 @@
                 </a:solidFill>
                 <a:latin typeface="Calibri"/>
               </a:rPr>
-              <a:t>Saviour what can be said what can be sung</a:t>
+              <a:t>Giving up Your life to death</a:t>
             </a:r>
             <a:endParaRPr b="0" lang="en-GB" sz="4000" spc="-1" strike="noStrike">
               <a:latin typeface="Arial"/>
@@ -15358,7 +15177,7 @@
                 </a:solidFill>
                 <a:latin typeface="Calibri"/>
               </a:rPr>
-              <a:t>As a praise of Your name</a:t>
+              <a:t>Even death on a cross</a:t>
             </a:r>
             <a:endParaRPr b="0" lang="en-GB" sz="4000" spc="-1" strike="noStrike">
               <a:latin typeface="Arial"/>
@@ -15384,7 +15203,7 @@
                 </a:solidFill>
                 <a:latin typeface="Calibri"/>
               </a:rPr>
-              <a:t>For the things You have done</a:t>
+              <a:t>You took all my shame away</a:t>
             </a:r>
             <a:endParaRPr b="0" lang="en-GB" sz="4000" spc="-1" strike="noStrike">
               <a:latin typeface="Arial"/>
@@ -15410,7 +15229,7 @@
                 </a:solidFill>
                 <a:latin typeface="Calibri"/>
               </a:rPr>
-              <a:t>Oh my words could not tell not even in part</a:t>
+              <a:t>There defeated my sin</a:t>
             </a:r>
             <a:endParaRPr b="0" lang="en-GB" sz="4000" spc="-1" strike="noStrike">
               <a:latin typeface="Arial"/>
@@ -15436,7 +15255,7 @@
                 </a:solidFill>
                 <a:latin typeface="Calibri"/>
               </a:rPr>
-              <a:t>Of the debt of love that is owed</a:t>
+              <a:t>Opened up the gates of heaven</a:t>
             </a:r>
             <a:endParaRPr b="0" lang="en-GB" sz="4000" spc="-1" strike="noStrike">
               <a:latin typeface="Arial"/>
@@ -15462,7 +15281,7 @@
                 </a:solidFill>
                 <a:latin typeface="Calibri"/>
               </a:rPr>
-              <a:t>By this thankful heart</a:t>
+              <a:t>And have beckoned me in</a:t>
             </a:r>
             <a:endParaRPr b="0" lang="en-GB" sz="4000" spc="-1" strike="noStrike">
               <a:latin typeface="Arial"/>
@@ -15514,170 +15333,9 @@
                 <a:latin typeface="Arial"/>
                 <a:ea typeface="DejaVu Sans"/>
               </a:rPr>
-              <a:t>4/4</a:t>
+              <a:t>3/4</a:t>
             </a:r>
             <a:endParaRPr b="0" lang="en-GB" sz="1000" spc="-1" strike="noStrike">
-              <a:latin typeface="Arial"/>
-            </a:endParaRPr>
-          </a:p>
-        </p:txBody>
-      </p:sp>
-      <p:sp>
-        <p:nvSpPr>
-          <p:cNvPr id="189" name="PlaceHolder 24"/>
-          <p:cNvSpPr/>
-          <p:nvPr/>
-        </p:nvSpPr>
-        <p:spPr>
-          <a:xfrm>
-            <a:off x="0" y="5580000"/>
-            <a:ext cx="9143640" cy="1466280"/>
-          </a:xfrm>
-          <a:prstGeom prst="rect">
-            <a:avLst/>
-          </a:prstGeom>
-          <a:noFill/>
-          <a:ln w="0">
-            <a:noFill/>
-          </a:ln>
-        </p:spPr>
-        <p:style>
-          <a:lnRef idx="0"/>
-          <a:fillRef idx="0"/>
-          <a:effectRef idx="0"/>
-          <a:fontRef idx="minor"/>
-        </p:style>
-        <p:txBody>
-          <a:bodyPr lIns="90000" rIns="90000" tIns="45000" bIns="45000" anchor="t">
-            <a:noAutofit/>
-          </a:bodyPr>
-          <a:p>
-            <a:pPr>
-              <a:lnSpc>
-                <a:spcPct val="100000"/>
-              </a:lnSpc>
-              <a:spcBef>
-                <a:spcPts val="479"/>
-              </a:spcBef>
-              <a:buNone/>
-              <a:tabLst>
-                <a:tab algn="l" pos="0"/>
-              </a:tabLst>
-            </a:pPr>
-            <a:r>
-              <a:rPr b="0" lang="en-US" sz="1200" spc="-1" strike="noStrike">
-                <a:solidFill>
-                  <a:srgbClr val="ffe994"/>
-                </a:solidFill>
-                <a:latin typeface="Calibri"/>
-              </a:rPr>
-              <a:t>Matt Redman</a:t>
-            </a:r>
-            <a:endParaRPr b="0" lang="en-GB" sz="1200" spc="-1" strike="noStrike">
-              <a:latin typeface="Arial"/>
-            </a:endParaRPr>
-          </a:p>
-          <a:p>
-            <a:pPr>
-              <a:lnSpc>
-                <a:spcPct val="100000"/>
-              </a:lnSpc>
-              <a:spcBef>
-                <a:spcPts val="479"/>
-              </a:spcBef>
-              <a:buNone/>
-              <a:tabLst>
-                <a:tab algn="l" pos="0"/>
-              </a:tabLst>
-            </a:pPr>
-            <a:r>
-              <a:rPr b="0" lang="en-US" sz="1200" spc="-1" strike="noStrike">
-                <a:solidFill>
-                  <a:srgbClr val="ffe994"/>
-                </a:solidFill>
-                <a:latin typeface="Calibri"/>
-              </a:rPr>
-              <a:t>CCLI Song #1083764</a:t>
-            </a:r>
-            <a:endParaRPr b="0" lang="en-GB" sz="1200" spc="-1" strike="noStrike">
-              <a:latin typeface="Arial"/>
-            </a:endParaRPr>
-          </a:p>
-          <a:p>
-            <a:pPr>
-              <a:lnSpc>
-                <a:spcPct val="100000"/>
-              </a:lnSpc>
-              <a:spcBef>
-                <a:spcPts val="479"/>
-              </a:spcBef>
-              <a:buNone/>
-              <a:tabLst>
-                <a:tab algn="l" pos="0"/>
-              </a:tabLst>
-            </a:pPr>
-            <a:r>
-              <a:rPr b="0" lang="en-US" sz="1200" spc="-1" strike="noStrike">
-                <a:solidFill>
-                  <a:srgbClr val="ffe994"/>
-                </a:solidFill>
-                <a:latin typeface="Calibri"/>
-              </a:rPr>
-              <a:t>© 1994 Thankyou Music</a:t>
-            </a:r>
-            <a:endParaRPr b="0" lang="en-GB" sz="1200" spc="-1" strike="noStrike">
-              <a:latin typeface="Arial"/>
-            </a:endParaRPr>
-          </a:p>
-          <a:p>
-            <a:pPr>
-              <a:lnSpc>
-                <a:spcPct val="100000"/>
-              </a:lnSpc>
-              <a:spcBef>
-                <a:spcPts val="479"/>
-              </a:spcBef>
-              <a:buNone/>
-              <a:tabLst>
-                <a:tab algn="l" pos="0"/>
-              </a:tabLst>
-            </a:pPr>
-            <a:r>
-              <a:rPr b="0" lang="en-US" sz="1200" spc="-1" strike="noStrike">
-                <a:solidFill>
-                  <a:srgbClr val="ffe994"/>
-                </a:solidFill>
-                <a:latin typeface="Calibri"/>
-              </a:rPr>
-              <a:t>For use solely with the SongSelect® Terms of Use.  All rights reserved. www.ccli.com</a:t>
-            </a:r>
-            <a:endParaRPr b="0" lang="en-GB" sz="1200" spc="-1" strike="noStrike">
-              <a:latin typeface="Arial"/>
-            </a:endParaRPr>
-          </a:p>
-          <a:p>
-            <a:pPr>
-              <a:lnSpc>
-                <a:spcPct val="100000"/>
-              </a:lnSpc>
-              <a:spcBef>
-                <a:spcPts val="479"/>
-              </a:spcBef>
-              <a:buNone/>
-              <a:tabLst>
-                <a:tab algn="l" pos="0"/>
-              </a:tabLst>
-            </a:pPr>
-            <a:r>
-              <a:rPr b="0" lang="en-US" sz="1200" spc="-1" strike="noStrike">
-                <a:solidFill>
-                  <a:srgbClr val="ffe994"/>
-                </a:solidFill>
-                <a:latin typeface="Calibri"/>
-              </a:rPr>
-              <a:t>CCLI Licence No.2299</a:t>
-            </a:r>
-            <a:endParaRPr b="0" lang="en-GB" sz="1200" spc="-1" strike="noStrike">
               <a:latin typeface="Arial"/>
             </a:endParaRPr>
           </a:p>
@@ -15723,7 +15381,7 @@
       </p:grpSpPr>
       <p:sp>
         <p:nvSpPr>
-          <p:cNvPr id="190" name="PlaceHolder 1"/>
+          <p:cNvPr id="189" name="PlaceHolder 1"/>
           <p:cNvSpPr>
             <a:spLocks noGrp="1"/>
           </p:cNvSpPr>
@@ -15733,8 +15391,8 @@
         </p:nvSpPr>
         <p:spPr>
           <a:xfrm>
-            <a:off x="457200" y="556200"/>
-            <a:ext cx="8221680" cy="5742720"/>
+            <a:off x="0" y="180000"/>
+            <a:ext cx="9143640" cy="5399640"/>
           </a:xfrm>
           <a:prstGeom prst="rect">
             <a:avLst/>
@@ -15768,44 +15426,206 @@
                 </a:solidFill>
                 <a:latin typeface="Calibri"/>
               </a:rPr>
-              <a:t>Bible reading: 1 Cor 12:12-31a</a:t>
-            </a:r>
-            <a:endParaRPr b="0" lang="en-GB" sz="4000" spc="-1" strike="noStrike">
-              <a:latin typeface="Arial"/>
-            </a:endParaRPr>
-          </a:p>
-          <a:p>
-            <a:pPr>
-              <a:lnSpc>
-                <a:spcPct val="100000"/>
-              </a:lnSpc>
-              <a:spcBef>
-                <a:spcPts val="479"/>
-              </a:spcBef>
-              <a:buNone/>
-              <a:tabLst>
-                <a:tab algn="l" pos="0"/>
-              </a:tabLst>
-            </a:pPr>
-            <a:br>
-              <a:rPr sz="4000"/>
-            </a:br>
-            <a:endParaRPr b="0" lang="en-GB" sz="4000" spc="-1" strike="noStrike">
-              <a:latin typeface="Arial"/>
-            </a:endParaRPr>
-          </a:p>
-        </p:txBody>
-      </p:sp>
-      <p:sp>
-        <p:nvSpPr>
-          <p:cNvPr id="191" name="Content Placeholder 5"/>
+              <a:t>Jesus what can I give what can I bring</a:t>
+            </a:r>
+            <a:endParaRPr b="0" lang="en-GB" sz="4000" spc="-1" strike="noStrike">
+              <a:latin typeface="Arial"/>
+            </a:endParaRPr>
+          </a:p>
+          <a:p>
+            <a:pPr>
+              <a:lnSpc>
+                <a:spcPct val="100000"/>
+              </a:lnSpc>
+              <a:spcBef>
+                <a:spcPts val="479"/>
+              </a:spcBef>
+              <a:buNone/>
+              <a:tabLst>
+                <a:tab algn="l" pos="0"/>
+              </a:tabLst>
+            </a:pPr>
+            <a:r>
+              <a:rPr b="0" lang="en-US" sz="4000" spc="-1" strike="noStrike">
+                <a:solidFill>
+                  <a:srgbClr val="ffe994"/>
+                </a:solidFill>
+                <a:latin typeface="Calibri"/>
+              </a:rPr>
+              <a:t>To so faithful a friend to so loving a King</a:t>
+            </a:r>
+            <a:endParaRPr b="0" lang="en-GB" sz="4000" spc="-1" strike="noStrike">
+              <a:latin typeface="Arial"/>
+            </a:endParaRPr>
+          </a:p>
+          <a:p>
+            <a:pPr>
+              <a:lnSpc>
+                <a:spcPct val="100000"/>
+              </a:lnSpc>
+              <a:spcBef>
+                <a:spcPts val="479"/>
+              </a:spcBef>
+              <a:buNone/>
+              <a:tabLst>
+                <a:tab algn="l" pos="0"/>
+              </a:tabLst>
+            </a:pPr>
+            <a:r>
+              <a:rPr b="0" lang="en-US" sz="4000" spc="-1" strike="noStrike">
+                <a:solidFill>
+                  <a:srgbClr val="ffe994"/>
+                </a:solidFill>
+                <a:latin typeface="Calibri"/>
+              </a:rPr>
+              <a:t>Saviour what can be said what can be sung</a:t>
+            </a:r>
+            <a:endParaRPr b="0" lang="en-GB" sz="4000" spc="-1" strike="noStrike">
+              <a:latin typeface="Arial"/>
+            </a:endParaRPr>
+          </a:p>
+          <a:p>
+            <a:pPr>
+              <a:lnSpc>
+                <a:spcPct val="100000"/>
+              </a:lnSpc>
+              <a:spcBef>
+                <a:spcPts val="479"/>
+              </a:spcBef>
+              <a:buNone/>
+              <a:tabLst>
+                <a:tab algn="l" pos="0"/>
+              </a:tabLst>
+            </a:pPr>
+            <a:r>
+              <a:rPr b="0" lang="en-US" sz="4000" spc="-1" strike="noStrike">
+                <a:solidFill>
+                  <a:srgbClr val="ffe994"/>
+                </a:solidFill>
+                <a:latin typeface="Calibri"/>
+              </a:rPr>
+              <a:t>As a praise of Your name</a:t>
+            </a:r>
+            <a:endParaRPr b="0" lang="en-GB" sz="4000" spc="-1" strike="noStrike">
+              <a:latin typeface="Arial"/>
+            </a:endParaRPr>
+          </a:p>
+          <a:p>
+            <a:pPr>
+              <a:lnSpc>
+                <a:spcPct val="100000"/>
+              </a:lnSpc>
+              <a:spcBef>
+                <a:spcPts val="479"/>
+              </a:spcBef>
+              <a:buNone/>
+              <a:tabLst>
+                <a:tab algn="l" pos="0"/>
+              </a:tabLst>
+            </a:pPr>
+            <a:r>
+              <a:rPr b="0" lang="en-US" sz="4000" spc="-1" strike="noStrike">
+                <a:solidFill>
+                  <a:srgbClr val="ffe994"/>
+                </a:solidFill>
+                <a:latin typeface="Calibri"/>
+              </a:rPr>
+              <a:t>For the things You have done</a:t>
+            </a:r>
+            <a:endParaRPr b="0" lang="en-GB" sz="4000" spc="-1" strike="noStrike">
+              <a:latin typeface="Arial"/>
+            </a:endParaRPr>
+          </a:p>
+          <a:p>
+            <a:pPr>
+              <a:lnSpc>
+                <a:spcPct val="100000"/>
+              </a:lnSpc>
+              <a:spcBef>
+                <a:spcPts val="479"/>
+              </a:spcBef>
+              <a:buNone/>
+              <a:tabLst>
+                <a:tab algn="l" pos="0"/>
+              </a:tabLst>
+            </a:pPr>
+            <a:r>
+              <a:rPr b="0" lang="en-US" sz="4000" spc="-1" strike="noStrike">
+                <a:solidFill>
+                  <a:srgbClr val="ffe994"/>
+                </a:solidFill>
+                <a:latin typeface="Calibri"/>
+              </a:rPr>
+              <a:t>Oh my words could not tell not even in part</a:t>
+            </a:r>
+            <a:endParaRPr b="0" lang="en-GB" sz="4000" spc="-1" strike="noStrike">
+              <a:latin typeface="Arial"/>
+            </a:endParaRPr>
+          </a:p>
+          <a:p>
+            <a:pPr>
+              <a:lnSpc>
+                <a:spcPct val="100000"/>
+              </a:lnSpc>
+              <a:spcBef>
+                <a:spcPts val="479"/>
+              </a:spcBef>
+              <a:buNone/>
+              <a:tabLst>
+                <a:tab algn="l" pos="0"/>
+              </a:tabLst>
+            </a:pPr>
+            <a:r>
+              <a:rPr b="0" lang="en-US" sz="4000" spc="-1" strike="noStrike">
+                <a:solidFill>
+                  <a:srgbClr val="ffe994"/>
+                </a:solidFill>
+                <a:latin typeface="Calibri"/>
+              </a:rPr>
+              <a:t>Of the debt of love that is owed</a:t>
+            </a:r>
+            <a:endParaRPr b="0" lang="en-GB" sz="4000" spc="-1" strike="noStrike">
+              <a:latin typeface="Arial"/>
+            </a:endParaRPr>
+          </a:p>
+          <a:p>
+            <a:pPr>
+              <a:lnSpc>
+                <a:spcPct val="100000"/>
+              </a:lnSpc>
+              <a:spcBef>
+                <a:spcPts val="479"/>
+              </a:spcBef>
+              <a:buNone/>
+              <a:tabLst>
+                <a:tab algn="l" pos="0"/>
+              </a:tabLst>
+            </a:pPr>
+            <a:r>
+              <a:rPr b="0" lang="en-US" sz="4000" spc="-1" strike="noStrike">
+                <a:solidFill>
+                  <a:srgbClr val="ffe994"/>
+                </a:solidFill>
+                <a:latin typeface="Calibri"/>
+              </a:rPr>
+              <a:t>By this thankful heart</a:t>
+            </a:r>
+            <a:endParaRPr b="0" lang="en-GB" sz="4000" spc="-1" strike="noStrike">
+              <a:latin typeface="Arial"/>
+            </a:endParaRPr>
+          </a:p>
+        </p:txBody>
+      </p:sp>
+      <p:sp>
+        <p:nvSpPr>
+          <p:cNvPr id="190" name=""/>
           <p:cNvSpPr/>
           <p:nvPr/>
         </p:nvSpPr>
         <p:spPr>
           <a:xfrm>
-            <a:off x="410760" y="5940000"/>
-            <a:ext cx="8221680" cy="715320"/>
+            <a:off x="8280000" y="6460200"/>
+            <a:ext cx="493200" cy="341640"/>
           </a:xfrm>
           <a:prstGeom prst="rect">
             <a:avLst/>
@@ -15830,25 +15650,180 @@
               <a:lnSpc>
                 <a:spcPct val="100000"/>
               </a:lnSpc>
-              <a:spcBef>
-                <a:spcPts val="479"/>
-              </a:spcBef>
-              <a:buNone/>
-              <a:tabLst>
-                <a:tab algn="l" pos="0"/>
-              </a:tabLst>
-            </a:pPr>
-            <a:r>
-              <a:rPr b="0" lang="en-US" sz="1400" spc="-1" strike="noStrike">
-                <a:solidFill>
-                  <a:srgbClr val="000000"/>
+              <a:buNone/>
+            </a:pPr>
+            <a:r>
+              <a:rPr b="0" lang="en-GB" sz="1000" spc="-1" strike="noStrike">
+                <a:solidFill>
+                  <a:srgbClr val="ffffd7"/>
                 </a:solidFill>
                 <a:latin typeface="Arial"/>
                 <a:ea typeface="DejaVu Sans"/>
               </a:rPr>
-              <a:t>...</a:t>
-            </a:r>
-            <a:endParaRPr b="0" lang="en-GB" sz="1400" spc="-1" strike="noStrike">
+              <a:t>4/4</a:t>
+            </a:r>
+            <a:endParaRPr b="0" lang="en-GB" sz="1000" spc="-1" strike="noStrike">
+              <a:latin typeface="Arial"/>
+            </a:endParaRPr>
+          </a:p>
+        </p:txBody>
+      </p:sp>
+      <p:sp>
+        <p:nvSpPr>
+          <p:cNvPr id="191" name="PlaceHolder 24"/>
+          <p:cNvSpPr/>
+          <p:nvPr/>
+        </p:nvSpPr>
+        <p:spPr>
+          <a:xfrm>
+            <a:off x="0" y="5580000"/>
+            <a:ext cx="9143640" cy="1466280"/>
+          </a:xfrm>
+          <a:prstGeom prst="rect">
+            <a:avLst/>
+          </a:prstGeom>
+          <a:noFill/>
+          <a:ln w="0">
+            <a:noFill/>
+          </a:ln>
+        </p:spPr>
+        <p:style>
+          <a:lnRef idx="0"/>
+          <a:fillRef idx="0"/>
+          <a:effectRef idx="0"/>
+          <a:fontRef idx="minor"/>
+        </p:style>
+        <p:txBody>
+          <a:bodyPr lIns="90000" rIns="90000" tIns="45000" bIns="45000" anchor="t">
+            <a:noAutofit/>
+          </a:bodyPr>
+          <a:p>
+            <a:pPr>
+              <a:lnSpc>
+                <a:spcPct val="100000"/>
+              </a:lnSpc>
+              <a:spcBef>
+                <a:spcPts val="479"/>
+              </a:spcBef>
+              <a:buNone/>
+              <a:tabLst>
+                <a:tab algn="l" pos="0"/>
+              </a:tabLst>
+            </a:pPr>
+            <a:r>
+              <a:rPr b="0" lang="en-US" sz="1200" spc="-1" strike="noStrike">
+                <a:solidFill>
+                  <a:srgbClr val="ffe994"/>
+                </a:solidFill>
+                <a:latin typeface="Calibri"/>
+              </a:rPr>
+              <a:t>Matt Redman</a:t>
+            </a:r>
+            <a:endParaRPr b="0" lang="en-GB" sz="1200" spc="-1" strike="noStrike">
+              <a:latin typeface="Arial"/>
+            </a:endParaRPr>
+          </a:p>
+          <a:p>
+            <a:pPr>
+              <a:lnSpc>
+                <a:spcPct val="100000"/>
+              </a:lnSpc>
+              <a:spcBef>
+                <a:spcPts val="479"/>
+              </a:spcBef>
+              <a:buNone/>
+              <a:tabLst>
+                <a:tab algn="l" pos="0"/>
+              </a:tabLst>
+            </a:pPr>
+            <a:r>
+              <a:rPr b="0" lang="en-US" sz="1200" spc="-1" strike="noStrike">
+                <a:solidFill>
+                  <a:srgbClr val="ffe994"/>
+                </a:solidFill>
+                <a:latin typeface="Calibri"/>
+              </a:rPr>
+              <a:t>CCLI Song #1083764</a:t>
+            </a:r>
+            <a:endParaRPr b="0" lang="en-GB" sz="1200" spc="-1" strike="noStrike">
+              <a:latin typeface="Arial"/>
+            </a:endParaRPr>
+          </a:p>
+          <a:p>
+            <a:pPr>
+              <a:lnSpc>
+                <a:spcPct val="100000"/>
+              </a:lnSpc>
+              <a:spcBef>
+                <a:spcPts val="479"/>
+              </a:spcBef>
+              <a:buNone/>
+              <a:tabLst>
+                <a:tab algn="l" pos="0"/>
+              </a:tabLst>
+            </a:pPr>
+            <a:r>
+              <a:rPr b="0" lang="en-US" sz="1200" spc="-1" strike="noStrike">
+                <a:solidFill>
+                  <a:srgbClr val="ffe994"/>
+                </a:solidFill>
+                <a:latin typeface="Calibri"/>
+              </a:rPr>
+              <a:t>© 1994 Thankyou Music</a:t>
+            </a:r>
+            <a:endParaRPr b="0" lang="en-GB" sz="1200" spc="-1" strike="noStrike">
+              <a:latin typeface="Arial"/>
+            </a:endParaRPr>
+          </a:p>
+          <a:p>
+            <a:pPr>
+              <a:lnSpc>
+                <a:spcPct val="100000"/>
+              </a:lnSpc>
+              <a:spcBef>
+                <a:spcPts val="479"/>
+              </a:spcBef>
+              <a:buNone/>
+              <a:tabLst>
+                <a:tab algn="l" pos="0"/>
+              </a:tabLst>
+            </a:pPr>
+            <a:r>
+              <a:rPr b="0" lang="en-US" sz="1200" spc="-1" strike="noStrike">
+                <a:solidFill>
+                  <a:srgbClr val="ffe994"/>
+                </a:solidFill>
+                <a:latin typeface="Calibri"/>
+              </a:rPr>
+              <a:t>For use solely with the SongSelect® Terms of Use.  All rights reserved. www.ccli.com</a:t>
+            </a:r>
+            <a:endParaRPr b="0" lang="en-GB" sz="1200" spc="-1" strike="noStrike">
+              <a:latin typeface="Arial"/>
+            </a:endParaRPr>
+          </a:p>
+          <a:p>
+            <a:pPr>
+              <a:lnSpc>
+                <a:spcPct val="100000"/>
+              </a:lnSpc>
+              <a:spcBef>
+                <a:spcPts val="479"/>
+              </a:spcBef>
+              <a:buNone/>
+              <a:tabLst>
+                <a:tab algn="l" pos="0"/>
+              </a:tabLst>
+            </a:pPr>
+            <a:r>
+              <a:rPr b="0" lang="en-US" sz="1200" spc="-1" strike="noStrike">
+                <a:solidFill>
+                  <a:srgbClr val="ffe994"/>
+                </a:solidFill>
+                <a:latin typeface="Calibri"/>
+              </a:rPr>
+              <a:t>CCLI Licence No.2299</a:t>
+            </a:r>
+            <a:endParaRPr b="0" lang="en-GB" sz="1200" spc="-1" strike="noStrike">
               <a:latin typeface="Arial"/>
             </a:endParaRPr>
           </a:p>
@@ -15939,7 +15914,7 @@
                 </a:solidFill>
                 <a:latin typeface="Calibri"/>
               </a:rPr>
-              <a:t>Talk by Rev Richard Hibbert</a:t>
+              <a:t>Bible reading: 1 Cor 12:12-31a</a:t>
             </a:r>
             <a:endParaRPr b="0" lang="en-GB" sz="4000" spc="-1" strike="noStrike">
               <a:latin typeface="Arial"/>
@@ -15969,7 +15944,7 @@
       </p:sp>
       <p:sp>
         <p:nvSpPr>
-          <p:cNvPr id="193" name="Content Placeholder 4"/>
+          <p:cNvPr id="193" name="Content Placeholder 5"/>
           <p:cNvSpPr/>
           <p:nvPr/>
         </p:nvSpPr>
@@ -16070,13 +16045,13 @@
             <a:spLocks noGrp="1"/>
           </p:cNvSpPr>
           <p:nvPr>
-            <p:ph type="title"/>
+            <p:ph/>
           </p:nvPr>
         </p:nvSpPr>
         <p:spPr>
           <a:xfrm>
-            <a:off x="457200" y="0"/>
-            <a:ext cx="8221680" cy="899280"/>
+            <a:off x="457200" y="556200"/>
+            <a:ext cx="8221680" cy="5742720"/>
           </a:xfrm>
           <a:prstGeom prst="rect">
             <a:avLst/>
@@ -16087,14 +16062,17 @@
           </a:ln>
         </p:spPr>
         <p:txBody>
-          <a:bodyPr lIns="90000" rIns="90000" tIns="45000" bIns="45000" anchor="ctr">
+          <a:bodyPr lIns="90000" rIns="90000" tIns="45000" bIns="45000" anchor="t">
             <a:noAutofit/>
           </a:bodyPr>
           <a:p>
-            <a:pPr algn="ctr">
-              <a:lnSpc>
-                <a:spcPct val="100000"/>
-              </a:lnSpc>
+            <a:pPr>
+              <a:lnSpc>
+                <a:spcPct val="100000"/>
+              </a:lnSpc>
+              <a:spcBef>
+                <a:spcPts val="479"/>
+              </a:spcBef>
               <a:buNone/>
               <a:tabLst>
                 <a:tab algn="l" pos="0"/>
@@ -16103,28 +16081,48 @@
             <a:r>
               <a:rPr b="0" lang="en-US" sz="4000" spc="-1" strike="noStrike">
                 <a:solidFill>
-                  <a:srgbClr val="fff5ce"/>
-                </a:solidFill>
-                <a:latin typeface="Calibri"/>
-              </a:rPr>
-              <a:t>Prayers (Anand Scott)</a:t>
-            </a:r>
-            <a:endParaRPr b="0" lang="en-GB" sz="4000" spc="-1" strike="noStrike">
-              <a:latin typeface="Arial"/>
-            </a:endParaRPr>
-          </a:p>
-        </p:txBody>
-      </p:sp>
-      <p:sp>
-        <p:nvSpPr>
-          <p:cNvPr id="195" name=""/>
+                  <a:srgbClr val="ffe994"/>
+                </a:solidFill>
+                <a:latin typeface="Calibri"/>
+              </a:rPr>
+              <a:t>Talk by Rev Richard Hibbert</a:t>
+            </a:r>
+            <a:endParaRPr b="0" lang="en-GB" sz="4000" spc="-1" strike="noStrike">
+              <a:latin typeface="Arial"/>
+            </a:endParaRPr>
+          </a:p>
+          <a:p>
+            <a:pPr>
+              <a:lnSpc>
+                <a:spcPct val="100000"/>
+              </a:lnSpc>
+              <a:spcBef>
+                <a:spcPts val="479"/>
+              </a:spcBef>
+              <a:buNone/>
+              <a:tabLst>
+                <a:tab algn="l" pos="0"/>
+              </a:tabLst>
+            </a:pPr>
+            <a:br>
+              <a:rPr sz="4000"/>
+            </a:br>
+            <a:endParaRPr b="0" lang="en-GB" sz="4000" spc="-1" strike="noStrike">
+              <a:latin typeface="Arial"/>
+            </a:endParaRPr>
+          </a:p>
+        </p:txBody>
+      </p:sp>
+      <p:sp>
+        <p:nvSpPr>
+          <p:cNvPr id="195" name="Content Placeholder 4"/>
           <p:cNvSpPr/>
           <p:nvPr/>
         </p:nvSpPr>
         <p:spPr>
           <a:xfrm>
-            <a:off x="347760" y="1493640"/>
-            <a:ext cx="8467560" cy="5079960"/>
+            <a:off x="410760" y="5940000"/>
+            <a:ext cx="8221680" cy="715320"/>
           </a:xfrm>
           <a:prstGeom prst="rect">
             <a:avLst/>
@@ -16158,110 +16156,16 @@
               </a:tabLst>
             </a:pPr>
             <a:r>
-              <a:rPr b="0" lang="en-US" sz="4000" spc="-1" strike="noStrike">
-                <a:solidFill>
-                  <a:srgbClr val="ffe994"/>
-                </a:solidFill>
-                <a:latin typeface="Calibri"/>
+              <a:rPr b="0" lang="en-US" sz="1400" spc="-1" strike="noStrike">
+                <a:solidFill>
+                  <a:srgbClr val="000000"/>
+                </a:solidFill>
+                <a:latin typeface="Arial"/>
                 <a:ea typeface="DejaVu Sans"/>
               </a:rPr>
-              <a:t>1. Dear God, thank you for loving each one of us just as we are. You’ve given us so much, and we are grateful. Help us to share what we have, to be kind and generous, and to follow Jesus every day. </a:t>
-            </a:r>
-            <a:endParaRPr b="0" lang="en-GB" sz="4000" spc="-1" strike="noStrike">
-              <a:latin typeface="Arial"/>
-            </a:endParaRPr>
-          </a:p>
-          <a:p>
-            <a:pPr>
-              <a:lnSpc>
-                <a:spcPct val="100000"/>
-              </a:lnSpc>
-              <a:spcBef>
-                <a:spcPts val="479"/>
-              </a:spcBef>
-              <a:buNone/>
-              <a:tabLst>
-                <a:tab algn="l" pos="0"/>
-              </a:tabLst>
-            </a:pPr>
-            <a:r>
-              <a:rPr b="0" lang="en-US" sz="4000" spc="-1" strike="noStrike">
-                <a:solidFill>
-                  <a:srgbClr val="ffe994"/>
-                </a:solidFill>
-                <a:latin typeface="Calibri"/>
-                <a:ea typeface="DejaVu Sans"/>
-              </a:rPr>
-              <a:t>Lord, in your mercy,</a:t>
-            </a:r>
-            <a:endParaRPr b="0" lang="en-GB" sz="4000" spc="-1" strike="noStrike">
-              <a:latin typeface="Arial"/>
-            </a:endParaRPr>
-          </a:p>
-          <a:p>
-            <a:pPr>
-              <a:lnSpc>
-                <a:spcPct val="100000"/>
-              </a:lnSpc>
-              <a:spcBef>
-                <a:spcPts val="479"/>
-              </a:spcBef>
-              <a:buNone/>
-              <a:tabLst>
-                <a:tab algn="l" pos="0"/>
-              </a:tabLst>
-            </a:pPr>
-            <a:r>
-              <a:rPr b="0" lang="en-US" sz="4000" spc="-1" strike="noStrike">
-                <a:solidFill>
-                  <a:srgbClr val="ffe994"/>
-                </a:solidFill>
-                <a:latin typeface="Calibri"/>
-                <a:ea typeface="DejaVu Sans"/>
-              </a:rPr>
-              <a:t>	</a:t>
-            </a:r>
-            <a:r>
-              <a:rPr b="0" lang="en-US" sz="4000" spc="-1" strike="noStrike">
-                <a:solidFill>
-                  <a:srgbClr val="ffe994"/>
-                </a:solidFill>
-                <a:latin typeface="Calibri"/>
-                <a:ea typeface="DejaVu Sans"/>
-              </a:rPr>
-              <a:t>	</a:t>
-            </a:r>
-            <a:r>
-              <a:rPr b="0" lang="en-US" sz="4000" spc="-1" strike="noStrike">
-                <a:solidFill>
-                  <a:srgbClr val="ffe994"/>
-                </a:solidFill>
-                <a:latin typeface="Calibri"/>
-                <a:ea typeface="DejaVu Sans"/>
-              </a:rPr>
-              <a:t>(Response: '</a:t>
-            </a:r>
-            <a:r>
-              <a:rPr b="1" lang="en-US" sz="4000" spc="-1" strike="noStrike">
-                <a:solidFill>
-                  <a:srgbClr val="ffbf00"/>
-                </a:solidFill>
-                <a:latin typeface="Calibri"/>
-                <a:ea typeface="DejaVu Sans"/>
-              </a:rPr>
-              <a:t>Hear our prayer</a:t>
-            </a:r>
-            <a:r>
-              <a:rPr b="0" lang="en-US" sz="4000" spc="-1" strike="noStrike">
-                <a:solidFill>
-                  <a:srgbClr val="ffe994"/>
-                </a:solidFill>
-                <a:latin typeface="Calibri"/>
-                <a:ea typeface="DejaVu Sans"/>
-              </a:rPr>
-              <a:t>')</a:t>
-            </a:r>
-            <a:endParaRPr b="0" lang="en-GB" sz="4000" spc="-1" strike="noStrike">
+              <a:t>...</a:t>
+            </a:r>
+            <a:endParaRPr b="0" lang="en-GB" sz="1400" spc="-1" strike="noStrike">
               <a:latin typeface="Arial"/>
             </a:endParaRPr>
           </a:p>
@@ -16307,14 +16211,66 @@
       </p:grpSpPr>
       <p:sp>
         <p:nvSpPr>
-          <p:cNvPr id="196" name=""/>
+          <p:cNvPr id="196" name="PlaceHolder 1"/>
+          <p:cNvSpPr>
+            <a:spLocks noGrp="1"/>
+          </p:cNvSpPr>
+          <p:nvPr>
+            <p:ph type="title"/>
+          </p:nvPr>
+        </p:nvSpPr>
+        <p:spPr>
+          <a:xfrm>
+            <a:off x="457200" y="0"/>
+            <a:ext cx="8221680" cy="899280"/>
+          </a:xfrm>
+          <a:prstGeom prst="rect">
+            <a:avLst/>
+          </a:prstGeom>
+          <a:noFill/>
+          <a:ln w="0">
+            <a:noFill/>
+          </a:ln>
+        </p:spPr>
+        <p:txBody>
+          <a:bodyPr lIns="90000" rIns="90000" tIns="45000" bIns="45000" anchor="ctr">
+            <a:noAutofit/>
+          </a:bodyPr>
+          <a:p>
+            <a:pPr algn="ctr">
+              <a:lnSpc>
+                <a:spcPct val="100000"/>
+              </a:lnSpc>
+              <a:buNone/>
+              <a:tabLst>
+                <a:tab algn="l" pos="0"/>
+              </a:tabLst>
+            </a:pPr>
+            <a:r>
+              <a:rPr b="0" lang="en-US" sz="4000" spc="-1" strike="noStrike">
+                <a:solidFill>
+                  <a:srgbClr val="fff5ce"/>
+                </a:solidFill>
+                <a:latin typeface="Calibri"/>
+              </a:rPr>
+              <a:t>Prayers (Anand Scott)</a:t>
+            </a:r>
+            <a:endParaRPr b="0" lang="en-GB" sz="4000" spc="-1" strike="noStrike">
+              <a:latin typeface="Arial"/>
+            </a:endParaRPr>
+          </a:p>
+        </p:txBody>
+      </p:sp>
+      <p:sp>
+        <p:nvSpPr>
+          <p:cNvPr id="197" name=""/>
           <p:cNvSpPr/>
           <p:nvPr/>
         </p:nvSpPr>
         <p:spPr>
           <a:xfrm>
-            <a:off x="347760" y="0"/>
-            <a:ext cx="8467560" cy="6573600"/>
+            <a:off x="347760" y="1493640"/>
+            <a:ext cx="8467560" cy="5079960"/>
           </a:xfrm>
           <a:prstGeom prst="rect">
             <a:avLst/>
@@ -16347,23 +16303,6 @@
                 <a:tab algn="l" pos="0"/>
               </a:tabLst>
             </a:pPr>
-            <a:endParaRPr b="0" lang="en-GB" sz="4000" spc="-1" strike="noStrike">
-              <a:latin typeface="Arial"/>
-            </a:endParaRPr>
-          </a:p>
-          <a:p>
-            <a:pPr>
-              <a:lnSpc>
-                <a:spcPct val="100000"/>
-              </a:lnSpc>
-              <a:spcBef>
-                <a:spcPts val="479"/>
-              </a:spcBef>
-              <a:buNone/>
-              <a:tabLst>
-                <a:tab algn="l" pos="0"/>
-              </a:tabLst>
-            </a:pPr>
             <a:r>
               <a:rPr b="0" lang="en-US" sz="4000" spc="-1" strike="noStrike">
                 <a:solidFill>
@@ -16372,7 +16311,7 @@
                 <a:latin typeface="Calibri"/>
                 <a:ea typeface="DejaVu Sans"/>
               </a:rPr>
-              <a:t>2. Thank you, Lord, for our church family. You’ve made each of us special, and together we can do so much more. Help us to love and care for one another and to show your love to everyone in Coventry. </a:t>
+              <a:t>1. Dear God, thank you for loving each one of us just as we are. You’ve given us so much, and we are grateful. Help us to share what we have, to be kind and generous, and to follow Jesus every day. </a:t>
             </a:r>
             <a:endParaRPr b="0" lang="en-GB" sz="4000" spc="-1" strike="noStrike">
               <a:latin typeface="Arial"/>
@@ -16728,14 +16667,14 @@
       </p:grpSpPr>
       <p:sp>
         <p:nvSpPr>
-          <p:cNvPr id="197" name=""/>
+          <p:cNvPr id="198" name=""/>
           <p:cNvSpPr/>
           <p:nvPr/>
         </p:nvSpPr>
         <p:spPr>
           <a:xfrm>
-            <a:off x="347760" y="773640"/>
-            <a:ext cx="8467560" cy="5079960"/>
+            <a:off x="347760" y="0"/>
+            <a:ext cx="8467560" cy="6573600"/>
           </a:xfrm>
           <a:prstGeom prst="rect">
             <a:avLst/>
@@ -16768,6 +16707,23 @@
                 <a:tab algn="l" pos="0"/>
               </a:tabLst>
             </a:pPr>
+            <a:endParaRPr b="0" lang="en-GB" sz="4000" spc="-1" strike="noStrike">
+              <a:latin typeface="Arial"/>
+            </a:endParaRPr>
+          </a:p>
+          <a:p>
+            <a:pPr>
+              <a:lnSpc>
+                <a:spcPct val="100000"/>
+              </a:lnSpc>
+              <a:spcBef>
+                <a:spcPts val="479"/>
+              </a:spcBef>
+              <a:buNone/>
+              <a:tabLst>
+                <a:tab algn="l" pos="0"/>
+              </a:tabLst>
+            </a:pPr>
             <a:r>
               <a:rPr b="0" lang="en-US" sz="4000" spc="-1" strike="noStrike">
                 <a:solidFill>
@@ -16776,35 +16732,25 @@
                 <a:latin typeface="Calibri"/>
                 <a:ea typeface="DejaVu Sans"/>
               </a:rPr>
-              <a:t>3. Lord, we pray for the world. There are so many people who feel sad, lonely, or scared. Please comfort them and remind them they are never alone. Help us to see how we can bring your hope and love to others. </a:t>
-            </a:r>
-            <a:endParaRPr b="0" lang="en-GB" sz="4000" spc="-1" strike="noStrike">
-              <a:latin typeface="Arial"/>
-            </a:endParaRPr>
-          </a:p>
-          <a:p>
-            <a:pPr>
-              <a:lnSpc>
-                <a:spcPct val="100000"/>
-              </a:lnSpc>
-              <a:spcBef>
-                <a:spcPts val="479"/>
-              </a:spcBef>
-              <a:buNone/>
-              <a:tabLst>
-                <a:tab algn="l" pos="0"/>
-              </a:tabLst>
-            </a:pPr>
-            <a:r>
-              <a:rPr b="0" lang="en-US" sz="4000" spc="-1" strike="noStrike">
-                <a:solidFill>
-                  <a:srgbClr val="ffe994"/>
-                </a:solidFill>
-                <a:latin typeface="Calibri"/>
-                <a:ea typeface="DejaVu Sans"/>
-              </a:rPr>
-              <a:t> </a:t>
-            </a:r>
+              <a:t>2. Thank you, Lord, for our church family. You’ve made each of us special, and together we can do so much more. Help us to love and care for one another and to show your love to everyone in Coventry. </a:t>
+            </a:r>
+            <a:endParaRPr b="0" lang="en-GB" sz="4000" spc="-1" strike="noStrike">
+              <a:latin typeface="Arial"/>
+            </a:endParaRPr>
+          </a:p>
+          <a:p>
+            <a:pPr>
+              <a:lnSpc>
+                <a:spcPct val="100000"/>
+              </a:lnSpc>
+              <a:spcBef>
+                <a:spcPts val="479"/>
+              </a:spcBef>
+              <a:buNone/>
+              <a:tabLst>
+                <a:tab algn="l" pos="0"/>
+              </a:tabLst>
+            </a:pPr>
             <a:r>
               <a:rPr b="0" lang="en-US" sz="4000" spc="-1" strike="noStrike">
                 <a:solidFill>
@@ -16928,13 +16874,13 @@
       </p:grpSpPr>
       <p:sp>
         <p:nvSpPr>
-          <p:cNvPr id="198" name=""/>
+          <p:cNvPr id="199" name=""/>
           <p:cNvSpPr/>
           <p:nvPr/>
         </p:nvSpPr>
         <p:spPr>
           <a:xfrm>
-            <a:off x="347760" y="1493640"/>
+            <a:off x="347760" y="773640"/>
             <a:ext cx="8467560" cy="5079960"/>
           </a:xfrm>
           <a:prstGeom prst="rect">
@@ -16968,23 +16914,6 @@
                 <a:tab algn="l" pos="0"/>
               </a:tabLst>
             </a:pPr>
-            <a:endParaRPr b="0" lang="en-GB" sz="4000" spc="-1" strike="noStrike">
-              <a:latin typeface="Arial"/>
-            </a:endParaRPr>
-          </a:p>
-          <a:p>
-            <a:pPr>
-              <a:lnSpc>
-                <a:spcPct val="100000"/>
-              </a:lnSpc>
-              <a:spcBef>
-                <a:spcPts val="479"/>
-              </a:spcBef>
-              <a:buNone/>
-              <a:tabLst>
-                <a:tab algn="l" pos="0"/>
-              </a:tabLst>
-            </a:pPr>
             <a:r>
               <a:rPr b="0" lang="en-US" sz="4000" spc="-1" strike="noStrike">
                 <a:solidFill>
@@ -16993,8 +16922,25 @@
                 <a:latin typeface="Calibri"/>
                 <a:ea typeface="DejaVu Sans"/>
               </a:rPr>
-              <a:t>Merciful Father, thank you for hearing us, for loving us, and for walking with us every step of the way. Accept these prayers, through Jesus Christ, who gave everything so we could belong to you. </a:t>
-            </a:r>
+              <a:t>3. Lord, we pray for the world. There are so many people who feel sad, lonely, or scared. Please comfort them and remind them they are never alone. Help us to see how we can bring your hope and love to others. </a:t>
+            </a:r>
+            <a:endParaRPr b="0" lang="en-GB" sz="4000" spc="-1" strike="noStrike">
+              <a:latin typeface="Arial"/>
+            </a:endParaRPr>
+          </a:p>
+          <a:p>
+            <a:pPr>
+              <a:lnSpc>
+                <a:spcPct val="100000"/>
+              </a:lnSpc>
+              <a:spcBef>
+                <a:spcPts val="479"/>
+              </a:spcBef>
+              <a:buNone/>
+              <a:tabLst>
+                <a:tab algn="l" pos="0"/>
+              </a:tabLst>
+            </a:pPr>
             <a:r>
               <a:rPr b="0" lang="en-US" sz="4000" spc="-1" strike="noStrike">
                 <a:solidFill>
@@ -17003,6 +16949,43 @@
                 <a:latin typeface="Calibri"/>
                 <a:ea typeface="DejaVu Sans"/>
               </a:rPr>
+              <a:t> </a:t>
+            </a:r>
+            <a:r>
+              <a:rPr b="0" lang="en-US" sz="4000" spc="-1" strike="noStrike">
+                <a:solidFill>
+                  <a:srgbClr val="ffe994"/>
+                </a:solidFill>
+                <a:latin typeface="Calibri"/>
+                <a:ea typeface="DejaVu Sans"/>
+              </a:rPr>
+              <a:t>Lord, in your mercy,</a:t>
+            </a:r>
+            <a:endParaRPr b="0" lang="en-GB" sz="4000" spc="-1" strike="noStrike">
+              <a:latin typeface="Arial"/>
+            </a:endParaRPr>
+          </a:p>
+          <a:p>
+            <a:pPr>
+              <a:lnSpc>
+                <a:spcPct val="100000"/>
+              </a:lnSpc>
+              <a:spcBef>
+                <a:spcPts val="479"/>
+              </a:spcBef>
+              <a:buNone/>
+              <a:tabLst>
+                <a:tab algn="l" pos="0"/>
+              </a:tabLst>
+            </a:pPr>
+            <a:r>
+              <a:rPr b="0" lang="en-US" sz="4000" spc="-1" strike="noStrike">
+                <a:solidFill>
+                  <a:srgbClr val="ffe994"/>
+                </a:solidFill>
+                <a:latin typeface="Calibri"/>
+                <a:ea typeface="DejaVu Sans"/>
+              </a:rPr>
               <a:t>	</a:t>
             </a:r>
             <a:r>
@@ -17023,7 +17006,17 @@
                 <a:latin typeface="Calibri"/>
                 <a:ea typeface="DejaVu Sans"/>
               </a:rPr>
-              <a:t>	</a:t>
+              <a:t>(Response: '</a:t>
+            </a:r>
+            <a:r>
+              <a:rPr b="1" lang="en-US" sz="4000" spc="-1" strike="noStrike">
+                <a:solidFill>
+                  <a:srgbClr val="ffbf00"/>
+                </a:solidFill>
+                <a:latin typeface="Calibri"/>
+                <a:ea typeface="DejaVu Sans"/>
+              </a:rPr>
+              <a:t>Hear our prayer</a:t>
             </a:r>
             <a:r>
               <a:rPr b="0" lang="en-US" sz="4000" spc="-1" strike="noStrike">
@@ -17033,57 +17026,7 @@
                 <a:latin typeface="Calibri"/>
                 <a:ea typeface="DejaVu Sans"/>
               </a:rPr>
-              <a:t>	</a:t>
-            </a:r>
-            <a:r>
-              <a:rPr b="0" lang="en-US" sz="4000" spc="-1" strike="noStrike">
-                <a:solidFill>
-                  <a:srgbClr val="ffe994"/>
-                </a:solidFill>
-                <a:latin typeface="Calibri"/>
-                <a:ea typeface="DejaVu Sans"/>
-              </a:rPr>
-              <a:t>	</a:t>
-            </a:r>
-            <a:r>
-              <a:rPr b="0" lang="en-US" sz="4000" spc="-1" strike="noStrike">
-                <a:solidFill>
-                  <a:srgbClr val="ffe994"/>
-                </a:solidFill>
-                <a:latin typeface="Calibri"/>
-                <a:ea typeface="DejaVu Sans"/>
-              </a:rPr>
-              <a:t>	</a:t>
-            </a:r>
-            <a:r>
-              <a:rPr b="0" lang="en-US" sz="4000" spc="-1" strike="noStrike">
-                <a:solidFill>
-                  <a:srgbClr val="ffe994"/>
-                </a:solidFill>
-                <a:latin typeface="Calibri"/>
-                <a:ea typeface="DejaVu Sans"/>
-              </a:rPr>
-              <a:t>	</a:t>
-            </a:r>
-            <a:r>
-              <a:rPr b="0" lang="en-US" sz="4000" spc="-1" strike="noStrike">
-                <a:solidFill>
-                  <a:srgbClr val="ffe994"/>
-                </a:solidFill>
-                <a:latin typeface="Calibri"/>
-                <a:ea typeface="DejaVu Sans"/>
-              </a:rPr>
-              <a:t>	</a:t>
-            </a:r>
-            <a:r>
-              <a:rPr b="1" lang="en-US" sz="4000" spc="-1" strike="noStrike">
-                <a:solidFill>
-                  <a:srgbClr val="ffb66c"/>
-                </a:solidFill>
-                <a:latin typeface="Calibri"/>
-                <a:ea typeface="DejaVu Sans"/>
-              </a:rPr>
-              <a:t>Amen</a:t>
+              <a:t>')</a:t>
             </a:r>
             <a:endParaRPr b="0" lang="en-GB" sz="4000" spc="-1" strike="noStrike">
               <a:latin typeface="Arial"/>
@@ -17131,138 +17074,14 @@
       </p:grpSpPr>
       <p:sp>
         <p:nvSpPr>
-          <p:cNvPr id="199" name="PlaceHolder 1"/>
-          <p:cNvSpPr>
-            <a:spLocks noGrp="1"/>
-          </p:cNvSpPr>
-          <p:nvPr>
-            <p:ph/>
-          </p:nvPr>
+          <p:cNvPr id="200" name=""/>
+          <p:cNvSpPr/>
+          <p:nvPr/>
         </p:nvSpPr>
         <p:spPr>
           <a:xfrm>
-            <a:off x="180000" y="1619280"/>
-            <a:ext cx="8818920" cy="3599640"/>
-          </a:xfrm>
-          <a:prstGeom prst="rect">
-            <a:avLst/>
-          </a:prstGeom>
-          <a:noFill/>
-          <a:ln w="0">
-            <a:noFill/>
-          </a:ln>
-        </p:spPr>
-        <p:txBody>
-          <a:bodyPr lIns="90000" rIns="90000" tIns="45000" bIns="45000" anchor="t">
-            <a:noAutofit/>
-          </a:bodyPr>
-          <a:p>
-            <a:pPr>
-              <a:lnSpc>
-                <a:spcPct val="100000"/>
-              </a:lnSpc>
-              <a:spcBef>
-                <a:spcPts val="479"/>
-              </a:spcBef>
-              <a:buNone/>
-              <a:tabLst>
-                <a:tab algn="l" pos="0"/>
-              </a:tabLst>
-            </a:pPr>
-            <a:endParaRPr b="0" lang="en-GB" sz="4000" spc="-1" strike="noStrike">
-              <a:latin typeface="Arial"/>
-            </a:endParaRPr>
-          </a:p>
-          <a:p>
-            <a:pPr>
-              <a:lnSpc>
-                <a:spcPct val="100000"/>
-              </a:lnSpc>
-              <a:spcBef>
-                <a:spcPts val="479"/>
-              </a:spcBef>
-              <a:buNone/>
-              <a:tabLst>
-                <a:tab algn="l" pos="0"/>
-              </a:tabLst>
-            </a:pPr>
-            <a:endParaRPr b="0" lang="en-GB" sz="4000" spc="-1" strike="noStrike">
-              <a:latin typeface="Arial"/>
-            </a:endParaRPr>
-          </a:p>
-          <a:p>
-            <a:pPr>
-              <a:lnSpc>
-                <a:spcPct val="100000"/>
-              </a:lnSpc>
-              <a:spcBef>
-                <a:spcPts val="479"/>
-              </a:spcBef>
-              <a:buNone/>
-              <a:tabLst>
-                <a:tab algn="l" pos="0"/>
-              </a:tabLst>
-            </a:pPr>
-            <a:r>
-              <a:rPr b="0" lang="en-US" sz="4000" spc="-1" strike="noStrike">
-                <a:solidFill>
-                  <a:srgbClr val="ffe994"/>
-                </a:solidFill>
-                <a:latin typeface="Calibri"/>
-              </a:rPr>
-              <a:t>The peace of the Lord be always with you</a:t>
-            </a:r>
-            <a:endParaRPr b="0" lang="en-GB" sz="4000" spc="-1" strike="noStrike">
-              <a:latin typeface="Arial"/>
-            </a:endParaRPr>
-          </a:p>
-          <a:p>
-            <a:pPr>
-              <a:lnSpc>
-                <a:spcPct val="100000"/>
-              </a:lnSpc>
-              <a:spcBef>
-                <a:spcPts val="479"/>
-              </a:spcBef>
-              <a:buNone/>
-              <a:tabLst>
-                <a:tab algn="l" pos="0"/>
-              </a:tabLst>
-            </a:pPr>
-            <a:r>
-              <a:rPr b="1" lang="en-US" sz="4000" spc="-1" strike="noStrike">
-                <a:solidFill>
-                  <a:srgbClr val="ffbf00"/>
-                </a:solidFill>
-                <a:latin typeface="Calibri"/>
-              </a:rPr>
-              <a:t>And also with you</a:t>
-            </a:r>
-            <a:r>
-              <a:rPr b="0" lang="en-US" sz="4000" spc="-1" strike="noStrike">
-                <a:solidFill>
-                  <a:srgbClr val="ffbf00"/>
-                </a:solidFill>
-                <a:latin typeface="Calibri"/>
-              </a:rPr>
-              <a:t>.</a:t>
-            </a:r>
-            <a:endParaRPr b="0" lang="en-GB" sz="4000" spc="-1" strike="noStrike">
-              <a:latin typeface="Arial"/>
-            </a:endParaRPr>
-          </a:p>
-        </p:txBody>
-      </p:sp>
-      <p:sp>
-        <p:nvSpPr>
-          <p:cNvPr id="200" name="PlaceHolder 16"/>
-          <p:cNvSpPr/>
-          <p:nvPr/>
-        </p:nvSpPr>
-        <p:spPr>
-          <a:xfrm>
-            <a:off x="583200" y="5793840"/>
-            <a:ext cx="8221680" cy="825480"/>
+            <a:off x="347760" y="1493640"/>
+            <a:ext cx="8467560" cy="5079960"/>
           </a:xfrm>
           <a:prstGeom prst="rect">
             <a:avLst/>
@@ -17295,64 +17114,33 @@
                 <a:tab algn="l" pos="0"/>
               </a:tabLst>
             </a:pPr>
-            <a:r>
-              <a:rPr b="0" lang="en-US" sz="1200" spc="-1" strike="noStrike">
-                <a:solidFill>
-                  <a:srgbClr val="fff5ce"/>
+            <a:endParaRPr b="0" lang="en-GB" sz="4000" spc="-1" strike="noStrike">
+              <a:latin typeface="Arial"/>
+            </a:endParaRPr>
+          </a:p>
+          <a:p>
+            <a:pPr>
+              <a:lnSpc>
+                <a:spcPct val="100000"/>
+              </a:lnSpc>
+              <a:spcBef>
+                <a:spcPts val="479"/>
+              </a:spcBef>
+              <a:buNone/>
+              <a:tabLst>
+                <a:tab algn="l" pos="0"/>
+              </a:tabLst>
+            </a:pPr>
+            <a:r>
+              <a:rPr b="0" lang="en-US" sz="4000" spc="-1" strike="noStrike">
+                <a:solidFill>
+                  <a:srgbClr val="ffe994"/>
                 </a:solidFill>
                 <a:latin typeface="Calibri"/>
                 <a:ea typeface="DejaVu Sans"/>
               </a:rPr>
-              <a:t>...</a:t>
-            </a:r>
-            <a:endParaRPr b="0" lang="en-GB" sz="1200" spc="-1" strike="noStrike">
-              <a:latin typeface="Arial"/>
-            </a:endParaRPr>
-          </a:p>
-        </p:txBody>
-      </p:sp>
-      <p:sp>
-        <p:nvSpPr>
-          <p:cNvPr id="201" name="PlaceHolder 37"/>
-          <p:cNvSpPr/>
-          <p:nvPr/>
-        </p:nvSpPr>
-        <p:spPr>
-          <a:xfrm>
-            <a:off x="540000" y="720000"/>
-            <a:ext cx="8221680" cy="1096920"/>
-          </a:xfrm>
-          <a:prstGeom prst="rect">
-            <a:avLst/>
-          </a:prstGeom>
-          <a:noFill/>
-          <a:ln w="0">
-            <a:noFill/>
-          </a:ln>
-        </p:spPr>
-        <p:style>
-          <a:lnRef idx="0"/>
-          <a:fillRef idx="0"/>
-          <a:effectRef idx="0"/>
-          <a:fontRef idx="minor"/>
-        </p:style>
-        <p:txBody>
-          <a:bodyPr lIns="90000" rIns="90000" tIns="45000" bIns="45000" anchor="t">
-            <a:noAutofit/>
-          </a:bodyPr>
-          <a:p>
-            <a:pPr algn="r">
-              <a:lnSpc>
-                <a:spcPct val="100000"/>
-              </a:lnSpc>
-              <a:spcBef>
-                <a:spcPts val="479"/>
-              </a:spcBef>
-              <a:buNone/>
-              <a:tabLst>
-                <a:tab algn="l" pos="0"/>
-              </a:tabLst>
-            </a:pPr>
+              <a:t>Merciful Father, thank you for hearing us, for loving us, and for walking with us every step of the way. Accept these prayers, through Jesus Christ, who gave everything so we could belong to you. </a:t>
+            </a:r>
             <a:r>
               <a:rPr b="0" lang="en-US" sz="4000" spc="-1" strike="noStrike">
                 <a:solidFill>
@@ -17361,7 +17149,87 @@
                 <a:latin typeface="Calibri"/>
                 <a:ea typeface="DejaVu Sans"/>
               </a:rPr>
-              <a:t>The Peace:</a:t>
+              <a:t>	</a:t>
+            </a:r>
+            <a:r>
+              <a:rPr b="0" lang="en-US" sz="4000" spc="-1" strike="noStrike">
+                <a:solidFill>
+                  <a:srgbClr val="ffe994"/>
+                </a:solidFill>
+                <a:latin typeface="Calibri"/>
+                <a:ea typeface="DejaVu Sans"/>
+              </a:rPr>
+              <a:t>	</a:t>
+            </a:r>
+            <a:r>
+              <a:rPr b="0" lang="en-US" sz="4000" spc="-1" strike="noStrike">
+                <a:solidFill>
+                  <a:srgbClr val="ffe994"/>
+                </a:solidFill>
+                <a:latin typeface="Calibri"/>
+                <a:ea typeface="DejaVu Sans"/>
+              </a:rPr>
+              <a:t>	</a:t>
+            </a:r>
+            <a:r>
+              <a:rPr b="0" lang="en-US" sz="4000" spc="-1" strike="noStrike">
+                <a:solidFill>
+                  <a:srgbClr val="ffe994"/>
+                </a:solidFill>
+                <a:latin typeface="Calibri"/>
+                <a:ea typeface="DejaVu Sans"/>
+              </a:rPr>
+              <a:t>	</a:t>
+            </a:r>
+            <a:r>
+              <a:rPr b="0" lang="en-US" sz="4000" spc="-1" strike="noStrike">
+                <a:solidFill>
+                  <a:srgbClr val="ffe994"/>
+                </a:solidFill>
+                <a:latin typeface="Calibri"/>
+                <a:ea typeface="DejaVu Sans"/>
+              </a:rPr>
+              <a:t>	</a:t>
+            </a:r>
+            <a:r>
+              <a:rPr b="0" lang="en-US" sz="4000" spc="-1" strike="noStrike">
+                <a:solidFill>
+                  <a:srgbClr val="ffe994"/>
+                </a:solidFill>
+                <a:latin typeface="Calibri"/>
+                <a:ea typeface="DejaVu Sans"/>
+              </a:rPr>
+              <a:t>	</a:t>
+            </a:r>
+            <a:r>
+              <a:rPr b="0" lang="en-US" sz="4000" spc="-1" strike="noStrike">
+                <a:solidFill>
+                  <a:srgbClr val="ffe994"/>
+                </a:solidFill>
+                <a:latin typeface="Calibri"/>
+                <a:ea typeface="DejaVu Sans"/>
+              </a:rPr>
+              <a:t>	</a:t>
+            </a:r>
+            <a:r>
+              <a:rPr b="0" lang="en-US" sz="4000" spc="-1" strike="noStrike">
+                <a:solidFill>
+                  <a:srgbClr val="ffe994"/>
+                </a:solidFill>
+                <a:latin typeface="Calibri"/>
+                <a:ea typeface="DejaVu Sans"/>
+              </a:rPr>
+              <a:t>	</a:t>
+            </a:r>
+            <a:r>
+              <a:rPr b="1" lang="en-US" sz="4000" spc="-1" strike="noStrike">
+                <a:solidFill>
+                  <a:srgbClr val="ffb66c"/>
+                </a:solidFill>
+                <a:latin typeface="Calibri"/>
+                <a:ea typeface="DejaVu Sans"/>
+              </a:rPr>
+              <a:t>Amen</a:t>
             </a:r>
             <a:endParaRPr b="0" lang="en-GB" sz="4000" spc="-1" strike="noStrike">
               <a:latin typeface="Arial"/>
@@ -17407,6 +17275,246 @@
           <a:chExt cx="0" cy="0"/>
         </a:xfrm>
       </p:grpSpPr>
+      <p:sp>
+        <p:nvSpPr>
+          <p:cNvPr id="201" name="PlaceHolder 1"/>
+          <p:cNvSpPr>
+            <a:spLocks noGrp="1"/>
+          </p:cNvSpPr>
+          <p:nvPr>
+            <p:ph/>
+          </p:nvPr>
+        </p:nvSpPr>
+        <p:spPr>
+          <a:xfrm>
+            <a:off x="180000" y="1619280"/>
+            <a:ext cx="8818920" cy="3599640"/>
+          </a:xfrm>
+          <a:prstGeom prst="rect">
+            <a:avLst/>
+          </a:prstGeom>
+          <a:noFill/>
+          <a:ln w="0">
+            <a:noFill/>
+          </a:ln>
+        </p:spPr>
+        <p:txBody>
+          <a:bodyPr lIns="90000" rIns="90000" tIns="45000" bIns="45000" anchor="t">
+            <a:noAutofit/>
+          </a:bodyPr>
+          <a:p>
+            <a:pPr>
+              <a:lnSpc>
+                <a:spcPct val="100000"/>
+              </a:lnSpc>
+              <a:spcBef>
+                <a:spcPts val="479"/>
+              </a:spcBef>
+              <a:buNone/>
+              <a:tabLst>
+                <a:tab algn="l" pos="0"/>
+              </a:tabLst>
+            </a:pPr>
+            <a:endParaRPr b="0" lang="en-GB" sz="4000" spc="-1" strike="noStrike">
+              <a:latin typeface="Arial"/>
+            </a:endParaRPr>
+          </a:p>
+          <a:p>
+            <a:pPr>
+              <a:lnSpc>
+                <a:spcPct val="100000"/>
+              </a:lnSpc>
+              <a:spcBef>
+                <a:spcPts val="479"/>
+              </a:spcBef>
+              <a:buNone/>
+              <a:tabLst>
+                <a:tab algn="l" pos="0"/>
+              </a:tabLst>
+            </a:pPr>
+            <a:endParaRPr b="0" lang="en-GB" sz="4000" spc="-1" strike="noStrike">
+              <a:latin typeface="Arial"/>
+            </a:endParaRPr>
+          </a:p>
+          <a:p>
+            <a:pPr>
+              <a:lnSpc>
+                <a:spcPct val="100000"/>
+              </a:lnSpc>
+              <a:spcBef>
+                <a:spcPts val="479"/>
+              </a:spcBef>
+              <a:buNone/>
+              <a:tabLst>
+                <a:tab algn="l" pos="0"/>
+              </a:tabLst>
+            </a:pPr>
+            <a:r>
+              <a:rPr b="0" lang="en-US" sz="4000" spc="-1" strike="noStrike">
+                <a:solidFill>
+                  <a:srgbClr val="ffe994"/>
+                </a:solidFill>
+                <a:latin typeface="Calibri"/>
+              </a:rPr>
+              <a:t>The peace of the Lord be always with you</a:t>
+            </a:r>
+            <a:endParaRPr b="0" lang="en-GB" sz="4000" spc="-1" strike="noStrike">
+              <a:latin typeface="Arial"/>
+            </a:endParaRPr>
+          </a:p>
+          <a:p>
+            <a:pPr>
+              <a:lnSpc>
+                <a:spcPct val="100000"/>
+              </a:lnSpc>
+              <a:spcBef>
+                <a:spcPts val="479"/>
+              </a:spcBef>
+              <a:buNone/>
+              <a:tabLst>
+                <a:tab algn="l" pos="0"/>
+              </a:tabLst>
+            </a:pPr>
+            <a:r>
+              <a:rPr b="1" lang="en-US" sz="4000" spc="-1" strike="noStrike">
+                <a:solidFill>
+                  <a:srgbClr val="ffbf00"/>
+                </a:solidFill>
+                <a:latin typeface="Calibri"/>
+              </a:rPr>
+              <a:t>And also with you</a:t>
+            </a:r>
+            <a:r>
+              <a:rPr b="0" lang="en-US" sz="4000" spc="-1" strike="noStrike">
+                <a:solidFill>
+                  <a:srgbClr val="ffbf00"/>
+                </a:solidFill>
+                <a:latin typeface="Calibri"/>
+              </a:rPr>
+              <a:t>.</a:t>
+            </a:r>
+            <a:endParaRPr b="0" lang="en-GB" sz="4000" spc="-1" strike="noStrike">
+              <a:latin typeface="Arial"/>
+            </a:endParaRPr>
+          </a:p>
+        </p:txBody>
+      </p:sp>
+      <p:sp>
+        <p:nvSpPr>
+          <p:cNvPr id="202" name="PlaceHolder 16"/>
+          <p:cNvSpPr/>
+          <p:nvPr/>
+        </p:nvSpPr>
+        <p:spPr>
+          <a:xfrm>
+            <a:off x="583200" y="5793840"/>
+            <a:ext cx="8221680" cy="825480"/>
+          </a:xfrm>
+          <a:prstGeom prst="rect">
+            <a:avLst/>
+          </a:prstGeom>
+          <a:noFill/>
+          <a:ln w="0">
+            <a:noFill/>
+          </a:ln>
+        </p:spPr>
+        <p:style>
+          <a:lnRef idx="0"/>
+          <a:fillRef idx="0"/>
+          <a:effectRef idx="0"/>
+          <a:fontRef idx="minor"/>
+        </p:style>
+        <p:txBody>
+          <a:bodyPr lIns="90000" rIns="90000" tIns="45000" bIns="45000" anchor="t">
+            <a:noAutofit/>
+          </a:bodyPr>
+          <a:p>
+            <a:pPr>
+              <a:lnSpc>
+                <a:spcPct val="100000"/>
+              </a:lnSpc>
+              <a:spcBef>
+                <a:spcPts val="479"/>
+              </a:spcBef>
+              <a:buNone/>
+              <a:tabLst>
+                <a:tab algn="l" pos="0"/>
+              </a:tabLst>
+            </a:pPr>
+            <a:r>
+              <a:rPr b="0" lang="en-US" sz="1200" spc="-1" strike="noStrike">
+                <a:solidFill>
+                  <a:srgbClr val="fff5ce"/>
+                </a:solidFill>
+                <a:latin typeface="Calibri"/>
+                <a:ea typeface="DejaVu Sans"/>
+              </a:rPr>
+              <a:t>...</a:t>
+            </a:r>
+            <a:endParaRPr b="0" lang="en-GB" sz="1200" spc="-1" strike="noStrike">
+              <a:latin typeface="Arial"/>
+            </a:endParaRPr>
+          </a:p>
+        </p:txBody>
+      </p:sp>
+      <p:sp>
+        <p:nvSpPr>
+          <p:cNvPr id="203" name="PlaceHolder 37"/>
+          <p:cNvSpPr/>
+          <p:nvPr/>
+        </p:nvSpPr>
+        <p:spPr>
+          <a:xfrm>
+            <a:off x="540000" y="720000"/>
+            <a:ext cx="8221680" cy="1096920"/>
+          </a:xfrm>
+          <a:prstGeom prst="rect">
+            <a:avLst/>
+          </a:prstGeom>
+          <a:noFill/>
+          <a:ln w="0">
+            <a:noFill/>
+          </a:ln>
+        </p:spPr>
+        <p:style>
+          <a:lnRef idx="0"/>
+          <a:fillRef idx="0"/>
+          <a:effectRef idx="0"/>
+          <a:fontRef idx="minor"/>
+        </p:style>
+        <p:txBody>
+          <a:bodyPr lIns="90000" rIns="90000" tIns="45000" bIns="45000" anchor="t">
+            <a:noAutofit/>
+          </a:bodyPr>
+          <a:p>
+            <a:pPr algn="r">
+              <a:lnSpc>
+                <a:spcPct val="100000"/>
+              </a:lnSpc>
+              <a:spcBef>
+                <a:spcPts val="479"/>
+              </a:spcBef>
+              <a:buNone/>
+              <a:tabLst>
+                <a:tab algn="l" pos="0"/>
+              </a:tabLst>
+            </a:pPr>
+            <a:r>
+              <a:rPr b="0" lang="en-US" sz="4000" spc="-1" strike="noStrike">
+                <a:solidFill>
+                  <a:srgbClr val="ffe994"/>
+                </a:solidFill>
+                <a:latin typeface="Calibri"/>
+                <a:ea typeface="DejaVu Sans"/>
+              </a:rPr>
+              <a:t>The Peace:</a:t>
+            </a:r>
+            <a:endParaRPr b="0" lang="en-GB" sz="4000" spc="-1" strike="noStrike">
+              <a:latin typeface="Arial"/>
+            </a:endParaRPr>
+          </a:p>
+        </p:txBody>
+      </p:sp>
     </p:spTree>
   </p:cSld>
   <mc:AlternateContent>
@@ -17445,249 +17553,6 @@
           <a:chExt cx="0" cy="0"/>
         </a:xfrm>
       </p:grpSpPr>
-      <p:sp>
-        <p:nvSpPr>
-          <p:cNvPr id="202" name="PlaceHolder 1"/>
-          <p:cNvSpPr>
-            <a:spLocks noGrp="1"/>
-          </p:cNvSpPr>
-          <p:nvPr>
-            <p:ph/>
-          </p:nvPr>
-        </p:nvSpPr>
-        <p:spPr>
-          <a:xfrm>
-            <a:off x="417240" y="1601280"/>
-            <a:ext cx="8221680" cy="4517640"/>
-          </a:xfrm>
-          <a:prstGeom prst="rect">
-            <a:avLst/>
-          </a:prstGeom>
-          <a:noFill/>
-          <a:ln w="0">
-            <a:noFill/>
-          </a:ln>
-        </p:spPr>
-        <p:txBody>
-          <a:bodyPr lIns="90000" rIns="90000" tIns="45000" bIns="45000" anchor="t">
-            <a:noAutofit/>
-          </a:bodyPr>
-          <a:p>
-            <a:pPr>
-              <a:lnSpc>
-                <a:spcPct val="100000"/>
-              </a:lnSpc>
-              <a:spcBef>
-                <a:spcPts val="479"/>
-              </a:spcBef>
-              <a:buNone/>
-              <a:tabLst>
-                <a:tab algn="l" pos="0"/>
-              </a:tabLst>
-            </a:pPr>
-            <a:r>
-              <a:rPr b="0" lang="en-US" sz="4000" spc="-1" strike="noStrike">
-                <a:solidFill>
-                  <a:srgbClr val="ffe994"/>
-                </a:solidFill>
-                <a:latin typeface="Calibri"/>
-              </a:rPr>
-              <a:t>The Lord is here</a:t>
-            </a:r>
-            <a:endParaRPr b="0" lang="en-GB" sz="4000" spc="-1" strike="noStrike">
-              <a:latin typeface="Arial"/>
-            </a:endParaRPr>
-          </a:p>
-          <a:p>
-            <a:pPr>
-              <a:lnSpc>
-                <a:spcPct val="100000"/>
-              </a:lnSpc>
-              <a:spcBef>
-                <a:spcPts val="479"/>
-              </a:spcBef>
-              <a:buNone/>
-              <a:tabLst>
-                <a:tab algn="l" pos="0"/>
-              </a:tabLst>
-            </a:pPr>
-            <a:r>
-              <a:rPr b="1" lang="en-US" sz="4000" spc="-1" strike="noStrike">
-                <a:solidFill>
-                  <a:srgbClr val="ffbf00"/>
-                </a:solidFill>
-                <a:latin typeface="Calibri"/>
-              </a:rPr>
-              <a:t>His Spirit is with us</a:t>
-            </a:r>
-            <a:endParaRPr b="0" lang="en-GB" sz="4000" spc="-1" strike="noStrike">
-              <a:latin typeface="Arial"/>
-            </a:endParaRPr>
-          </a:p>
-          <a:p>
-            <a:pPr>
-              <a:lnSpc>
-                <a:spcPct val="100000"/>
-              </a:lnSpc>
-              <a:spcBef>
-                <a:spcPts val="479"/>
-              </a:spcBef>
-              <a:buNone/>
-              <a:tabLst>
-                <a:tab algn="l" pos="0"/>
-              </a:tabLst>
-            </a:pPr>
-            <a:r>
-              <a:rPr b="0" lang="en-US" sz="4000" spc="-1" strike="noStrike">
-                <a:solidFill>
-                  <a:srgbClr val="ffe994"/>
-                </a:solidFill>
-                <a:latin typeface="Calibri"/>
-              </a:rPr>
-              <a:t>Lift up your hearts.</a:t>
-            </a:r>
-            <a:endParaRPr b="0" lang="en-GB" sz="4000" spc="-1" strike="noStrike">
-              <a:latin typeface="Arial"/>
-            </a:endParaRPr>
-          </a:p>
-          <a:p>
-            <a:pPr>
-              <a:lnSpc>
-                <a:spcPct val="100000"/>
-              </a:lnSpc>
-              <a:spcBef>
-                <a:spcPts val="479"/>
-              </a:spcBef>
-              <a:buNone/>
-              <a:tabLst>
-                <a:tab algn="l" pos="0"/>
-              </a:tabLst>
-            </a:pPr>
-            <a:r>
-              <a:rPr b="1" lang="en-US" sz="4000" spc="-1" strike="noStrike">
-                <a:solidFill>
-                  <a:srgbClr val="ffbf00"/>
-                </a:solidFill>
-                <a:latin typeface="Calibri"/>
-              </a:rPr>
-              <a:t>We lift them to the Lord.</a:t>
-            </a:r>
-            <a:endParaRPr b="0" lang="en-GB" sz="4000" spc="-1" strike="noStrike">
-              <a:latin typeface="Arial"/>
-            </a:endParaRPr>
-          </a:p>
-          <a:p>
-            <a:pPr>
-              <a:lnSpc>
-                <a:spcPct val="100000"/>
-              </a:lnSpc>
-              <a:spcBef>
-                <a:spcPts val="479"/>
-              </a:spcBef>
-              <a:buNone/>
-              <a:tabLst>
-                <a:tab algn="l" pos="0"/>
-              </a:tabLst>
-            </a:pPr>
-            <a:r>
-              <a:rPr b="0" lang="en-US" sz="4000" spc="-1" strike="noStrike">
-                <a:solidFill>
-                  <a:srgbClr val="ffe994"/>
-                </a:solidFill>
-                <a:latin typeface="Calibri"/>
-              </a:rPr>
-              <a:t>Let us give thanks to the Lord our God.</a:t>
-            </a:r>
-            <a:endParaRPr b="0" lang="en-GB" sz="4000" spc="-1" strike="noStrike">
-              <a:latin typeface="Arial"/>
-            </a:endParaRPr>
-          </a:p>
-          <a:p>
-            <a:pPr>
-              <a:lnSpc>
-                <a:spcPct val="100000"/>
-              </a:lnSpc>
-              <a:spcBef>
-                <a:spcPts val="479"/>
-              </a:spcBef>
-              <a:buNone/>
-              <a:tabLst>
-                <a:tab algn="l" pos="0"/>
-              </a:tabLst>
-            </a:pPr>
-            <a:r>
-              <a:rPr b="1" lang="en-US" sz="4000" spc="-1" strike="noStrike">
-                <a:solidFill>
-                  <a:srgbClr val="ffbf00"/>
-                </a:solidFill>
-                <a:latin typeface="Calibri"/>
-              </a:rPr>
-              <a:t>It is right to give thanks and praise.</a:t>
-            </a:r>
-            <a:endParaRPr b="0" lang="en-GB" sz="4000" spc="-1" strike="noStrike">
-              <a:latin typeface="Arial"/>
-            </a:endParaRPr>
-          </a:p>
-        </p:txBody>
-      </p:sp>
-      <p:sp>
-        <p:nvSpPr>
-          <p:cNvPr id="203" name="PlaceHolder 22"/>
-          <p:cNvSpPr/>
-          <p:nvPr/>
-        </p:nvSpPr>
-        <p:spPr>
-          <a:xfrm>
-            <a:off x="457560" y="631440"/>
-            <a:ext cx="8221680" cy="968760"/>
-          </a:xfrm>
-          <a:prstGeom prst="rect">
-            <a:avLst/>
-          </a:prstGeom>
-          <a:noFill/>
-          <a:ln w="0">
-            <a:noFill/>
-          </a:ln>
-        </p:spPr>
-        <p:style>
-          <a:lnRef idx="0"/>
-          <a:fillRef idx="0"/>
-          <a:effectRef idx="0"/>
-          <a:fontRef idx="minor"/>
-        </p:style>
-        <p:txBody>
-          <a:bodyPr lIns="90000" rIns="90000" tIns="45000" bIns="45000" anchor="t">
-            <a:noAutofit/>
-          </a:bodyPr>
-          <a:p>
-            <a:pPr algn="r">
-              <a:lnSpc>
-                <a:spcPct val="100000"/>
-              </a:lnSpc>
-              <a:spcBef>
-                <a:spcPts val="479"/>
-              </a:spcBef>
-              <a:buNone/>
-              <a:tabLst>
-                <a:tab algn="l" pos="0"/>
-              </a:tabLst>
-            </a:pPr>
-            <a:r>
-              <a:rPr b="0" lang="en-US" sz="4000" spc="-1" strike="noStrike">
-                <a:solidFill>
-                  <a:srgbClr val="ffe994"/>
-                </a:solidFill>
-                <a:latin typeface="Calibri"/>
-                <a:ea typeface="DejaVu Sans"/>
-              </a:rPr>
-              <a:t>The Communion Prayer</a:t>
-            </a:r>
-            <a:endParaRPr b="0" lang="en-GB" sz="4000" spc="-1" strike="noStrike">
-              <a:latin typeface="Arial"/>
-            </a:endParaRPr>
-          </a:p>
-        </p:txBody>
-      </p:sp>
     </p:spTree>
   </p:cSld>
   <mc:AlternateContent>
@@ -17767,13 +17632,201 @@
               </a:tabLst>
             </a:pPr>
             <a:r>
-              <a:rPr b="0" i="1" lang="en-US" sz="4000" spc="-1" strike="noStrike">
-                <a:solidFill>
-                  <a:srgbClr val="ffe994"/>
-                </a:solidFill>
-                <a:latin typeface="Calibri"/>
-              </a:rPr>
-              <a:t>We praise God for his mighty acts</a:t>
+              <a:rPr b="0" lang="en-US" sz="4000" spc="-1" strike="noStrike">
+                <a:solidFill>
+                  <a:srgbClr val="ffe994"/>
+                </a:solidFill>
+                <a:latin typeface="Calibri"/>
+              </a:rPr>
+              <a:t>The Lord is here</a:t>
+            </a:r>
+            <a:endParaRPr b="0" lang="en-GB" sz="4000" spc="-1" strike="noStrike">
+              <a:latin typeface="Arial"/>
+            </a:endParaRPr>
+          </a:p>
+          <a:p>
+            <a:pPr>
+              <a:lnSpc>
+                <a:spcPct val="100000"/>
+              </a:lnSpc>
+              <a:spcBef>
+                <a:spcPts val="479"/>
+              </a:spcBef>
+              <a:buNone/>
+              <a:tabLst>
+                <a:tab algn="l" pos="0"/>
+              </a:tabLst>
+            </a:pPr>
+            <a:r>
+              <a:rPr b="1" lang="en-US" sz="4000" spc="-1" strike="noStrike">
+                <a:solidFill>
+                  <a:srgbClr val="ffbf00"/>
+                </a:solidFill>
+                <a:latin typeface="Calibri"/>
+              </a:rPr>
+              <a:t>His Spirit is with us</a:t>
+            </a:r>
+            <a:endParaRPr b="0" lang="en-GB" sz="4000" spc="-1" strike="noStrike">
+              <a:latin typeface="Arial"/>
+            </a:endParaRPr>
+          </a:p>
+          <a:p>
+            <a:pPr>
+              <a:lnSpc>
+                <a:spcPct val="100000"/>
+              </a:lnSpc>
+              <a:spcBef>
+                <a:spcPts val="479"/>
+              </a:spcBef>
+              <a:buNone/>
+              <a:tabLst>
+                <a:tab algn="l" pos="0"/>
+              </a:tabLst>
+            </a:pPr>
+            <a:r>
+              <a:rPr b="0" lang="en-US" sz="4000" spc="-1" strike="noStrike">
+                <a:solidFill>
+                  <a:srgbClr val="ffe994"/>
+                </a:solidFill>
+                <a:latin typeface="Calibri"/>
+              </a:rPr>
+              <a:t>Lift up your hearts.</a:t>
+            </a:r>
+            <a:endParaRPr b="0" lang="en-GB" sz="4000" spc="-1" strike="noStrike">
+              <a:latin typeface="Arial"/>
+            </a:endParaRPr>
+          </a:p>
+          <a:p>
+            <a:pPr>
+              <a:lnSpc>
+                <a:spcPct val="100000"/>
+              </a:lnSpc>
+              <a:spcBef>
+                <a:spcPts val="479"/>
+              </a:spcBef>
+              <a:buNone/>
+              <a:tabLst>
+                <a:tab algn="l" pos="0"/>
+              </a:tabLst>
+            </a:pPr>
+            <a:r>
+              <a:rPr b="1" lang="en-US" sz="4000" spc="-1" strike="noStrike">
+                <a:solidFill>
+                  <a:srgbClr val="ffbf00"/>
+                </a:solidFill>
+                <a:latin typeface="Calibri"/>
+              </a:rPr>
+              <a:t>We lift them to the Lord.</a:t>
+            </a:r>
+            <a:endParaRPr b="0" lang="en-GB" sz="4000" spc="-1" strike="noStrike">
+              <a:latin typeface="Arial"/>
+            </a:endParaRPr>
+          </a:p>
+          <a:p>
+            <a:pPr>
+              <a:lnSpc>
+                <a:spcPct val="100000"/>
+              </a:lnSpc>
+              <a:spcBef>
+                <a:spcPts val="479"/>
+              </a:spcBef>
+              <a:buNone/>
+              <a:tabLst>
+                <a:tab algn="l" pos="0"/>
+              </a:tabLst>
+            </a:pPr>
+            <a:r>
+              <a:rPr b="0" lang="en-US" sz="4000" spc="-1" strike="noStrike">
+                <a:solidFill>
+                  <a:srgbClr val="ffe994"/>
+                </a:solidFill>
+                <a:latin typeface="Calibri"/>
+              </a:rPr>
+              <a:t>Let us give thanks to the Lord our God.</a:t>
+            </a:r>
+            <a:endParaRPr b="0" lang="en-GB" sz="4000" spc="-1" strike="noStrike">
+              <a:latin typeface="Arial"/>
+            </a:endParaRPr>
+          </a:p>
+          <a:p>
+            <a:pPr>
+              <a:lnSpc>
+                <a:spcPct val="100000"/>
+              </a:lnSpc>
+              <a:spcBef>
+                <a:spcPts val="479"/>
+              </a:spcBef>
+              <a:buNone/>
+              <a:tabLst>
+                <a:tab algn="l" pos="0"/>
+              </a:tabLst>
+            </a:pPr>
+            <a:r>
+              <a:rPr b="1" lang="en-US" sz="4000" spc="-1" strike="noStrike">
+                <a:solidFill>
+                  <a:srgbClr val="ffbf00"/>
+                </a:solidFill>
+                <a:latin typeface="Calibri"/>
+              </a:rPr>
+              <a:t>It is right to give thanks and praise.</a:t>
+            </a:r>
+            <a:endParaRPr b="0" lang="en-GB" sz="4000" spc="-1" strike="noStrike">
+              <a:latin typeface="Arial"/>
+            </a:endParaRPr>
+          </a:p>
+        </p:txBody>
+      </p:sp>
+      <p:sp>
+        <p:nvSpPr>
+          <p:cNvPr id="205" name="PlaceHolder 22"/>
+          <p:cNvSpPr/>
+          <p:nvPr/>
+        </p:nvSpPr>
+        <p:spPr>
+          <a:xfrm>
+            <a:off x="457560" y="631440"/>
+            <a:ext cx="8221680" cy="968760"/>
+          </a:xfrm>
+          <a:prstGeom prst="rect">
+            <a:avLst/>
+          </a:prstGeom>
+          <a:noFill/>
+          <a:ln w="0">
+            <a:noFill/>
+          </a:ln>
+        </p:spPr>
+        <p:style>
+          <a:lnRef idx="0"/>
+          <a:fillRef idx="0"/>
+          <a:effectRef idx="0"/>
+          <a:fontRef idx="minor"/>
+        </p:style>
+        <p:txBody>
+          <a:bodyPr lIns="90000" rIns="90000" tIns="45000" bIns="45000" anchor="t">
+            <a:noAutofit/>
+          </a:bodyPr>
+          <a:p>
+            <a:pPr algn="r">
+              <a:lnSpc>
+                <a:spcPct val="100000"/>
+              </a:lnSpc>
+              <a:spcBef>
+                <a:spcPts val="479"/>
+              </a:spcBef>
+              <a:buNone/>
+              <a:tabLst>
+                <a:tab algn="l" pos="0"/>
+              </a:tabLst>
+            </a:pPr>
+            <a:r>
+              <a:rPr b="0" lang="en-US" sz="4000" spc="-1" strike="noStrike">
+                <a:solidFill>
+                  <a:srgbClr val="ffe994"/>
+                </a:solidFill>
+                <a:latin typeface="Calibri"/>
+                <a:ea typeface="DejaVu Sans"/>
+              </a:rPr>
+              <a:t>The Communion Prayer</a:t>
             </a:r>
             <a:endParaRPr b="0" lang="en-GB" sz="4000" spc="-1" strike="noStrike">
               <a:latin typeface="Arial"/>
@@ -17821,7 +17874,7 @@
       </p:grpSpPr>
       <p:sp>
         <p:nvSpPr>
-          <p:cNvPr id="205" name="PlaceHolder 1"/>
+          <p:cNvPr id="206" name="PlaceHolder 1"/>
           <p:cNvSpPr>
             <a:spLocks noGrp="1"/>
           </p:cNvSpPr>
@@ -17831,8 +17884,8 @@
         </p:nvSpPr>
         <p:spPr>
           <a:xfrm>
-            <a:off x="180000" y="701280"/>
-            <a:ext cx="8962920" cy="5777640"/>
+            <a:off x="417240" y="1601280"/>
+            <a:ext cx="8221680" cy="4517640"/>
           </a:xfrm>
           <a:prstGeom prst="rect">
             <a:avLst/>
@@ -17860,169 +17913,13 @@
               </a:tabLst>
             </a:pPr>
             <a:r>
-              <a:rPr b="0" lang="en-US" sz="4000" spc="-1" strike="noStrike">
-                <a:solidFill>
-                  <a:srgbClr val="ffe994"/>
-                </a:solidFill>
-                <a:latin typeface="Calibri"/>
-              </a:rPr>
-              <a:t>… </a:t>
-            </a:r>
-            <a:r>
-              <a:rPr b="0" lang="en-US" sz="4000" spc="-1" strike="noStrike">
-                <a:solidFill>
-                  <a:srgbClr val="ffe994"/>
-                </a:solidFill>
-                <a:latin typeface="Calibri"/>
-              </a:rPr>
-              <a:t>we proclaim your glory</a:t>
-            </a:r>
-            <a:endParaRPr b="0" lang="en-GB" sz="4000" spc="-1" strike="noStrike">
-              <a:latin typeface="Arial"/>
-            </a:endParaRPr>
-          </a:p>
-          <a:p>
-            <a:pPr>
-              <a:lnSpc>
-                <a:spcPct val="100000"/>
-              </a:lnSpc>
-              <a:spcBef>
-                <a:spcPts val="479"/>
-              </a:spcBef>
-              <a:buNone/>
-              <a:tabLst>
-                <a:tab algn="l" pos="0"/>
-              </a:tabLst>
-            </a:pPr>
-            <a:r>
-              <a:rPr b="0" lang="en-US" sz="4000" spc="-1" strike="noStrike">
-                <a:solidFill>
-                  <a:srgbClr val="ffe994"/>
-                </a:solidFill>
-                <a:latin typeface="Calibri"/>
-              </a:rPr>
-              <a:t>and join their unending hymn of praise:</a:t>
-            </a:r>
-            <a:endParaRPr b="0" lang="en-GB" sz="4000" spc="-1" strike="noStrike">
-              <a:latin typeface="Arial"/>
-            </a:endParaRPr>
-          </a:p>
-          <a:p>
-            <a:pPr>
-              <a:lnSpc>
-                <a:spcPct val="100000"/>
-              </a:lnSpc>
-              <a:spcBef>
-                <a:spcPts val="479"/>
-              </a:spcBef>
-              <a:buNone/>
-              <a:tabLst>
-                <a:tab algn="l" pos="0"/>
-              </a:tabLst>
-            </a:pPr>
-            <a:endParaRPr b="0" lang="en-GB" sz="4000" spc="-1" strike="noStrike">
-              <a:latin typeface="Arial"/>
-            </a:endParaRPr>
-          </a:p>
-          <a:p>
-            <a:pPr>
-              <a:lnSpc>
-                <a:spcPct val="100000"/>
-              </a:lnSpc>
-              <a:spcBef>
-                <a:spcPts val="479"/>
-              </a:spcBef>
-              <a:buNone/>
-              <a:tabLst>
-                <a:tab algn="l" pos="0"/>
-              </a:tabLst>
-            </a:pPr>
-            <a:r>
-              <a:rPr b="1" lang="en-US" sz="4000" spc="-1" strike="noStrike">
-                <a:solidFill>
-                  <a:srgbClr val="ffbf00"/>
-                </a:solidFill>
-                <a:latin typeface="Calibri"/>
-              </a:rPr>
-              <a:t>Holy, holy, holy Lord, </a:t>
-            </a:r>
-            <a:endParaRPr b="0" lang="en-GB" sz="4000" spc="-1" strike="noStrike">
-              <a:latin typeface="Arial"/>
-            </a:endParaRPr>
-          </a:p>
-          <a:p>
-            <a:pPr>
-              <a:lnSpc>
-                <a:spcPct val="100000"/>
-              </a:lnSpc>
-              <a:spcBef>
-                <a:spcPts val="479"/>
-              </a:spcBef>
-              <a:buNone/>
-              <a:tabLst>
-                <a:tab algn="l" pos="0"/>
-              </a:tabLst>
-            </a:pPr>
-            <a:r>
-              <a:rPr b="1" lang="en-US" sz="4000" spc="-1" strike="noStrike">
-                <a:solidFill>
-                  <a:srgbClr val="ffbf00"/>
-                </a:solidFill>
-                <a:latin typeface="Calibri"/>
-              </a:rPr>
-              <a:t>God of power and might.</a:t>
-            </a:r>
-            <a:endParaRPr b="0" lang="en-GB" sz="4000" spc="-1" strike="noStrike">
-              <a:latin typeface="Arial"/>
-            </a:endParaRPr>
-          </a:p>
-          <a:p>
-            <a:pPr>
-              <a:lnSpc>
-                <a:spcPct val="100000"/>
-              </a:lnSpc>
-              <a:spcBef>
-                <a:spcPts val="479"/>
-              </a:spcBef>
-              <a:buNone/>
-              <a:tabLst>
-                <a:tab algn="l" pos="0"/>
-              </a:tabLst>
-            </a:pPr>
-            <a:r>
-              <a:rPr b="1" lang="en-US" sz="4000" spc="-1" strike="noStrike">
-                <a:solidFill>
-                  <a:srgbClr val="ffbf00"/>
-                </a:solidFill>
-                <a:latin typeface="Calibri"/>
-              </a:rPr>
-              <a:t>Heaven and earth are full of your glory.</a:t>
-            </a:r>
-            <a:endParaRPr b="0" lang="en-GB" sz="4000" spc="-1" strike="noStrike">
-              <a:latin typeface="Arial"/>
-            </a:endParaRPr>
-          </a:p>
-          <a:p>
-            <a:pPr>
-              <a:lnSpc>
-                <a:spcPct val="100000"/>
-              </a:lnSpc>
-              <a:spcBef>
-                <a:spcPts val="479"/>
-              </a:spcBef>
-              <a:buNone/>
-              <a:tabLst>
-                <a:tab algn="l" pos="0"/>
-              </a:tabLst>
-            </a:pPr>
-            <a:r>
-              <a:rPr b="1" lang="en-US" sz="4000" spc="-1" strike="noStrike">
-                <a:solidFill>
-                  <a:srgbClr val="ffbf00"/>
-                </a:solidFill>
-                <a:latin typeface="Calibri"/>
-              </a:rPr>
-              <a:t>Hosanna in the highest!</a:t>
+              <a:rPr b="0" i="1" lang="en-US" sz="4000" spc="-1" strike="noStrike">
+                <a:solidFill>
+                  <a:srgbClr val="ffe994"/>
+                </a:solidFill>
+                <a:latin typeface="Calibri"/>
+              </a:rPr>
+              <a:t>We praise God for his mighty acts</a:t>
             </a:r>
             <a:endParaRPr b="0" lang="en-GB" sz="4000" spc="-1" strike="noStrike">
               <a:latin typeface="Arial"/>
@@ -18070,7 +17967,7 @@
       </p:grpSpPr>
       <p:sp>
         <p:nvSpPr>
-          <p:cNvPr id="206" name="PlaceHolder 1"/>
+          <p:cNvPr id="207" name="PlaceHolder 1"/>
           <p:cNvSpPr>
             <a:spLocks noGrp="1"/>
           </p:cNvSpPr>
@@ -18080,8 +17977,8 @@
         </p:nvSpPr>
         <p:spPr>
           <a:xfrm>
-            <a:off x="417240" y="1601280"/>
-            <a:ext cx="8221680" cy="4517640"/>
+            <a:off x="180000" y="701280"/>
+            <a:ext cx="8962920" cy="5777640"/>
           </a:xfrm>
           <a:prstGeom prst="rect">
             <a:avLst/>
@@ -18109,13 +18006,169 @@
               </a:tabLst>
             </a:pPr>
             <a:r>
-              <a:rPr b="0" i="1" lang="en-US" sz="4000" spc="-1" strike="noStrike">
-                <a:solidFill>
-                  <a:srgbClr val="ffe994"/>
-                </a:solidFill>
-                <a:latin typeface="Calibri"/>
-              </a:rPr>
-              <a:t>We remember what Jesus did</a:t>
+              <a:rPr b="0" lang="en-US" sz="4000" spc="-1" strike="noStrike">
+                <a:solidFill>
+                  <a:srgbClr val="ffe994"/>
+                </a:solidFill>
+                <a:latin typeface="Calibri"/>
+              </a:rPr>
+              <a:t>… </a:t>
+            </a:r>
+            <a:r>
+              <a:rPr b="0" lang="en-US" sz="4000" spc="-1" strike="noStrike">
+                <a:solidFill>
+                  <a:srgbClr val="ffe994"/>
+                </a:solidFill>
+                <a:latin typeface="Calibri"/>
+              </a:rPr>
+              <a:t>we proclaim your glory</a:t>
+            </a:r>
+            <a:endParaRPr b="0" lang="en-GB" sz="4000" spc="-1" strike="noStrike">
+              <a:latin typeface="Arial"/>
+            </a:endParaRPr>
+          </a:p>
+          <a:p>
+            <a:pPr>
+              <a:lnSpc>
+                <a:spcPct val="100000"/>
+              </a:lnSpc>
+              <a:spcBef>
+                <a:spcPts val="479"/>
+              </a:spcBef>
+              <a:buNone/>
+              <a:tabLst>
+                <a:tab algn="l" pos="0"/>
+              </a:tabLst>
+            </a:pPr>
+            <a:r>
+              <a:rPr b="0" lang="en-US" sz="4000" spc="-1" strike="noStrike">
+                <a:solidFill>
+                  <a:srgbClr val="ffe994"/>
+                </a:solidFill>
+                <a:latin typeface="Calibri"/>
+              </a:rPr>
+              <a:t>and join their unending hymn of praise:</a:t>
+            </a:r>
+            <a:endParaRPr b="0" lang="en-GB" sz="4000" spc="-1" strike="noStrike">
+              <a:latin typeface="Arial"/>
+            </a:endParaRPr>
+          </a:p>
+          <a:p>
+            <a:pPr>
+              <a:lnSpc>
+                <a:spcPct val="100000"/>
+              </a:lnSpc>
+              <a:spcBef>
+                <a:spcPts val="479"/>
+              </a:spcBef>
+              <a:buNone/>
+              <a:tabLst>
+                <a:tab algn="l" pos="0"/>
+              </a:tabLst>
+            </a:pPr>
+            <a:endParaRPr b="0" lang="en-GB" sz="4000" spc="-1" strike="noStrike">
+              <a:latin typeface="Arial"/>
+            </a:endParaRPr>
+          </a:p>
+          <a:p>
+            <a:pPr>
+              <a:lnSpc>
+                <a:spcPct val="100000"/>
+              </a:lnSpc>
+              <a:spcBef>
+                <a:spcPts val="479"/>
+              </a:spcBef>
+              <a:buNone/>
+              <a:tabLst>
+                <a:tab algn="l" pos="0"/>
+              </a:tabLst>
+            </a:pPr>
+            <a:r>
+              <a:rPr b="1" lang="en-US" sz="4000" spc="-1" strike="noStrike">
+                <a:solidFill>
+                  <a:srgbClr val="ffbf00"/>
+                </a:solidFill>
+                <a:latin typeface="Calibri"/>
+              </a:rPr>
+              <a:t>Holy, holy, holy Lord, </a:t>
+            </a:r>
+            <a:endParaRPr b="0" lang="en-GB" sz="4000" spc="-1" strike="noStrike">
+              <a:latin typeface="Arial"/>
+            </a:endParaRPr>
+          </a:p>
+          <a:p>
+            <a:pPr>
+              <a:lnSpc>
+                <a:spcPct val="100000"/>
+              </a:lnSpc>
+              <a:spcBef>
+                <a:spcPts val="479"/>
+              </a:spcBef>
+              <a:buNone/>
+              <a:tabLst>
+                <a:tab algn="l" pos="0"/>
+              </a:tabLst>
+            </a:pPr>
+            <a:r>
+              <a:rPr b="1" lang="en-US" sz="4000" spc="-1" strike="noStrike">
+                <a:solidFill>
+                  <a:srgbClr val="ffbf00"/>
+                </a:solidFill>
+                <a:latin typeface="Calibri"/>
+              </a:rPr>
+              <a:t>God of power and might.</a:t>
+            </a:r>
+            <a:endParaRPr b="0" lang="en-GB" sz="4000" spc="-1" strike="noStrike">
+              <a:latin typeface="Arial"/>
+            </a:endParaRPr>
+          </a:p>
+          <a:p>
+            <a:pPr>
+              <a:lnSpc>
+                <a:spcPct val="100000"/>
+              </a:lnSpc>
+              <a:spcBef>
+                <a:spcPts val="479"/>
+              </a:spcBef>
+              <a:buNone/>
+              <a:tabLst>
+                <a:tab algn="l" pos="0"/>
+              </a:tabLst>
+            </a:pPr>
+            <a:r>
+              <a:rPr b="1" lang="en-US" sz="4000" spc="-1" strike="noStrike">
+                <a:solidFill>
+                  <a:srgbClr val="ffbf00"/>
+                </a:solidFill>
+                <a:latin typeface="Calibri"/>
+              </a:rPr>
+              <a:t>Heaven and earth are full of your glory.</a:t>
+            </a:r>
+            <a:endParaRPr b="0" lang="en-GB" sz="4000" spc="-1" strike="noStrike">
+              <a:latin typeface="Arial"/>
+            </a:endParaRPr>
+          </a:p>
+          <a:p>
+            <a:pPr>
+              <a:lnSpc>
+                <a:spcPct val="100000"/>
+              </a:lnSpc>
+              <a:spcBef>
+                <a:spcPts val="479"/>
+              </a:spcBef>
+              <a:buNone/>
+              <a:tabLst>
+                <a:tab algn="l" pos="0"/>
+              </a:tabLst>
+            </a:pPr>
+            <a:r>
+              <a:rPr b="1" lang="en-US" sz="4000" spc="-1" strike="noStrike">
+                <a:solidFill>
+                  <a:srgbClr val="ffbf00"/>
+                </a:solidFill>
+                <a:latin typeface="Calibri"/>
+              </a:rPr>
+              <a:t>Hosanna in the highest!</a:t>
             </a:r>
             <a:endParaRPr b="0" lang="en-GB" sz="4000" spc="-1" strike="noStrike">
               <a:latin typeface="Arial"/>
@@ -18163,7 +18216,7 @@
       </p:grpSpPr>
       <p:sp>
         <p:nvSpPr>
-          <p:cNvPr id="207" name="PlaceHolder 1"/>
+          <p:cNvPr id="208" name="PlaceHolder 1"/>
           <p:cNvSpPr>
             <a:spLocks noGrp="1"/>
           </p:cNvSpPr>
@@ -18173,8 +18226,8 @@
         </p:nvSpPr>
         <p:spPr>
           <a:xfrm>
-            <a:off x="180000" y="701280"/>
-            <a:ext cx="8962920" cy="5777640"/>
+            <a:off x="417240" y="1601280"/>
+            <a:ext cx="8221680" cy="4517640"/>
           </a:xfrm>
           <a:prstGeom prst="rect">
             <a:avLst/>
@@ -18202,117 +18255,13 @@
               </a:tabLst>
             </a:pPr>
             <a:r>
-              <a:rPr b="0" lang="en-US" sz="4000" spc="-1" strike="noStrike">
-                <a:solidFill>
-                  <a:srgbClr val="ffe994"/>
-                </a:solidFill>
-                <a:latin typeface="Calibri"/>
-              </a:rPr>
-              <a:t>… </a:t>
-            </a:r>
-            <a:r>
-              <a:rPr b="0" lang="en-US" sz="4000" spc="-1" strike="noStrike">
-                <a:solidFill>
-                  <a:srgbClr val="ffe994"/>
-                </a:solidFill>
-                <a:latin typeface="Calibri"/>
-              </a:rPr>
-              <a:t>Great is the mystery of faith</a:t>
-            </a:r>
-            <a:endParaRPr b="0" lang="en-GB" sz="4000" spc="-1" strike="noStrike">
-              <a:latin typeface="Arial"/>
-            </a:endParaRPr>
-          </a:p>
-          <a:p>
-            <a:pPr>
-              <a:lnSpc>
-                <a:spcPct val="100000"/>
-              </a:lnSpc>
-              <a:spcBef>
-                <a:spcPts val="479"/>
-              </a:spcBef>
-              <a:buNone/>
-              <a:tabLst>
-                <a:tab algn="l" pos="0"/>
-              </a:tabLst>
-            </a:pPr>
-            <a:endParaRPr b="0" lang="en-GB" sz="4000" spc="-1" strike="noStrike">
-              <a:latin typeface="Arial"/>
-            </a:endParaRPr>
-          </a:p>
-          <a:p>
-            <a:pPr>
-              <a:lnSpc>
-                <a:spcPct val="100000"/>
-              </a:lnSpc>
-              <a:spcBef>
-                <a:spcPts val="479"/>
-              </a:spcBef>
-              <a:buNone/>
-              <a:tabLst>
-                <a:tab algn="l" pos="0"/>
-              </a:tabLst>
-            </a:pPr>
-            <a:r>
-              <a:rPr b="1" lang="en-US" sz="4000" spc="-1" strike="noStrike">
-                <a:solidFill>
-                  <a:srgbClr val="ffbf00"/>
-                </a:solidFill>
-                <a:latin typeface="Calibri"/>
-              </a:rPr>
-              <a:t>Christ has died</a:t>
-            </a:r>
-            <a:endParaRPr b="0" lang="en-GB" sz="4000" spc="-1" strike="noStrike">
-              <a:latin typeface="Arial"/>
-            </a:endParaRPr>
-          </a:p>
-          <a:p>
-            <a:pPr>
-              <a:lnSpc>
-                <a:spcPct val="100000"/>
-              </a:lnSpc>
-              <a:spcBef>
-                <a:spcPts val="479"/>
-              </a:spcBef>
-              <a:buNone/>
-              <a:tabLst>
-                <a:tab algn="l" pos="0"/>
-              </a:tabLst>
-            </a:pPr>
-            <a:r>
-              <a:rPr b="1" lang="en-US" sz="4000" spc="-1" strike="noStrike">
-                <a:solidFill>
-                  <a:srgbClr val="ffbf00"/>
-                </a:solidFill>
-                <a:latin typeface="Calibri"/>
-              </a:rPr>
-              <a:t>Christ is risen</a:t>
-            </a:r>
-            <a:endParaRPr b="0" lang="en-GB" sz="4000" spc="-1" strike="noStrike">
-              <a:latin typeface="Arial"/>
-            </a:endParaRPr>
-          </a:p>
-          <a:p>
-            <a:pPr>
-              <a:lnSpc>
-                <a:spcPct val="100000"/>
-              </a:lnSpc>
-              <a:spcBef>
-                <a:spcPts val="479"/>
-              </a:spcBef>
-              <a:buNone/>
-              <a:tabLst>
-                <a:tab algn="l" pos="0"/>
-              </a:tabLst>
-            </a:pPr>
-            <a:r>
-              <a:rPr b="1" lang="en-US" sz="4000" spc="-1" strike="noStrike">
-                <a:solidFill>
-                  <a:srgbClr val="ffbf00"/>
-                </a:solidFill>
-                <a:latin typeface="Calibri"/>
-              </a:rPr>
-              <a:t>Christ will come again</a:t>
+              <a:rPr b="0" i="1" lang="en-US" sz="4000" spc="-1" strike="noStrike">
+                <a:solidFill>
+                  <a:srgbClr val="ffe994"/>
+                </a:solidFill>
+                <a:latin typeface="Calibri"/>
+              </a:rPr>
+              <a:t>We remember what Jesus did</a:t>
             </a:r>
             <a:endParaRPr b="0" lang="en-GB" sz="4000" spc="-1" strike="noStrike">
               <a:latin typeface="Arial"/>
@@ -18360,7 +18309,7 @@
       </p:grpSpPr>
       <p:sp>
         <p:nvSpPr>
-          <p:cNvPr id="208" name="PlaceHolder 1"/>
+          <p:cNvPr id="209" name="PlaceHolder 1"/>
           <p:cNvSpPr>
             <a:spLocks noGrp="1"/>
           </p:cNvSpPr>
@@ -18370,8 +18319,8 @@
         </p:nvSpPr>
         <p:spPr>
           <a:xfrm>
-            <a:off x="417240" y="1601280"/>
-            <a:ext cx="8221680" cy="4517640"/>
+            <a:off x="180000" y="701280"/>
+            <a:ext cx="8962920" cy="5777640"/>
           </a:xfrm>
           <a:prstGeom prst="rect">
             <a:avLst/>
@@ -18399,13 +18348,117 @@
               </a:tabLst>
             </a:pPr>
             <a:r>
-              <a:rPr b="0" i="1" lang="en-US" sz="4000" spc="-1" strike="noStrike">
-                <a:solidFill>
-                  <a:srgbClr val="ffe994"/>
-                </a:solidFill>
-                <a:latin typeface="Calibri"/>
-              </a:rPr>
-              <a:t>We ask for the help of the Holy Spirit</a:t>
+              <a:rPr b="0" lang="en-US" sz="4000" spc="-1" strike="noStrike">
+                <a:solidFill>
+                  <a:srgbClr val="ffe994"/>
+                </a:solidFill>
+                <a:latin typeface="Calibri"/>
+              </a:rPr>
+              <a:t>… </a:t>
+            </a:r>
+            <a:r>
+              <a:rPr b="0" lang="en-US" sz="4000" spc="-1" strike="noStrike">
+                <a:solidFill>
+                  <a:srgbClr val="ffe994"/>
+                </a:solidFill>
+                <a:latin typeface="Calibri"/>
+              </a:rPr>
+              <a:t>Great is the mystery of faith</a:t>
+            </a:r>
+            <a:endParaRPr b="0" lang="en-GB" sz="4000" spc="-1" strike="noStrike">
+              <a:latin typeface="Arial"/>
+            </a:endParaRPr>
+          </a:p>
+          <a:p>
+            <a:pPr>
+              <a:lnSpc>
+                <a:spcPct val="100000"/>
+              </a:lnSpc>
+              <a:spcBef>
+                <a:spcPts val="479"/>
+              </a:spcBef>
+              <a:buNone/>
+              <a:tabLst>
+                <a:tab algn="l" pos="0"/>
+              </a:tabLst>
+            </a:pPr>
+            <a:endParaRPr b="0" lang="en-GB" sz="4000" spc="-1" strike="noStrike">
+              <a:latin typeface="Arial"/>
+            </a:endParaRPr>
+          </a:p>
+          <a:p>
+            <a:pPr>
+              <a:lnSpc>
+                <a:spcPct val="100000"/>
+              </a:lnSpc>
+              <a:spcBef>
+                <a:spcPts val="479"/>
+              </a:spcBef>
+              <a:buNone/>
+              <a:tabLst>
+                <a:tab algn="l" pos="0"/>
+              </a:tabLst>
+            </a:pPr>
+            <a:r>
+              <a:rPr b="1" lang="en-US" sz="4000" spc="-1" strike="noStrike">
+                <a:solidFill>
+                  <a:srgbClr val="ffbf00"/>
+                </a:solidFill>
+                <a:latin typeface="Calibri"/>
+              </a:rPr>
+              <a:t>Christ has died</a:t>
+            </a:r>
+            <a:endParaRPr b="0" lang="en-GB" sz="4000" spc="-1" strike="noStrike">
+              <a:latin typeface="Arial"/>
+            </a:endParaRPr>
+          </a:p>
+          <a:p>
+            <a:pPr>
+              <a:lnSpc>
+                <a:spcPct val="100000"/>
+              </a:lnSpc>
+              <a:spcBef>
+                <a:spcPts val="479"/>
+              </a:spcBef>
+              <a:buNone/>
+              <a:tabLst>
+                <a:tab algn="l" pos="0"/>
+              </a:tabLst>
+            </a:pPr>
+            <a:r>
+              <a:rPr b="1" lang="en-US" sz="4000" spc="-1" strike="noStrike">
+                <a:solidFill>
+                  <a:srgbClr val="ffbf00"/>
+                </a:solidFill>
+                <a:latin typeface="Calibri"/>
+              </a:rPr>
+              <a:t>Christ is risen</a:t>
+            </a:r>
+            <a:endParaRPr b="0" lang="en-GB" sz="4000" spc="-1" strike="noStrike">
+              <a:latin typeface="Arial"/>
+            </a:endParaRPr>
+          </a:p>
+          <a:p>
+            <a:pPr>
+              <a:lnSpc>
+                <a:spcPct val="100000"/>
+              </a:lnSpc>
+              <a:spcBef>
+                <a:spcPts val="479"/>
+              </a:spcBef>
+              <a:buNone/>
+              <a:tabLst>
+                <a:tab algn="l" pos="0"/>
+              </a:tabLst>
+            </a:pPr>
+            <a:r>
+              <a:rPr b="1" lang="en-US" sz="4000" spc="-1" strike="noStrike">
+                <a:solidFill>
+                  <a:srgbClr val="ffbf00"/>
+                </a:solidFill>
+                <a:latin typeface="Calibri"/>
+              </a:rPr>
+              <a:t>Christ will come again</a:t>
             </a:r>
             <a:endParaRPr b="0" lang="en-GB" sz="4000" spc="-1" strike="noStrike">
               <a:latin typeface="Arial"/>
@@ -18779,7 +18832,7 @@
       </p:grpSpPr>
       <p:sp>
         <p:nvSpPr>
-          <p:cNvPr id="209" name="PlaceHolder 1"/>
+          <p:cNvPr id="210" name="PlaceHolder 1"/>
           <p:cNvSpPr>
             <a:spLocks noGrp="1"/>
           </p:cNvSpPr>
@@ -18789,8 +18842,8 @@
         </p:nvSpPr>
         <p:spPr>
           <a:xfrm>
-            <a:off x="180000" y="701280"/>
-            <a:ext cx="8962920" cy="5777640"/>
+            <a:off x="417240" y="1601280"/>
+            <a:ext cx="8221680" cy="4517640"/>
           </a:xfrm>
           <a:prstGeom prst="rect">
             <a:avLst/>
@@ -18818,195 +18871,13 @@
               </a:tabLst>
             </a:pPr>
             <a:r>
-              <a:rPr b="1" lang="en-US" sz="4000" spc="-1" strike="noStrike">
-                <a:solidFill>
-                  <a:srgbClr val="ffbf00"/>
-                </a:solidFill>
-                <a:latin typeface="Calibri"/>
-              </a:rPr>
-              <a:t>Our Father in heaven,</a:t>
-            </a:r>
-            <a:endParaRPr b="0" lang="en-GB" sz="4000" spc="-1" strike="noStrike">
-              <a:latin typeface="Arial"/>
-            </a:endParaRPr>
-          </a:p>
-          <a:p>
-            <a:pPr>
-              <a:lnSpc>
-                <a:spcPct val="100000"/>
-              </a:lnSpc>
-              <a:spcBef>
-                <a:spcPts val="479"/>
-              </a:spcBef>
-              <a:buNone/>
-              <a:tabLst>
-                <a:tab algn="l" pos="0"/>
-              </a:tabLst>
-            </a:pPr>
-            <a:r>
-              <a:rPr b="1" lang="en-US" sz="4000" spc="-1" strike="noStrike">
-                <a:solidFill>
-                  <a:srgbClr val="ffbf00"/>
-                </a:solidFill>
-                <a:latin typeface="Calibri"/>
-              </a:rPr>
-              <a:t>hallowed be your name,</a:t>
-            </a:r>
-            <a:endParaRPr b="0" lang="en-GB" sz="4000" spc="-1" strike="noStrike">
-              <a:latin typeface="Arial"/>
-            </a:endParaRPr>
-          </a:p>
-          <a:p>
-            <a:pPr>
-              <a:lnSpc>
-                <a:spcPct val="100000"/>
-              </a:lnSpc>
-              <a:spcBef>
-                <a:spcPts val="479"/>
-              </a:spcBef>
-              <a:buNone/>
-              <a:tabLst>
-                <a:tab algn="l" pos="0"/>
-              </a:tabLst>
-            </a:pPr>
-            <a:r>
-              <a:rPr b="1" lang="en-US" sz="4000" spc="-1" strike="noStrike">
-                <a:solidFill>
-                  <a:srgbClr val="ffbf00"/>
-                </a:solidFill>
-                <a:latin typeface="Calibri"/>
-              </a:rPr>
-              <a:t>your kingdom come,</a:t>
-            </a:r>
-            <a:endParaRPr b="0" lang="en-GB" sz="4000" spc="-1" strike="noStrike">
-              <a:latin typeface="Arial"/>
-            </a:endParaRPr>
-          </a:p>
-          <a:p>
-            <a:pPr>
-              <a:lnSpc>
-                <a:spcPct val="100000"/>
-              </a:lnSpc>
-              <a:spcBef>
-                <a:spcPts val="479"/>
-              </a:spcBef>
-              <a:buNone/>
-              <a:tabLst>
-                <a:tab algn="l" pos="0"/>
-              </a:tabLst>
-            </a:pPr>
-            <a:r>
-              <a:rPr b="1" lang="en-US" sz="4000" spc="-1" strike="noStrike">
-                <a:solidFill>
-                  <a:srgbClr val="ffbf00"/>
-                </a:solidFill>
-                <a:latin typeface="Calibri"/>
-              </a:rPr>
-              <a:t>your will be done,</a:t>
-            </a:r>
-            <a:endParaRPr b="0" lang="en-GB" sz="4000" spc="-1" strike="noStrike">
-              <a:latin typeface="Arial"/>
-            </a:endParaRPr>
-          </a:p>
-          <a:p>
-            <a:pPr>
-              <a:lnSpc>
-                <a:spcPct val="100000"/>
-              </a:lnSpc>
-              <a:spcBef>
-                <a:spcPts val="479"/>
-              </a:spcBef>
-              <a:buNone/>
-              <a:tabLst>
-                <a:tab algn="l" pos="0"/>
-              </a:tabLst>
-            </a:pPr>
-            <a:r>
-              <a:rPr b="1" lang="en-US" sz="4000" spc="-1" strike="noStrike">
-                <a:solidFill>
-                  <a:srgbClr val="ffbf00"/>
-                </a:solidFill>
-                <a:latin typeface="Calibri"/>
-              </a:rPr>
-              <a:t>on earth as in heaven.</a:t>
-            </a:r>
-            <a:endParaRPr b="0" lang="en-GB" sz="4000" spc="-1" strike="noStrike">
-              <a:latin typeface="Arial"/>
-            </a:endParaRPr>
-          </a:p>
-          <a:p>
-            <a:pPr>
-              <a:lnSpc>
-                <a:spcPct val="100000"/>
-              </a:lnSpc>
-              <a:spcBef>
-                <a:spcPts val="479"/>
-              </a:spcBef>
-              <a:buNone/>
-              <a:tabLst>
-                <a:tab algn="l" pos="0"/>
-              </a:tabLst>
-            </a:pPr>
-            <a:r>
-              <a:rPr b="1" lang="en-US" sz="4000" spc="-1" strike="noStrike">
-                <a:solidFill>
-                  <a:srgbClr val="ffbf00"/>
-                </a:solidFill>
-                <a:latin typeface="Calibri"/>
-              </a:rPr>
-              <a:t>Give us today our daily bread.</a:t>
-            </a:r>
-            <a:endParaRPr b="0" lang="en-GB" sz="4000" spc="-1" strike="noStrike">
-              <a:latin typeface="Arial"/>
-            </a:endParaRPr>
-          </a:p>
-          <a:p>
-            <a:pPr>
-              <a:lnSpc>
-                <a:spcPct val="100000"/>
-              </a:lnSpc>
-              <a:spcBef>
-                <a:spcPts val="479"/>
-              </a:spcBef>
-              <a:buNone/>
-              <a:tabLst>
-                <a:tab algn="l" pos="0"/>
-              </a:tabLst>
-            </a:pPr>
-            <a:r>
-              <a:rPr b="1" lang="en-US" sz="4000" spc="-1" strike="noStrike">
-                <a:solidFill>
-                  <a:srgbClr val="ffbf00"/>
-                </a:solidFill>
-                <a:latin typeface="Calibri"/>
-              </a:rPr>
-              <a:t>Forgive us our sins</a:t>
-            </a:r>
-            <a:endParaRPr b="0" lang="en-GB" sz="4000" spc="-1" strike="noStrike">
-              <a:latin typeface="Arial"/>
-            </a:endParaRPr>
-          </a:p>
-          <a:p>
-            <a:pPr>
-              <a:lnSpc>
-                <a:spcPct val="100000"/>
-              </a:lnSpc>
-              <a:spcBef>
-                <a:spcPts val="479"/>
-              </a:spcBef>
-              <a:buNone/>
-              <a:tabLst>
-                <a:tab algn="l" pos="0"/>
-              </a:tabLst>
-            </a:pPr>
-            <a:r>
-              <a:rPr b="1" lang="en-US" sz="4000" spc="-1" strike="noStrike">
-                <a:solidFill>
-                  <a:srgbClr val="ffbf00"/>
-                </a:solidFill>
-                <a:latin typeface="Calibri"/>
-              </a:rPr>
-              <a:t>as we forgive those who sin against us.</a:t>
+              <a:rPr b="0" i="1" lang="en-US" sz="4000" spc="-1" strike="noStrike">
+                <a:solidFill>
+                  <a:srgbClr val="ffe994"/>
+                </a:solidFill>
+                <a:latin typeface="Calibri"/>
+              </a:rPr>
+              <a:t>We ask for the help of the Holy Spirit</a:t>
             </a:r>
             <a:endParaRPr b="0" lang="en-GB" sz="4000" spc="-1" strike="noStrike">
               <a:latin typeface="Arial"/>
@@ -19054,7 +18925,7 @@
       </p:grpSpPr>
       <p:sp>
         <p:nvSpPr>
-          <p:cNvPr id="210" name="PlaceHolder 1"/>
+          <p:cNvPr id="211" name="PlaceHolder 1"/>
           <p:cNvSpPr>
             <a:spLocks noGrp="1"/>
           </p:cNvSpPr>
@@ -19099,7 +18970,7 @@
                 </a:solidFill>
                 <a:latin typeface="Calibri"/>
               </a:rPr>
-              <a:t>Lead us not into temptation</a:t>
+              <a:t>Our Father in heaven,</a:t>
             </a:r>
             <a:endParaRPr b="0" lang="en-GB" sz="4000" spc="-1" strike="noStrike">
               <a:latin typeface="Arial"/>
@@ -19125,7 +18996,7 @@
                 </a:solidFill>
                 <a:latin typeface="Calibri"/>
               </a:rPr>
-              <a:t>but deliver us from evil.</a:t>
+              <a:t>hallowed be your name,</a:t>
             </a:r>
             <a:endParaRPr b="0" lang="en-GB" sz="4000" spc="-1" strike="noStrike">
               <a:latin typeface="Arial"/>
@@ -19151,7 +19022,7 @@
                 </a:solidFill>
                 <a:latin typeface="Calibri"/>
               </a:rPr>
-              <a:t>For the kingdom, the power,</a:t>
+              <a:t>your kingdom come,</a:t>
             </a:r>
             <a:endParaRPr b="0" lang="en-GB" sz="4000" spc="-1" strike="noStrike">
               <a:latin typeface="Arial"/>
@@ -19177,7 +19048,7 @@
                 </a:solidFill>
                 <a:latin typeface="Calibri"/>
               </a:rPr>
-              <a:t>and the glory are yours</a:t>
+              <a:t>your will be done,</a:t>
             </a:r>
             <a:endParaRPr b="0" lang="en-GB" sz="4000" spc="-1" strike="noStrike">
               <a:latin typeface="Arial"/>
@@ -19203,7 +19074,7 @@
                 </a:solidFill>
                 <a:latin typeface="Calibri"/>
               </a:rPr>
-              <a:t>now and for ever.</a:t>
+              <a:t>on earth as in heaven.</a:t>
             </a:r>
             <a:endParaRPr b="0" lang="en-GB" sz="4000" spc="-1" strike="noStrike">
               <a:latin typeface="Arial"/>
@@ -19229,7 +19100,59 @@
                 </a:solidFill>
                 <a:latin typeface="Calibri"/>
               </a:rPr>
-              <a:t>Amen.</a:t>
+              <a:t>Give us today our daily bread.</a:t>
+            </a:r>
+            <a:endParaRPr b="0" lang="en-GB" sz="4000" spc="-1" strike="noStrike">
+              <a:latin typeface="Arial"/>
+            </a:endParaRPr>
+          </a:p>
+          <a:p>
+            <a:pPr>
+              <a:lnSpc>
+                <a:spcPct val="100000"/>
+              </a:lnSpc>
+              <a:spcBef>
+                <a:spcPts val="479"/>
+              </a:spcBef>
+              <a:buNone/>
+              <a:tabLst>
+                <a:tab algn="l" pos="0"/>
+              </a:tabLst>
+            </a:pPr>
+            <a:r>
+              <a:rPr b="1" lang="en-US" sz="4000" spc="-1" strike="noStrike">
+                <a:solidFill>
+                  <a:srgbClr val="ffbf00"/>
+                </a:solidFill>
+                <a:latin typeface="Calibri"/>
+              </a:rPr>
+              <a:t>Forgive us our sins</a:t>
+            </a:r>
+            <a:endParaRPr b="0" lang="en-GB" sz="4000" spc="-1" strike="noStrike">
+              <a:latin typeface="Arial"/>
+            </a:endParaRPr>
+          </a:p>
+          <a:p>
+            <a:pPr>
+              <a:lnSpc>
+                <a:spcPct val="100000"/>
+              </a:lnSpc>
+              <a:spcBef>
+                <a:spcPts val="479"/>
+              </a:spcBef>
+              <a:buNone/>
+              <a:tabLst>
+                <a:tab algn="l" pos="0"/>
+              </a:tabLst>
+            </a:pPr>
+            <a:r>
+              <a:rPr b="1" lang="en-US" sz="4000" spc="-1" strike="noStrike">
+                <a:solidFill>
+                  <a:srgbClr val="ffbf00"/>
+                </a:solidFill>
+                <a:latin typeface="Calibri"/>
+              </a:rPr>
+              <a:t>as we forgive those who sin against us.</a:t>
             </a:r>
             <a:endParaRPr b="0" lang="en-GB" sz="4000" spc="-1" strike="noStrike">
               <a:latin typeface="Arial"/>
@@ -19277,7 +19200,7 @@
       </p:grpSpPr>
       <p:sp>
         <p:nvSpPr>
-          <p:cNvPr id="211" name="PlaceHolder 1"/>
+          <p:cNvPr id="212" name="PlaceHolder 1"/>
           <p:cNvSpPr>
             <a:spLocks noGrp="1"/>
           </p:cNvSpPr>
@@ -19287,75 +19210,7 @@
         </p:nvSpPr>
         <p:spPr>
           <a:xfrm>
-            <a:off x="-360000" y="720000"/>
-            <a:ext cx="8962920" cy="1277640"/>
-          </a:xfrm>
-          <a:prstGeom prst="rect">
-            <a:avLst/>
-          </a:prstGeom>
-          <a:noFill/>
-          <a:ln w="0">
-            <a:noFill/>
-          </a:ln>
-        </p:spPr>
-        <p:txBody>
-          <a:bodyPr lIns="90000" rIns="90000" tIns="45000" bIns="45000" anchor="t">
-            <a:noAutofit/>
-          </a:bodyPr>
-          <a:p>
-            <a:pPr algn="r">
-              <a:lnSpc>
-                <a:spcPct val="100000"/>
-              </a:lnSpc>
-              <a:spcBef>
-                <a:spcPts val="479"/>
-              </a:spcBef>
-              <a:buNone/>
-              <a:tabLst>
-                <a:tab algn="l" pos="0"/>
-              </a:tabLst>
-            </a:pPr>
-            <a:r>
-              <a:rPr b="0" lang="en-US" sz="4000" spc="-1" strike="noStrike">
-                <a:solidFill>
-                  <a:srgbClr val="ffe994"/>
-                </a:solidFill>
-                <a:latin typeface="Calibri"/>
-              </a:rPr>
-              <a:t>Breaking of the Bread</a:t>
-            </a:r>
-            <a:endParaRPr b="0" lang="en-GB" sz="4000" spc="-1" strike="noStrike">
-              <a:latin typeface="Arial"/>
-            </a:endParaRPr>
-          </a:p>
-          <a:p>
-            <a:pPr algn="r">
-              <a:lnSpc>
-                <a:spcPct val="100000"/>
-              </a:lnSpc>
-              <a:spcBef>
-                <a:spcPts val="479"/>
-              </a:spcBef>
-              <a:buNone/>
-              <a:tabLst>
-                <a:tab algn="l" pos="0"/>
-              </a:tabLst>
-            </a:pPr>
-            <a:endParaRPr b="0" lang="en-GB" sz="4000" spc="-1" strike="noStrike">
-              <a:latin typeface="Arial"/>
-            </a:endParaRPr>
-          </a:p>
-        </p:txBody>
-      </p:sp>
-      <p:sp>
-        <p:nvSpPr>
-          <p:cNvPr id="212" name="PlaceHolder 31"/>
-          <p:cNvSpPr/>
-          <p:nvPr/>
-        </p:nvSpPr>
-        <p:spPr>
-          <a:xfrm>
-            <a:off x="36000" y="2141280"/>
+            <a:off x="180000" y="701280"/>
             <a:ext cx="8962920" cy="5777640"/>
           </a:xfrm>
           <a:prstGeom prst="rect">
@@ -19366,12 +19221,6 @@
             <a:noFill/>
           </a:ln>
         </p:spPr>
-        <p:style>
-          <a:lnRef idx="0"/>
-          <a:fillRef idx="0"/>
-          <a:effectRef idx="0"/>
-          <a:fontRef idx="minor"/>
-        </p:style>
         <p:txBody>
           <a:bodyPr lIns="90000" rIns="90000" tIns="45000" bIns="45000" anchor="t">
             <a:noAutofit/>
@@ -19390,85 +19239,13 @@
               </a:tabLst>
             </a:pPr>
             <a:r>
-              <a:rPr b="0" lang="en-US" sz="4000" spc="-1" strike="noStrike">
-                <a:solidFill>
-                  <a:srgbClr val="ffe994"/>
-                </a:solidFill>
-                <a:latin typeface="Calibri"/>
-                <a:ea typeface="DejaVu Sans"/>
-              </a:rPr>
-              <a:t>We break this bread</a:t>
-            </a:r>
-            <a:endParaRPr b="0" lang="en-GB" sz="4000" spc="-1" strike="noStrike">
-              <a:latin typeface="Arial"/>
-            </a:endParaRPr>
-          </a:p>
-          <a:p>
-            <a:pPr>
-              <a:lnSpc>
-                <a:spcPct val="100000"/>
-              </a:lnSpc>
-              <a:spcBef>
-                <a:spcPts val="479"/>
-              </a:spcBef>
-              <a:buNone/>
-              <a:tabLst>
-                <a:tab algn="l" pos="0"/>
-              </a:tabLst>
-            </a:pPr>
-            <a:r>
-              <a:rPr b="0" lang="en-US" sz="4000" spc="-1" strike="noStrike">
-                <a:solidFill>
-                  <a:srgbClr val="ffe994"/>
-                </a:solidFill>
-                <a:latin typeface="Calibri"/>
-                <a:ea typeface="DejaVu Sans"/>
-              </a:rPr>
-              <a:t>to share in the body of Christ.</a:t>
-            </a:r>
-            <a:endParaRPr b="0" lang="en-GB" sz="4000" spc="-1" strike="noStrike">
-              <a:latin typeface="Arial"/>
-            </a:endParaRPr>
-          </a:p>
-          <a:p>
-            <a:pPr>
-              <a:lnSpc>
-                <a:spcPct val="100000"/>
-              </a:lnSpc>
-              <a:spcBef>
-                <a:spcPts val="479"/>
-              </a:spcBef>
-              <a:buNone/>
-              <a:tabLst>
-                <a:tab algn="l" pos="0"/>
-              </a:tabLst>
-            </a:pPr>
-            <a:endParaRPr b="0" lang="en-GB" sz="4000" spc="-1" strike="noStrike">
-              <a:latin typeface="Arial"/>
-            </a:endParaRPr>
-          </a:p>
-          <a:p>
-            <a:pPr>
-              <a:lnSpc>
-                <a:spcPct val="100000"/>
-              </a:lnSpc>
-              <a:spcBef>
-                <a:spcPts val="479"/>
-              </a:spcBef>
-              <a:buNone/>
-              <a:tabLst>
-                <a:tab algn="l" pos="0"/>
-              </a:tabLst>
-            </a:pPr>
-            <a:r>
               <a:rPr b="1" lang="en-US" sz="4000" spc="-1" strike="noStrike">
                 <a:solidFill>
                   <a:srgbClr val="ffbf00"/>
                 </a:solidFill>
                 <a:latin typeface="Calibri"/>
-                <a:ea typeface="DejaVu Sans"/>
-              </a:rPr>
-              <a:t>Though we are many, we are one body,</a:t>
+              </a:rPr>
+              <a:t>Lead us not into temptation</a:t>
             </a:r>
             <a:endParaRPr b="0" lang="en-GB" sz="4000" spc="-1" strike="noStrike">
               <a:latin typeface="Arial"/>
@@ -19493,9 +19270,112 @@
                   <a:srgbClr val="ffbf00"/>
                 </a:solidFill>
                 <a:latin typeface="Calibri"/>
-                <a:ea typeface="DejaVu Sans"/>
-              </a:rPr>
-              <a:t>because we all share in one bread.</a:t>
+              </a:rPr>
+              <a:t>but deliver us from evil.</a:t>
+            </a:r>
+            <a:endParaRPr b="0" lang="en-GB" sz="4000" spc="-1" strike="noStrike">
+              <a:latin typeface="Arial"/>
+            </a:endParaRPr>
+          </a:p>
+          <a:p>
+            <a:pPr>
+              <a:lnSpc>
+                <a:spcPct val="100000"/>
+              </a:lnSpc>
+              <a:spcBef>
+                <a:spcPts val="479"/>
+              </a:spcBef>
+              <a:buNone/>
+              <a:tabLst>
+                <a:tab algn="l" pos="0"/>
+              </a:tabLst>
+            </a:pPr>
+            <a:r>
+              <a:rPr b="1" lang="en-US" sz="4000" spc="-1" strike="noStrike">
+                <a:solidFill>
+                  <a:srgbClr val="ffbf00"/>
+                </a:solidFill>
+                <a:latin typeface="Calibri"/>
+              </a:rPr>
+              <a:t>For the kingdom, the power,</a:t>
+            </a:r>
+            <a:endParaRPr b="0" lang="en-GB" sz="4000" spc="-1" strike="noStrike">
+              <a:latin typeface="Arial"/>
+            </a:endParaRPr>
+          </a:p>
+          <a:p>
+            <a:pPr>
+              <a:lnSpc>
+                <a:spcPct val="100000"/>
+              </a:lnSpc>
+              <a:spcBef>
+                <a:spcPts val="479"/>
+              </a:spcBef>
+              <a:buNone/>
+              <a:tabLst>
+                <a:tab algn="l" pos="0"/>
+              </a:tabLst>
+            </a:pPr>
+            <a:r>
+              <a:rPr b="1" lang="en-US" sz="4000" spc="-1" strike="noStrike">
+                <a:solidFill>
+                  <a:srgbClr val="ffbf00"/>
+                </a:solidFill>
+                <a:latin typeface="Calibri"/>
+              </a:rPr>
+              <a:t>and the glory are yours</a:t>
+            </a:r>
+            <a:endParaRPr b="0" lang="en-GB" sz="4000" spc="-1" strike="noStrike">
+              <a:latin typeface="Arial"/>
+            </a:endParaRPr>
+          </a:p>
+          <a:p>
+            <a:pPr>
+              <a:lnSpc>
+                <a:spcPct val="100000"/>
+              </a:lnSpc>
+              <a:spcBef>
+                <a:spcPts val="479"/>
+              </a:spcBef>
+              <a:buNone/>
+              <a:tabLst>
+                <a:tab algn="l" pos="0"/>
+              </a:tabLst>
+            </a:pPr>
+            <a:r>
+              <a:rPr b="1" lang="en-US" sz="4000" spc="-1" strike="noStrike">
+                <a:solidFill>
+                  <a:srgbClr val="ffbf00"/>
+                </a:solidFill>
+                <a:latin typeface="Calibri"/>
+              </a:rPr>
+              <a:t>now and for ever.</a:t>
+            </a:r>
+            <a:endParaRPr b="0" lang="en-GB" sz="4000" spc="-1" strike="noStrike">
+              <a:latin typeface="Arial"/>
+            </a:endParaRPr>
+          </a:p>
+          <a:p>
+            <a:pPr>
+              <a:lnSpc>
+                <a:spcPct val="100000"/>
+              </a:lnSpc>
+              <a:spcBef>
+                <a:spcPts val="479"/>
+              </a:spcBef>
+              <a:buNone/>
+              <a:tabLst>
+                <a:tab algn="l" pos="0"/>
+              </a:tabLst>
+            </a:pPr>
+            <a:r>
+              <a:rPr b="1" lang="en-US" sz="4000" spc="-1" strike="noStrike">
+                <a:solidFill>
+                  <a:srgbClr val="ffbf00"/>
+                </a:solidFill>
+                <a:latin typeface="Calibri"/>
+              </a:rPr>
+              <a:t>Amen.</a:t>
             </a:r>
             <a:endParaRPr b="0" lang="en-GB" sz="4000" spc="-1" strike="noStrike">
               <a:latin typeface="Arial"/>
@@ -19553,8 +19433,8 @@
         </p:nvSpPr>
         <p:spPr>
           <a:xfrm>
-            <a:off x="2196000" y="180000"/>
-            <a:ext cx="6622920" cy="898920"/>
+            <a:off x="-360000" y="720000"/>
+            <a:ext cx="8962920" cy="1277640"/>
           </a:xfrm>
           <a:prstGeom prst="rect">
             <a:avLst/>
@@ -19588,7 +19468,7 @@
                 </a:solidFill>
                 <a:latin typeface="Calibri"/>
               </a:rPr>
-              <a:t>Giving of Communion</a:t>
+              <a:t>Breaking of the Bread</a:t>
             </a:r>
             <a:endParaRPr b="0" lang="en-GB" sz="4000" spc="-1" strike="noStrike">
               <a:latin typeface="Arial"/>
@@ -19615,14 +19495,14 @@
       </p:sp>
       <p:sp>
         <p:nvSpPr>
-          <p:cNvPr id="214" name="PlaceHolder 33"/>
+          <p:cNvPr id="214" name="PlaceHolder 31"/>
           <p:cNvSpPr/>
           <p:nvPr/>
         </p:nvSpPr>
         <p:spPr>
           <a:xfrm>
-            <a:off x="180000" y="918000"/>
-            <a:ext cx="8962920" cy="5938920"/>
+            <a:off x="36000" y="2141280"/>
+            <a:ext cx="8962920" cy="5777640"/>
           </a:xfrm>
           <a:prstGeom prst="rect">
             <a:avLst/>
@@ -19656,41 +19536,112 @@
               </a:tabLst>
             </a:pPr>
             <a:r>
-              <a:rPr b="0" i="1" lang="en-US" sz="4000" spc="-1" strike="noStrike">
+              <a:rPr b="0" lang="en-US" sz="4000" spc="-1" strike="noStrike">
                 <a:solidFill>
                   <a:srgbClr val="ffe994"/>
                 </a:solidFill>
                 <a:latin typeface="Calibri"/>
                 <a:ea typeface="DejaVu Sans"/>
               </a:rPr>
-              <a:t>We invite all present to receive communion if it is your tradition or custom to do so, or you may receive a blessing instead (keep your hands by your side).</a:t>
-            </a:r>
-            <a:endParaRPr b="0" lang="en-GB" sz="4000" spc="-1" strike="noStrike">
-              <a:latin typeface="Arial"/>
-            </a:endParaRPr>
-          </a:p>
-          <a:p>
-            <a:pPr>
-              <a:lnSpc>
-                <a:spcPct val="100000"/>
-              </a:lnSpc>
-              <a:spcBef>
-                <a:spcPts val="479"/>
-              </a:spcBef>
-              <a:buNone/>
-              <a:tabLst>
-                <a:tab algn="l" pos="0"/>
-              </a:tabLst>
-            </a:pPr>
-            <a:r>
-              <a:rPr b="0" i="1" lang="en-US" sz="4000" spc="-1" strike="noStrike">
+              <a:t>We break this bread</a:t>
+            </a:r>
+            <a:endParaRPr b="0" lang="en-GB" sz="4000" spc="-1" strike="noStrike">
+              <a:latin typeface="Arial"/>
+            </a:endParaRPr>
+          </a:p>
+          <a:p>
+            <a:pPr>
+              <a:lnSpc>
+                <a:spcPct val="100000"/>
+              </a:lnSpc>
+              <a:spcBef>
+                <a:spcPts val="479"/>
+              </a:spcBef>
+              <a:buNone/>
+              <a:tabLst>
+                <a:tab algn="l" pos="0"/>
+              </a:tabLst>
+            </a:pPr>
+            <a:r>
+              <a:rPr b="0" lang="en-US" sz="4000" spc="-1" strike="noStrike">
                 <a:solidFill>
                   <a:srgbClr val="ffe994"/>
                 </a:solidFill>
                 <a:latin typeface="Calibri"/>
                 <a:ea typeface="DejaVu Sans"/>
               </a:rPr>
-              <a:t>If you would like a gluten free wafer, please ask.</a:t>
+              <a:t>to share in the body of Christ.</a:t>
+            </a:r>
+            <a:endParaRPr b="0" lang="en-GB" sz="4000" spc="-1" strike="noStrike">
+              <a:latin typeface="Arial"/>
+            </a:endParaRPr>
+          </a:p>
+          <a:p>
+            <a:pPr>
+              <a:lnSpc>
+                <a:spcPct val="100000"/>
+              </a:lnSpc>
+              <a:spcBef>
+                <a:spcPts val="479"/>
+              </a:spcBef>
+              <a:buNone/>
+              <a:tabLst>
+                <a:tab algn="l" pos="0"/>
+              </a:tabLst>
+            </a:pPr>
+            <a:endParaRPr b="0" lang="en-GB" sz="4000" spc="-1" strike="noStrike">
+              <a:latin typeface="Arial"/>
+            </a:endParaRPr>
+          </a:p>
+          <a:p>
+            <a:pPr>
+              <a:lnSpc>
+                <a:spcPct val="100000"/>
+              </a:lnSpc>
+              <a:spcBef>
+                <a:spcPts val="479"/>
+              </a:spcBef>
+              <a:buNone/>
+              <a:tabLst>
+                <a:tab algn="l" pos="0"/>
+              </a:tabLst>
+            </a:pPr>
+            <a:r>
+              <a:rPr b="1" lang="en-US" sz="4000" spc="-1" strike="noStrike">
+                <a:solidFill>
+                  <a:srgbClr val="ffbf00"/>
+                </a:solidFill>
+                <a:latin typeface="Calibri"/>
+                <a:ea typeface="DejaVu Sans"/>
+              </a:rPr>
+              <a:t>Though we are many, we are one body,</a:t>
+            </a:r>
+            <a:endParaRPr b="0" lang="en-GB" sz="4000" spc="-1" strike="noStrike">
+              <a:latin typeface="Arial"/>
+            </a:endParaRPr>
+          </a:p>
+          <a:p>
+            <a:pPr>
+              <a:lnSpc>
+                <a:spcPct val="100000"/>
+              </a:lnSpc>
+              <a:spcBef>
+                <a:spcPts val="479"/>
+              </a:spcBef>
+              <a:buNone/>
+              <a:tabLst>
+                <a:tab algn="l" pos="0"/>
+              </a:tabLst>
+            </a:pPr>
+            <a:r>
+              <a:rPr b="1" lang="en-US" sz="4000" spc="-1" strike="noStrike">
+                <a:solidFill>
+                  <a:srgbClr val="ffbf00"/>
+                </a:solidFill>
+                <a:latin typeface="Calibri"/>
+                <a:ea typeface="DejaVu Sans"/>
+              </a:rPr>
+              <a:t>because we all share in one bread.</a:t>
             </a:r>
             <a:endParaRPr b="0" lang="en-GB" sz="4000" spc="-1" strike="noStrike">
               <a:latin typeface="Arial"/>
@@ -19743,13 +19694,13 @@
             <a:spLocks noGrp="1"/>
           </p:cNvSpPr>
           <p:nvPr>
-            <p:ph type="title"/>
+            <p:ph/>
           </p:nvPr>
         </p:nvSpPr>
         <p:spPr>
           <a:xfrm>
-            <a:off x="457200" y="-55440"/>
-            <a:ext cx="8221680" cy="1134720"/>
+            <a:off x="2196000" y="180000"/>
+            <a:ext cx="6622920" cy="898920"/>
           </a:xfrm>
           <a:prstGeom prst="rect">
             <a:avLst/>
@@ -19760,63 +19711,11 @@
           </a:ln>
         </p:spPr>
         <p:txBody>
-          <a:bodyPr lIns="90000" rIns="90000" tIns="45000" bIns="45000" anchor="ctr">
-            <a:noAutofit/>
-          </a:bodyPr>
-          <a:p>
-            <a:pPr algn="ctr">
-              <a:lnSpc>
-                <a:spcPct val="100000"/>
-              </a:lnSpc>
-              <a:buNone/>
-              <a:tabLst>
-                <a:tab algn="l" pos="0"/>
-              </a:tabLst>
-            </a:pPr>
-            <a:r>
-              <a:rPr b="0" lang="en-US" sz="4000" spc="-1" strike="noStrike">
-                <a:solidFill>
-                  <a:srgbClr val="fff5ce"/>
-                </a:solidFill>
-                <a:latin typeface="Calibri"/>
-              </a:rPr>
-              <a:t>Song 4: Yet not I but through Christ</a:t>
-            </a:r>
-            <a:endParaRPr b="0" lang="en-GB" sz="4000" spc="-1" strike="noStrike">
-              <a:latin typeface="Arial"/>
-            </a:endParaRPr>
-          </a:p>
-        </p:txBody>
-      </p:sp>
-      <p:sp>
-        <p:nvSpPr>
-          <p:cNvPr id="216" name="PlaceHolder 2"/>
-          <p:cNvSpPr>
-            <a:spLocks noGrp="1"/>
-          </p:cNvSpPr>
-          <p:nvPr>
-            <p:ph/>
-          </p:nvPr>
-        </p:nvSpPr>
-        <p:spPr>
-          <a:xfrm>
-            <a:off x="180000" y="1080000"/>
-            <a:ext cx="8819280" cy="4517640"/>
-          </a:xfrm>
-          <a:prstGeom prst="rect">
-            <a:avLst/>
-          </a:prstGeom>
-          <a:noFill/>
-          <a:ln w="0">
-            <a:noFill/>
-          </a:ln>
-        </p:spPr>
-        <p:txBody>
           <a:bodyPr lIns="90000" rIns="90000" tIns="45000" bIns="45000" anchor="t">
             <a:noAutofit/>
           </a:bodyPr>
           <a:p>
-            <a:pPr>
+            <a:pPr algn="r">
               <a:lnSpc>
                 <a:spcPct val="100000"/>
               </a:lnSpc>
@@ -19835,111 +19734,41 @@
                 </a:solidFill>
                 <a:latin typeface="Calibri"/>
               </a:rPr>
-              <a:t> </a:t>
-            </a:r>
-            <a:r>
-              <a:rPr b="0" lang="en-US" sz="4000" spc="-1" strike="noStrike">
-                <a:solidFill>
-                  <a:srgbClr val="ffe994"/>
-                </a:solidFill>
-                <a:latin typeface="Calibri"/>
-              </a:rPr>
-              <a:t>What gift of grace is Jesus my redeemer</a:t>
-            </a:r>
-            <a:endParaRPr b="0" lang="en-GB" sz="4000" spc="-1" strike="noStrike">
-              <a:latin typeface="Arial"/>
-            </a:endParaRPr>
-          </a:p>
-          <a:p>
-            <a:pPr>
-              <a:lnSpc>
-                <a:spcPct val="100000"/>
-              </a:lnSpc>
-              <a:spcBef>
-                <a:spcPts val="479"/>
-              </a:spcBef>
-              <a:buNone/>
-              <a:tabLst>
-                <a:tab algn="l" pos="0"/>
-              </a:tabLst>
-            </a:pPr>
-            <a:r>
-              <a:rPr b="0" lang="en-US" sz="4000" spc="-1" strike="noStrike">
-                <a:solidFill>
-                  <a:srgbClr val="ffe994"/>
-                </a:solidFill>
-                <a:latin typeface="Calibri"/>
-              </a:rPr>
-              <a:t>There is no more for heaven now to give</a:t>
-            </a:r>
-            <a:endParaRPr b="0" lang="en-GB" sz="4000" spc="-1" strike="noStrike">
-              <a:latin typeface="Arial"/>
-            </a:endParaRPr>
-          </a:p>
-          <a:p>
-            <a:pPr>
-              <a:lnSpc>
-                <a:spcPct val="100000"/>
-              </a:lnSpc>
-              <a:spcBef>
-                <a:spcPts val="479"/>
-              </a:spcBef>
-              <a:buNone/>
-              <a:tabLst>
-                <a:tab algn="l" pos="0"/>
-              </a:tabLst>
-            </a:pPr>
-            <a:r>
-              <a:rPr b="0" lang="en-US" sz="4000" spc="-1" strike="noStrike">
-                <a:solidFill>
-                  <a:srgbClr val="ffe994"/>
-                </a:solidFill>
-                <a:latin typeface="Calibri"/>
-              </a:rPr>
-              <a:t>He is my joy my righteousness and freedom</a:t>
-            </a:r>
-            <a:endParaRPr b="0" lang="en-GB" sz="4000" spc="-1" strike="noStrike">
-              <a:latin typeface="Arial"/>
-            </a:endParaRPr>
-          </a:p>
-          <a:p>
-            <a:pPr>
-              <a:lnSpc>
-                <a:spcPct val="100000"/>
-              </a:lnSpc>
-              <a:spcBef>
-                <a:spcPts val="479"/>
-              </a:spcBef>
-              <a:buNone/>
-              <a:tabLst>
-                <a:tab algn="l" pos="0"/>
-              </a:tabLst>
-            </a:pPr>
-            <a:r>
-              <a:rPr b="0" lang="en-US" sz="4000" spc="-1" strike="noStrike">
-                <a:solidFill>
-                  <a:srgbClr val="ffe994"/>
-                </a:solidFill>
-                <a:latin typeface="Calibri"/>
-              </a:rPr>
-              <a:t>My steadfast love my deep and boundless peace</a:t>
-            </a:r>
-            <a:endParaRPr b="0" lang="en-GB" sz="4000" spc="-1" strike="noStrike">
-              <a:latin typeface="Arial"/>
-            </a:endParaRPr>
-          </a:p>
-        </p:txBody>
-      </p:sp>
-      <p:sp>
-        <p:nvSpPr>
-          <p:cNvPr id="217" name=""/>
+              <a:t>Giving of Communion</a:t>
+            </a:r>
+            <a:endParaRPr b="0" lang="en-GB" sz="4000" spc="-1" strike="noStrike">
+              <a:latin typeface="Arial"/>
+            </a:endParaRPr>
+          </a:p>
+          <a:p>
+            <a:pPr algn="r">
+              <a:lnSpc>
+                <a:spcPct val="100000"/>
+              </a:lnSpc>
+              <a:spcBef>
+                <a:spcPts val="479"/>
+              </a:spcBef>
+              <a:buNone/>
+              <a:tabLst>
+                <a:tab algn="l" pos="0"/>
+              </a:tabLst>
+            </a:pPr>
+            <a:endParaRPr b="0" lang="en-GB" sz="4000" spc="-1" strike="noStrike">
+              <a:latin typeface="Arial"/>
+            </a:endParaRPr>
+          </a:p>
+        </p:txBody>
+      </p:sp>
+      <p:sp>
+        <p:nvSpPr>
+          <p:cNvPr id="216" name="PlaceHolder 33"/>
           <p:cNvSpPr/>
           <p:nvPr/>
         </p:nvSpPr>
         <p:spPr>
           <a:xfrm>
-            <a:off x="8281080" y="6460200"/>
-            <a:ext cx="493200" cy="341640"/>
+            <a:off x="180000" y="918000"/>
+            <a:ext cx="8962920" cy="5938920"/>
           </a:xfrm>
           <a:prstGeom prst="rect">
             <a:avLst/>
@@ -19964,19 +19793,52 @@
               <a:lnSpc>
                 <a:spcPct val="100000"/>
               </a:lnSpc>
-              <a:buNone/>
-            </a:pPr>
-            <a:r>
-              <a:rPr b="0" lang="en-GB" sz="1000" spc="-1" strike="noStrike">
-                <a:solidFill>
-                  <a:srgbClr val="ffffd7"/>
+              <a:spcBef>
+                <a:spcPts val="479"/>
+              </a:spcBef>
+              <a:buNone/>
+              <a:tabLst>
+                <a:tab algn="l" pos="0"/>
+              </a:tabLst>
+            </a:pPr>
+            <a:r>
+              <a:rPr b="0" i="1" lang="en-US" sz="4000" spc="-1" strike="noStrike">
+                <a:solidFill>
+                  <a:srgbClr val="ffe994"/>
                 </a:solidFill>
                 <a:latin typeface="Calibri"/>
                 <a:ea typeface="DejaVu Sans"/>
               </a:rPr>
-              <a:t>1/8</a:t>
-            </a:r>
-            <a:endParaRPr b="0" lang="en-GB" sz="1000" spc="-1" strike="noStrike">
+              <a:t>We invite all present to receive communion if it is your tradition or custom to do so, or you may receive a blessing instead (keep your hands by your side).</a:t>
+            </a:r>
+            <a:endParaRPr b="0" lang="en-GB" sz="4000" spc="-1" strike="noStrike">
+              <a:latin typeface="Arial"/>
+            </a:endParaRPr>
+          </a:p>
+          <a:p>
+            <a:pPr>
+              <a:lnSpc>
+                <a:spcPct val="100000"/>
+              </a:lnSpc>
+              <a:spcBef>
+                <a:spcPts val="479"/>
+              </a:spcBef>
+              <a:buNone/>
+              <a:tabLst>
+                <a:tab algn="l" pos="0"/>
+              </a:tabLst>
+            </a:pPr>
+            <a:r>
+              <a:rPr b="0" i="1" lang="en-US" sz="4000" spc="-1" strike="noStrike">
+                <a:solidFill>
+                  <a:srgbClr val="ffe994"/>
+                </a:solidFill>
+                <a:latin typeface="Calibri"/>
+                <a:ea typeface="DejaVu Sans"/>
+              </a:rPr>
+              <a:t>If you would like a gluten free wafer, please ask.</a:t>
+            </a:r>
+            <a:endParaRPr b="0" lang="en-GB" sz="4000" spc="-1" strike="noStrike">
               <a:latin typeface="Arial"/>
             </a:endParaRPr>
           </a:p>
@@ -20022,7 +19884,59 @@
       </p:grpSpPr>
       <p:sp>
         <p:nvSpPr>
-          <p:cNvPr id="218" name="PlaceHolder 1"/>
+          <p:cNvPr id="217" name="PlaceHolder 1"/>
+          <p:cNvSpPr>
+            <a:spLocks noGrp="1"/>
+          </p:cNvSpPr>
+          <p:nvPr>
+            <p:ph type="title"/>
+          </p:nvPr>
+        </p:nvSpPr>
+        <p:spPr>
+          <a:xfrm>
+            <a:off x="457200" y="-55440"/>
+            <a:ext cx="8221680" cy="1134720"/>
+          </a:xfrm>
+          <a:prstGeom prst="rect">
+            <a:avLst/>
+          </a:prstGeom>
+          <a:noFill/>
+          <a:ln w="0">
+            <a:noFill/>
+          </a:ln>
+        </p:spPr>
+        <p:txBody>
+          <a:bodyPr lIns="90000" rIns="90000" tIns="45000" bIns="45000" anchor="ctr">
+            <a:noAutofit/>
+          </a:bodyPr>
+          <a:p>
+            <a:pPr algn="ctr">
+              <a:lnSpc>
+                <a:spcPct val="100000"/>
+              </a:lnSpc>
+              <a:buNone/>
+              <a:tabLst>
+                <a:tab algn="l" pos="0"/>
+              </a:tabLst>
+            </a:pPr>
+            <a:r>
+              <a:rPr b="0" lang="en-US" sz="4000" spc="-1" strike="noStrike">
+                <a:solidFill>
+                  <a:srgbClr val="fff5ce"/>
+                </a:solidFill>
+                <a:latin typeface="Calibri"/>
+              </a:rPr>
+              <a:t>Song 4: Yet not I but through Christ</a:t>
+            </a:r>
+            <a:endParaRPr b="0" lang="en-GB" sz="4000" spc="-1" strike="noStrike">
+              <a:latin typeface="Arial"/>
+            </a:endParaRPr>
+          </a:p>
+        </p:txBody>
+      </p:sp>
+      <p:sp>
+        <p:nvSpPr>
+          <p:cNvPr id="218" name="PlaceHolder 2"/>
           <p:cNvSpPr>
             <a:spLocks noGrp="1"/>
           </p:cNvSpPr>
@@ -20067,25 +19981,8 @@
                 </a:solidFill>
                 <a:latin typeface="Calibri"/>
               </a:rPr>
-              <a:t>To this I hold my hope is only Jesus</a:t>
-            </a:r>
-            <a:endParaRPr b="0" lang="en-GB" sz="4000" spc="-1" strike="noStrike">
-              <a:latin typeface="Arial"/>
-            </a:endParaRPr>
-          </a:p>
-          <a:p>
-            <a:pPr>
-              <a:lnSpc>
-                <a:spcPct val="100000"/>
-              </a:lnSpc>
-              <a:spcBef>
-                <a:spcPts val="479"/>
-              </a:spcBef>
-              <a:buNone/>
-              <a:tabLst>
-                <a:tab algn="l" pos="0"/>
-              </a:tabLst>
-            </a:pPr>
+              <a:t> </a:t>
+            </a:r>
             <a:r>
               <a:rPr b="0" lang="en-US" sz="4000" spc="-1" strike="noStrike">
                 <a:solidFill>
@@ -20093,7 +19990,7 @@
                 </a:solidFill>
                 <a:latin typeface="Calibri"/>
               </a:rPr>
-              <a:t>For my life is wholly bound to his</a:t>
+              <a:t>What gift of grace is Jesus my redeemer</a:t>
             </a:r>
             <a:endParaRPr b="0" lang="en-GB" sz="4000" spc="-1" strike="noStrike">
               <a:latin typeface="Arial"/>
@@ -20119,7 +20016,7 @@
                 </a:solidFill>
                 <a:latin typeface="Calibri"/>
               </a:rPr>
-              <a:t>Oh how strange and divine I can sing all is mine</a:t>
+              <a:t>There is no more for heaven now to give</a:t>
             </a:r>
             <a:endParaRPr b="0" lang="en-GB" sz="4000" spc="-1" strike="noStrike">
               <a:latin typeface="Arial"/>
@@ -20145,7 +20042,33 @@
                 </a:solidFill>
                 <a:latin typeface="Calibri"/>
               </a:rPr>
-              <a:t>Yet not I but through Christ in me</a:t>
+              <a:t>He is my joy my righteousness and freedom</a:t>
+            </a:r>
+            <a:endParaRPr b="0" lang="en-GB" sz="4000" spc="-1" strike="noStrike">
+              <a:latin typeface="Arial"/>
+            </a:endParaRPr>
+          </a:p>
+          <a:p>
+            <a:pPr>
+              <a:lnSpc>
+                <a:spcPct val="100000"/>
+              </a:lnSpc>
+              <a:spcBef>
+                <a:spcPts val="479"/>
+              </a:spcBef>
+              <a:buNone/>
+              <a:tabLst>
+                <a:tab algn="l" pos="0"/>
+              </a:tabLst>
+            </a:pPr>
+            <a:r>
+              <a:rPr b="0" lang="en-US" sz="4000" spc="-1" strike="noStrike">
+                <a:solidFill>
+                  <a:srgbClr val="ffe994"/>
+                </a:solidFill>
+                <a:latin typeface="Calibri"/>
+              </a:rPr>
+              <a:t>My steadfast love my deep and boundless peace</a:t>
             </a:r>
             <a:endParaRPr b="0" lang="en-GB" sz="4000" spc="-1" strike="noStrike">
               <a:latin typeface="Arial"/>
@@ -20197,7 +20120,7 @@
                 <a:latin typeface="Calibri"/>
                 <a:ea typeface="DejaVu Sans"/>
               </a:rPr>
-              <a:t>2/8</a:t>
+              <a:t>1/8</a:t>
             </a:r>
             <a:endParaRPr b="0" lang="en-GB" sz="1000" spc="-1" strike="noStrike">
               <a:latin typeface="Arial"/>
@@ -20290,7 +20213,7 @@
                 </a:solidFill>
                 <a:latin typeface="Calibri"/>
               </a:rPr>
-              <a:t>The night is dark but I am not forsaken</a:t>
+              <a:t>To this I hold my hope is only Jesus</a:t>
             </a:r>
             <a:endParaRPr b="0" lang="en-GB" sz="4000" spc="-1" strike="noStrike">
               <a:latin typeface="Arial"/>
@@ -20316,7 +20239,7 @@
                 </a:solidFill>
                 <a:latin typeface="Calibri"/>
               </a:rPr>
-              <a:t>For by my side the Saviour he will stay</a:t>
+              <a:t>For my life is wholly bound to his</a:t>
             </a:r>
             <a:endParaRPr b="0" lang="en-GB" sz="4000" spc="-1" strike="noStrike">
               <a:latin typeface="Arial"/>
@@ -20342,7 +20265,7 @@
                 </a:solidFill>
                 <a:latin typeface="Calibri"/>
               </a:rPr>
-              <a:t>I labour on in weakness and rejoicing</a:t>
+              <a:t>Oh how strange and divine I can sing all is mine</a:t>
             </a:r>
             <a:endParaRPr b="0" lang="en-GB" sz="4000" spc="-1" strike="noStrike">
               <a:latin typeface="Arial"/>
@@ -20368,7 +20291,7 @@
                 </a:solidFill>
                 <a:latin typeface="Calibri"/>
               </a:rPr>
-              <a:t>For in my need his power is displayed</a:t>
+              <a:t>Yet not I but through Christ in me</a:t>
             </a:r>
             <a:endParaRPr b="0" lang="en-GB" sz="4000" spc="-1" strike="noStrike">
               <a:latin typeface="Arial"/>
@@ -20420,7 +20343,7 @@
                 <a:latin typeface="Calibri"/>
                 <a:ea typeface="DejaVu Sans"/>
               </a:rPr>
-              <a:t>3/8</a:t>
+              <a:t>2/8</a:t>
             </a:r>
             <a:endParaRPr b="0" lang="en-GB" sz="1000" spc="-1" strike="noStrike">
               <a:latin typeface="Arial"/>
@@ -20513,7 +20436,7 @@
                 </a:solidFill>
                 <a:latin typeface="Calibri"/>
               </a:rPr>
-              <a:t>To this I hold my Shepherd will defend me</a:t>
+              <a:t>The night is dark but I am not forsaken</a:t>
             </a:r>
             <a:endParaRPr b="0" lang="en-GB" sz="4000" spc="-1" strike="noStrike">
               <a:latin typeface="Arial"/>
@@ -20539,7 +20462,7 @@
                 </a:solidFill>
                 <a:latin typeface="Calibri"/>
               </a:rPr>
-              <a:t>Through the deepest valley he will lead</a:t>
+              <a:t>For by my side the Saviour he will stay</a:t>
             </a:r>
             <a:endParaRPr b="0" lang="en-GB" sz="4000" spc="-1" strike="noStrike">
               <a:latin typeface="Arial"/>
@@ -20565,7 +20488,7 @@
                 </a:solidFill>
                 <a:latin typeface="Calibri"/>
               </a:rPr>
-              <a:t>Oh the night has been won and I shall overcome</a:t>
+              <a:t>I labour on in weakness and rejoicing</a:t>
             </a:r>
             <a:endParaRPr b="0" lang="en-GB" sz="4000" spc="-1" strike="noStrike">
               <a:latin typeface="Arial"/>
@@ -20591,7 +20514,7 @@
                 </a:solidFill>
                 <a:latin typeface="Calibri"/>
               </a:rPr>
-              <a:t>Yet not I but through Christ in me</a:t>
+              <a:t>For in my need his power is displayed</a:t>
             </a:r>
             <a:endParaRPr b="0" lang="en-GB" sz="4000" spc="-1" strike="noStrike">
               <a:latin typeface="Arial"/>
@@ -20643,7 +20566,7 @@
                 <a:latin typeface="Calibri"/>
                 <a:ea typeface="DejaVu Sans"/>
               </a:rPr>
-              <a:t>4/8</a:t>
+              <a:t>3/8</a:t>
             </a:r>
             <a:endParaRPr b="0" lang="en-GB" sz="1000" spc="-1" strike="noStrike">
               <a:latin typeface="Arial"/>
@@ -20736,7 +20659,7 @@
                 </a:solidFill>
                 <a:latin typeface="Calibri"/>
               </a:rPr>
-              <a:t>No fate I dread I know I am forgiven</a:t>
+              <a:t>To this I hold my Shepherd will defend me</a:t>
             </a:r>
             <a:endParaRPr b="0" lang="en-GB" sz="4000" spc="-1" strike="noStrike">
               <a:latin typeface="Arial"/>
@@ -20762,7 +20685,7 @@
                 </a:solidFill>
                 <a:latin typeface="Calibri"/>
               </a:rPr>
-              <a:t>The future sure the price it has been paid</a:t>
+              <a:t>Through the deepest valley he will lead</a:t>
             </a:r>
             <a:endParaRPr b="0" lang="en-GB" sz="4000" spc="-1" strike="noStrike">
               <a:latin typeface="Arial"/>
@@ -20788,7 +20711,7 @@
                 </a:solidFill>
                 <a:latin typeface="Calibri"/>
               </a:rPr>
-              <a:t>For Jesus bled and suffered for my pardon</a:t>
+              <a:t>Oh the night has been won and I shall overcome</a:t>
             </a:r>
             <a:endParaRPr b="0" lang="en-GB" sz="4000" spc="-1" strike="noStrike">
               <a:latin typeface="Arial"/>
@@ -20814,7 +20737,7 @@
                 </a:solidFill>
                 <a:latin typeface="Calibri"/>
               </a:rPr>
-              <a:t>And he was raised to overthrow the grave</a:t>
+              <a:t>Yet not I but through Christ in me</a:t>
             </a:r>
             <a:endParaRPr b="0" lang="en-GB" sz="4000" spc="-1" strike="noStrike">
               <a:latin typeface="Arial"/>
@@ -20866,7 +20789,7 @@
                 <a:latin typeface="Calibri"/>
                 <a:ea typeface="DejaVu Sans"/>
               </a:rPr>
-              <a:t>5/8</a:t>
+              <a:t>4/8</a:t>
             </a:r>
             <a:endParaRPr b="0" lang="en-GB" sz="1000" spc="-1" strike="noStrike">
               <a:latin typeface="Arial"/>
@@ -20959,7 +20882,7 @@
                 </a:solidFill>
                 <a:latin typeface="Calibri"/>
               </a:rPr>
-              <a:t>To this I hold my sin has been defeated</a:t>
+              <a:t>No fate I dread I know I am forgiven</a:t>
             </a:r>
             <a:endParaRPr b="0" lang="en-GB" sz="4000" spc="-1" strike="noStrike">
               <a:latin typeface="Arial"/>
@@ -20985,7 +20908,7 @@
                 </a:solidFill>
                 <a:latin typeface="Calibri"/>
               </a:rPr>
-              <a:t>Jesus now and ever is my plea</a:t>
+              <a:t>The future sure the price it has been paid</a:t>
             </a:r>
             <a:endParaRPr b="0" lang="en-GB" sz="4000" spc="-1" strike="noStrike">
               <a:latin typeface="Arial"/>
@@ -21011,7 +20934,7 @@
                 </a:solidFill>
                 <a:latin typeface="Calibri"/>
               </a:rPr>
-              <a:t>Oh the chains are released I can sing I am free</a:t>
+              <a:t>For Jesus bled and suffered for my pardon</a:t>
             </a:r>
             <a:endParaRPr b="0" lang="en-GB" sz="4000" spc="-1" strike="noStrike">
               <a:latin typeface="Arial"/>
@@ -21037,7 +20960,7 @@
                 </a:solidFill>
                 <a:latin typeface="Calibri"/>
               </a:rPr>
-              <a:t>Yet not I but through Christ in me</a:t>
+              <a:t>And he was raised to overthrow the grave</a:t>
             </a:r>
             <a:endParaRPr b="0" lang="en-GB" sz="4000" spc="-1" strike="noStrike">
               <a:latin typeface="Arial"/>
@@ -21089,7 +21012,7 @@
                 <a:latin typeface="Calibri"/>
                 <a:ea typeface="DejaVu Sans"/>
               </a:rPr>
-              <a:t>6/8</a:t>
+              <a:t>5/8</a:t>
             </a:r>
             <a:endParaRPr b="0" lang="en-GB" sz="1000" spc="-1" strike="noStrike">
               <a:latin typeface="Arial"/>
@@ -21473,7 +21396,7 @@
                 </a:solidFill>
                 <a:latin typeface="Calibri"/>
               </a:rPr>
-              <a:t>With every breath I long to follow Jesus</a:t>
+              <a:t>To this I hold my sin has been defeated</a:t>
             </a:r>
             <a:endParaRPr b="0" lang="en-GB" sz="4000" spc="-1" strike="noStrike">
               <a:latin typeface="Arial"/>
@@ -21499,7 +21422,7 @@
                 </a:solidFill>
                 <a:latin typeface="Calibri"/>
               </a:rPr>
-              <a:t>For he has said that he will bring me home</a:t>
+              <a:t>Jesus now and ever is my plea</a:t>
             </a:r>
             <a:endParaRPr b="0" lang="en-GB" sz="4000" spc="-1" strike="noStrike">
               <a:latin typeface="Arial"/>
@@ -21525,7 +21448,7 @@
                 </a:solidFill>
                 <a:latin typeface="Calibri"/>
               </a:rPr>
-              <a:t>And day by day I know he will renew me</a:t>
+              <a:t>Oh the chains are released I can sing I am free</a:t>
             </a:r>
             <a:endParaRPr b="0" lang="en-GB" sz="4000" spc="-1" strike="noStrike">
               <a:latin typeface="Arial"/>
@@ -21551,7 +21474,7 @@
                 </a:solidFill>
                 <a:latin typeface="Calibri"/>
               </a:rPr>
-              <a:t>Until I stand with joy before the throne</a:t>
+              <a:t>Yet not I but through Christ in me</a:t>
             </a:r>
             <a:endParaRPr b="0" lang="en-GB" sz="4000" spc="-1" strike="noStrike">
               <a:latin typeface="Arial"/>
@@ -21603,7 +21526,7 @@
                 <a:latin typeface="Calibri"/>
                 <a:ea typeface="DejaVu Sans"/>
               </a:rPr>
-              <a:t>7/8</a:t>
+              <a:t>6/8</a:t>
             </a:r>
             <a:endParaRPr b="0" lang="en-GB" sz="1000" spc="-1" strike="noStrike">
               <a:latin typeface="Arial"/>
@@ -21661,7 +21584,7 @@
         </p:nvSpPr>
         <p:spPr>
           <a:xfrm>
-            <a:off x="180000" y="72000"/>
+            <a:off x="180000" y="1080000"/>
             <a:ext cx="8819280" cy="4517640"/>
           </a:xfrm>
           <a:prstGeom prst="rect">
@@ -21696,7 +21619,7 @@
                 </a:solidFill>
                 <a:latin typeface="Calibri"/>
               </a:rPr>
-              <a:t>To this I hold my hope is only Jesus</a:t>
+              <a:t>With every breath I long to follow Jesus</a:t>
             </a:r>
             <a:endParaRPr b="0" lang="en-GB" sz="4000" spc="-1" strike="noStrike">
               <a:latin typeface="Arial"/>
@@ -21722,7 +21645,7 @@
                 </a:solidFill>
                 <a:latin typeface="Calibri"/>
               </a:rPr>
-              <a:t>All the glory evermore to him</a:t>
+              <a:t>For he has said that he will bring me home</a:t>
             </a:r>
             <a:endParaRPr b="0" lang="en-GB" sz="4000" spc="-1" strike="noStrike">
               <a:latin typeface="Arial"/>
@@ -21748,7 +21671,7 @@
                 </a:solidFill>
                 <a:latin typeface="Calibri"/>
               </a:rPr>
-              <a:t>When the race is complete still my lips shall repeat</a:t>
+              <a:t>And day by day I know he will renew me</a:t>
             </a:r>
             <a:endParaRPr b="0" lang="en-GB" sz="4000" spc="-1" strike="noStrike">
               <a:latin typeface="Arial"/>
@@ -21774,59 +21697,7 @@
                 </a:solidFill>
                 <a:latin typeface="Calibri"/>
               </a:rPr>
-              <a:t>Yet not I but through Christ in me</a:t>
-            </a:r>
-            <a:endParaRPr b="0" lang="en-GB" sz="4000" spc="-1" strike="noStrike">
-              <a:latin typeface="Arial"/>
-            </a:endParaRPr>
-          </a:p>
-          <a:p>
-            <a:pPr>
-              <a:lnSpc>
-                <a:spcPct val="100000"/>
-              </a:lnSpc>
-              <a:spcBef>
-                <a:spcPts val="479"/>
-              </a:spcBef>
-              <a:buNone/>
-              <a:tabLst>
-                <a:tab algn="l" pos="0"/>
-              </a:tabLst>
-            </a:pPr>
-            <a:r>
-              <a:rPr b="0" lang="en-US" sz="4000" spc="-1" strike="noStrike">
-                <a:solidFill>
-                  <a:srgbClr val="ffe994"/>
-                </a:solidFill>
-                <a:latin typeface="Calibri"/>
-              </a:rPr>
-              <a:t>Yet not I but through Christ in me</a:t>
-            </a:r>
-            <a:endParaRPr b="0" lang="en-GB" sz="4000" spc="-1" strike="noStrike">
-              <a:latin typeface="Arial"/>
-            </a:endParaRPr>
-          </a:p>
-          <a:p>
-            <a:pPr>
-              <a:lnSpc>
-                <a:spcPct val="100000"/>
-              </a:lnSpc>
-              <a:spcBef>
-                <a:spcPts val="479"/>
-              </a:spcBef>
-              <a:buNone/>
-              <a:tabLst>
-                <a:tab algn="l" pos="0"/>
-              </a:tabLst>
-            </a:pPr>
-            <a:r>
-              <a:rPr b="0" lang="en-US" sz="4000" spc="-1" strike="noStrike">
-                <a:solidFill>
-                  <a:srgbClr val="ffe994"/>
-                </a:solidFill>
-                <a:latin typeface="Calibri"/>
-              </a:rPr>
-              <a:t>Yet not I but through Christ in me</a:t>
+              <a:t>Until I stand with joy before the throne</a:t>
             </a:r>
             <a:endParaRPr b="0" lang="en-GB" sz="4000" spc="-1" strike="noStrike">
               <a:latin typeface="Arial"/>
@@ -21878,185 +21749,9 @@
                 <a:latin typeface="Calibri"/>
                 <a:ea typeface="DejaVu Sans"/>
               </a:rPr>
-              <a:t>8/8</a:t>
+              <a:t>7/8</a:t>
             </a:r>
             <a:endParaRPr b="0" lang="en-GB" sz="1000" spc="-1" strike="noStrike">
-              <a:latin typeface="Arial"/>
-            </a:endParaRPr>
-          </a:p>
-        </p:txBody>
-      </p:sp>
-      <p:sp>
-        <p:nvSpPr>
-          <p:cNvPr id="232" name="PlaceHolder 36"/>
-          <p:cNvSpPr/>
-          <p:nvPr/>
-        </p:nvSpPr>
-        <p:spPr>
-          <a:xfrm>
-            <a:off x="180000" y="5299200"/>
-            <a:ext cx="8819280" cy="1360080"/>
-          </a:xfrm>
-          <a:prstGeom prst="rect">
-            <a:avLst/>
-          </a:prstGeom>
-          <a:noFill/>
-          <a:ln w="0">
-            <a:noFill/>
-          </a:ln>
-        </p:spPr>
-        <p:style>
-          <a:lnRef idx="0"/>
-          <a:fillRef idx="0"/>
-          <a:effectRef idx="0"/>
-          <a:fontRef idx="minor"/>
-        </p:style>
-        <p:txBody>
-          <a:bodyPr lIns="90000" rIns="90000" tIns="45000" bIns="45000" anchor="t">
-            <a:noAutofit/>
-          </a:bodyPr>
-          <a:p>
-            <a:pPr>
-              <a:lnSpc>
-                <a:spcPct val="100000"/>
-              </a:lnSpc>
-              <a:spcBef>
-                <a:spcPts val="479"/>
-              </a:spcBef>
-              <a:buNone/>
-              <a:tabLst>
-                <a:tab algn="l" pos="0"/>
-              </a:tabLst>
-            </a:pPr>
-            <a:r>
-              <a:rPr b="0" lang="en-US" sz="1200" spc="-1" strike="noStrike">
-                <a:solidFill>
-                  <a:srgbClr val="ffe994"/>
-                </a:solidFill>
-                <a:latin typeface="Calibri"/>
-                <a:ea typeface="DejaVu Sans"/>
-              </a:rPr>
-              <a:t> </a:t>
-            </a:r>
-            <a:r>
-              <a:rPr b="0" lang="en-US" sz="1200" spc="-1" strike="noStrike">
-                <a:solidFill>
-                  <a:srgbClr val="ffe994"/>
-                </a:solidFill>
-                <a:latin typeface="Calibri"/>
-                <a:ea typeface="DejaVu Sans"/>
-              </a:rPr>
-              <a:t>Jonny Robinson, Michael Farren, Rich Thompson</a:t>
-            </a:r>
-            <a:endParaRPr b="0" lang="en-GB" sz="1200" spc="-1" strike="noStrike">
-              <a:latin typeface="Arial"/>
-            </a:endParaRPr>
-          </a:p>
-          <a:p>
-            <a:pPr>
-              <a:lnSpc>
-                <a:spcPct val="100000"/>
-              </a:lnSpc>
-              <a:spcBef>
-                <a:spcPts val="479"/>
-              </a:spcBef>
-              <a:buNone/>
-              <a:tabLst>
-                <a:tab algn="l" pos="0"/>
-              </a:tabLst>
-            </a:pPr>
-            <a:r>
-              <a:rPr b="0" lang="en-US" sz="1200" spc="-1" strike="noStrike">
-                <a:solidFill>
-                  <a:srgbClr val="ffe994"/>
-                </a:solidFill>
-                <a:latin typeface="Calibri"/>
-                <a:ea typeface="DejaVu Sans"/>
-              </a:rPr>
-              <a:t>CCLI Song #7121852</a:t>
-            </a:r>
-            <a:endParaRPr b="0" lang="en-GB" sz="1200" spc="-1" strike="noStrike">
-              <a:latin typeface="Arial"/>
-            </a:endParaRPr>
-          </a:p>
-          <a:p>
-            <a:pPr>
-              <a:lnSpc>
-                <a:spcPct val="100000"/>
-              </a:lnSpc>
-              <a:spcBef>
-                <a:spcPts val="479"/>
-              </a:spcBef>
-              <a:buNone/>
-              <a:tabLst>
-                <a:tab algn="l" pos="0"/>
-              </a:tabLst>
-            </a:pPr>
-            <a:r>
-              <a:rPr b="0" lang="en-US" sz="1200" spc="-1" strike="noStrike">
-                <a:solidFill>
-                  <a:srgbClr val="ffe994"/>
-                </a:solidFill>
-                <a:latin typeface="Calibri"/>
-                <a:ea typeface="DejaVu Sans"/>
-              </a:rPr>
-              <a:t>© 2018 CityAlight Music; Farren Love And War Publishing; Integrity's Alleluia! Music</a:t>
-            </a:r>
-            <a:endParaRPr b="0" lang="en-GB" sz="1200" spc="-1" strike="noStrike">
-              <a:latin typeface="Arial"/>
-            </a:endParaRPr>
-          </a:p>
-          <a:p>
-            <a:pPr>
-              <a:lnSpc>
-                <a:spcPct val="100000"/>
-              </a:lnSpc>
-              <a:spcBef>
-                <a:spcPts val="479"/>
-              </a:spcBef>
-              <a:buNone/>
-              <a:tabLst>
-                <a:tab algn="l" pos="0"/>
-              </a:tabLst>
-            </a:pPr>
-            <a:r>
-              <a:rPr b="0" lang="en-US" sz="1200" spc="-1" strike="noStrike">
-                <a:solidFill>
-                  <a:srgbClr val="ffe994"/>
-                </a:solidFill>
-                <a:latin typeface="Calibri"/>
-                <a:ea typeface="DejaVu Sans"/>
-              </a:rPr>
-              <a:t>For use solely with the SongSelect® Terms of Use.  All rights reserved. www.ccli.com</a:t>
-            </a:r>
-            <a:endParaRPr b="0" lang="en-GB" sz="1200" spc="-1" strike="noStrike">
-              <a:latin typeface="Arial"/>
-            </a:endParaRPr>
-          </a:p>
-          <a:p>
-            <a:pPr>
-              <a:lnSpc>
-                <a:spcPct val="100000"/>
-              </a:lnSpc>
-              <a:spcBef>
-                <a:spcPts val="479"/>
-              </a:spcBef>
-              <a:buNone/>
-              <a:tabLst>
-                <a:tab algn="l" pos="0"/>
-              </a:tabLst>
-            </a:pPr>
-            <a:r>
-              <a:rPr b="0" lang="en-US" sz="1200" spc="-1" strike="noStrike">
-                <a:solidFill>
-                  <a:srgbClr val="ffe994"/>
-                </a:solidFill>
-                <a:latin typeface="Calibri"/>
-                <a:ea typeface="DejaVu Sans"/>
-              </a:rPr>
-              <a:t>CCLI Licence No.2299</a:t>
-            </a:r>
-            <a:endParaRPr b="0" lang="en-GB" sz="1200" spc="-1" strike="noStrike">
               <a:latin typeface="Arial"/>
             </a:endParaRPr>
           </a:p>
@@ -22102,18 +21797,18 @@
       </p:grpSpPr>
       <p:sp>
         <p:nvSpPr>
-          <p:cNvPr id="233" name="PlaceHolder 1"/>
-          <p:cNvSpPr>
-            <a:spLocks noGrp="1"/>
-          </p:cNvSpPr>
-          <p:nvPr>
-            <p:ph type="title"/>
+          <p:cNvPr id="232" name="PlaceHolder 1"/>
+          <p:cNvSpPr>
+            <a:spLocks noGrp="1"/>
+          </p:cNvSpPr>
+          <p:nvPr>
+            <p:ph/>
           </p:nvPr>
         </p:nvSpPr>
         <p:spPr>
           <a:xfrm>
-            <a:off x="457200" y="274320"/>
-            <a:ext cx="8221680" cy="1134720"/>
+            <a:off x="180000" y="72000"/>
+            <a:ext cx="8819280" cy="4517640"/>
           </a:xfrm>
           <a:prstGeom prst="rect">
             <a:avLst/>
@@ -22124,14 +21819,17 @@
           </a:ln>
         </p:spPr>
         <p:txBody>
-          <a:bodyPr lIns="90000" rIns="90000" tIns="45000" bIns="45000" anchor="ctr">
+          <a:bodyPr lIns="90000" rIns="90000" tIns="45000" bIns="45000" anchor="t">
             <a:noAutofit/>
           </a:bodyPr>
           <a:p>
-            <a:pPr algn="r">
-              <a:lnSpc>
-                <a:spcPct val="100000"/>
-              </a:lnSpc>
+            <a:pPr>
+              <a:lnSpc>
+                <a:spcPct val="100000"/>
+              </a:lnSpc>
+              <a:spcBef>
+                <a:spcPts val="479"/>
+              </a:spcBef>
               <a:buNone/>
               <a:tabLst>
                 <a:tab algn="l" pos="0"/>
@@ -22140,13 +21838,371 @@
             <a:r>
               <a:rPr b="0" lang="en-US" sz="4000" spc="-1" strike="noStrike">
                 <a:solidFill>
-                  <a:srgbClr val="ffffa6"/>
-                </a:solidFill>
-                <a:latin typeface="Calibri"/>
-              </a:rPr>
-              <a:t>Post Communion prayer</a:t>
-            </a:r>
-            <a:endParaRPr b="0" lang="en-GB" sz="4000" spc="-1" strike="noStrike">
+                  <a:srgbClr val="ffe994"/>
+                </a:solidFill>
+                <a:latin typeface="Calibri"/>
+              </a:rPr>
+              <a:t>To this I hold my hope is only Jesus</a:t>
+            </a:r>
+            <a:endParaRPr b="0" lang="en-GB" sz="4000" spc="-1" strike="noStrike">
+              <a:latin typeface="Arial"/>
+            </a:endParaRPr>
+          </a:p>
+          <a:p>
+            <a:pPr>
+              <a:lnSpc>
+                <a:spcPct val="100000"/>
+              </a:lnSpc>
+              <a:spcBef>
+                <a:spcPts val="479"/>
+              </a:spcBef>
+              <a:buNone/>
+              <a:tabLst>
+                <a:tab algn="l" pos="0"/>
+              </a:tabLst>
+            </a:pPr>
+            <a:r>
+              <a:rPr b="0" lang="en-US" sz="4000" spc="-1" strike="noStrike">
+                <a:solidFill>
+                  <a:srgbClr val="ffe994"/>
+                </a:solidFill>
+                <a:latin typeface="Calibri"/>
+              </a:rPr>
+              <a:t>All the glory evermore to him</a:t>
+            </a:r>
+            <a:endParaRPr b="0" lang="en-GB" sz="4000" spc="-1" strike="noStrike">
+              <a:latin typeface="Arial"/>
+            </a:endParaRPr>
+          </a:p>
+          <a:p>
+            <a:pPr>
+              <a:lnSpc>
+                <a:spcPct val="100000"/>
+              </a:lnSpc>
+              <a:spcBef>
+                <a:spcPts val="479"/>
+              </a:spcBef>
+              <a:buNone/>
+              <a:tabLst>
+                <a:tab algn="l" pos="0"/>
+              </a:tabLst>
+            </a:pPr>
+            <a:r>
+              <a:rPr b="0" lang="en-US" sz="4000" spc="-1" strike="noStrike">
+                <a:solidFill>
+                  <a:srgbClr val="ffe994"/>
+                </a:solidFill>
+                <a:latin typeface="Calibri"/>
+              </a:rPr>
+              <a:t>When the race is complete still my lips shall repeat</a:t>
+            </a:r>
+            <a:endParaRPr b="0" lang="en-GB" sz="4000" spc="-1" strike="noStrike">
+              <a:latin typeface="Arial"/>
+            </a:endParaRPr>
+          </a:p>
+          <a:p>
+            <a:pPr>
+              <a:lnSpc>
+                <a:spcPct val="100000"/>
+              </a:lnSpc>
+              <a:spcBef>
+                <a:spcPts val="479"/>
+              </a:spcBef>
+              <a:buNone/>
+              <a:tabLst>
+                <a:tab algn="l" pos="0"/>
+              </a:tabLst>
+            </a:pPr>
+            <a:r>
+              <a:rPr b="0" lang="en-US" sz="4000" spc="-1" strike="noStrike">
+                <a:solidFill>
+                  <a:srgbClr val="ffe994"/>
+                </a:solidFill>
+                <a:latin typeface="Calibri"/>
+              </a:rPr>
+              <a:t>Yet not I but through Christ in me</a:t>
+            </a:r>
+            <a:endParaRPr b="0" lang="en-GB" sz="4000" spc="-1" strike="noStrike">
+              <a:latin typeface="Arial"/>
+            </a:endParaRPr>
+          </a:p>
+          <a:p>
+            <a:pPr>
+              <a:lnSpc>
+                <a:spcPct val="100000"/>
+              </a:lnSpc>
+              <a:spcBef>
+                <a:spcPts val="479"/>
+              </a:spcBef>
+              <a:buNone/>
+              <a:tabLst>
+                <a:tab algn="l" pos="0"/>
+              </a:tabLst>
+            </a:pPr>
+            <a:r>
+              <a:rPr b="0" lang="en-US" sz="4000" spc="-1" strike="noStrike">
+                <a:solidFill>
+                  <a:srgbClr val="ffe994"/>
+                </a:solidFill>
+                <a:latin typeface="Calibri"/>
+              </a:rPr>
+              <a:t>Yet not I but through Christ in me</a:t>
+            </a:r>
+            <a:endParaRPr b="0" lang="en-GB" sz="4000" spc="-1" strike="noStrike">
+              <a:latin typeface="Arial"/>
+            </a:endParaRPr>
+          </a:p>
+          <a:p>
+            <a:pPr>
+              <a:lnSpc>
+                <a:spcPct val="100000"/>
+              </a:lnSpc>
+              <a:spcBef>
+                <a:spcPts val="479"/>
+              </a:spcBef>
+              <a:buNone/>
+              <a:tabLst>
+                <a:tab algn="l" pos="0"/>
+              </a:tabLst>
+            </a:pPr>
+            <a:r>
+              <a:rPr b="0" lang="en-US" sz="4000" spc="-1" strike="noStrike">
+                <a:solidFill>
+                  <a:srgbClr val="ffe994"/>
+                </a:solidFill>
+                <a:latin typeface="Calibri"/>
+              </a:rPr>
+              <a:t>Yet not I but through Christ in me</a:t>
+            </a:r>
+            <a:endParaRPr b="0" lang="en-GB" sz="4000" spc="-1" strike="noStrike">
+              <a:latin typeface="Arial"/>
+            </a:endParaRPr>
+          </a:p>
+        </p:txBody>
+      </p:sp>
+      <p:sp>
+        <p:nvSpPr>
+          <p:cNvPr id="233" name=""/>
+          <p:cNvSpPr/>
+          <p:nvPr/>
+        </p:nvSpPr>
+        <p:spPr>
+          <a:xfrm>
+            <a:off x="8281080" y="6460200"/>
+            <a:ext cx="493200" cy="341640"/>
+          </a:xfrm>
+          <a:prstGeom prst="rect">
+            <a:avLst/>
+          </a:prstGeom>
+          <a:noFill/>
+          <a:ln w="0">
+            <a:noFill/>
+          </a:ln>
+        </p:spPr>
+        <p:style>
+          <a:lnRef idx="0"/>
+          <a:fillRef idx="0"/>
+          <a:effectRef idx="0"/>
+          <a:fontRef idx="minor"/>
+        </p:style>
+        <p:txBody>
+          <a:bodyPr lIns="90000" rIns="90000" tIns="45000" bIns="45000" anchor="t">
+            <a:noAutofit/>
+          </a:bodyPr>
+          <a:p>
+            <a:pPr>
+              <a:lnSpc>
+                <a:spcPct val="100000"/>
+              </a:lnSpc>
+              <a:buNone/>
+            </a:pPr>
+            <a:r>
+              <a:rPr b="0" lang="en-GB" sz="1000" spc="-1" strike="noStrike">
+                <a:solidFill>
+                  <a:srgbClr val="ffffd7"/>
+                </a:solidFill>
+                <a:latin typeface="Calibri"/>
+                <a:ea typeface="DejaVu Sans"/>
+              </a:rPr>
+              <a:t>8/8</a:t>
+            </a:r>
+            <a:endParaRPr b="0" lang="en-GB" sz="1000" spc="-1" strike="noStrike">
+              <a:latin typeface="Arial"/>
+            </a:endParaRPr>
+          </a:p>
+        </p:txBody>
+      </p:sp>
+      <p:sp>
+        <p:nvSpPr>
+          <p:cNvPr id="234" name="PlaceHolder 36"/>
+          <p:cNvSpPr/>
+          <p:nvPr/>
+        </p:nvSpPr>
+        <p:spPr>
+          <a:xfrm>
+            <a:off x="180000" y="5299200"/>
+            <a:ext cx="8819280" cy="1360080"/>
+          </a:xfrm>
+          <a:prstGeom prst="rect">
+            <a:avLst/>
+          </a:prstGeom>
+          <a:noFill/>
+          <a:ln w="0">
+            <a:noFill/>
+          </a:ln>
+        </p:spPr>
+        <p:style>
+          <a:lnRef idx="0"/>
+          <a:fillRef idx="0"/>
+          <a:effectRef idx="0"/>
+          <a:fontRef idx="minor"/>
+        </p:style>
+        <p:txBody>
+          <a:bodyPr lIns="90000" rIns="90000" tIns="45000" bIns="45000" anchor="t">
+            <a:noAutofit/>
+          </a:bodyPr>
+          <a:p>
+            <a:pPr>
+              <a:lnSpc>
+                <a:spcPct val="100000"/>
+              </a:lnSpc>
+              <a:spcBef>
+                <a:spcPts val="479"/>
+              </a:spcBef>
+              <a:buNone/>
+              <a:tabLst>
+                <a:tab algn="l" pos="0"/>
+              </a:tabLst>
+            </a:pPr>
+            <a:r>
+              <a:rPr b="0" lang="en-US" sz="1200" spc="-1" strike="noStrike">
+                <a:solidFill>
+                  <a:srgbClr val="ffe994"/>
+                </a:solidFill>
+                <a:latin typeface="Calibri"/>
+                <a:ea typeface="DejaVu Sans"/>
+              </a:rPr>
+              <a:t> </a:t>
+            </a:r>
+            <a:r>
+              <a:rPr b="0" lang="en-US" sz="1200" spc="-1" strike="noStrike">
+                <a:solidFill>
+                  <a:srgbClr val="ffe994"/>
+                </a:solidFill>
+                <a:latin typeface="Calibri"/>
+                <a:ea typeface="DejaVu Sans"/>
+              </a:rPr>
+              <a:t>Jonny Robinson, Michael Farren, Rich Thompson</a:t>
+            </a:r>
+            <a:endParaRPr b="0" lang="en-GB" sz="1200" spc="-1" strike="noStrike">
+              <a:latin typeface="Arial"/>
+            </a:endParaRPr>
+          </a:p>
+          <a:p>
+            <a:pPr>
+              <a:lnSpc>
+                <a:spcPct val="100000"/>
+              </a:lnSpc>
+              <a:spcBef>
+                <a:spcPts val="479"/>
+              </a:spcBef>
+              <a:buNone/>
+              <a:tabLst>
+                <a:tab algn="l" pos="0"/>
+              </a:tabLst>
+            </a:pPr>
+            <a:r>
+              <a:rPr b="0" lang="en-US" sz="1200" spc="-1" strike="noStrike">
+                <a:solidFill>
+                  <a:srgbClr val="ffe994"/>
+                </a:solidFill>
+                <a:latin typeface="Calibri"/>
+                <a:ea typeface="DejaVu Sans"/>
+              </a:rPr>
+              <a:t>CCLI Song #7121852</a:t>
+            </a:r>
+            <a:endParaRPr b="0" lang="en-GB" sz="1200" spc="-1" strike="noStrike">
+              <a:latin typeface="Arial"/>
+            </a:endParaRPr>
+          </a:p>
+          <a:p>
+            <a:pPr>
+              <a:lnSpc>
+                <a:spcPct val="100000"/>
+              </a:lnSpc>
+              <a:spcBef>
+                <a:spcPts val="479"/>
+              </a:spcBef>
+              <a:buNone/>
+              <a:tabLst>
+                <a:tab algn="l" pos="0"/>
+              </a:tabLst>
+            </a:pPr>
+            <a:r>
+              <a:rPr b="0" lang="en-US" sz="1200" spc="-1" strike="noStrike">
+                <a:solidFill>
+                  <a:srgbClr val="ffe994"/>
+                </a:solidFill>
+                <a:latin typeface="Calibri"/>
+                <a:ea typeface="DejaVu Sans"/>
+              </a:rPr>
+              <a:t>© 2018 CityAlight Music; Farren Love And War Publishing; Integrity's Alleluia! Music</a:t>
+            </a:r>
+            <a:endParaRPr b="0" lang="en-GB" sz="1200" spc="-1" strike="noStrike">
+              <a:latin typeface="Arial"/>
+            </a:endParaRPr>
+          </a:p>
+          <a:p>
+            <a:pPr>
+              <a:lnSpc>
+                <a:spcPct val="100000"/>
+              </a:lnSpc>
+              <a:spcBef>
+                <a:spcPts val="479"/>
+              </a:spcBef>
+              <a:buNone/>
+              <a:tabLst>
+                <a:tab algn="l" pos="0"/>
+              </a:tabLst>
+            </a:pPr>
+            <a:r>
+              <a:rPr b="0" lang="en-US" sz="1200" spc="-1" strike="noStrike">
+                <a:solidFill>
+                  <a:srgbClr val="ffe994"/>
+                </a:solidFill>
+                <a:latin typeface="Calibri"/>
+                <a:ea typeface="DejaVu Sans"/>
+              </a:rPr>
+              <a:t>For use solely with the SongSelect® Terms of Use.  All rights reserved. www.ccli.com</a:t>
+            </a:r>
+            <a:endParaRPr b="0" lang="en-GB" sz="1200" spc="-1" strike="noStrike">
+              <a:latin typeface="Arial"/>
+            </a:endParaRPr>
+          </a:p>
+          <a:p>
+            <a:pPr>
+              <a:lnSpc>
+                <a:spcPct val="100000"/>
+              </a:lnSpc>
+              <a:spcBef>
+                <a:spcPts val="479"/>
+              </a:spcBef>
+              <a:buNone/>
+              <a:tabLst>
+                <a:tab algn="l" pos="0"/>
+              </a:tabLst>
+            </a:pPr>
+            <a:r>
+              <a:rPr b="0" lang="en-US" sz="1200" spc="-1" strike="noStrike">
+                <a:solidFill>
+                  <a:srgbClr val="ffe994"/>
+                </a:solidFill>
+                <a:latin typeface="Calibri"/>
+                <a:ea typeface="DejaVu Sans"/>
+              </a:rPr>
+              <a:t>CCLI Licence No.2299</a:t>
+            </a:r>
+            <a:endParaRPr b="0" lang="en-GB" sz="1200" spc="-1" strike="noStrike">
               <a:latin typeface="Arial"/>
             </a:endParaRPr>
           </a:p>
@@ -22192,7 +22248,7 @@
       </p:grpSpPr>
       <p:sp>
         <p:nvSpPr>
-          <p:cNvPr id="234" name="PlaceHolder 1"/>
+          <p:cNvPr id="235" name="PlaceHolder 1"/>
           <p:cNvSpPr>
             <a:spLocks noGrp="1"/>
           </p:cNvSpPr>
@@ -22202,7 +22258,7 @@
         </p:nvSpPr>
         <p:spPr>
           <a:xfrm>
-            <a:off x="457200" y="0"/>
+            <a:off x="457200" y="274320"/>
             <a:ext cx="8221680" cy="1134720"/>
           </a:xfrm>
           <a:prstGeom prst="rect">
@@ -22218,7 +22274,7 @@
             <a:noAutofit/>
           </a:bodyPr>
           <a:p>
-            <a:pPr algn="ctr">
+            <a:pPr algn="r">
               <a:lnSpc>
                 <a:spcPct val="100000"/>
               </a:lnSpc>
@@ -22230,198 +22286,13 @@
             <a:r>
               <a:rPr b="0" lang="en-US" sz="4000" spc="-1" strike="noStrike">
                 <a:solidFill>
-                  <a:srgbClr val="fff5ce"/>
-                </a:solidFill>
-                <a:latin typeface="Calibri"/>
-              </a:rPr>
-              <a:t>Song 5: We seek your kingdom</a:t>
-            </a:r>
-            <a:endParaRPr b="0" lang="en-GB" sz="4000" spc="-1" strike="noStrike">
-              <a:latin typeface="Arial"/>
-            </a:endParaRPr>
-          </a:p>
-        </p:txBody>
-      </p:sp>
-      <p:sp>
-        <p:nvSpPr>
-          <p:cNvPr id="235" name="PlaceHolder 2"/>
-          <p:cNvSpPr>
-            <a:spLocks noGrp="1"/>
-          </p:cNvSpPr>
-          <p:nvPr>
-            <p:ph/>
-          </p:nvPr>
-        </p:nvSpPr>
-        <p:spPr>
-          <a:xfrm>
-            <a:off x="237600" y="1135440"/>
-            <a:ext cx="8761680" cy="4982400"/>
-          </a:xfrm>
-          <a:prstGeom prst="rect">
-            <a:avLst/>
-          </a:prstGeom>
-          <a:noFill/>
-          <a:ln w="0">
-            <a:noFill/>
-          </a:ln>
-        </p:spPr>
-        <p:txBody>
-          <a:bodyPr lIns="90000" rIns="90000" tIns="45000" bIns="45000" anchor="t">
-            <a:noAutofit/>
-          </a:bodyPr>
-          <a:p>
-            <a:pPr>
-              <a:lnSpc>
-                <a:spcPct val="100000"/>
-              </a:lnSpc>
-              <a:spcBef>
-                <a:spcPts val="479"/>
-              </a:spcBef>
-              <a:buNone/>
-              <a:tabLst>
-                <a:tab algn="l" pos="0"/>
-              </a:tabLst>
-            </a:pPr>
-            <a:r>
-              <a:rPr b="0" lang="en-US" sz="4000" spc="-1" strike="noStrike">
-                <a:solidFill>
-                  <a:srgbClr val="ffe994"/>
-                </a:solidFill>
-                <a:latin typeface="Calibri"/>
-              </a:rPr>
-              <a:t>We seek your kingdom throughout every sphere</a:t>
-            </a:r>
-            <a:endParaRPr b="0" lang="en-GB" sz="4000" spc="-1" strike="noStrike">
-              <a:latin typeface="Arial"/>
-            </a:endParaRPr>
-          </a:p>
-          <a:p>
-            <a:pPr>
-              <a:lnSpc>
-                <a:spcPct val="100000"/>
-              </a:lnSpc>
-              <a:spcBef>
-                <a:spcPts val="479"/>
-              </a:spcBef>
-              <a:buNone/>
-              <a:tabLst>
-                <a:tab algn="l" pos="0"/>
-              </a:tabLst>
-            </a:pPr>
-            <a:r>
-              <a:rPr b="0" lang="en-US" sz="4000" spc="-1" strike="noStrike">
-                <a:solidFill>
-                  <a:srgbClr val="ffe994"/>
-                </a:solidFill>
-                <a:latin typeface="Calibri"/>
-              </a:rPr>
-              <a:t>We long for heaven’s demonstration here</a:t>
-            </a:r>
-            <a:endParaRPr b="0" lang="en-GB" sz="4000" spc="-1" strike="noStrike">
-              <a:latin typeface="Arial"/>
-            </a:endParaRPr>
-          </a:p>
-          <a:p>
-            <a:pPr>
-              <a:lnSpc>
-                <a:spcPct val="100000"/>
-              </a:lnSpc>
-              <a:spcBef>
-                <a:spcPts val="479"/>
-              </a:spcBef>
-              <a:buNone/>
-              <a:tabLst>
-                <a:tab algn="l" pos="0"/>
-              </a:tabLst>
-            </a:pPr>
-            <a:r>
-              <a:rPr b="0" lang="en-US" sz="4000" spc="-1" strike="noStrike">
-                <a:solidFill>
-                  <a:srgbClr val="ffe994"/>
-                </a:solidFill>
-                <a:latin typeface="Calibri"/>
-              </a:rPr>
-              <a:t>Jesus your light shine bright for all to see</a:t>
-            </a:r>
-            <a:endParaRPr b="0" lang="en-GB" sz="4000" spc="-1" strike="noStrike">
-              <a:latin typeface="Arial"/>
-            </a:endParaRPr>
-          </a:p>
-          <a:p>
-            <a:pPr>
-              <a:lnSpc>
-                <a:spcPct val="100000"/>
-              </a:lnSpc>
-              <a:spcBef>
-                <a:spcPts val="479"/>
-              </a:spcBef>
-              <a:buNone/>
-              <a:tabLst>
-                <a:tab algn="l" pos="0"/>
-              </a:tabLst>
-            </a:pPr>
-            <a:r>
-              <a:rPr b="0" lang="en-US" sz="4000" spc="-1" strike="noStrike">
-                <a:solidFill>
-                  <a:srgbClr val="ffe994"/>
-                </a:solidFill>
-                <a:latin typeface="Calibri"/>
-              </a:rPr>
-              <a:t>Transform, revive, and heal society </a:t>
-            </a:r>
-            <a:endParaRPr b="0" lang="en-GB" sz="4000" spc="-1" strike="noStrike">
-              <a:latin typeface="Arial"/>
-            </a:endParaRPr>
-          </a:p>
-        </p:txBody>
-      </p:sp>
-      <p:sp>
-        <p:nvSpPr>
-          <p:cNvPr id="236" name=""/>
-          <p:cNvSpPr/>
-          <p:nvPr/>
-        </p:nvSpPr>
-        <p:spPr>
-          <a:xfrm>
-            <a:off x="8281080" y="6460200"/>
-            <a:ext cx="493200" cy="341640"/>
-          </a:xfrm>
-          <a:prstGeom prst="rect">
-            <a:avLst/>
-          </a:prstGeom>
-          <a:noFill/>
-          <a:ln w="0">
-            <a:noFill/>
-          </a:ln>
-        </p:spPr>
-        <p:style>
-          <a:lnRef idx="0"/>
-          <a:fillRef idx="0"/>
-          <a:effectRef idx="0"/>
-          <a:fontRef idx="minor"/>
-        </p:style>
-        <p:txBody>
-          <a:bodyPr lIns="90000" rIns="90000" tIns="45000" bIns="45000" anchor="t">
-            <a:noAutofit/>
-          </a:bodyPr>
-          <a:p>
-            <a:pPr>
-              <a:lnSpc>
-                <a:spcPct val="100000"/>
-              </a:lnSpc>
-              <a:buNone/>
-            </a:pPr>
-            <a:r>
-              <a:rPr b="0" lang="en-GB" sz="1000" spc="-1" strike="noStrike">
-                <a:solidFill>
-                  <a:srgbClr val="ffffd7"/>
-                </a:solidFill>
-                <a:latin typeface="Calibri"/>
-                <a:ea typeface="DejaVu Sans"/>
-              </a:rPr>
-              <a:t>1/4</a:t>
-            </a:r>
-            <a:endParaRPr b="0" lang="en-GB" sz="1000" spc="-1" strike="noStrike">
+                  <a:srgbClr val="ffffa6"/>
+                </a:solidFill>
+                <a:latin typeface="Calibri"/>
+              </a:rPr>
+              <a:t>Post Communion prayer</a:t>
+            </a:r>
+            <a:endParaRPr b="0" lang="en-GB" sz="4000" spc="-1" strike="noStrike">
               <a:latin typeface="Arial"/>
             </a:endParaRPr>
           </a:p>
@@ -22467,7 +22338,59 @@
       </p:grpSpPr>
       <p:sp>
         <p:nvSpPr>
-          <p:cNvPr id="237" name="PlaceHolder 1"/>
+          <p:cNvPr id="236" name="PlaceHolder 1"/>
+          <p:cNvSpPr>
+            <a:spLocks noGrp="1"/>
+          </p:cNvSpPr>
+          <p:nvPr>
+            <p:ph type="title"/>
+          </p:nvPr>
+        </p:nvSpPr>
+        <p:spPr>
+          <a:xfrm>
+            <a:off x="457200" y="0"/>
+            <a:ext cx="8221680" cy="1134720"/>
+          </a:xfrm>
+          <a:prstGeom prst="rect">
+            <a:avLst/>
+          </a:prstGeom>
+          <a:noFill/>
+          <a:ln w="0">
+            <a:noFill/>
+          </a:ln>
+        </p:spPr>
+        <p:txBody>
+          <a:bodyPr lIns="90000" rIns="90000" tIns="45000" bIns="45000" anchor="ctr">
+            <a:noAutofit/>
+          </a:bodyPr>
+          <a:p>
+            <a:pPr algn="ctr">
+              <a:lnSpc>
+                <a:spcPct val="100000"/>
+              </a:lnSpc>
+              <a:buNone/>
+              <a:tabLst>
+                <a:tab algn="l" pos="0"/>
+              </a:tabLst>
+            </a:pPr>
+            <a:r>
+              <a:rPr b="0" lang="en-US" sz="4000" spc="-1" strike="noStrike">
+                <a:solidFill>
+                  <a:srgbClr val="fff5ce"/>
+                </a:solidFill>
+                <a:latin typeface="Calibri"/>
+              </a:rPr>
+              <a:t>Song 5: We seek your kingdom</a:t>
+            </a:r>
+            <a:endParaRPr b="0" lang="en-GB" sz="4000" spc="-1" strike="noStrike">
+              <a:latin typeface="Arial"/>
+            </a:endParaRPr>
+          </a:p>
+        </p:txBody>
+      </p:sp>
+      <p:sp>
+        <p:nvSpPr>
+          <p:cNvPr id="237" name="PlaceHolder 2"/>
           <p:cNvSpPr>
             <a:spLocks noGrp="1"/>
           </p:cNvSpPr>
@@ -22512,7 +22435,7 @@
                 </a:solidFill>
                 <a:latin typeface="Calibri"/>
               </a:rPr>
-              <a:t>Before all things, in him were all things made</a:t>
+              <a:t>We seek your kingdom throughout every sphere</a:t>
             </a:r>
             <a:endParaRPr b="0" lang="en-GB" sz="4000" spc="-1" strike="noStrike">
               <a:latin typeface="Arial"/>
@@ -22538,7 +22461,7 @@
                 </a:solidFill>
                 <a:latin typeface="Calibri"/>
               </a:rPr>
-              <a:t>Inspiring culture, media, and trade</a:t>
+              <a:t>We long for heaven’s demonstration here</a:t>
             </a:r>
             <a:endParaRPr b="0" lang="en-GB" sz="4000" spc="-1" strike="noStrike">
               <a:latin typeface="Arial"/>
@@ -22564,7 +22487,7 @@
                 </a:solidFill>
                 <a:latin typeface="Calibri"/>
               </a:rPr>
-              <a:t>May all our work serve your economy</a:t>
+              <a:t>Jesus your light shine bright for all to see</a:t>
             </a:r>
             <a:endParaRPr b="0" lang="en-GB" sz="4000" spc="-1" strike="noStrike">
               <a:latin typeface="Arial"/>
@@ -22642,7 +22565,7 @@
                 <a:latin typeface="Calibri"/>
                 <a:ea typeface="DejaVu Sans"/>
               </a:rPr>
-              <a:t>2/4</a:t>
+              <a:t>1/5</a:t>
             </a:r>
             <a:endParaRPr b="0" lang="en-GB" sz="1000" spc="-1" strike="noStrike">
               <a:latin typeface="Arial"/>
@@ -22735,7 +22658,7 @@
                 </a:solidFill>
                 <a:latin typeface="Calibri"/>
               </a:rPr>
-              <a:t>Peace, truth, and justice reigning everywhere</a:t>
+              <a:t>Before all things, in him were all things made</a:t>
             </a:r>
             <a:endParaRPr b="0" lang="en-GB" sz="4000" spc="-1" strike="noStrike">
               <a:latin typeface="Arial"/>
@@ -22761,7 +22684,7 @@
                 </a:solidFill>
                 <a:latin typeface="Calibri"/>
               </a:rPr>
-              <a:t>With us be present in our public square</a:t>
+              <a:t>Inspiring culture, media, and trade</a:t>
             </a:r>
             <a:endParaRPr b="0" lang="en-GB" sz="4000" spc="-1" strike="noStrike">
               <a:latin typeface="Arial"/>
@@ -22787,7 +22710,7 @@
                 </a:solidFill>
                 <a:latin typeface="Calibri"/>
               </a:rPr>
-              <a:t>Fill all who lead with your integrity</a:t>
+              <a:t>May all our work serve your economy</a:t>
             </a:r>
             <a:endParaRPr b="0" lang="en-GB" sz="4000" spc="-1" strike="noStrike">
               <a:latin typeface="Arial"/>
@@ -22865,7 +22788,7 @@
                 <a:latin typeface="Calibri"/>
                 <a:ea typeface="DejaVu Sans"/>
               </a:rPr>
-              <a:t>3/4</a:t>
+              <a:t>2/5</a:t>
             </a:r>
             <a:endParaRPr b="0" lang="en-GB" sz="1000" spc="-1" strike="noStrike">
               <a:latin typeface="Arial"/>
@@ -22958,7 +22881,7 @@
                 </a:solidFill>
                 <a:latin typeface="Calibri"/>
               </a:rPr>
-              <a:t>Forgive us Lord, when we have not engaged</a:t>
+              <a:t>Peace, truth, and justice reigning everywhere</a:t>
             </a:r>
             <a:endParaRPr b="0" lang="en-GB" sz="4000" spc="-1" strike="noStrike">
               <a:latin typeface="Arial"/>
@@ -22984,7 +22907,7 @@
                 </a:solidFill>
                 <a:latin typeface="Calibri"/>
               </a:rPr>
-              <a:t>Failing to scribe your heart on history’s page</a:t>
+              <a:t>With us be present in our public square</a:t>
             </a:r>
             <a:endParaRPr b="0" lang="en-GB" sz="4000" spc="-1" strike="noStrike">
               <a:latin typeface="Arial"/>
@@ -23010,7 +22933,7 @@
                 </a:solidFill>
                 <a:latin typeface="Calibri"/>
               </a:rPr>
-              <a:t>Make us again what we were made to be</a:t>
+              <a:t>Fill all who lead with your integrity</a:t>
             </a:r>
             <a:endParaRPr b="0" lang="en-GB" sz="4000" spc="-1" strike="noStrike">
               <a:latin typeface="Arial"/>
@@ -23088,7 +23011,7 @@
                 <a:latin typeface="Calibri"/>
                 <a:ea typeface="DejaVu Sans"/>
               </a:rPr>
-              <a:t>4/4</a:t>
+              <a:t>3/5</a:t>
             </a:r>
             <a:endParaRPr b="0" lang="en-GB" sz="1000" spc="-1" strike="noStrike">
               <a:latin typeface="Arial"/>
@@ -23147,7 +23070,7 @@
         <p:spPr>
           <a:xfrm>
             <a:off x="237600" y="1135440"/>
-            <a:ext cx="8761680" cy="2823840"/>
+            <a:ext cx="8761680" cy="4982400"/>
           </a:xfrm>
           <a:prstGeom prst="rect">
             <a:avLst/>
@@ -23181,7 +23104,7 @@
                 </a:solidFill>
                 <a:latin typeface="Calibri"/>
               </a:rPr>
-              <a:t>Faithful to govern ever may we be</a:t>
+              <a:t>Forgive us Lord, when we have not engaged</a:t>
             </a:r>
             <a:endParaRPr b="0" lang="en-GB" sz="4000" spc="-1" strike="noStrike">
               <a:latin typeface="Arial"/>
@@ -23207,7 +23130,7 @@
                 </a:solidFill>
                 <a:latin typeface="Calibri"/>
               </a:rPr>
-              <a:t>Selfless in service, loving constantly</a:t>
+              <a:t>Failing to scribe your heart on history’s page</a:t>
             </a:r>
             <a:endParaRPr b="0" lang="en-GB" sz="4000" spc="-1" strike="noStrike">
               <a:latin typeface="Arial"/>
@@ -23233,7 +23156,7 @@
                 </a:solidFill>
                 <a:latin typeface="Calibri"/>
               </a:rPr>
-              <a:t>In everything may your authority</a:t>
+              <a:t>Make us again what we were made to be</a:t>
             </a:r>
             <a:endParaRPr b="0" lang="en-GB" sz="4000" spc="-1" strike="noStrike">
               <a:latin typeface="Arial"/>
@@ -23311,165 +23234,9 @@
                 <a:latin typeface="Calibri"/>
                 <a:ea typeface="DejaVu Sans"/>
               </a:rPr>
-              <a:t>1/9</a:t>
+              <a:t>4/5</a:t>
             </a:r>
             <a:endParaRPr b="0" lang="en-GB" sz="1000" spc="-1" strike="noStrike">
-              <a:latin typeface="Arial"/>
-            </a:endParaRPr>
-          </a:p>
-        </p:txBody>
-      </p:sp>
-      <p:sp>
-        <p:nvSpPr>
-          <p:cNvPr id="245" name="PlaceHolder 5"/>
-          <p:cNvSpPr/>
-          <p:nvPr/>
-        </p:nvSpPr>
-        <p:spPr>
-          <a:xfrm>
-            <a:off x="273600" y="4879440"/>
-            <a:ext cx="8761680" cy="1528200"/>
-          </a:xfrm>
-          <a:prstGeom prst="rect">
-            <a:avLst/>
-          </a:prstGeom>
-          <a:noFill/>
-          <a:ln w="0">
-            <a:noFill/>
-          </a:ln>
-        </p:spPr>
-        <p:style>
-          <a:lnRef idx="0"/>
-          <a:fillRef idx="0"/>
-          <a:effectRef idx="0"/>
-          <a:fontRef idx="minor"/>
-        </p:style>
-        <p:txBody>
-          <a:bodyPr lIns="90000" rIns="90000" tIns="45000" bIns="45000" anchor="t">
-            <a:noAutofit/>
-          </a:bodyPr>
-          <a:p>
-            <a:pPr>
-              <a:lnSpc>
-                <a:spcPct val="100000"/>
-              </a:lnSpc>
-              <a:spcBef>
-                <a:spcPts val="479"/>
-              </a:spcBef>
-              <a:buNone/>
-              <a:tabLst>
-                <a:tab algn="l" pos="0"/>
-              </a:tabLst>
-            </a:pPr>
-            <a:endParaRPr b="0" lang="en-GB" sz="1200" spc="-1" strike="noStrike">
-              <a:latin typeface="Arial"/>
-            </a:endParaRPr>
-          </a:p>
-          <a:p>
-            <a:pPr>
-              <a:lnSpc>
-                <a:spcPct val="100000"/>
-              </a:lnSpc>
-              <a:spcBef>
-                <a:spcPts val="479"/>
-              </a:spcBef>
-              <a:buNone/>
-              <a:tabLst>
-                <a:tab algn="l" pos="0"/>
-              </a:tabLst>
-            </a:pPr>
-            <a:r>
-              <a:rPr b="0" lang="en-US" sz="1200" spc="-1" strike="noStrike">
-                <a:solidFill>
-                  <a:srgbClr val="ffe994"/>
-                </a:solidFill>
-                <a:latin typeface="Calibri"/>
-                <a:ea typeface="DejaVu Sans"/>
-              </a:rPr>
-              <a:t>NOEL ROBINSON, ANDY FLANNAGAN, &amp; GRAHAM HUNTER</a:t>
-            </a:r>
-            <a:endParaRPr b="0" lang="en-GB" sz="1200" spc="-1" strike="noStrike">
-              <a:latin typeface="Arial"/>
-            </a:endParaRPr>
-          </a:p>
-          <a:p>
-            <a:pPr>
-              <a:lnSpc>
-                <a:spcPct val="100000"/>
-              </a:lnSpc>
-              <a:spcBef>
-                <a:spcPts val="479"/>
-              </a:spcBef>
-              <a:buNone/>
-              <a:tabLst>
-                <a:tab algn="l" pos="0"/>
-              </a:tabLst>
-            </a:pPr>
-            <a:r>
-              <a:rPr b="0" lang="en-US" sz="1200" spc="-1" strike="noStrike">
-                <a:solidFill>
-                  <a:srgbClr val="ffe994"/>
-                </a:solidFill>
-                <a:latin typeface="Calibri"/>
-                <a:ea typeface="DejaVu Sans"/>
-              </a:rPr>
-              <a:t>© 2016 Downwardly Mobile Music, Nu Image Music, Graham Hunter</a:t>
-            </a:r>
-            <a:endParaRPr b="0" lang="en-GB" sz="1200" spc="-1" strike="noStrike">
-              <a:latin typeface="Arial"/>
-            </a:endParaRPr>
-          </a:p>
-          <a:p>
-            <a:pPr>
-              <a:lnSpc>
-                <a:spcPct val="100000"/>
-              </a:lnSpc>
-              <a:spcBef>
-                <a:spcPts val="479"/>
-              </a:spcBef>
-              <a:buNone/>
-              <a:tabLst>
-                <a:tab algn="l" pos="0"/>
-              </a:tabLst>
-            </a:pPr>
-            <a:r>
-              <a:rPr b="0" lang="en-US" sz="1200" spc="-1" strike="noStrike">
-                <a:solidFill>
-                  <a:srgbClr val="ffe994"/>
-                </a:solidFill>
-                <a:latin typeface="Calibri"/>
-                <a:ea typeface="DejaVu Sans"/>
-              </a:rPr>
-              <a:t>Used by permission. All rights reserved</a:t>
-            </a:r>
-            <a:endParaRPr b="0" lang="en-GB" sz="1200" spc="-1" strike="noStrike">
-              <a:latin typeface="Arial"/>
-            </a:endParaRPr>
-          </a:p>
-          <a:p>
-            <a:pPr>
-              <a:lnSpc>
-                <a:spcPct val="100000"/>
-              </a:lnSpc>
-              <a:spcBef>
-                <a:spcPts val="479"/>
-              </a:spcBef>
-              <a:buNone/>
-              <a:tabLst>
-                <a:tab algn="l" pos="0"/>
-              </a:tabLst>
-            </a:pPr>
-            <a:r>
-              <a:rPr b="0" lang="en-US" sz="1200" spc="-1" strike="noStrike">
-                <a:solidFill>
-                  <a:srgbClr val="ffe994"/>
-                </a:solidFill>
-                <a:latin typeface="Calibri"/>
-                <a:ea typeface="DejaVu Sans"/>
-              </a:rPr>
-              <a:t>CCLI License: 7078309 </a:t>
-            </a:r>
-            <a:endParaRPr b="0" lang="en-GB" sz="1200" spc="-1" strike="noStrike">
               <a:latin typeface="Arial"/>
             </a:endParaRPr>
           </a:p>
@@ -23515,18 +23282,18 @@
       </p:grpSpPr>
       <p:sp>
         <p:nvSpPr>
-          <p:cNvPr id="246" name="PlaceHolder 1"/>
-          <p:cNvSpPr>
-            <a:spLocks noGrp="1"/>
-          </p:cNvSpPr>
-          <p:nvPr>
-            <p:ph type="title"/>
+          <p:cNvPr id="245" name="PlaceHolder 1"/>
+          <p:cNvSpPr>
+            <a:spLocks noGrp="1"/>
+          </p:cNvSpPr>
+          <p:nvPr>
+            <p:ph/>
           </p:nvPr>
         </p:nvSpPr>
         <p:spPr>
           <a:xfrm>
-            <a:off x="457200" y="274320"/>
-            <a:ext cx="8221680" cy="1134720"/>
+            <a:off x="237600" y="1135440"/>
+            <a:ext cx="8761680" cy="2823840"/>
           </a:xfrm>
           <a:prstGeom prst="rect">
             <a:avLst/>
@@ -23537,14 +23304,17 @@
           </a:ln>
         </p:spPr>
         <p:txBody>
-          <a:bodyPr lIns="90000" rIns="90000" tIns="45000" bIns="45000" anchor="ctr">
+          <a:bodyPr lIns="90000" rIns="90000" tIns="45000" bIns="45000" anchor="t">
             <a:noAutofit/>
           </a:bodyPr>
           <a:p>
-            <a:pPr algn="r">
-              <a:lnSpc>
-                <a:spcPct val="100000"/>
-              </a:lnSpc>
+            <a:pPr>
+              <a:lnSpc>
+                <a:spcPct val="100000"/>
+              </a:lnSpc>
+              <a:spcBef>
+                <a:spcPts val="479"/>
+              </a:spcBef>
               <a:buNone/>
               <a:tabLst>
                 <a:tab algn="l" pos="0"/>
@@ -23553,13 +23323,299 @@
             <a:r>
               <a:rPr b="0" lang="en-US" sz="4000" spc="-1" strike="noStrike">
                 <a:solidFill>
-                  <a:srgbClr val="ffffa6"/>
-                </a:solidFill>
-                <a:latin typeface="Calibri"/>
-              </a:rPr>
-              <a:t>Closing Prayer</a:t>
-            </a:r>
-            <a:endParaRPr b="0" lang="en-GB" sz="4000" spc="-1" strike="noStrike">
+                  <a:srgbClr val="ffe994"/>
+                </a:solidFill>
+                <a:latin typeface="Calibri"/>
+              </a:rPr>
+              <a:t>Faithful to govern ever may we be</a:t>
+            </a:r>
+            <a:endParaRPr b="0" lang="en-GB" sz="4000" spc="-1" strike="noStrike">
+              <a:latin typeface="Arial"/>
+            </a:endParaRPr>
+          </a:p>
+          <a:p>
+            <a:pPr>
+              <a:lnSpc>
+                <a:spcPct val="100000"/>
+              </a:lnSpc>
+              <a:spcBef>
+                <a:spcPts val="479"/>
+              </a:spcBef>
+              <a:buNone/>
+              <a:tabLst>
+                <a:tab algn="l" pos="0"/>
+              </a:tabLst>
+            </a:pPr>
+            <a:r>
+              <a:rPr b="0" lang="en-US" sz="4000" spc="-1" strike="noStrike">
+                <a:solidFill>
+                  <a:srgbClr val="ffe994"/>
+                </a:solidFill>
+                <a:latin typeface="Calibri"/>
+              </a:rPr>
+              <a:t>Selfless in service, loving constantly</a:t>
+            </a:r>
+            <a:endParaRPr b="0" lang="en-GB" sz="4000" spc="-1" strike="noStrike">
+              <a:latin typeface="Arial"/>
+            </a:endParaRPr>
+          </a:p>
+          <a:p>
+            <a:pPr>
+              <a:lnSpc>
+                <a:spcPct val="100000"/>
+              </a:lnSpc>
+              <a:spcBef>
+                <a:spcPts val="479"/>
+              </a:spcBef>
+              <a:buNone/>
+              <a:tabLst>
+                <a:tab algn="l" pos="0"/>
+              </a:tabLst>
+            </a:pPr>
+            <a:r>
+              <a:rPr b="0" lang="en-US" sz="4000" spc="-1" strike="noStrike">
+                <a:solidFill>
+                  <a:srgbClr val="ffe994"/>
+                </a:solidFill>
+                <a:latin typeface="Calibri"/>
+              </a:rPr>
+              <a:t>In everything may your authority</a:t>
+            </a:r>
+            <a:endParaRPr b="0" lang="en-GB" sz="4000" spc="-1" strike="noStrike">
+              <a:latin typeface="Arial"/>
+            </a:endParaRPr>
+          </a:p>
+          <a:p>
+            <a:pPr>
+              <a:lnSpc>
+                <a:spcPct val="100000"/>
+              </a:lnSpc>
+              <a:spcBef>
+                <a:spcPts val="479"/>
+              </a:spcBef>
+              <a:buNone/>
+              <a:tabLst>
+                <a:tab algn="l" pos="0"/>
+              </a:tabLst>
+            </a:pPr>
+            <a:r>
+              <a:rPr b="0" lang="en-US" sz="4000" spc="-1" strike="noStrike">
+                <a:solidFill>
+                  <a:srgbClr val="ffe994"/>
+                </a:solidFill>
+                <a:latin typeface="Calibri"/>
+              </a:rPr>
+              <a:t>Transform, revive, and heal society </a:t>
+            </a:r>
+            <a:endParaRPr b="0" lang="en-GB" sz="4000" spc="-1" strike="noStrike">
+              <a:latin typeface="Arial"/>
+            </a:endParaRPr>
+          </a:p>
+        </p:txBody>
+      </p:sp>
+      <p:sp>
+        <p:nvSpPr>
+          <p:cNvPr id="246" name=""/>
+          <p:cNvSpPr/>
+          <p:nvPr/>
+        </p:nvSpPr>
+        <p:spPr>
+          <a:xfrm>
+            <a:off x="8281080" y="6460200"/>
+            <a:ext cx="493200" cy="341640"/>
+          </a:xfrm>
+          <a:prstGeom prst="rect">
+            <a:avLst/>
+          </a:prstGeom>
+          <a:noFill/>
+          <a:ln w="0">
+            <a:noFill/>
+          </a:ln>
+        </p:spPr>
+        <p:style>
+          <a:lnRef idx="0"/>
+          <a:fillRef idx="0"/>
+          <a:effectRef idx="0"/>
+          <a:fontRef idx="minor"/>
+        </p:style>
+        <p:txBody>
+          <a:bodyPr lIns="90000" rIns="90000" tIns="45000" bIns="45000" anchor="t">
+            <a:noAutofit/>
+          </a:bodyPr>
+          <a:p>
+            <a:pPr>
+              <a:lnSpc>
+                <a:spcPct val="100000"/>
+              </a:lnSpc>
+              <a:buNone/>
+            </a:pPr>
+            <a:r>
+              <a:rPr b="0" lang="en-GB" sz="1000" spc="-1" strike="noStrike">
+                <a:solidFill>
+                  <a:srgbClr val="ffffd7"/>
+                </a:solidFill>
+                <a:latin typeface="Calibri"/>
+                <a:ea typeface="DejaVu Sans"/>
+              </a:rPr>
+              <a:t>5/5</a:t>
+            </a:r>
+            <a:endParaRPr b="0" lang="en-GB" sz="1000" spc="-1" strike="noStrike">
+              <a:latin typeface="Arial"/>
+            </a:endParaRPr>
+          </a:p>
+        </p:txBody>
+      </p:sp>
+      <p:sp>
+        <p:nvSpPr>
+          <p:cNvPr id="247" name="PlaceHolder 5"/>
+          <p:cNvSpPr/>
+          <p:nvPr/>
+        </p:nvSpPr>
+        <p:spPr>
+          <a:xfrm>
+            <a:off x="273600" y="4879440"/>
+            <a:ext cx="8761680" cy="1528200"/>
+          </a:xfrm>
+          <a:prstGeom prst="rect">
+            <a:avLst/>
+          </a:prstGeom>
+          <a:noFill/>
+          <a:ln w="0">
+            <a:noFill/>
+          </a:ln>
+        </p:spPr>
+        <p:style>
+          <a:lnRef idx="0"/>
+          <a:fillRef idx="0"/>
+          <a:effectRef idx="0"/>
+          <a:fontRef idx="minor"/>
+        </p:style>
+        <p:txBody>
+          <a:bodyPr lIns="90000" rIns="90000" tIns="45000" bIns="45000" anchor="t">
+            <a:noAutofit/>
+          </a:bodyPr>
+          <a:p>
+            <a:pPr>
+              <a:lnSpc>
+                <a:spcPct val="100000"/>
+              </a:lnSpc>
+              <a:spcBef>
+                <a:spcPts val="479"/>
+              </a:spcBef>
+              <a:buNone/>
+              <a:tabLst>
+                <a:tab algn="l" pos="0"/>
+              </a:tabLst>
+            </a:pPr>
+            <a:endParaRPr b="0" lang="en-GB" sz="1200" spc="-1" strike="noStrike">
+              <a:latin typeface="Arial"/>
+            </a:endParaRPr>
+          </a:p>
+          <a:p>
+            <a:pPr>
+              <a:lnSpc>
+                <a:spcPct val="100000"/>
+              </a:lnSpc>
+              <a:spcBef>
+                <a:spcPts val="479"/>
+              </a:spcBef>
+              <a:buNone/>
+              <a:tabLst>
+                <a:tab algn="l" pos="0"/>
+              </a:tabLst>
+            </a:pPr>
+            <a:r>
+              <a:rPr b="0" lang="en-US" sz="1200" spc="-1" strike="noStrike">
+                <a:solidFill>
+                  <a:srgbClr val="ffe994"/>
+                </a:solidFill>
+                <a:latin typeface="Calibri"/>
+                <a:ea typeface="DejaVu Sans"/>
+              </a:rPr>
+              <a:t>NOEL ROBINSON, ANDY FLANNAGAN, &amp; GRAHAM HUNTER</a:t>
+            </a:r>
+            <a:endParaRPr b="0" lang="en-GB" sz="1200" spc="-1" strike="noStrike">
+              <a:latin typeface="Arial"/>
+            </a:endParaRPr>
+          </a:p>
+          <a:p>
+            <a:pPr>
+              <a:lnSpc>
+                <a:spcPct val="100000"/>
+              </a:lnSpc>
+              <a:spcBef>
+                <a:spcPts val="479"/>
+              </a:spcBef>
+              <a:buNone/>
+              <a:tabLst>
+                <a:tab algn="l" pos="0"/>
+              </a:tabLst>
+            </a:pPr>
+            <a:r>
+              <a:rPr b="0" lang="en-US" sz="1200" spc="-1" strike="noStrike">
+                <a:solidFill>
+                  <a:srgbClr val="ffe994"/>
+                </a:solidFill>
+                <a:latin typeface="Calibri"/>
+                <a:ea typeface="DejaVu Sans"/>
+              </a:rPr>
+              <a:t>© 2016 Downwardly Mobile Music, Nu Image Music, Graham Hunter</a:t>
+            </a:r>
+            <a:endParaRPr b="0" lang="en-GB" sz="1200" spc="-1" strike="noStrike">
+              <a:latin typeface="Arial"/>
+            </a:endParaRPr>
+          </a:p>
+          <a:p>
+            <a:pPr>
+              <a:lnSpc>
+                <a:spcPct val="100000"/>
+              </a:lnSpc>
+              <a:spcBef>
+                <a:spcPts val="479"/>
+              </a:spcBef>
+              <a:buNone/>
+              <a:tabLst>
+                <a:tab algn="l" pos="0"/>
+              </a:tabLst>
+            </a:pPr>
+            <a:r>
+              <a:rPr b="0" lang="en-US" sz="1200" spc="-1" strike="noStrike">
+                <a:solidFill>
+                  <a:srgbClr val="ffe994"/>
+                </a:solidFill>
+                <a:latin typeface="Calibri"/>
+                <a:ea typeface="DejaVu Sans"/>
+              </a:rPr>
+              <a:t>Used by permission. All rights reserved</a:t>
+            </a:r>
+            <a:endParaRPr b="0" lang="en-GB" sz="1200" spc="-1" strike="noStrike">
+              <a:latin typeface="Arial"/>
+            </a:endParaRPr>
+          </a:p>
+          <a:p>
+            <a:pPr>
+              <a:lnSpc>
+                <a:spcPct val="100000"/>
+              </a:lnSpc>
+              <a:spcBef>
+                <a:spcPts val="479"/>
+              </a:spcBef>
+              <a:buNone/>
+              <a:tabLst>
+                <a:tab algn="l" pos="0"/>
+              </a:tabLst>
+            </a:pPr>
+            <a:r>
+              <a:rPr b="0" lang="en-US" sz="1200" spc="-1" strike="noStrike">
+                <a:solidFill>
+                  <a:srgbClr val="ffe994"/>
+                </a:solidFill>
+                <a:latin typeface="Calibri"/>
+                <a:ea typeface="DejaVu Sans"/>
+              </a:rPr>
+              <a:t>CCLI License: 7078309 </a:t>
+            </a:r>
+            <a:endParaRPr b="0" lang="en-GB" sz="1200" spc="-1" strike="noStrike">
               <a:latin typeface="Arial"/>
             </a:endParaRPr>
           </a:p>
@@ -23605,7 +23661,7 @@
       </p:grpSpPr>
       <p:sp>
         <p:nvSpPr>
-          <p:cNvPr id="247" name="PlaceHolder 1"/>
+          <p:cNvPr id="248" name="PlaceHolder 1"/>
           <p:cNvSpPr>
             <a:spLocks noGrp="1"/>
           </p:cNvSpPr>
@@ -23647,91 +23703,7 @@
                 </a:solidFill>
                 <a:latin typeface="Calibri"/>
               </a:rPr>
-              <a:t>Dismissal</a:t>
-            </a:r>
-            <a:endParaRPr b="0" lang="en-GB" sz="4000" spc="-1" strike="noStrike">
-              <a:latin typeface="Arial"/>
-            </a:endParaRPr>
-          </a:p>
-        </p:txBody>
-      </p:sp>
-      <p:sp>
-        <p:nvSpPr>
-          <p:cNvPr id="248" name=""/>
-          <p:cNvSpPr/>
-          <p:nvPr/>
-        </p:nvSpPr>
-        <p:spPr>
-          <a:xfrm>
-            <a:off x="360000" y="1518120"/>
-            <a:ext cx="7913160" cy="4619520"/>
-          </a:xfrm>
-          <a:prstGeom prst="rect">
-            <a:avLst/>
-          </a:prstGeom>
-          <a:noFill/>
-          <a:ln w="0">
-            <a:noFill/>
-          </a:ln>
-        </p:spPr>
-        <p:style>
-          <a:lnRef idx="0"/>
-          <a:fillRef idx="0"/>
-          <a:effectRef idx="0"/>
-          <a:fontRef idx="minor"/>
-        </p:style>
-        <p:txBody>
-          <a:bodyPr lIns="90000" rIns="90000" tIns="45000" bIns="45000" anchor="t">
-            <a:noAutofit/>
-          </a:bodyPr>
-          <a:p>
-            <a:pPr>
-              <a:lnSpc>
-                <a:spcPct val="100000"/>
-              </a:lnSpc>
-              <a:buNone/>
-            </a:pPr>
-            <a:r>
-              <a:rPr b="0" lang="en-GB" sz="4000" spc="-1" strike="noStrike">
-                <a:solidFill>
-                  <a:srgbClr val="ffe994"/>
-                </a:solidFill>
-                <a:latin typeface="Arial"/>
-                <a:ea typeface="DejaVu Sans"/>
-              </a:rPr>
-              <a:t>Go in peace to love and serve the Lord.</a:t>
-            </a:r>
-            <a:endParaRPr b="0" lang="en-GB" sz="4000" spc="-1" strike="noStrike">
-              <a:latin typeface="Arial"/>
-            </a:endParaRPr>
-          </a:p>
-          <a:p>
-            <a:pPr>
-              <a:lnSpc>
-                <a:spcPct val="100000"/>
-              </a:lnSpc>
-              <a:buNone/>
-            </a:pPr>
-            <a:endParaRPr b="0" lang="en-GB" sz="4000" spc="-1" strike="noStrike">
-              <a:latin typeface="Arial"/>
-            </a:endParaRPr>
-          </a:p>
-          <a:p>
-            <a:pPr>
-              <a:lnSpc>
-                <a:spcPct val="100000"/>
-              </a:lnSpc>
-              <a:buNone/>
-            </a:pPr>
-            <a:r>
-              <a:rPr b="0" lang="en-GB" sz="4000" spc="-1" strike="noStrike">
-                <a:solidFill>
-                  <a:srgbClr val="ffbf00"/>
-                </a:solidFill>
-                <a:latin typeface="Arial"/>
-                <a:ea typeface="DejaVu Sans"/>
-              </a:rPr>
-              <a:t>In the name of Christ.  Amen.</a:t>
+              <a:t>Closing Prayer</a:t>
             </a:r>
             <a:endParaRPr b="0" lang="en-GB" sz="4000" spc="-1" strike="noStrike">
               <a:latin typeface="Arial"/>
@@ -24063,6 +24035,180 @@
         </p:nvSpPr>
         <p:spPr>
           <a:xfrm>
+            <a:off x="457200" y="274320"/>
+            <a:ext cx="8221680" cy="1134720"/>
+          </a:xfrm>
+          <a:prstGeom prst="rect">
+            <a:avLst/>
+          </a:prstGeom>
+          <a:noFill/>
+          <a:ln w="0">
+            <a:noFill/>
+          </a:ln>
+        </p:spPr>
+        <p:txBody>
+          <a:bodyPr lIns="90000" rIns="90000" tIns="45000" bIns="45000" anchor="ctr">
+            <a:noAutofit/>
+          </a:bodyPr>
+          <a:p>
+            <a:pPr algn="r">
+              <a:lnSpc>
+                <a:spcPct val="100000"/>
+              </a:lnSpc>
+              <a:buNone/>
+              <a:tabLst>
+                <a:tab algn="l" pos="0"/>
+              </a:tabLst>
+            </a:pPr>
+            <a:r>
+              <a:rPr b="0" lang="en-US" sz="4000" spc="-1" strike="noStrike">
+                <a:solidFill>
+                  <a:srgbClr val="ffffa6"/>
+                </a:solidFill>
+                <a:latin typeface="Calibri"/>
+              </a:rPr>
+              <a:t>Dismissal</a:t>
+            </a:r>
+            <a:endParaRPr b="0" lang="en-GB" sz="4000" spc="-1" strike="noStrike">
+              <a:latin typeface="Arial"/>
+            </a:endParaRPr>
+          </a:p>
+        </p:txBody>
+      </p:sp>
+      <p:sp>
+        <p:nvSpPr>
+          <p:cNvPr id="250" name=""/>
+          <p:cNvSpPr/>
+          <p:nvPr/>
+        </p:nvSpPr>
+        <p:spPr>
+          <a:xfrm>
+            <a:off x="360000" y="1518120"/>
+            <a:ext cx="7913160" cy="4619520"/>
+          </a:xfrm>
+          <a:prstGeom prst="rect">
+            <a:avLst/>
+          </a:prstGeom>
+          <a:noFill/>
+          <a:ln w="0">
+            <a:noFill/>
+          </a:ln>
+        </p:spPr>
+        <p:style>
+          <a:lnRef idx="0"/>
+          <a:fillRef idx="0"/>
+          <a:effectRef idx="0"/>
+          <a:fontRef idx="minor"/>
+        </p:style>
+        <p:txBody>
+          <a:bodyPr lIns="90000" rIns="90000" tIns="45000" bIns="45000" anchor="t">
+            <a:noAutofit/>
+          </a:bodyPr>
+          <a:p>
+            <a:pPr>
+              <a:lnSpc>
+                <a:spcPct val="100000"/>
+              </a:lnSpc>
+              <a:buNone/>
+            </a:pPr>
+            <a:r>
+              <a:rPr b="0" lang="en-GB" sz="4000" spc="-1" strike="noStrike">
+                <a:solidFill>
+                  <a:srgbClr val="ffe994"/>
+                </a:solidFill>
+                <a:latin typeface="Arial"/>
+                <a:ea typeface="DejaVu Sans"/>
+              </a:rPr>
+              <a:t>Go in peace to love and serve the Lord.</a:t>
+            </a:r>
+            <a:endParaRPr b="0" lang="en-GB" sz="4000" spc="-1" strike="noStrike">
+              <a:latin typeface="Arial"/>
+            </a:endParaRPr>
+          </a:p>
+          <a:p>
+            <a:pPr>
+              <a:lnSpc>
+                <a:spcPct val="100000"/>
+              </a:lnSpc>
+              <a:buNone/>
+            </a:pPr>
+            <a:endParaRPr b="0" lang="en-GB" sz="4000" spc="-1" strike="noStrike">
+              <a:latin typeface="Arial"/>
+            </a:endParaRPr>
+          </a:p>
+          <a:p>
+            <a:pPr>
+              <a:lnSpc>
+                <a:spcPct val="100000"/>
+              </a:lnSpc>
+              <a:buNone/>
+            </a:pPr>
+            <a:r>
+              <a:rPr b="0" lang="en-GB" sz="4000" spc="-1" strike="noStrike">
+                <a:solidFill>
+                  <a:srgbClr val="ffbf00"/>
+                </a:solidFill>
+                <a:latin typeface="Arial"/>
+                <a:ea typeface="DejaVu Sans"/>
+              </a:rPr>
+              <a:t>In the name of Christ.  Amen.</a:t>
+            </a:r>
+            <a:endParaRPr b="0" lang="en-GB" sz="4000" spc="-1" strike="noStrike">
+              <a:latin typeface="Arial"/>
+            </a:endParaRPr>
+          </a:p>
+        </p:txBody>
+      </p:sp>
+    </p:spTree>
+  </p:cSld>
+  <mc:AlternateContent>
+    <mc:Choice Requires="p14">
+      <p:transition spd="slow" p14:dur="2000"/>
+    </mc:Choice>
+    <mc:Fallback>
+      <p:transition spd="slow"/>
+    </mc:Fallback>
+  </mc:AlternateContent>
+</p:sld>
+</file>
+
+<file path=ppt/slides/slide71.xml><?xml version="1.0" encoding="utf-8"?>
+<p:sld xmlns:a="http://schemas.openxmlformats.org/drawingml/2006/main" xmlns:p="http://schemas.openxmlformats.org/presentationml/2006/main" xmlns:r="http://schemas.openxmlformats.org/officeDocument/2006/relationships" xmlns:p14="http://schemas.microsoft.com/office/powerpoint/2010/main" xmlns:p15="http://schemas.microsoft.com/office/powerpoint/2012/main" xmlns:mc="http://schemas.openxmlformats.org/markup-compatibility/2006">
+  <p:cSld>
+    <p:bg>
+      <p:bgPr>
+        <a:blipFill rotWithShape="0">
+          <a:blip r:embed="rId1"/>
+          <a:tile/>
+        </a:blipFill>
+      </p:bgPr>
+    </p:bg>
+    <p:spTree>
+      <p:nvGrpSpPr>
+        <p:cNvPr id="1" name=""/>
+        <p:cNvGrpSpPr/>
+        <p:nvPr/>
+      </p:nvGrpSpPr>
+      <p:grpSpPr>
+        <a:xfrm>
+          <a:off x="0" y="0"/>
+          <a:ext cx="0" cy="0"/>
+          <a:chOff x="0" y="0"/>
+          <a:chExt cx="0" cy="0"/>
+        </a:xfrm>
+      </p:grpSpPr>
+      <p:sp>
+        <p:nvSpPr>
+          <p:cNvPr id="251" name="PlaceHolder 1"/>
+          <p:cNvSpPr>
+            <a:spLocks noGrp="1"/>
+          </p:cNvSpPr>
+          <p:nvPr>
+            <p:ph type="title"/>
+          </p:nvPr>
+        </p:nvSpPr>
+        <p:spPr>
+          <a:xfrm>
             <a:off x="597240" y="180000"/>
             <a:ext cx="8221680" cy="6478920"/>
           </a:xfrm>
@@ -24166,7 +24312,7 @@
       </p:sp>
       <p:sp>
         <p:nvSpPr>
-          <p:cNvPr id="250" name="Picture 3"/>
+          <p:cNvPr id="252" name="Picture 3"/>
           <p:cNvSpPr/>
           <p:nvPr/>
         </p:nvSpPr>
@@ -24224,7 +24370,7 @@
       </p:sp>
       <p:pic>
         <p:nvPicPr>
-          <p:cNvPr id="251" name="" descr=""/>
+          <p:cNvPr id="253" name="" descr=""/>
           <p:cNvPicPr/>
           <p:nvPr/>
         </p:nvPicPr>
@@ -24247,7 +24393,7 @@
       </p:pic>
       <p:sp>
         <p:nvSpPr>
-          <p:cNvPr id="252" name=""/>
+          <p:cNvPr id="254" name=""/>
           <p:cNvSpPr/>
           <p:nvPr/>
         </p:nvSpPr>

--- a/talks/2025-01-26-0930.pptx
+++ b/talks/2025-01-26-0930.pptx
@@ -135,7 +135,7 @@
         <p:txBody>
           <a:bodyPr/>
           <a:p>
-            <a:fld id="{74D8B861-A921-4762-BD3A-13F34F164332}" type="slidenum">
+            <a:fld id="{DC349D6F-EC1E-41CB-89BF-0BF040D39354}" type="slidenum">
               <a:t>&lt;#&gt;</a:t>
             </a:fld>
           </a:p>
@@ -323,7 +323,7 @@
         <p:txBody>
           <a:bodyPr/>
           <a:p>
-            <a:fld id="{AD5E85AD-F53A-4FE3-92F4-10B1C0F13790}" type="slidenum">
+            <a:fld id="{92ABF6D4-C7AC-4F59-8F47-2BD5E2BB04F0}" type="slidenum">
               <a:t>&lt;#&gt;</a:t>
             </a:fld>
           </a:p>
@@ -579,7 +579,7 @@
         <p:txBody>
           <a:bodyPr/>
           <a:p>
-            <a:fld id="{333CFC1A-D81E-457A-B229-F33F3C0A65F8}" type="slidenum">
+            <a:fld id="{C48F0833-7D2B-44F5-B877-4AA00BF4DE78}" type="slidenum">
               <a:t>&lt;#&gt;</a:t>
             </a:fld>
           </a:p>
@@ -903,7 +903,7 @@
         <p:txBody>
           <a:bodyPr/>
           <a:p>
-            <a:fld id="{78FEFC43-4CBF-4336-AA62-3D96732F16AB}" type="slidenum">
+            <a:fld id="{8A01B027-99E0-4714-9F44-8A545C44B86F}" type="slidenum">
               <a:t>&lt;#&gt;</a:t>
             </a:fld>
           </a:p>
@@ -986,7 +986,7 @@
         <p:txBody>
           <a:bodyPr/>
           <a:p>
-            <a:fld id="{FB6B8785-F5B0-4BEF-A233-F9AC91CA668A}" type="slidenum">
+            <a:fld id="{42790B4D-9D1D-48C5-B523-A38E5934126A}" type="slidenum">
               <a:t>&lt;#&gt;</a:t>
             </a:fld>
           </a:p>
@@ -1143,7 +1143,7 @@
         <p:txBody>
           <a:bodyPr/>
           <a:p>
-            <a:fld id="{81F8AE1B-53FB-435F-AA94-8A7C14B4BCCA}" type="slidenum">
+            <a:fld id="{B339F48B-9A44-47C2-9913-0BF9068FBF44}" type="slidenum">
               <a:t>&lt;#&gt;</a:t>
             </a:fld>
           </a:p>
@@ -1297,7 +1297,7 @@
         <p:txBody>
           <a:bodyPr/>
           <a:p>
-            <a:fld id="{4FB2DD96-2C43-4151-8450-3A399B2C8D29}" type="slidenum">
+            <a:fld id="{4F35C8DB-0B25-4F39-9863-CEDF01418A3D}" type="slidenum">
               <a:t>&lt;#&gt;</a:t>
             </a:fld>
           </a:p>
@@ -1485,7 +1485,7 @@
         <p:txBody>
           <a:bodyPr/>
           <a:p>
-            <a:fld id="{9D06D152-388F-4792-BF2C-1CE2731A9AAA}" type="slidenum">
+            <a:fld id="{9B139913-3E79-4083-AD7F-45A86474B821}" type="slidenum">
               <a:t>&lt;#&gt;</a:t>
             </a:fld>
           </a:p>
@@ -1605,7 +1605,7 @@
         <p:txBody>
           <a:bodyPr/>
           <a:p>
-            <a:fld id="{C7B859C4-DCB2-4F37-9637-05A1A43DE53A}" type="slidenum">
+            <a:fld id="{BEAA040A-5B2B-40B7-9B2F-4CDA1DC41D88}" type="slidenum">
               <a:t>&lt;#&gt;</a:t>
             </a:fld>
           </a:p>
@@ -1725,7 +1725,7 @@
         <p:txBody>
           <a:bodyPr/>
           <a:p>
-            <a:fld id="{4E9B6092-62BD-49C0-BDFB-72709EC32A34}" type="slidenum">
+            <a:fld id="{B4EBB6D3-5905-4F6E-A8CA-A901C61B90F8}" type="slidenum">
               <a:t>&lt;#&gt;</a:t>
             </a:fld>
           </a:p>
@@ -1947,7 +1947,7 @@
         <p:txBody>
           <a:bodyPr/>
           <a:p>
-            <a:fld id="{9942D553-FF81-4A21-A22E-FC4FFEFEAA38}" type="slidenum">
+            <a:fld id="{C84CE199-35B8-408D-BEA5-92A596DB22D3}" type="slidenum">
               <a:t>&lt;#&gt;</a:t>
             </a:fld>
           </a:p>
@@ -2104,7 +2104,7 @@
         <p:txBody>
           <a:bodyPr/>
           <a:p>
-            <a:fld id="{483ABCBA-1E2B-4115-A4E6-CDBB4BBAA836}" type="slidenum">
+            <a:fld id="{01016EEF-FC49-4DE4-B7A5-B2322397E69A}" type="slidenum">
               <a:t>&lt;#&gt;</a:t>
             </a:fld>
           </a:p>
@@ -2326,7 +2326,7 @@
         <p:txBody>
           <a:bodyPr/>
           <a:p>
-            <a:fld id="{5E9AC1AA-462D-43D8-9F63-E2B973E257C0}" type="slidenum">
+            <a:fld id="{EB21AF9A-2165-4F86-89BC-0398BD160376}" type="slidenum">
               <a:t>&lt;#&gt;</a:t>
             </a:fld>
           </a:p>
@@ -2548,7 +2548,7 @@
         <p:txBody>
           <a:bodyPr/>
           <a:p>
-            <a:fld id="{77FA43DC-5C68-4EFF-94EE-AE42C026AE4F}" type="slidenum">
+            <a:fld id="{F4A5AE60-9C6F-4549-8961-587322C66A4B}" type="slidenum">
               <a:t>&lt;#&gt;</a:t>
             </a:fld>
           </a:p>
@@ -2736,7 +2736,7 @@
         <p:txBody>
           <a:bodyPr/>
           <a:p>
-            <a:fld id="{32495BBD-3A5E-4E83-8662-F8FD646BF488}" type="slidenum">
+            <a:fld id="{D03A7053-86BA-46CC-BB82-EEC4818A3F10}" type="slidenum">
               <a:t>&lt;#&gt;</a:t>
             </a:fld>
           </a:p>
@@ -2992,7 +2992,7 @@
         <p:txBody>
           <a:bodyPr/>
           <a:p>
-            <a:fld id="{1A64B00E-EA1D-46B2-8259-07E711D54D58}" type="slidenum">
+            <a:fld id="{3E5497E5-DFD8-4AB4-BCE2-3C9755A51107}" type="slidenum">
               <a:t>&lt;#&gt;</a:t>
             </a:fld>
           </a:p>
@@ -3316,7 +3316,7 @@
         <p:txBody>
           <a:bodyPr/>
           <a:p>
-            <a:fld id="{56053BE8-A965-4A6A-9785-BF583DA067FC}" type="slidenum">
+            <a:fld id="{7B14C02E-74A2-49CC-8662-87E81E8C2B23}" type="slidenum">
               <a:t>&lt;#&gt;</a:t>
             </a:fld>
           </a:p>
@@ -3399,7 +3399,7 @@
         <p:txBody>
           <a:bodyPr/>
           <a:p>
-            <a:fld id="{520289FE-34E8-4B54-A3FA-20DCB99A37EB}" type="slidenum">
+            <a:fld id="{0E8E93D3-6529-4FF8-8F78-C4AE461EFB10}" type="slidenum">
               <a:t>&lt;#&gt;</a:t>
             </a:fld>
           </a:p>
@@ -3556,7 +3556,7 @@
         <p:txBody>
           <a:bodyPr/>
           <a:p>
-            <a:fld id="{1DB141ED-D44A-43DF-B2BE-A3BC695754E1}" type="slidenum">
+            <a:fld id="{51029017-B842-49AF-8B66-A49A9CE9E76B}" type="slidenum">
               <a:t>&lt;#&gt;</a:t>
             </a:fld>
           </a:p>
@@ -3710,7 +3710,7 @@
         <p:txBody>
           <a:bodyPr/>
           <a:p>
-            <a:fld id="{A6BE2FC5-EAB5-46CC-BF7C-404150752CE0}" type="slidenum">
+            <a:fld id="{134EAEA8-A140-4A53-AF40-AA1AA7FD5176}" type="slidenum">
               <a:t>&lt;#&gt;</a:t>
             </a:fld>
           </a:p>
@@ -3898,7 +3898,7 @@
         <p:txBody>
           <a:bodyPr/>
           <a:p>
-            <a:fld id="{50F1FDDE-C1A4-472D-91C4-5AD1F8E18B38}" type="slidenum">
+            <a:fld id="{0632A4DE-1AE4-4A9B-AFBB-1503551D47F8}" type="slidenum">
               <a:t>&lt;#&gt;</a:t>
             </a:fld>
           </a:p>
@@ -4018,7 +4018,7 @@
         <p:txBody>
           <a:bodyPr/>
           <a:p>
-            <a:fld id="{71EA776A-A06B-4CB9-8320-FCB70DD7D7FB}" type="slidenum">
+            <a:fld id="{CB3D24B7-6D5C-493E-B664-C5C88155642B}" type="slidenum">
               <a:t>&lt;#&gt;</a:t>
             </a:fld>
           </a:p>
@@ -4172,7 +4172,7 @@
         <p:txBody>
           <a:bodyPr/>
           <a:p>
-            <a:fld id="{57ADBAFD-7182-4CE0-BD22-1093342F7CF0}" type="slidenum">
+            <a:fld id="{85432598-C8DA-4860-BE1C-7263F053ECCB}" type="slidenum">
               <a:t>&lt;#&gt;</a:t>
             </a:fld>
           </a:p>
@@ -4292,7 +4292,7 @@
         <p:txBody>
           <a:bodyPr/>
           <a:p>
-            <a:fld id="{C3E823F5-23C3-4790-9E28-39A193B9D52E}" type="slidenum">
+            <a:fld id="{7AF18EA3-0D8E-48BC-B266-81654B560B03}" type="slidenum">
               <a:t>&lt;#&gt;</a:t>
             </a:fld>
           </a:p>
@@ -4514,7 +4514,7 @@
         <p:txBody>
           <a:bodyPr/>
           <a:p>
-            <a:fld id="{13504B64-5E4A-4943-867B-4976E6EC6043}" type="slidenum">
+            <a:fld id="{7E033D96-FEA5-498E-B7D6-D53387882011}" type="slidenum">
               <a:t>&lt;#&gt;</a:t>
             </a:fld>
           </a:p>
@@ -4736,7 +4736,7 @@
         <p:txBody>
           <a:bodyPr/>
           <a:p>
-            <a:fld id="{C9698F22-808B-489E-BF49-E86AADA7450B}" type="slidenum">
+            <a:fld id="{DBB900C1-B5F6-4ADA-9989-92E8A621E298}" type="slidenum">
               <a:t>&lt;#&gt;</a:t>
             </a:fld>
           </a:p>
@@ -4958,7 +4958,7 @@
         <p:txBody>
           <a:bodyPr/>
           <a:p>
-            <a:fld id="{3474B18D-E1F2-4CC2-9F8B-086D4390272A}" type="slidenum">
+            <a:fld id="{C2FD3EA1-DC5A-4133-A61B-50D0D278AD75}" type="slidenum">
               <a:t>&lt;#&gt;</a:t>
             </a:fld>
           </a:p>
@@ -5146,7 +5146,7 @@
         <p:txBody>
           <a:bodyPr/>
           <a:p>
-            <a:fld id="{536D598A-78CC-4CC7-BF73-7B8F6B9BC493}" type="slidenum">
+            <a:fld id="{F83ED7F6-0977-4542-A9C3-0D81A3EAD0D9}" type="slidenum">
               <a:t>&lt;#&gt;</a:t>
             </a:fld>
           </a:p>
@@ -5402,7 +5402,7 @@
         <p:txBody>
           <a:bodyPr/>
           <a:p>
-            <a:fld id="{766C9213-6CFE-4297-95EC-B2C73DDF8179}" type="slidenum">
+            <a:fld id="{F2EDFCEB-4DA4-4707-AD01-B893B38733CC}" type="slidenum">
               <a:t>&lt;#&gt;</a:t>
             </a:fld>
           </a:p>
@@ -5726,7 +5726,7 @@
         <p:txBody>
           <a:bodyPr/>
           <a:p>
-            <a:fld id="{536EB796-9D61-4F47-B498-6ED0BF80F9A5}" type="slidenum">
+            <a:fld id="{F1583B70-56C7-4F8B-9190-880A5ADFC6EF}" type="slidenum">
               <a:t>&lt;#&gt;</a:t>
             </a:fld>
           </a:p>
@@ -5914,7 +5914,7 @@
         <p:txBody>
           <a:bodyPr/>
           <a:p>
-            <a:fld id="{4709D18E-2446-4152-9232-CCADC4C2DBF2}" type="slidenum">
+            <a:fld id="{C494DAC6-F87E-4A80-BA25-178B5CEE14BD}" type="slidenum">
               <a:t>&lt;#&gt;</a:t>
             </a:fld>
           </a:p>
@@ -6034,7 +6034,7 @@
         <p:txBody>
           <a:bodyPr/>
           <a:p>
-            <a:fld id="{C9292A22-B125-4F98-ABE1-78504C377ADE}" type="slidenum">
+            <a:fld id="{A1246D4D-D069-4183-B1EE-9F02485C3056}" type="slidenum">
               <a:t>&lt;#&gt;</a:t>
             </a:fld>
           </a:p>
@@ -6154,7 +6154,7 @@
         <p:txBody>
           <a:bodyPr/>
           <a:p>
-            <a:fld id="{6A979BE4-FD43-4C93-AD8A-DF79540824B9}" type="slidenum">
+            <a:fld id="{10523CB5-5995-4811-8B86-1291A16AD19C}" type="slidenum">
               <a:t>&lt;#&gt;</a:t>
             </a:fld>
           </a:p>
@@ -6376,7 +6376,7 @@
         <p:txBody>
           <a:bodyPr/>
           <a:p>
-            <a:fld id="{7144AF45-E1B5-4752-BB3E-2F35B90BEC9A}" type="slidenum">
+            <a:fld id="{B46C5171-0980-4F1B-86C5-5C50CB165C0A}" type="slidenum">
               <a:t>&lt;#&gt;</a:t>
             </a:fld>
           </a:p>
@@ -6598,7 +6598,7 @@
         <p:txBody>
           <a:bodyPr/>
           <a:p>
-            <a:fld id="{2C5D1322-BEE1-4D2E-BEC7-3D4ABED45C73}" type="slidenum">
+            <a:fld id="{9BA466AB-3207-48B9-A1AD-53BA2C51C048}" type="slidenum">
               <a:t>&lt;#&gt;</a:t>
             </a:fld>
           </a:p>
@@ -6820,7 +6820,7 @@
         <p:txBody>
           <a:bodyPr/>
           <a:p>
-            <a:fld id="{F180A4C8-FB36-49D1-B911-F375A2A6F647}" type="slidenum">
+            <a:fld id="{5C103D36-CF01-44BC-BCAE-A4DAB59DD0EC}" type="slidenum">
               <a:t>&lt;#&gt;</a:t>
             </a:fld>
           </a:p>
@@ -6889,7 +6889,7 @@
         <p:spPr>
           <a:xfrm>
             <a:off x="3124080" y="6355800"/>
-            <a:ext cx="2887560" cy="357120"/>
+            <a:ext cx="2887200" cy="356760"/>
           </a:xfrm>
           <a:prstGeom prst="rect">
             <a:avLst/>
@@ -6946,7 +6946,7 @@
         <p:spPr>
           <a:xfrm>
             <a:off x="6553080" y="6355800"/>
-            <a:ext cx="2125800" cy="357120"/>
+            <a:ext cx="2125440" cy="356760"/>
           </a:xfrm>
           <a:prstGeom prst="rect">
             <a:avLst/>
@@ -6981,7 +6981,7 @@
               </a:lnSpc>
               <a:buNone/>
             </a:pPr>
-            <a:fld id="{292398D8-95AE-4070-9B4D-CE8CE48553FC}" type="slidenum">
+            <a:fld id="{C4A16378-BFDE-453B-BA1C-E6473E9C0CD1}" type="slidenum">
               <a:rPr b="0" lang="en-US" sz="900" spc="-1" strike="noStrike">
                 <a:solidFill>
                   <a:srgbClr val="8b8b8b"/>
@@ -7009,7 +7009,7 @@
         <p:spPr>
           <a:xfrm>
             <a:off x="457200" y="6355800"/>
-            <a:ext cx="2125800" cy="357120"/>
+            <a:ext cx="2125440" cy="356760"/>
           </a:xfrm>
           <a:prstGeom prst="rect">
             <a:avLst/>
@@ -7326,7 +7326,7 @@
         <p:spPr>
           <a:xfrm>
             <a:off x="3124080" y="6355800"/>
-            <a:ext cx="2887560" cy="357120"/>
+            <a:ext cx="2887200" cy="356760"/>
           </a:xfrm>
           <a:prstGeom prst="rect">
             <a:avLst/>
@@ -7383,7 +7383,7 @@
         <p:spPr>
           <a:xfrm>
             <a:off x="6553080" y="6355800"/>
-            <a:ext cx="2125800" cy="357120"/>
+            <a:ext cx="2125440" cy="356760"/>
           </a:xfrm>
           <a:prstGeom prst="rect">
             <a:avLst/>
@@ -7418,7 +7418,7 @@
               </a:lnSpc>
               <a:buNone/>
             </a:pPr>
-            <a:fld id="{34E3476E-3257-4F50-956A-59CEE40A0E01}" type="slidenum">
+            <a:fld id="{C6F89F46-CD01-497F-B37B-B2E1811A6654}" type="slidenum">
               <a:rPr b="0" lang="en-US" sz="900" spc="-1" strike="noStrike">
                 <a:solidFill>
                   <a:srgbClr val="8b8b8b"/>
@@ -7446,7 +7446,7 @@
         <p:spPr>
           <a:xfrm>
             <a:off x="457200" y="6355800"/>
-            <a:ext cx="2125800" cy="357120"/>
+            <a:ext cx="2125440" cy="356760"/>
           </a:xfrm>
           <a:prstGeom prst="rect">
             <a:avLst/>
@@ -7763,7 +7763,7 @@
         <p:spPr>
           <a:xfrm>
             <a:off x="3124080" y="6355800"/>
-            <a:ext cx="2887560" cy="357120"/>
+            <a:ext cx="2887200" cy="356760"/>
           </a:xfrm>
           <a:prstGeom prst="rect">
             <a:avLst/>
@@ -7820,7 +7820,7 @@
         <p:spPr>
           <a:xfrm>
             <a:off x="6553080" y="6355800"/>
-            <a:ext cx="2125800" cy="357120"/>
+            <a:ext cx="2125440" cy="356760"/>
           </a:xfrm>
           <a:prstGeom prst="rect">
             <a:avLst/>
@@ -7855,7 +7855,7 @@
               </a:lnSpc>
               <a:buNone/>
             </a:pPr>
-            <a:fld id="{B4E2E9D8-65AE-4C7E-B2B1-1F3F225D7023}" type="slidenum">
+            <a:fld id="{1A8349DF-CD66-4A56-9E70-E5BC0DFC7A9C}" type="slidenum">
               <a:rPr b="0" lang="en-US" sz="900" spc="-1" strike="noStrike">
                 <a:solidFill>
                   <a:srgbClr val="8b8b8b"/>
@@ -7883,7 +7883,7 @@
         <p:spPr>
           <a:xfrm>
             <a:off x="457200" y="6355800"/>
-            <a:ext cx="2125800" cy="357120"/>
+            <a:ext cx="2125440" cy="356760"/>
           </a:xfrm>
           <a:prstGeom prst="rect">
             <a:avLst/>
@@ -8201,7 +8201,7 @@
         <p:spPr>
           <a:xfrm>
             <a:off x="1371600" y="3885840"/>
-            <a:ext cx="6392880" cy="1744200"/>
+            <a:ext cx="6392520" cy="1743840"/>
           </a:xfrm>
           <a:prstGeom prst="rect">
             <a:avLst/>
@@ -8249,7 +8249,7 @@
         <p:spPr>
           <a:xfrm>
             <a:off x="3060000" y="5940000"/>
-            <a:ext cx="3489120" cy="652680"/>
+            <a:ext cx="3488760" cy="652320"/>
           </a:xfrm>
           <a:prstGeom prst="rect">
             <a:avLst/>
@@ -8343,7 +8343,7 @@
         <p:spPr>
           <a:xfrm>
             <a:off x="180000" y="180000"/>
-            <a:ext cx="8819640" cy="6479640"/>
+            <a:ext cx="8819280" cy="6479280"/>
           </a:xfrm>
           <a:prstGeom prst="rect">
             <a:avLst/>
@@ -8523,7 +8523,7 @@
         <p:spPr>
           <a:xfrm>
             <a:off x="8280360" y="6460200"/>
-            <a:ext cx="493200" cy="341640"/>
+            <a:ext cx="492840" cy="341280"/>
           </a:xfrm>
           <a:prstGeom prst="rect">
             <a:avLst/>
@@ -8617,7 +8617,7 @@
         <p:spPr>
           <a:xfrm>
             <a:off x="180000" y="180000"/>
-            <a:ext cx="8819640" cy="6479640"/>
+            <a:ext cx="8819280" cy="6479280"/>
           </a:xfrm>
           <a:prstGeom prst="rect">
             <a:avLst/>
@@ -8797,7 +8797,7 @@
         <p:spPr>
           <a:xfrm>
             <a:off x="8280360" y="6460200"/>
-            <a:ext cx="493200" cy="341640"/>
+            <a:ext cx="492840" cy="341280"/>
           </a:xfrm>
           <a:prstGeom prst="rect">
             <a:avLst/>
@@ -8891,7 +8891,7 @@
         <p:spPr>
           <a:xfrm>
             <a:off x="180000" y="180000"/>
-            <a:ext cx="8819640" cy="6479640"/>
+            <a:ext cx="8819280" cy="6479280"/>
           </a:xfrm>
           <a:prstGeom prst="rect">
             <a:avLst/>
@@ -9106,7 +9106,7 @@
         <p:spPr>
           <a:xfrm>
             <a:off x="8280360" y="6460200"/>
-            <a:ext cx="493200" cy="341640"/>
+            <a:ext cx="492840" cy="341280"/>
           </a:xfrm>
           <a:prstGeom prst="rect">
             <a:avLst/>
@@ -9158,7 +9158,7 @@
         <p:spPr>
           <a:xfrm>
             <a:off x="135360" y="4860000"/>
-            <a:ext cx="8864280" cy="1799640"/>
+            <a:ext cx="8863920" cy="1799280"/>
           </a:xfrm>
           <a:prstGeom prst="rect">
             <a:avLst/>
@@ -9191,6 +9191,7 @@
                   <a:srgbClr val="fff5ce"/>
                 </a:solidFill>
                 <a:latin typeface="Arial"/>
+                <a:ea typeface="DejaVu Sans"/>
               </a:rPr>
               <a:t>Jonas Myrin, Matt Redman</a:t>
             </a:r>
@@ -9211,6 +9212,7 @@
                   <a:srgbClr val="fff5ce"/>
                 </a:solidFill>
                 <a:latin typeface="Arial"/>
+                <a:ea typeface="DejaVu Sans"/>
               </a:rPr>
               <a:t>CCLI Song #6016351</a:t>
             </a:r>
@@ -9231,6 +9233,7 @@
                   <a:srgbClr val="fff5ce"/>
                 </a:solidFill>
                 <a:latin typeface="Arial"/>
+                <a:ea typeface="DejaVu Sans"/>
               </a:rPr>
               <a:t>© 2011 Thankyou Music; Atlas Mountain Songs</a:t>
             </a:r>
@@ -9251,6 +9254,7 @@
                   <a:srgbClr val="fff5ce"/>
                 </a:solidFill>
                 <a:latin typeface="Arial"/>
+                <a:ea typeface="DejaVu Sans"/>
               </a:rPr>
               <a:t>For use solely with the SongSelect® Terms of Use.  All rights reserved. www.ccli.com</a:t>
             </a:r>
@@ -9271,6 +9275,7 @@
                   <a:srgbClr val="fff5ce"/>
                 </a:solidFill>
                 <a:latin typeface="Arial"/>
+                <a:ea typeface="DejaVu Sans"/>
               </a:rPr>
               <a:t>CCLI Licence No.2299</a:t>
             </a:r>
@@ -9342,7 +9347,7 @@
         <p:spPr>
           <a:xfrm>
             <a:off x="457200" y="274320"/>
-            <a:ext cx="8221680" cy="1134720"/>
+            <a:ext cx="8221320" cy="1134360"/>
           </a:xfrm>
           <a:prstGeom prst="rect">
             <a:avLst/>
@@ -9394,7 +9399,7 @@
         <p:spPr>
           <a:xfrm>
             <a:off x="457200" y="1600200"/>
-            <a:ext cx="8221680" cy="3258720"/>
+            <a:ext cx="8221320" cy="3258360"/>
           </a:xfrm>
           <a:prstGeom prst="rect">
             <a:avLst/>
@@ -9505,7 +9510,7 @@
         <p:spPr>
           <a:xfrm>
             <a:off x="417240" y="5040000"/>
-            <a:ext cx="8221680" cy="1438920"/>
+            <a:ext cx="8221320" cy="1438560"/>
           </a:xfrm>
           <a:prstGeom prst="rect">
             <a:avLst/>
@@ -9605,7 +9610,7 @@
         <p:spPr>
           <a:xfrm>
             <a:off x="457200" y="1600200"/>
-            <a:ext cx="8221680" cy="3258720"/>
+            <a:ext cx="8221320" cy="3258360"/>
           </a:xfrm>
           <a:prstGeom prst="rect">
             <a:avLst/>
@@ -9711,7 +9716,7 @@
               </a:tabLst>
             </a:pPr>
             <a:r>
-              <a:rPr b="0" lang="en-US" sz="4000" spc="-1" strike="noStrike">
+              <a:rPr b="1" lang="en-US" sz="4000" spc="-1" strike="noStrike">
                 <a:solidFill>
                   <a:srgbClr val="ffbf00"/>
                 </a:solidFill>
@@ -9810,7 +9815,7 @@
         <p:spPr>
           <a:xfrm>
             <a:off x="457200" y="1600200"/>
-            <a:ext cx="8221680" cy="3258720"/>
+            <a:ext cx="8221320" cy="3258360"/>
           </a:xfrm>
           <a:prstGeom prst="rect">
             <a:avLst/>
@@ -9916,7 +9921,7 @@
               </a:tabLst>
             </a:pPr>
             <a:r>
-              <a:rPr b="0" lang="en-US" sz="4000" spc="-1" strike="noStrike">
+              <a:rPr b="1" lang="en-US" sz="4000" spc="-1" strike="noStrike">
                 <a:solidFill>
                   <a:srgbClr val="ffbf00"/>
                 </a:solidFill>
@@ -10015,7 +10020,7 @@
         <p:spPr>
           <a:xfrm>
             <a:off x="457200" y="1600200"/>
-            <a:ext cx="8221680" cy="3258720"/>
+            <a:ext cx="8221320" cy="3258360"/>
           </a:xfrm>
           <a:prstGeom prst="rect">
             <a:avLst/>
@@ -10121,7 +10126,7 @@
               </a:tabLst>
             </a:pPr>
             <a:r>
-              <a:rPr b="0" lang="en-US" sz="4000" spc="-1" strike="noStrike">
+              <a:rPr b="1" lang="en-US" sz="4000" spc="-1" strike="noStrike">
                 <a:solidFill>
                   <a:srgbClr val="ffbf00"/>
                 </a:solidFill>
@@ -10216,7 +10221,7 @@
         <p:spPr>
           <a:xfrm>
             <a:off x="680760" y="1871640"/>
-            <a:ext cx="8318160" cy="3129120"/>
+            <a:ext cx="8317800" cy="3128760"/>
           </a:xfrm>
           <a:prstGeom prst="rect">
             <a:avLst/>
@@ -10405,7 +10410,7 @@
         <p:spPr>
           <a:xfrm>
             <a:off x="0" y="0"/>
-            <a:ext cx="9143280" cy="1134720"/>
+            <a:ext cx="9142920" cy="1134360"/>
           </a:xfrm>
           <a:prstGeom prst="rect">
             <a:avLst/>
@@ -10457,7 +10462,7 @@
         <p:spPr>
           <a:xfrm>
             <a:off x="180000" y="1135080"/>
-            <a:ext cx="8819640" cy="5395320"/>
+            <a:ext cx="8819280" cy="5394960"/>
           </a:xfrm>
           <a:prstGeom prst="rect">
             <a:avLst/>
@@ -10629,7 +10634,7 @@
         <p:spPr>
           <a:xfrm>
             <a:off x="8280720" y="6460200"/>
-            <a:ext cx="493200" cy="341640"/>
+            <a:ext cx="492840" cy="341280"/>
           </a:xfrm>
           <a:prstGeom prst="rect">
             <a:avLst/>
@@ -10723,7 +10728,7 @@
         <p:spPr>
           <a:xfrm>
             <a:off x="180000" y="1135080"/>
-            <a:ext cx="8819640" cy="5395320"/>
+            <a:ext cx="8819280" cy="5394960"/>
           </a:xfrm>
           <a:prstGeom prst="rect">
             <a:avLst/>
@@ -10895,7 +10900,7 @@
         <p:spPr>
           <a:xfrm>
             <a:off x="8280720" y="6460200"/>
-            <a:ext cx="493200" cy="341640"/>
+            <a:ext cx="492840" cy="341280"/>
           </a:xfrm>
           <a:prstGeom prst="rect">
             <a:avLst/>
@@ -10989,7 +10994,7 @@
         <p:spPr>
           <a:xfrm>
             <a:off x="360000" y="180000"/>
-            <a:ext cx="8538120" cy="6295320"/>
+            <a:ext cx="8537760" cy="6294960"/>
           </a:xfrm>
           <a:prstGeom prst="rect">
             <a:avLst/>
@@ -11514,7 +11519,7 @@
         <p:spPr>
           <a:xfrm>
             <a:off x="180000" y="1135080"/>
-            <a:ext cx="8819640" cy="5395320"/>
+            <a:ext cx="8819280" cy="5394960"/>
           </a:xfrm>
           <a:prstGeom prst="rect">
             <a:avLst/>
@@ -11686,7 +11691,7 @@
         <p:spPr>
           <a:xfrm>
             <a:off x="8280720" y="6460200"/>
-            <a:ext cx="493200" cy="341640"/>
+            <a:ext cx="492840" cy="341280"/>
           </a:xfrm>
           <a:prstGeom prst="rect">
             <a:avLst/>
@@ -11780,7 +11785,7 @@
         <p:spPr>
           <a:xfrm>
             <a:off x="180000" y="1135080"/>
-            <a:ext cx="8819640" cy="5395320"/>
+            <a:ext cx="8819280" cy="5394960"/>
           </a:xfrm>
           <a:prstGeom prst="rect">
             <a:avLst/>
@@ -11926,7 +11931,7 @@
         <p:spPr>
           <a:xfrm>
             <a:off x="8280720" y="6460200"/>
-            <a:ext cx="493200" cy="341640"/>
+            <a:ext cx="492840" cy="341280"/>
           </a:xfrm>
           <a:prstGeom prst="rect">
             <a:avLst/>
@@ -12020,7 +12025,7 @@
         <p:spPr>
           <a:xfrm>
             <a:off x="180000" y="1135080"/>
-            <a:ext cx="8819640" cy="5395320"/>
+            <a:ext cx="8819280" cy="5394960"/>
           </a:xfrm>
           <a:prstGeom prst="rect">
             <a:avLst/>
@@ -12192,7 +12197,7 @@
         <p:spPr>
           <a:xfrm>
             <a:off x="180000" y="5040000"/>
-            <a:ext cx="8819640" cy="1490400"/>
+            <a:ext cx="8819280" cy="1490040"/>
           </a:xfrm>
           <a:prstGeom prst="rect">
             <a:avLst/>
@@ -12231,6 +12236,7 @@
                   <a:srgbClr val="ffe994"/>
                 </a:solidFill>
                 <a:latin typeface="Calibri"/>
+                <a:ea typeface="DejaVu Sans"/>
               </a:rPr>
               <a:t>Brian Doerksen</a:t>
             </a:r>
@@ -12257,6 +12263,7 @@
                   <a:srgbClr val="ffe994"/>
                 </a:solidFill>
                 <a:latin typeface="Calibri"/>
+                <a:ea typeface="DejaVu Sans"/>
               </a:rPr>
               <a:t>CCLI Song #2430948</a:t>
             </a:r>
@@ -12283,6 +12290,7 @@
                   <a:srgbClr val="ffe994"/>
                 </a:solidFill>
                 <a:latin typeface="Calibri"/>
+                <a:ea typeface="DejaVu Sans"/>
               </a:rPr>
               <a:t>© 1998 Vineyard Songs (UK/Eire)</a:t>
             </a:r>
@@ -12309,6 +12317,7 @@
                   <a:srgbClr val="ffe994"/>
                 </a:solidFill>
                 <a:latin typeface="Calibri"/>
+                <a:ea typeface="DejaVu Sans"/>
               </a:rPr>
               <a:t>For use solely with the SongSelect® Terms of Use.  All rights reserved. www.ccli.com</a:t>
             </a:r>
@@ -12335,6 +12344,7 @@
                   <a:srgbClr val="ffe994"/>
                 </a:solidFill>
                 <a:latin typeface="Calibri"/>
+                <a:ea typeface="DejaVu Sans"/>
               </a:rPr>
               <a:t>CCLI Licence No.2299</a:t>
             </a:r>
@@ -12353,7 +12363,7 @@
         <p:spPr>
           <a:xfrm>
             <a:off x="8280720" y="6460200"/>
-            <a:ext cx="493200" cy="341640"/>
+            <a:ext cx="492840" cy="341280"/>
           </a:xfrm>
           <a:prstGeom prst="rect">
             <a:avLst/>
@@ -12485,7 +12495,7 @@
         <p:spPr>
           <a:xfrm>
             <a:off x="457200" y="274320"/>
-            <a:ext cx="8221680" cy="1134720"/>
+            <a:ext cx="8221320" cy="1134360"/>
           </a:xfrm>
           <a:prstGeom prst="rect">
             <a:avLst/>
@@ -12537,7 +12547,7 @@
         <p:spPr>
           <a:xfrm>
             <a:off x="457200" y="1348200"/>
-            <a:ext cx="8221680" cy="989640"/>
+            <a:ext cx="8221320" cy="989280"/>
           </a:xfrm>
           <a:prstGeom prst="rect">
             <a:avLst/>
@@ -12630,7 +12640,7 @@
         <p:spPr>
           <a:xfrm>
             <a:off x="457200" y="274320"/>
-            <a:ext cx="8221680" cy="1134720"/>
+            <a:ext cx="8221320" cy="1134360"/>
           </a:xfrm>
           <a:prstGeom prst="rect">
             <a:avLst/>
@@ -12682,7 +12692,7 @@
         <p:spPr>
           <a:xfrm>
             <a:off x="457200" y="1348200"/>
-            <a:ext cx="8221680" cy="989640"/>
+            <a:ext cx="8221320" cy="989280"/>
           </a:xfrm>
           <a:prstGeom prst="rect">
             <a:avLst/>
@@ -12733,7 +12743,7 @@
         <p:spPr>
           <a:xfrm>
             <a:off x="2099880" y="6120000"/>
-            <a:ext cx="6430680" cy="717840"/>
+            <a:ext cx="6430320" cy="717480"/>
           </a:xfrm>
           <a:prstGeom prst="rect">
             <a:avLst/>
@@ -12842,7 +12852,7 @@
         <p:spPr>
           <a:xfrm>
             <a:off x="2099880" y="2340000"/>
-            <a:ext cx="4942440" cy="3667680"/>
+            <a:ext cx="4942080" cy="3667320"/>
           </a:xfrm>
           <a:prstGeom prst="rect">
             <a:avLst/>
@@ -12903,7 +12913,7 @@
         <p:spPr>
           <a:xfrm>
             <a:off x="457200" y="274320"/>
-            <a:ext cx="8221680" cy="1134720"/>
+            <a:ext cx="8221320" cy="1134360"/>
           </a:xfrm>
           <a:prstGeom prst="rect">
             <a:avLst/>
@@ -12951,7 +12961,7 @@
         <p:spPr>
           <a:xfrm>
             <a:off x="457560" y="4860000"/>
-            <a:ext cx="8221680" cy="1289160"/>
+            <a:ext cx="8221320" cy="1288800"/>
           </a:xfrm>
           <a:prstGeom prst="rect">
             <a:avLst/>
@@ -13029,7 +13039,7 @@
         <p:spPr>
           <a:xfrm>
             <a:off x="6300360" y="2880360"/>
-            <a:ext cx="2517840" cy="2517840"/>
+            <a:ext cx="2517480" cy="2517480"/>
           </a:xfrm>
           <a:prstGeom prst="rect">
             <a:avLst/>
@@ -13048,7 +13058,7 @@
         <p:spPr>
           <a:xfrm>
             <a:off x="457560" y="1732320"/>
-            <a:ext cx="8220240" cy="3055320"/>
+            <a:ext cx="8219880" cy="3054960"/>
           </a:xfrm>
           <a:prstGeom prst="rect">
             <a:avLst/>
@@ -13272,7 +13282,7 @@
         <p:spPr>
           <a:xfrm>
             <a:off x="0" y="0"/>
-            <a:ext cx="9177120" cy="6297120"/>
+            <a:ext cx="9176760" cy="6296760"/>
           </a:xfrm>
           <a:prstGeom prst="rect">
             <a:avLst/>
@@ -13468,7 +13478,7 @@
         <p:spPr>
           <a:xfrm>
             <a:off x="8280720" y="6460200"/>
-            <a:ext cx="492480" cy="340920"/>
+            <a:ext cx="492120" cy="340560"/>
           </a:xfrm>
           <a:prstGeom prst="rect">
             <a:avLst/>
@@ -13524,7 +13534,7 @@
         <p:spPr>
           <a:xfrm>
             <a:off x="1818720" y="900000"/>
-            <a:ext cx="5504760" cy="4129560"/>
+            <a:ext cx="5504400" cy="4129200"/>
           </a:xfrm>
           <a:prstGeom prst="rect">
             <a:avLst/>
@@ -13623,7 +13633,7 @@
         <p:spPr>
           <a:xfrm>
             <a:off x="457200" y="274320"/>
-            <a:ext cx="8221680" cy="615960"/>
+            <a:ext cx="8221320" cy="615600"/>
           </a:xfrm>
           <a:prstGeom prst="rect">
             <a:avLst/>
@@ -13675,7 +13685,7 @@
         <p:spPr>
           <a:xfrm>
             <a:off x="457200" y="1204200"/>
-            <a:ext cx="8221680" cy="4517640"/>
+            <a:ext cx="8221320" cy="4517280"/>
           </a:xfrm>
           <a:prstGeom prst="rect">
             <a:avLst/>
@@ -13884,7 +13894,7 @@
         <p:spPr>
           <a:xfrm>
             <a:off x="457200" y="558000"/>
-            <a:ext cx="8221680" cy="4517640"/>
+            <a:ext cx="8221320" cy="4517280"/>
           </a:xfrm>
           <a:prstGeom prst="rect">
             <a:avLst/>
@@ -14055,7 +14065,7 @@
         <p:spPr>
           <a:xfrm>
             <a:off x="457200" y="306000"/>
-            <a:ext cx="8221680" cy="4517640"/>
+            <a:ext cx="8221320" cy="4517280"/>
           </a:xfrm>
           <a:prstGeom prst="rect">
             <a:avLst/>
@@ -14385,7 +14395,7 @@
         <p:spPr>
           <a:xfrm>
             <a:off x="417960" y="-55080"/>
-            <a:ext cx="8221680" cy="1134720"/>
+            <a:ext cx="8221320" cy="1134360"/>
           </a:xfrm>
           <a:prstGeom prst="rect">
             <a:avLst/>
@@ -14437,7 +14447,7 @@
         <p:spPr>
           <a:xfrm>
             <a:off x="0" y="1080000"/>
-            <a:ext cx="9143640" cy="5399640"/>
+            <a:ext cx="9143280" cy="5399280"/>
           </a:xfrm>
           <a:prstGeom prst="rect">
             <a:avLst/>
@@ -14644,7 +14654,7 @@
         <p:spPr>
           <a:xfrm>
             <a:off x="8280000" y="6460200"/>
-            <a:ext cx="493200" cy="341640"/>
+            <a:ext cx="492840" cy="341280"/>
           </a:xfrm>
           <a:prstGeom prst="rect">
             <a:avLst/>
@@ -14738,7 +14748,7 @@
         <p:spPr>
           <a:xfrm>
             <a:off x="0" y="180000"/>
-            <a:ext cx="9143640" cy="5399640"/>
+            <a:ext cx="9143280" cy="5399280"/>
           </a:xfrm>
           <a:prstGeom prst="rect">
             <a:avLst/>
@@ -14971,7 +14981,7 @@
         <p:spPr>
           <a:xfrm>
             <a:off x="8280000" y="6460200"/>
-            <a:ext cx="493200" cy="341640"/>
+            <a:ext cx="492840" cy="341280"/>
           </a:xfrm>
           <a:prstGeom prst="rect">
             <a:avLst/>
@@ -15065,7 +15075,7 @@
         <p:spPr>
           <a:xfrm>
             <a:off x="0" y="180000"/>
-            <a:ext cx="9143640" cy="5399640"/>
+            <a:ext cx="9143280" cy="5399280"/>
           </a:xfrm>
           <a:prstGeom prst="rect">
             <a:avLst/>
@@ -15298,7 +15308,7 @@
         <p:spPr>
           <a:xfrm>
             <a:off x="8280000" y="6460200"/>
-            <a:ext cx="493200" cy="341640"/>
+            <a:ext cx="492840" cy="341280"/>
           </a:xfrm>
           <a:prstGeom prst="rect">
             <a:avLst/>
@@ -15392,7 +15402,7 @@
         <p:spPr>
           <a:xfrm>
             <a:off x="0" y="180000"/>
-            <a:ext cx="9143640" cy="5399640"/>
+            <a:ext cx="9143280" cy="5399280"/>
           </a:xfrm>
           <a:prstGeom prst="rect">
             <a:avLst/>
@@ -15625,7 +15635,7 @@
         <p:spPr>
           <a:xfrm>
             <a:off x="8280000" y="6460200"/>
-            <a:ext cx="493200" cy="341640"/>
+            <a:ext cx="492840" cy="341280"/>
           </a:xfrm>
           <a:prstGeom prst="rect">
             <a:avLst/>
@@ -15677,7 +15687,7 @@
         <p:spPr>
           <a:xfrm>
             <a:off x="0" y="5580000"/>
-            <a:ext cx="9143640" cy="1466280"/>
+            <a:ext cx="9143280" cy="1465920"/>
           </a:xfrm>
           <a:prstGeom prst="rect">
             <a:avLst/>
@@ -15716,6 +15726,7 @@
                   <a:srgbClr val="ffe994"/>
                 </a:solidFill>
                 <a:latin typeface="Calibri"/>
+                <a:ea typeface="DejaVu Sans"/>
               </a:rPr>
               <a:t>Matt Redman</a:t>
             </a:r>
@@ -15742,6 +15753,7 @@
                   <a:srgbClr val="ffe994"/>
                 </a:solidFill>
                 <a:latin typeface="Calibri"/>
+                <a:ea typeface="DejaVu Sans"/>
               </a:rPr>
               <a:t>CCLI Song #1083764</a:t>
             </a:r>
@@ -15768,6 +15780,7 @@
                   <a:srgbClr val="ffe994"/>
                 </a:solidFill>
                 <a:latin typeface="Calibri"/>
+                <a:ea typeface="DejaVu Sans"/>
               </a:rPr>
               <a:t>© 1994 Thankyou Music</a:t>
             </a:r>
@@ -15794,6 +15807,7 @@
                   <a:srgbClr val="ffe994"/>
                 </a:solidFill>
                 <a:latin typeface="Calibri"/>
+                <a:ea typeface="DejaVu Sans"/>
               </a:rPr>
               <a:t>For use solely with the SongSelect® Terms of Use.  All rights reserved. www.ccli.com</a:t>
             </a:r>
@@ -15820,6 +15834,7 @@
                   <a:srgbClr val="ffe994"/>
                 </a:solidFill>
                 <a:latin typeface="Calibri"/>
+                <a:ea typeface="DejaVu Sans"/>
               </a:rPr>
               <a:t>CCLI Licence No.2299</a:t>
             </a:r>
@@ -15880,7 +15895,7 @@
         <p:spPr>
           <a:xfrm>
             <a:off x="457200" y="556200"/>
-            <a:ext cx="8221680" cy="5742720"/>
+            <a:ext cx="8221320" cy="5742360"/>
           </a:xfrm>
           <a:prstGeom prst="rect">
             <a:avLst/>
@@ -15951,7 +15966,7 @@
         <p:spPr>
           <a:xfrm>
             <a:off x="410760" y="5940000"/>
-            <a:ext cx="8221680" cy="715320"/>
+            <a:ext cx="8221320" cy="714960"/>
           </a:xfrm>
           <a:prstGeom prst="rect">
             <a:avLst/>
@@ -16051,7 +16066,7 @@
         <p:spPr>
           <a:xfrm>
             <a:off x="457200" y="556200"/>
-            <a:ext cx="8221680" cy="5742720"/>
+            <a:ext cx="8221320" cy="5742360"/>
           </a:xfrm>
           <a:prstGeom prst="rect">
             <a:avLst/>
@@ -16107,6 +16122,15 @@
             <a:br>
               <a:rPr sz="4000"/>
             </a:br>
+            <a:r>
+              <a:rPr b="0" lang="en-GB" sz="4000" spc="-1" strike="noStrike">
+                <a:solidFill>
+                  <a:srgbClr val="fff5ce"/>
+                </a:solidFill>
+                <a:latin typeface="Arial"/>
+              </a:rPr>
+              <a:t>Wealth and Walk</a:t>
+            </a:r>
             <a:endParaRPr b="0" lang="en-GB" sz="4000" spc="-1" strike="noStrike">
               <a:latin typeface="Arial"/>
             </a:endParaRPr>
@@ -16122,7 +16146,7 @@
         <p:spPr>
           <a:xfrm>
             <a:off x="410760" y="5940000"/>
-            <a:ext cx="8221680" cy="715320"/>
+            <a:ext cx="8221320" cy="714960"/>
           </a:xfrm>
           <a:prstGeom prst="rect">
             <a:avLst/>
@@ -16222,7 +16246,7 @@
         <p:spPr>
           <a:xfrm>
             <a:off x="457200" y="0"/>
-            <a:ext cx="8221680" cy="899280"/>
+            <a:ext cx="8221320" cy="898920"/>
           </a:xfrm>
           <a:prstGeom prst="rect">
             <a:avLst/>
@@ -16270,7 +16294,7 @@
         <p:spPr>
           <a:xfrm>
             <a:off x="347760" y="1493640"/>
-            <a:ext cx="8467560" cy="5079960"/>
+            <a:ext cx="8467200" cy="5079600"/>
           </a:xfrm>
           <a:prstGeom prst="rect">
             <a:avLst/>
@@ -16464,7 +16488,7 @@
         <p:spPr>
           <a:xfrm>
             <a:off x="457200" y="94320"/>
-            <a:ext cx="8221680" cy="1134720"/>
+            <a:ext cx="8221320" cy="1134360"/>
           </a:xfrm>
           <a:prstGeom prst="rect">
             <a:avLst/>
@@ -16516,7 +16540,7 @@
         <p:spPr>
           <a:xfrm>
             <a:off x="360000" y="1080000"/>
-            <a:ext cx="8538120" cy="5395320"/>
+            <a:ext cx="8537760" cy="5394960"/>
           </a:xfrm>
           <a:prstGeom prst="rect">
             <a:avLst/>
@@ -16674,7 +16698,7 @@
         <p:spPr>
           <a:xfrm>
             <a:off x="347760" y="0"/>
-            <a:ext cx="8467560" cy="6573600"/>
+            <a:ext cx="8467200" cy="6573240"/>
           </a:xfrm>
           <a:prstGeom prst="rect">
             <a:avLst/>
@@ -16881,7 +16905,7 @@
         <p:spPr>
           <a:xfrm>
             <a:off x="347760" y="773640"/>
-            <a:ext cx="8467560" cy="5079960"/>
+            <a:ext cx="8467200" cy="5079600"/>
           </a:xfrm>
           <a:prstGeom prst="rect">
             <a:avLst/>
@@ -17081,7 +17105,7 @@
         <p:spPr>
           <a:xfrm>
             <a:off x="347760" y="1493640"/>
-            <a:ext cx="8467560" cy="5079960"/>
+            <a:ext cx="8467200" cy="5079600"/>
           </a:xfrm>
           <a:prstGeom prst="rect">
             <a:avLst/>
@@ -17288,7 +17312,7 @@
         <p:spPr>
           <a:xfrm>
             <a:off x="180000" y="1619280"/>
-            <a:ext cx="8818920" cy="3599640"/>
+            <a:ext cx="8818560" cy="3599280"/>
           </a:xfrm>
           <a:prstGeom prst="rect">
             <a:avLst/>
@@ -17408,7 +17432,7 @@
         <p:spPr>
           <a:xfrm>
             <a:off x="583200" y="5793840"/>
-            <a:ext cx="8221680" cy="825480"/>
+            <a:ext cx="8221320" cy="825120"/>
           </a:xfrm>
           <a:prstGeom prst="rect">
             <a:avLst/>
@@ -17466,7 +17490,7 @@
         <p:spPr>
           <a:xfrm>
             <a:off x="540000" y="720000"/>
-            <a:ext cx="8221680" cy="1096920"/>
+            <a:ext cx="8221320" cy="1096560"/>
           </a:xfrm>
           <a:prstGeom prst="rect">
             <a:avLst/>
@@ -17604,7 +17628,7 @@
         <p:spPr>
           <a:xfrm>
             <a:off x="417240" y="1601280"/>
-            <a:ext cx="8221680" cy="4517640"/>
+            <a:ext cx="8221320" cy="4517280"/>
           </a:xfrm>
           <a:prstGeom prst="rect">
             <a:avLst/>
@@ -17785,7 +17809,7 @@
         <p:spPr>
           <a:xfrm>
             <a:off x="457560" y="631440"/>
-            <a:ext cx="8221680" cy="968760"/>
+            <a:ext cx="8221320" cy="968400"/>
           </a:xfrm>
           <a:prstGeom prst="rect">
             <a:avLst/>
@@ -17885,7 +17909,7 @@
         <p:spPr>
           <a:xfrm>
             <a:off x="417240" y="1601280"/>
-            <a:ext cx="8221680" cy="4517640"/>
+            <a:ext cx="8221320" cy="4517280"/>
           </a:xfrm>
           <a:prstGeom prst="rect">
             <a:avLst/>
@@ -17978,7 +18002,7 @@
         <p:spPr>
           <a:xfrm>
             <a:off x="180000" y="701280"/>
-            <a:ext cx="8962920" cy="5777640"/>
+            <a:ext cx="8962560" cy="5777280"/>
           </a:xfrm>
           <a:prstGeom prst="rect">
             <a:avLst/>
@@ -18227,7 +18251,7 @@
         <p:spPr>
           <a:xfrm>
             <a:off x="417240" y="1601280"/>
-            <a:ext cx="8221680" cy="4517640"/>
+            <a:ext cx="8221320" cy="4517280"/>
           </a:xfrm>
           <a:prstGeom prst="rect">
             <a:avLst/>
@@ -18320,7 +18344,7 @@
         <p:spPr>
           <a:xfrm>
             <a:off x="180000" y="701280"/>
-            <a:ext cx="8962920" cy="5777640"/>
+            <a:ext cx="8962560" cy="5777280"/>
           </a:xfrm>
           <a:prstGeom prst="rect">
             <a:avLst/>
@@ -18517,7 +18541,7 @@
         <p:spPr>
           <a:xfrm>
             <a:off x="0" y="0"/>
-            <a:ext cx="9143280" cy="1134720"/>
+            <a:ext cx="9142920" cy="1134360"/>
           </a:xfrm>
           <a:prstGeom prst="rect">
             <a:avLst/>
@@ -18569,7 +18593,7 @@
         <p:spPr>
           <a:xfrm>
             <a:off x="180000" y="1260000"/>
-            <a:ext cx="8819640" cy="5219640"/>
+            <a:ext cx="8819280" cy="5219280"/>
           </a:xfrm>
           <a:prstGeom prst="rect">
             <a:avLst/>
@@ -18749,7 +18773,7 @@
         <p:spPr>
           <a:xfrm>
             <a:off x="8280360" y="6460200"/>
-            <a:ext cx="493200" cy="341640"/>
+            <a:ext cx="492840" cy="341280"/>
           </a:xfrm>
           <a:prstGeom prst="rect">
             <a:avLst/>
@@ -18843,7 +18867,7 @@
         <p:spPr>
           <a:xfrm>
             <a:off x="417240" y="1601280"/>
-            <a:ext cx="8221680" cy="4517640"/>
+            <a:ext cx="8221320" cy="4517280"/>
           </a:xfrm>
           <a:prstGeom prst="rect">
             <a:avLst/>
@@ -18936,7 +18960,7 @@
         <p:spPr>
           <a:xfrm>
             <a:off x="180000" y="701280"/>
-            <a:ext cx="8962920" cy="5777640"/>
+            <a:ext cx="8962560" cy="5777280"/>
           </a:xfrm>
           <a:prstGeom prst="rect">
             <a:avLst/>
@@ -19211,7 +19235,7 @@
         <p:spPr>
           <a:xfrm>
             <a:off x="180000" y="701280"/>
-            <a:ext cx="8962920" cy="5777640"/>
+            <a:ext cx="8962560" cy="5777280"/>
           </a:xfrm>
           <a:prstGeom prst="rect">
             <a:avLst/>
@@ -19434,7 +19458,7 @@
         <p:spPr>
           <a:xfrm>
             <a:off x="-360000" y="720000"/>
-            <a:ext cx="8962920" cy="1277640"/>
+            <a:ext cx="8962560" cy="1277280"/>
           </a:xfrm>
           <a:prstGeom prst="rect">
             <a:avLst/>
@@ -19502,7 +19526,7 @@
         <p:spPr>
           <a:xfrm>
             <a:off x="36000" y="2141280"/>
-            <a:ext cx="8962920" cy="5777640"/>
+            <a:ext cx="8962560" cy="5777280"/>
           </a:xfrm>
           <a:prstGeom prst="rect">
             <a:avLst/>
@@ -19700,7 +19724,7 @@
         <p:spPr>
           <a:xfrm>
             <a:off x="2196000" y="180000"/>
-            <a:ext cx="6622920" cy="898920"/>
+            <a:ext cx="6622560" cy="898560"/>
           </a:xfrm>
           <a:prstGeom prst="rect">
             <a:avLst/>
@@ -19768,7 +19792,7 @@
         <p:spPr>
           <a:xfrm>
             <a:off x="180000" y="918000"/>
-            <a:ext cx="8962920" cy="5938920"/>
+            <a:ext cx="8962560" cy="5938560"/>
           </a:xfrm>
           <a:prstGeom prst="rect">
             <a:avLst/>
@@ -19895,7 +19919,7 @@
         <p:spPr>
           <a:xfrm>
             <a:off x="457200" y="-55440"/>
-            <a:ext cx="8221680" cy="1134720"/>
+            <a:ext cx="8221320" cy="1134360"/>
           </a:xfrm>
           <a:prstGeom prst="rect">
             <a:avLst/>
@@ -19947,7 +19971,7 @@
         <p:spPr>
           <a:xfrm>
             <a:off x="180000" y="1080000"/>
-            <a:ext cx="8819280" cy="4517640"/>
+            <a:ext cx="8818920" cy="4517280"/>
           </a:xfrm>
           <a:prstGeom prst="rect">
             <a:avLst/>
@@ -20085,7 +20109,7 @@
         <p:spPr>
           <a:xfrm>
             <a:off x="8281080" y="6460200"/>
-            <a:ext cx="493200" cy="341640"/>
+            <a:ext cx="492840" cy="341280"/>
           </a:xfrm>
           <a:prstGeom prst="rect">
             <a:avLst/>
@@ -20179,7 +20203,7 @@
         <p:spPr>
           <a:xfrm>
             <a:off x="180000" y="1080000"/>
-            <a:ext cx="8819280" cy="4517640"/>
+            <a:ext cx="8818920" cy="4517280"/>
           </a:xfrm>
           <a:prstGeom prst="rect">
             <a:avLst/>
@@ -20308,7 +20332,7 @@
         <p:spPr>
           <a:xfrm>
             <a:off x="8281080" y="6460200"/>
-            <a:ext cx="493200" cy="341640"/>
+            <a:ext cx="492840" cy="341280"/>
           </a:xfrm>
           <a:prstGeom prst="rect">
             <a:avLst/>
@@ -20402,7 +20426,7 @@
         <p:spPr>
           <a:xfrm>
             <a:off x="180000" y="1080000"/>
-            <a:ext cx="8819280" cy="4517640"/>
+            <a:ext cx="8818920" cy="4517280"/>
           </a:xfrm>
           <a:prstGeom prst="rect">
             <a:avLst/>
@@ -20531,7 +20555,7 @@
         <p:spPr>
           <a:xfrm>
             <a:off x="8281080" y="6460200"/>
-            <a:ext cx="493200" cy="341640"/>
+            <a:ext cx="492840" cy="341280"/>
           </a:xfrm>
           <a:prstGeom prst="rect">
             <a:avLst/>
@@ -20625,7 +20649,7 @@
         <p:spPr>
           <a:xfrm>
             <a:off x="180000" y="1080000"/>
-            <a:ext cx="8819280" cy="4517640"/>
+            <a:ext cx="8818920" cy="4517280"/>
           </a:xfrm>
           <a:prstGeom prst="rect">
             <a:avLst/>
@@ -20754,7 +20778,7 @@
         <p:spPr>
           <a:xfrm>
             <a:off x="8281080" y="6460200"/>
-            <a:ext cx="493200" cy="341640"/>
+            <a:ext cx="492840" cy="341280"/>
           </a:xfrm>
           <a:prstGeom prst="rect">
             <a:avLst/>
@@ -20848,7 +20872,7 @@
         <p:spPr>
           <a:xfrm>
             <a:off x="180000" y="1080000"/>
-            <a:ext cx="8819280" cy="4517640"/>
+            <a:ext cx="8818920" cy="4517280"/>
           </a:xfrm>
           <a:prstGeom prst="rect">
             <a:avLst/>
@@ -20977,7 +21001,7 @@
         <p:spPr>
           <a:xfrm>
             <a:off x="8281080" y="6460200"/>
-            <a:ext cx="493200" cy="341640"/>
+            <a:ext cx="492840" cy="341280"/>
           </a:xfrm>
           <a:prstGeom prst="rect">
             <a:avLst/>
@@ -21071,7 +21095,7 @@
         <p:spPr>
           <a:xfrm>
             <a:off x="180000" y="180000"/>
-            <a:ext cx="8819640" cy="6479640"/>
+            <a:ext cx="8819280" cy="6479280"/>
           </a:xfrm>
           <a:prstGeom prst="rect">
             <a:avLst/>
@@ -21268,7 +21292,7 @@
         <p:spPr>
           <a:xfrm>
             <a:off x="8280360" y="6460200"/>
-            <a:ext cx="493200" cy="341640"/>
+            <a:ext cx="492840" cy="341280"/>
           </a:xfrm>
           <a:prstGeom prst="rect">
             <a:avLst/>
@@ -21362,7 +21386,7 @@
         <p:spPr>
           <a:xfrm>
             <a:off x="180000" y="1080000"/>
-            <a:ext cx="8819280" cy="4517640"/>
+            <a:ext cx="8818920" cy="4517280"/>
           </a:xfrm>
           <a:prstGeom prst="rect">
             <a:avLst/>
@@ -21491,7 +21515,7 @@
         <p:spPr>
           <a:xfrm>
             <a:off x="8281080" y="6460200"/>
-            <a:ext cx="493200" cy="341640"/>
+            <a:ext cx="492840" cy="341280"/>
           </a:xfrm>
           <a:prstGeom prst="rect">
             <a:avLst/>
@@ -21585,7 +21609,7 @@
         <p:spPr>
           <a:xfrm>
             <a:off x="180000" y="1080000"/>
-            <a:ext cx="8819280" cy="4517640"/>
+            <a:ext cx="8818920" cy="4517280"/>
           </a:xfrm>
           <a:prstGeom prst="rect">
             <a:avLst/>
@@ -21714,7 +21738,7 @@
         <p:spPr>
           <a:xfrm>
             <a:off x="8281080" y="6460200"/>
-            <a:ext cx="493200" cy="341640"/>
+            <a:ext cx="492840" cy="341280"/>
           </a:xfrm>
           <a:prstGeom prst="rect">
             <a:avLst/>
@@ -21808,7 +21832,7 @@
         <p:spPr>
           <a:xfrm>
             <a:off x="180000" y="72000"/>
-            <a:ext cx="8819280" cy="4517640"/>
+            <a:ext cx="8818920" cy="4517280"/>
           </a:xfrm>
           <a:prstGeom prst="rect">
             <a:avLst/>
@@ -21989,7 +22013,7 @@
         <p:spPr>
           <a:xfrm>
             <a:off x="8281080" y="6460200"/>
-            <a:ext cx="493200" cy="341640"/>
+            <a:ext cx="492840" cy="341280"/>
           </a:xfrm>
           <a:prstGeom prst="rect">
             <a:avLst/>
@@ -22041,7 +22065,7 @@
         <p:spPr>
           <a:xfrm>
             <a:off x="180000" y="5299200"/>
-            <a:ext cx="8819280" cy="1360080"/>
+            <a:ext cx="8818920" cy="1359720"/>
           </a:xfrm>
           <a:prstGeom prst="rect">
             <a:avLst/>
@@ -22259,7 +22283,7 @@
         <p:spPr>
           <a:xfrm>
             <a:off x="457200" y="274320"/>
-            <a:ext cx="8221680" cy="1134720"/>
+            <a:ext cx="8221320" cy="1134360"/>
           </a:xfrm>
           <a:prstGeom prst="rect">
             <a:avLst/>
@@ -22349,7 +22373,7 @@
         <p:spPr>
           <a:xfrm>
             <a:off x="457200" y="0"/>
-            <a:ext cx="8221680" cy="1134720"/>
+            <a:ext cx="8221320" cy="1134360"/>
           </a:xfrm>
           <a:prstGeom prst="rect">
             <a:avLst/>
@@ -22401,7 +22425,7 @@
         <p:spPr>
           <a:xfrm>
             <a:off x="237600" y="1135440"/>
-            <a:ext cx="8761680" cy="4982400"/>
+            <a:ext cx="8761320" cy="4982040"/>
           </a:xfrm>
           <a:prstGeom prst="rect">
             <a:avLst/>
@@ -22530,7 +22554,7 @@
         <p:spPr>
           <a:xfrm>
             <a:off x="8281080" y="6460200"/>
-            <a:ext cx="493200" cy="341640"/>
+            <a:ext cx="492840" cy="341280"/>
           </a:xfrm>
           <a:prstGeom prst="rect">
             <a:avLst/>
@@ -22624,7 +22648,7 @@
         <p:spPr>
           <a:xfrm>
             <a:off x="237600" y="1135440"/>
-            <a:ext cx="8761680" cy="4982400"/>
+            <a:ext cx="8761320" cy="4982040"/>
           </a:xfrm>
           <a:prstGeom prst="rect">
             <a:avLst/>
@@ -22753,7 +22777,7 @@
         <p:spPr>
           <a:xfrm>
             <a:off x="8281080" y="6460200"/>
-            <a:ext cx="493200" cy="341640"/>
+            <a:ext cx="492840" cy="341280"/>
           </a:xfrm>
           <a:prstGeom prst="rect">
             <a:avLst/>
@@ -22847,7 +22871,7 @@
         <p:spPr>
           <a:xfrm>
             <a:off x="237600" y="1135440"/>
-            <a:ext cx="8761680" cy="4982400"/>
+            <a:ext cx="8761320" cy="4982040"/>
           </a:xfrm>
           <a:prstGeom prst="rect">
             <a:avLst/>
@@ -22976,7 +23000,7 @@
         <p:spPr>
           <a:xfrm>
             <a:off x="8281080" y="6460200"/>
-            <a:ext cx="493200" cy="341640"/>
+            <a:ext cx="492840" cy="341280"/>
           </a:xfrm>
           <a:prstGeom prst="rect">
             <a:avLst/>
@@ -23070,7 +23094,7 @@
         <p:spPr>
           <a:xfrm>
             <a:off x="237600" y="1135440"/>
-            <a:ext cx="8761680" cy="4982400"/>
+            <a:ext cx="8761320" cy="4982040"/>
           </a:xfrm>
           <a:prstGeom prst="rect">
             <a:avLst/>
@@ -23199,7 +23223,7 @@
         <p:spPr>
           <a:xfrm>
             <a:off x="8281080" y="6460200"/>
-            <a:ext cx="493200" cy="341640"/>
+            <a:ext cx="492840" cy="341280"/>
           </a:xfrm>
           <a:prstGeom prst="rect">
             <a:avLst/>
@@ -23293,7 +23317,7 @@
         <p:spPr>
           <a:xfrm>
             <a:off x="237600" y="1135440"/>
-            <a:ext cx="8761680" cy="2823840"/>
+            <a:ext cx="8761320" cy="2823480"/>
           </a:xfrm>
           <a:prstGeom prst="rect">
             <a:avLst/>
@@ -23422,7 +23446,7 @@
         <p:spPr>
           <a:xfrm>
             <a:off x="8281080" y="6460200"/>
-            <a:ext cx="493200" cy="341640"/>
+            <a:ext cx="492840" cy="341280"/>
           </a:xfrm>
           <a:prstGeom prst="rect">
             <a:avLst/>
@@ -23474,7 +23498,7 @@
         <p:spPr>
           <a:xfrm>
             <a:off x="273600" y="4879440"/>
-            <a:ext cx="8761680" cy="1528200"/>
+            <a:ext cx="8761320" cy="1527840"/>
           </a:xfrm>
           <a:prstGeom prst="rect">
             <a:avLst/>
@@ -23672,7 +23696,7 @@
         <p:spPr>
           <a:xfrm>
             <a:off x="457200" y="274320"/>
-            <a:ext cx="8221680" cy="1134720"/>
+            <a:ext cx="8221320" cy="1134360"/>
           </a:xfrm>
           <a:prstGeom prst="rect">
             <a:avLst/>
@@ -23762,7 +23786,7 @@
         <p:spPr>
           <a:xfrm>
             <a:off x="180000" y="180000"/>
-            <a:ext cx="8819640" cy="6479640"/>
+            <a:ext cx="8819280" cy="6479280"/>
           </a:xfrm>
           <a:prstGeom prst="rect">
             <a:avLst/>
@@ -23942,7 +23966,7 @@
         <p:spPr>
           <a:xfrm>
             <a:off x="8280360" y="6460200"/>
-            <a:ext cx="493200" cy="341640"/>
+            <a:ext cx="492840" cy="341280"/>
           </a:xfrm>
           <a:prstGeom prst="rect">
             <a:avLst/>
@@ -24036,7 +24060,7 @@
         <p:spPr>
           <a:xfrm>
             <a:off x="457200" y="274320"/>
-            <a:ext cx="8221680" cy="1134720"/>
+            <a:ext cx="8221320" cy="1134360"/>
           </a:xfrm>
           <a:prstGeom prst="rect">
             <a:avLst/>
@@ -24084,7 +24108,7 @@
         <p:spPr>
           <a:xfrm>
             <a:off x="360000" y="1518120"/>
-            <a:ext cx="7913160" cy="4619520"/>
+            <a:ext cx="7912800" cy="4619160"/>
           </a:xfrm>
           <a:prstGeom prst="rect">
             <a:avLst/>
@@ -24210,7 +24234,7 @@
         <p:spPr>
           <a:xfrm>
             <a:off x="597240" y="180000"/>
-            <a:ext cx="8221680" cy="6478920"/>
+            <a:ext cx="8221320" cy="6478560"/>
           </a:xfrm>
           <a:prstGeom prst="rect">
             <a:avLst/>
@@ -24319,7 +24343,7 @@
         <p:spPr>
           <a:xfrm>
             <a:off x="204480" y="757080"/>
-            <a:ext cx="6094440" cy="5721840"/>
+            <a:ext cx="6094080" cy="5721480"/>
           </a:xfrm>
           <a:custGeom>
             <a:avLst/>
@@ -24381,7 +24405,7 @@
         <p:spPr>
           <a:xfrm>
             <a:off x="6948000" y="3094920"/>
-            <a:ext cx="1798920" cy="1798920"/>
+            <a:ext cx="1798560" cy="1798560"/>
           </a:xfrm>
           <a:prstGeom prst="rect">
             <a:avLst/>
@@ -24400,7 +24424,7 @@
         <p:spPr>
           <a:xfrm>
             <a:off x="6435360" y="2160000"/>
-            <a:ext cx="2383560" cy="597240"/>
+            <a:ext cx="2383200" cy="596880"/>
           </a:xfrm>
           <a:prstGeom prst="rect">
             <a:avLst/>
@@ -24494,7 +24518,7 @@
         <p:spPr>
           <a:xfrm>
             <a:off x="180000" y="180000"/>
-            <a:ext cx="8819640" cy="6479640"/>
+            <a:ext cx="8819280" cy="6479280"/>
           </a:xfrm>
           <a:prstGeom prst="rect">
             <a:avLst/>
@@ -24674,7 +24698,7 @@
         <p:spPr>
           <a:xfrm>
             <a:off x="8280360" y="6460200"/>
-            <a:ext cx="493200" cy="341640"/>
+            <a:ext cx="492840" cy="341280"/>
           </a:xfrm>
           <a:prstGeom prst="rect">
             <a:avLst/>
@@ -24768,7 +24792,7 @@
         <p:spPr>
           <a:xfrm>
             <a:off x="180000" y="180000"/>
-            <a:ext cx="8819640" cy="6479640"/>
+            <a:ext cx="8819280" cy="6479280"/>
           </a:xfrm>
           <a:prstGeom prst="rect">
             <a:avLst/>
@@ -24948,7 +24972,7 @@
         <p:spPr>
           <a:xfrm>
             <a:off x="8280360" y="6460200"/>
-            <a:ext cx="493200" cy="341640"/>
+            <a:ext cx="492840" cy="341280"/>
           </a:xfrm>
           <a:prstGeom prst="rect">
             <a:avLst/>
